--- a/図.pptx
+++ b/図.pptx
@@ -9,6 +9,10 @@
     <p:sldId id="258" r:id="rId3"/>
     <p:sldId id="257" r:id="rId4"/>
     <p:sldId id="259" r:id="rId5"/>
+    <p:sldId id="260" r:id="rId6"/>
+    <p:sldId id="261" r:id="rId7"/>
+    <p:sldId id="262" r:id="rId8"/>
+    <p:sldId id="263" r:id="rId9"/>
   </p:sldIdLst>
   <p:sldSz cx="12192000" cy="6858000"/>
   <p:notesSz cx="6858000" cy="9144000"/>
@@ -113,6 +117,4786 @@
     </p:ext>
   </p:extLst>
 </p:presentation>
+</file>
+
+<file path=ppt/charts/chart1.xml><?xml version="1.0" encoding="utf-8"?>
+<c:chartSpace xmlns:c="http://schemas.openxmlformats.org/drawingml/2006/chart" xmlns:a="http://schemas.openxmlformats.org/drawingml/2006/main" xmlns:r="http://schemas.openxmlformats.org/officeDocument/2006/relationships" xmlns:c16r2="http://schemas.microsoft.com/office/drawing/2015/06/chart">
+  <c:date1904 val="0"/>
+  <c:lang val="ja-JP"/>
+  <c:roundedCorners val="0"/>
+  <mc:AlternateContent xmlns:mc="http://schemas.openxmlformats.org/markup-compatibility/2006">
+    <mc:Choice xmlns:c14="http://schemas.microsoft.com/office/drawing/2007/8/2/chart" Requires="c14">
+      <c14:style val="102"/>
+    </mc:Choice>
+    <mc:Fallback>
+      <c:style val="2"/>
+    </mc:Fallback>
+  </mc:AlternateContent>
+  <c:chart>
+    <c:autoTitleDeleted val="1"/>
+    <c:plotArea>
+      <c:layout>
+        <c:manualLayout>
+          <c:layoutTarget val="inner"/>
+          <c:xMode val="edge"/>
+          <c:yMode val="edge"/>
+          <c:x val="5.6256999125109362E-2"/>
+          <c:y val="5.0925925925925923E-2"/>
+          <c:w val="0.91318744531933504"/>
+          <c:h val="0.72467993584135304"/>
+        </c:manualLayout>
+      </c:layout>
+      <c:barChart>
+        <c:barDir val="col"/>
+        <c:grouping val="clustered"/>
+        <c:varyColors val="0"/>
+        <c:ser>
+          <c:idx val="0"/>
+          <c:order val="0"/>
+          <c:tx>
+            <c:strRef>
+              <c:f>仮説として載せる!$AC$32</c:f>
+              <c:strCache>
+                <c:ptCount val="1"/>
+                <c:pt idx="0">
+                  <c:v>システムあり</c:v>
+                </c:pt>
+              </c:strCache>
+            </c:strRef>
+          </c:tx>
+          <c:spPr>
+            <a:solidFill>
+              <a:schemeClr val="bg1">
+                <a:lumMod val="75000"/>
+              </a:schemeClr>
+            </a:solidFill>
+            <a:ln>
+              <a:solidFill>
+                <a:schemeClr val="tx1"/>
+              </a:solidFill>
+            </a:ln>
+            <a:effectLst/>
+          </c:spPr>
+          <c:invertIfNegative val="0"/>
+          <c:cat>
+            <c:strRef>
+              <c:f>仮説として載せる!$AD$31:$AE$31</c:f>
+              <c:strCache>
+                <c:ptCount val="2"/>
+                <c:pt idx="0">
+                  <c:v>役割を果たそうとした</c:v>
+                </c:pt>
+                <c:pt idx="1">
+                  <c:v>役割を果たすのは難しかった</c:v>
+                </c:pt>
+              </c:strCache>
+            </c:strRef>
+          </c:cat>
+          <c:val>
+            <c:numRef>
+              <c:f>仮説として載せる!$AD$32:$AE$32</c:f>
+              <c:numCache>
+                <c:formatCode>General</c:formatCode>
+                <c:ptCount val="2"/>
+                <c:pt idx="0">
+                  <c:v>5</c:v>
+                </c:pt>
+                <c:pt idx="1">
+                  <c:v>4.5263157894736841</c:v>
+                </c:pt>
+              </c:numCache>
+            </c:numRef>
+          </c:val>
+          <c:extLst>
+            <c:ext xmlns:c16="http://schemas.microsoft.com/office/drawing/2014/chart" uri="{C3380CC4-5D6E-409C-BE32-E72D297353CC}">
+              <c16:uniqueId val="{00000000-21D6-40DA-841F-69ECAF1A451D}"/>
+            </c:ext>
+          </c:extLst>
+        </c:ser>
+        <c:ser>
+          <c:idx val="1"/>
+          <c:order val="1"/>
+          <c:tx>
+            <c:strRef>
+              <c:f>仮説として載せる!$AC$34</c:f>
+              <c:strCache>
+                <c:ptCount val="1"/>
+                <c:pt idx="0">
+                  <c:v>システムなし</c:v>
+                </c:pt>
+              </c:strCache>
+            </c:strRef>
+          </c:tx>
+          <c:spPr>
+            <a:solidFill>
+              <a:schemeClr val="bg1"/>
+            </a:solidFill>
+            <a:ln>
+              <a:solidFill>
+                <a:schemeClr val="tx1"/>
+              </a:solidFill>
+            </a:ln>
+            <a:effectLst/>
+          </c:spPr>
+          <c:invertIfNegative val="0"/>
+          <c:cat>
+            <c:strRef>
+              <c:f>仮説として載せる!$AD$31:$AE$31</c:f>
+              <c:strCache>
+                <c:ptCount val="2"/>
+                <c:pt idx="0">
+                  <c:v>役割を果たそうとした</c:v>
+                </c:pt>
+                <c:pt idx="1">
+                  <c:v>役割を果たすのは難しかった</c:v>
+                </c:pt>
+              </c:strCache>
+            </c:strRef>
+          </c:cat>
+          <c:val>
+            <c:numRef>
+              <c:f>仮説として載せる!$AD$34:$AE$34</c:f>
+              <c:numCache>
+                <c:formatCode>General</c:formatCode>
+                <c:ptCount val="2"/>
+                <c:pt idx="0">
+                  <c:v>4.95</c:v>
+                </c:pt>
+                <c:pt idx="1">
+                  <c:v>4.8</c:v>
+                </c:pt>
+              </c:numCache>
+            </c:numRef>
+          </c:val>
+          <c:extLst>
+            <c:ext xmlns:c16="http://schemas.microsoft.com/office/drawing/2014/chart" uri="{C3380CC4-5D6E-409C-BE32-E72D297353CC}">
+              <c16:uniqueId val="{00000001-21D6-40DA-841F-69ECAF1A451D}"/>
+            </c:ext>
+          </c:extLst>
+        </c:ser>
+        <c:dLbls>
+          <c:showLegendKey val="0"/>
+          <c:showVal val="0"/>
+          <c:showCatName val="0"/>
+          <c:showSerName val="0"/>
+          <c:showPercent val="0"/>
+          <c:showBubbleSize val="0"/>
+        </c:dLbls>
+        <c:gapWidth val="219"/>
+        <c:overlap val="-27"/>
+        <c:axId val="451760447"/>
+        <c:axId val="453740863"/>
+      </c:barChart>
+      <c:catAx>
+        <c:axId val="451760447"/>
+        <c:scaling>
+          <c:orientation val="minMax"/>
+        </c:scaling>
+        <c:delete val="1"/>
+        <c:axPos val="b"/>
+        <c:numFmt formatCode="General" sourceLinked="1"/>
+        <c:majorTickMark val="none"/>
+        <c:minorTickMark val="none"/>
+        <c:tickLblPos val="nextTo"/>
+        <c:crossAx val="453740863"/>
+        <c:crosses val="autoZero"/>
+        <c:auto val="1"/>
+        <c:lblAlgn val="ctr"/>
+        <c:lblOffset val="100"/>
+        <c:noMultiLvlLbl val="0"/>
+      </c:catAx>
+      <c:valAx>
+        <c:axId val="453740863"/>
+        <c:scaling>
+          <c:orientation val="minMax"/>
+          <c:max val="7"/>
+          <c:min val="0"/>
+        </c:scaling>
+        <c:delete val="0"/>
+        <c:axPos val="l"/>
+        <c:majorGridlines>
+          <c:spPr>
+            <a:ln w="9525" cap="flat" cmpd="sng" algn="ctr">
+              <a:solidFill>
+                <a:schemeClr val="tx1">
+                  <a:lumMod val="15000"/>
+                  <a:lumOff val="85000"/>
+                </a:schemeClr>
+              </a:solidFill>
+              <a:round/>
+            </a:ln>
+            <a:effectLst/>
+          </c:spPr>
+        </c:majorGridlines>
+        <c:numFmt formatCode="General" sourceLinked="1"/>
+        <c:majorTickMark val="none"/>
+        <c:minorTickMark val="none"/>
+        <c:tickLblPos val="nextTo"/>
+        <c:spPr>
+          <a:noFill/>
+          <a:ln>
+            <a:noFill/>
+          </a:ln>
+          <a:effectLst/>
+        </c:spPr>
+        <c:txPr>
+          <a:bodyPr rot="-60000000" spcFirstLastPara="1" vertOverflow="ellipsis" vert="horz" wrap="square" anchor="ctr" anchorCtr="1"/>
+          <a:lstStyle/>
+          <a:p>
+            <a:pPr>
+              <a:defRPr sz="900" b="0" i="0" u="none" strike="noStrike" kern="1200" baseline="0">
+                <a:solidFill>
+                  <a:schemeClr val="tx1">
+                    <a:lumMod val="65000"/>
+                    <a:lumOff val="35000"/>
+                  </a:schemeClr>
+                </a:solidFill>
+                <a:latin typeface="+mn-lt"/>
+                <a:ea typeface="+mn-ea"/>
+                <a:cs typeface="+mn-cs"/>
+              </a:defRPr>
+            </a:pPr>
+            <a:endParaRPr lang="ja-JP"/>
+          </a:p>
+        </c:txPr>
+        <c:crossAx val="451760447"/>
+        <c:crosses val="autoZero"/>
+        <c:crossBetween val="between"/>
+      </c:valAx>
+      <c:spPr>
+        <a:noFill/>
+        <a:ln>
+          <a:noFill/>
+        </a:ln>
+        <a:effectLst/>
+      </c:spPr>
+    </c:plotArea>
+    <c:legend>
+      <c:legendPos val="b"/>
+      <c:layout/>
+      <c:overlay val="0"/>
+      <c:spPr>
+        <a:noFill/>
+        <a:ln>
+          <a:noFill/>
+        </a:ln>
+        <a:effectLst/>
+      </c:spPr>
+      <c:txPr>
+        <a:bodyPr rot="0" spcFirstLastPara="1" vertOverflow="ellipsis" vert="horz" wrap="square" anchor="ctr" anchorCtr="1"/>
+        <a:lstStyle/>
+        <a:p>
+          <a:pPr>
+            <a:defRPr sz="900" b="0" i="0" u="none" strike="noStrike" kern="1200" baseline="0">
+              <a:solidFill>
+                <a:schemeClr val="tx1">
+                  <a:lumMod val="65000"/>
+                  <a:lumOff val="35000"/>
+                </a:schemeClr>
+              </a:solidFill>
+              <a:latin typeface="+mn-lt"/>
+              <a:ea typeface="+mn-ea"/>
+              <a:cs typeface="+mn-cs"/>
+            </a:defRPr>
+          </a:pPr>
+          <a:endParaRPr lang="ja-JP"/>
+        </a:p>
+      </c:txPr>
+    </c:legend>
+    <c:plotVisOnly val="1"/>
+    <c:dispBlanksAs val="gap"/>
+    <c:showDLblsOverMax val="0"/>
+  </c:chart>
+  <c:spPr>
+    <a:noFill/>
+    <a:ln>
+      <a:noFill/>
+    </a:ln>
+    <a:effectLst/>
+  </c:spPr>
+  <c:txPr>
+    <a:bodyPr/>
+    <a:lstStyle/>
+    <a:p>
+      <a:pPr>
+        <a:defRPr/>
+      </a:pPr>
+      <a:endParaRPr lang="ja-JP"/>
+    </a:p>
+  </c:txPr>
+  <c:externalData r:id="rId3">
+    <c:autoUpdate val="0"/>
+  </c:externalData>
+</c:chartSpace>
+</file>
+
+<file path=ppt/charts/chart2.xml><?xml version="1.0" encoding="utf-8"?>
+<c:chartSpace xmlns:c="http://schemas.openxmlformats.org/drawingml/2006/chart" xmlns:a="http://schemas.openxmlformats.org/drawingml/2006/main" xmlns:r="http://schemas.openxmlformats.org/officeDocument/2006/relationships" xmlns:c16r2="http://schemas.microsoft.com/office/drawing/2015/06/chart">
+  <c:date1904 val="0"/>
+  <c:lang val="ja-JP"/>
+  <c:roundedCorners val="0"/>
+  <mc:AlternateContent xmlns:mc="http://schemas.openxmlformats.org/markup-compatibility/2006">
+    <mc:Choice xmlns:c14="http://schemas.microsoft.com/office/drawing/2007/8/2/chart" Requires="c14">
+      <c14:style val="102"/>
+    </mc:Choice>
+    <mc:Fallback>
+      <c:style val="2"/>
+    </mc:Fallback>
+  </mc:AlternateContent>
+  <c:chart>
+    <c:title>
+      <c:tx>
+        <c:rich>
+          <a:bodyPr rot="0" spcFirstLastPara="1" vertOverflow="ellipsis" vert="horz" wrap="square" anchor="ctr" anchorCtr="1"/>
+          <a:lstStyle/>
+          <a:p>
+            <a:pPr>
+              <a:defRPr sz="1400" b="0" i="0" u="none" strike="noStrike" kern="1200" spc="0" baseline="0">
+                <a:solidFill>
+                  <a:schemeClr val="tx1">
+                    <a:lumMod val="65000"/>
+                    <a:lumOff val="35000"/>
+                  </a:schemeClr>
+                </a:solidFill>
+                <a:latin typeface="+mn-lt"/>
+                <a:ea typeface="+mn-ea"/>
+                <a:cs typeface="+mn-cs"/>
+              </a:defRPr>
+            </a:pPr>
+            <a:r>
+              <a:rPr lang="en-US" altLang="ja-JP" sz="1400" b="0" i="0" u="none" strike="noStrike" baseline="0">
+                <a:effectLst/>
+              </a:rPr>
+              <a:t>Q29. </a:t>
+            </a:r>
+            <a:r>
+              <a:rPr lang="ja-JP" altLang="en-US" sz="1400" b="0" i="0" u="none" strike="noStrike" baseline="0">
+                <a:effectLst/>
+              </a:rPr>
+              <a:t>以下の話題はどちらの条件で議論したいですか</a:t>
+            </a:r>
+            <a:endParaRPr lang="ja-JP" altLang="en-US"/>
+          </a:p>
+        </c:rich>
+      </c:tx>
+      <c:layout/>
+      <c:overlay val="0"/>
+      <c:spPr>
+        <a:noFill/>
+        <a:ln>
+          <a:noFill/>
+        </a:ln>
+        <a:effectLst/>
+      </c:spPr>
+      <c:txPr>
+        <a:bodyPr rot="0" spcFirstLastPara="1" vertOverflow="ellipsis" vert="horz" wrap="square" anchor="ctr" anchorCtr="1"/>
+        <a:lstStyle/>
+        <a:p>
+          <a:pPr>
+            <a:defRPr sz="1400" b="0" i="0" u="none" strike="noStrike" kern="1200" spc="0" baseline="0">
+              <a:solidFill>
+                <a:schemeClr val="tx1">
+                  <a:lumMod val="65000"/>
+                  <a:lumOff val="35000"/>
+                </a:schemeClr>
+              </a:solidFill>
+              <a:latin typeface="+mn-lt"/>
+              <a:ea typeface="+mn-ea"/>
+              <a:cs typeface="+mn-cs"/>
+            </a:defRPr>
+          </a:pPr>
+          <a:endParaRPr lang="ja-JP"/>
+        </a:p>
+      </c:txPr>
+    </c:title>
+    <c:autoTitleDeleted val="0"/>
+    <c:plotArea>
+      <c:layout/>
+      <c:barChart>
+        <c:barDir val="bar"/>
+        <c:grouping val="percentStacked"/>
+        <c:varyColors val="0"/>
+        <c:ser>
+          <c:idx val="0"/>
+          <c:order val="0"/>
+          <c:tx>
+            <c:strRef>
+              <c:f>Sheet10!$C$93</c:f>
+              <c:strCache>
+                <c:ptCount val="1"/>
+                <c:pt idx="0">
+                  <c:v>ロボットがいた議論</c:v>
+                </c:pt>
+              </c:strCache>
+            </c:strRef>
+          </c:tx>
+          <c:spPr>
+            <a:solidFill>
+              <a:schemeClr val="bg1">
+                <a:lumMod val="75000"/>
+              </a:schemeClr>
+            </a:solidFill>
+            <a:ln>
+              <a:solidFill>
+                <a:schemeClr val="tx1"/>
+              </a:solidFill>
+            </a:ln>
+            <a:effectLst/>
+          </c:spPr>
+          <c:invertIfNegative val="0"/>
+          <c:cat>
+            <c:strRef>
+              <c:f>Sheet10!$D$92:$H$92</c:f>
+              <c:strCache>
+                <c:ptCount val="5"/>
+                <c:pt idx="0">
+                  <c:v>絶対的な悪は存在するか</c:v>
+                </c:pt>
+                <c:pt idx="1">
+                  <c:v>愛とは何か</c:v>
+                </c:pt>
+                <c:pt idx="2">
+                  <c:v>死刑制度は存続すべきか</c:v>
+                </c:pt>
+                <c:pt idx="3">
+                  <c:v>日本は捕鯨をやめるべきか</c:v>
+                </c:pt>
+                <c:pt idx="4">
+                  <c:v>朝食はパンかご飯か</c:v>
+                </c:pt>
+              </c:strCache>
+            </c:strRef>
+          </c:cat>
+          <c:val>
+            <c:numRef>
+              <c:f>Sheet10!$D$93:$H$93</c:f>
+              <c:numCache>
+                <c:formatCode>General</c:formatCode>
+                <c:ptCount val="5"/>
+                <c:pt idx="0">
+                  <c:v>28</c:v>
+                </c:pt>
+                <c:pt idx="1">
+                  <c:v>23</c:v>
+                </c:pt>
+                <c:pt idx="2">
+                  <c:v>30</c:v>
+                </c:pt>
+                <c:pt idx="3">
+                  <c:v>34</c:v>
+                </c:pt>
+                <c:pt idx="4">
+                  <c:v>28</c:v>
+                </c:pt>
+              </c:numCache>
+            </c:numRef>
+          </c:val>
+          <c:extLst>
+            <c:ext xmlns:c16="http://schemas.microsoft.com/office/drawing/2014/chart" uri="{C3380CC4-5D6E-409C-BE32-E72D297353CC}">
+              <c16:uniqueId val="{00000000-ACEE-4E07-9C39-4FACCF4E7609}"/>
+            </c:ext>
+          </c:extLst>
+        </c:ser>
+        <c:ser>
+          <c:idx val="1"/>
+          <c:order val="1"/>
+          <c:tx>
+            <c:strRef>
+              <c:f>Sheet10!$C$94</c:f>
+              <c:strCache>
+                <c:ptCount val="1"/>
+                <c:pt idx="0">
+                  <c:v>人だけの議論</c:v>
+                </c:pt>
+              </c:strCache>
+            </c:strRef>
+          </c:tx>
+          <c:spPr>
+            <a:solidFill>
+              <a:schemeClr val="bg1"/>
+            </a:solidFill>
+            <a:ln>
+              <a:solidFill>
+                <a:schemeClr val="tx1"/>
+              </a:solidFill>
+            </a:ln>
+            <a:effectLst/>
+          </c:spPr>
+          <c:invertIfNegative val="0"/>
+          <c:cat>
+            <c:strRef>
+              <c:f>Sheet10!$D$92:$H$92</c:f>
+              <c:strCache>
+                <c:ptCount val="5"/>
+                <c:pt idx="0">
+                  <c:v>絶対的な悪は存在するか</c:v>
+                </c:pt>
+                <c:pt idx="1">
+                  <c:v>愛とは何か</c:v>
+                </c:pt>
+                <c:pt idx="2">
+                  <c:v>死刑制度は存続すべきか</c:v>
+                </c:pt>
+                <c:pt idx="3">
+                  <c:v>日本は捕鯨をやめるべきか</c:v>
+                </c:pt>
+                <c:pt idx="4">
+                  <c:v>朝食はパンかご飯か</c:v>
+                </c:pt>
+              </c:strCache>
+            </c:strRef>
+          </c:cat>
+          <c:val>
+            <c:numRef>
+              <c:f>Sheet10!$D$94:$H$94</c:f>
+              <c:numCache>
+                <c:formatCode>General</c:formatCode>
+                <c:ptCount val="5"/>
+                <c:pt idx="0">
+                  <c:v>36</c:v>
+                </c:pt>
+                <c:pt idx="1">
+                  <c:v>41</c:v>
+                </c:pt>
+                <c:pt idx="2">
+                  <c:v>34</c:v>
+                </c:pt>
+                <c:pt idx="3">
+                  <c:v>30</c:v>
+                </c:pt>
+                <c:pt idx="4">
+                  <c:v>36</c:v>
+                </c:pt>
+              </c:numCache>
+            </c:numRef>
+          </c:val>
+          <c:extLst>
+            <c:ext xmlns:c16="http://schemas.microsoft.com/office/drawing/2014/chart" uri="{C3380CC4-5D6E-409C-BE32-E72D297353CC}">
+              <c16:uniqueId val="{00000001-ACEE-4E07-9C39-4FACCF4E7609}"/>
+            </c:ext>
+          </c:extLst>
+        </c:ser>
+        <c:dLbls>
+          <c:showLegendKey val="0"/>
+          <c:showVal val="0"/>
+          <c:showCatName val="0"/>
+          <c:showSerName val="0"/>
+          <c:showPercent val="0"/>
+          <c:showBubbleSize val="0"/>
+        </c:dLbls>
+        <c:gapWidth val="150"/>
+        <c:overlap val="100"/>
+        <c:axId val="1119330784"/>
+        <c:axId val="1119332864"/>
+      </c:barChart>
+      <c:catAx>
+        <c:axId val="1119330784"/>
+        <c:scaling>
+          <c:orientation val="minMax"/>
+        </c:scaling>
+        <c:delete val="0"/>
+        <c:axPos val="l"/>
+        <c:numFmt formatCode="General" sourceLinked="1"/>
+        <c:majorTickMark val="none"/>
+        <c:minorTickMark val="none"/>
+        <c:tickLblPos val="nextTo"/>
+        <c:spPr>
+          <a:noFill/>
+          <a:ln w="9525" cap="flat" cmpd="sng" algn="ctr">
+            <a:solidFill>
+              <a:schemeClr val="tx1">
+                <a:lumMod val="15000"/>
+                <a:lumOff val="85000"/>
+              </a:schemeClr>
+            </a:solidFill>
+            <a:round/>
+          </a:ln>
+          <a:effectLst/>
+        </c:spPr>
+        <c:txPr>
+          <a:bodyPr rot="-60000000" spcFirstLastPara="1" vertOverflow="ellipsis" vert="horz" wrap="square" anchor="ctr" anchorCtr="1"/>
+          <a:lstStyle/>
+          <a:p>
+            <a:pPr>
+              <a:defRPr sz="900" b="0" i="0" u="none" strike="noStrike" kern="1200" baseline="0">
+                <a:solidFill>
+                  <a:schemeClr val="tx1">
+                    <a:lumMod val="65000"/>
+                    <a:lumOff val="35000"/>
+                  </a:schemeClr>
+                </a:solidFill>
+                <a:latin typeface="+mn-lt"/>
+                <a:ea typeface="+mn-ea"/>
+                <a:cs typeface="+mn-cs"/>
+              </a:defRPr>
+            </a:pPr>
+            <a:endParaRPr lang="ja-JP"/>
+          </a:p>
+        </c:txPr>
+        <c:crossAx val="1119332864"/>
+        <c:crosses val="autoZero"/>
+        <c:auto val="1"/>
+        <c:lblAlgn val="ctr"/>
+        <c:lblOffset val="100"/>
+        <c:noMultiLvlLbl val="0"/>
+      </c:catAx>
+      <c:valAx>
+        <c:axId val="1119332864"/>
+        <c:scaling>
+          <c:orientation val="minMax"/>
+        </c:scaling>
+        <c:delete val="0"/>
+        <c:axPos val="b"/>
+        <c:majorGridlines>
+          <c:spPr>
+            <a:ln w="9525" cap="flat" cmpd="sng" algn="ctr">
+              <a:solidFill>
+                <a:schemeClr val="tx1">
+                  <a:lumMod val="15000"/>
+                  <a:lumOff val="85000"/>
+                </a:schemeClr>
+              </a:solidFill>
+              <a:round/>
+            </a:ln>
+            <a:effectLst/>
+          </c:spPr>
+        </c:majorGridlines>
+        <c:numFmt formatCode="0%" sourceLinked="1"/>
+        <c:majorTickMark val="none"/>
+        <c:minorTickMark val="none"/>
+        <c:tickLblPos val="nextTo"/>
+        <c:spPr>
+          <a:noFill/>
+          <a:ln>
+            <a:noFill/>
+          </a:ln>
+          <a:effectLst/>
+        </c:spPr>
+        <c:txPr>
+          <a:bodyPr rot="-60000000" spcFirstLastPara="1" vertOverflow="ellipsis" vert="horz" wrap="square" anchor="ctr" anchorCtr="1"/>
+          <a:lstStyle/>
+          <a:p>
+            <a:pPr>
+              <a:defRPr sz="900" b="0" i="0" u="none" strike="noStrike" kern="1200" baseline="0">
+                <a:solidFill>
+                  <a:schemeClr val="tx1">
+                    <a:lumMod val="65000"/>
+                    <a:lumOff val="35000"/>
+                  </a:schemeClr>
+                </a:solidFill>
+                <a:latin typeface="+mn-lt"/>
+                <a:ea typeface="+mn-ea"/>
+                <a:cs typeface="+mn-cs"/>
+              </a:defRPr>
+            </a:pPr>
+            <a:endParaRPr lang="ja-JP"/>
+          </a:p>
+        </c:txPr>
+        <c:crossAx val="1119330784"/>
+        <c:crosses val="autoZero"/>
+        <c:crossBetween val="between"/>
+      </c:valAx>
+      <c:spPr>
+        <a:noFill/>
+        <a:ln>
+          <a:noFill/>
+        </a:ln>
+        <a:effectLst/>
+      </c:spPr>
+    </c:plotArea>
+    <c:legend>
+      <c:legendPos val="b"/>
+      <c:layout/>
+      <c:overlay val="0"/>
+      <c:spPr>
+        <a:noFill/>
+        <a:ln>
+          <a:noFill/>
+        </a:ln>
+        <a:effectLst/>
+      </c:spPr>
+      <c:txPr>
+        <a:bodyPr rot="0" spcFirstLastPara="1" vertOverflow="ellipsis" vert="horz" wrap="square" anchor="ctr" anchorCtr="1"/>
+        <a:lstStyle/>
+        <a:p>
+          <a:pPr>
+            <a:defRPr sz="900" b="0" i="0" u="none" strike="noStrike" kern="1200" baseline="0">
+              <a:solidFill>
+                <a:schemeClr val="tx1">
+                  <a:lumMod val="65000"/>
+                  <a:lumOff val="35000"/>
+                </a:schemeClr>
+              </a:solidFill>
+              <a:latin typeface="+mn-lt"/>
+              <a:ea typeface="+mn-ea"/>
+              <a:cs typeface="+mn-cs"/>
+            </a:defRPr>
+          </a:pPr>
+          <a:endParaRPr lang="ja-JP"/>
+        </a:p>
+      </c:txPr>
+    </c:legend>
+    <c:plotVisOnly val="1"/>
+    <c:dispBlanksAs val="gap"/>
+    <c:showDLblsOverMax val="0"/>
+  </c:chart>
+  <c:spPr>
+    <a:noFill/>
+    <a:ln>
+      <a:noFill/>
+    </a:ln>
+    <a:effectLst/>
+  </c:spPr>
+  <c:txPr>
+    <a:bodyPr/>
+    <a:lstStyle/>
+    <a:p>
+      <a:pPr>
+        <a:defRPr/>
+      </a:pPr>
+      <a:endParaRPr lang="ja-JP"/>
+    </a:p>
+  </c:txPr>
+  <c:externalData r:id="rId3">
+    <c:autoUpdate val="0"/>
+  </c:externalData>
+</c:chartSpace>
+</file>
+
+<file path=ppt/charts/chart3.xml><?xml version="1.0" encoding="utf-8"?>
+<c:chartSpace xmlns:c="http://schemas.openxmlformats.org/drawingml/2006/chart" xmlns:a="http://schemas.openxmlformats.org/drawingml/2006/main" xmlns:r="http://schemas.openxmlformats.org/officeDocument/2006/relationships" xmlns:c16r2="http://schemas.microsoft.com/office/drawing/2015/06/chart">
+  <c:date1904 val="0"/>
+  <c:lang val="ja-JP"/>
+  <c:roundedCorners val="0"/>
+  <mc:AlternateContent xmlns:mc="http://schemas.openxmlformats.org/markup-compatibility/2006">
+    <mc:Choice xmlns:c14="http://schemas.microsoft.com/office/drawing/2007/8/2/chart" Requires="c14">
+      <c14:style val="102"/>
+    </mc:Choice>
+    <mc:Fallback>
+      <c:style val="2"/>
+    </mc:Fallback>
+  </mc:AlternateContent>
+  <c:chart>
+    <c:title>
+      <c:tx>
+        <c:rich>
+          <a:bodyPr rot="0" spcFirstLastPara="1" vertOverflow="ellipsis" vert="horz" wrap="square" anchor="ctr" anchorCtr="1"/>
+          <a:lstStyle/>
+          <a:p>
+            <a:pPr>
+              <a:defRPr sz="1400" b="0" i="0" u="none" strike="noStrike" kern="1200" spc="0" baseline="0">
+                <a:solidFill>
+                  <a:schemeClr val="tx1">
+                    <a:lumMod val="65000"/>
+                    <a:lumOff val="35000"/>
+                  </a:schemeClr>
+                </a:solidFill>
+                <a:latin typeface="+mn-lt"/>
+                <a:ea typeface="+mn-ea"/>
+                <a:cs typeface="+mn-cs"/>
+              </a:defRPr>
+            </a:pPr>
+            <a:r>
+              <a:rPr lang="en-US" altLang="ja-JP" sz="1400" b="0" i="0" u="none" strike="noStrike" baseline="0">
+                <a:effectLst/>
+              </a:rPr>
+              <a:t>Q29. </a:t>
+            </a:r>
+            <a:r>
+              <a:rPr lang="ja-JP" altLang="en-US" sz="1400" b="0" i="0" u="none" strike="noStrike" baseline="0">
+                <a:effectLst/>
+              </a:rPr>
+              <a:t>以下の話題はどちらの条件で議論したいですか</a:t>
+            </a:r>
+            <a:endParaRPr lang="ja-JP" altLang="en-US"/>
+          </a:p>
+        </c:rich>
+      </c:tx>
+      <c:layout/>
+      <c:overlay val="0"/>
+      <c:spPr>
+        <a:noFill/>
+        <a:ln>
+          <a:noFill/>
+        </a:ln>
+        <a:effectLst/>
+      </c:spPr>
+      <c:txPr>
+        <a:bodyPr rot="0" spcFirstLastPara="1" vertOverflow="ellipsis" vert="horz" wrap="square" anchor="ctr" anchorCtr="1"/>
+        <a:lstStyle/>
+        <a:p>
+          <a:pPr>
+            <a:defRPr sz="1400" b="0" i="0" u="none" strike="noStrike" kern="1200" spc="0" baseline="0">
+              <a:solidFill>
+                <a:schemeClr val="tx1">
+                  <a:lumMod val="65000"/>
+                  <a:lumOff val="35000"/>
+                </a:schemeClr>
+              </a:solidFill>
+              <a:latin typeface="+mn-lt"/>
+              <a:ea typeface="+mn-ea"/>
+              <a:cs typeface="+mn-cs"/>
+            </a:defRPr>
+          </a:pPr>
+          <a:endParaRPr lang="ja-JP"/>
+        </a:p>
+      </c:txPr>
+    </c:title>
+    <c:autoTitleDeleted val="0"/>
+    <c:plotArea>
+      <c:layout/>
+      <c:barChart>
+        <c:barDir val="bar"/>
+        <c:grouping val="percentStacked"/>
+        <c:varyColors val="0"/>
+        <c:ser>
+          <c:idx val="0"/>
+          <c:order val="0"/>
+          <c:tx>
+            <c:strRef>
+              <c:f>Sheet10!$C$93</c:f>
+              <c:strCache>
+                <c:ptCount val="1"/>
+                <c:pt idx="0">
+                  <c:v>ロボットがいた議論</c:v>
+                </c:pt>
+              </c:strCache>
+            </c:strRef>
+          </c:tx>
+          <c:spPr>
+            <a:solidFill>
+              <a:schemeClr val="bg1">
+                <a:lumMod val="75000"/>
+              </a:schemeClr>
+            </a:solidFill>
+            <a:ln>
+              <a:solidFill>
+                <a:schemeClr val="tx1"/>
+              </a:solidFill>
+            </a:ln>
+            <a:effectLst/>
+          </c:spPr>
+          <c:invertIfNegative val="0"/>
+          <c:cat>
+            <c:strRef>
+              <c:f>Sheet10!$D$92:$H$92</c:f>
+              <c:strCache>
+                <c:ptCount val="5"/>
+                <c:pt idx="0">
+                  <c:v>絶対的な悪は存在するか</c:v>
+                </c:pt>
+                <c:pt idx="1">
+                  <c:v>愛とは何か</c:v>
+                </c:pt>
+                <c:pt idx="2">
+                  <c:v>死刑制度は存続すべきか</c:v>
+                </c:pt>
+                <c:pt idx="3">
+                  <c:v>日本は捕鯨をやめるべきか</c:v>
+                </c:pt>
+                <c:pt idx="4">
+                  <c:v>朝食はパンかご飯か</c:v>
+                </c:pt>
+              </c:strCache>
+            </c:strRef>
+          </c:cat>
+          <c:val>
+            <c:numRef>
+              <c:f>Sheet10!$D$93:$H$93</c:f>
+              <c:numCache>
+                <c:formatCode>General</c:formatCode>
+                <c:ptCount val="5"/>
+                <c:pt idx="0">
+                  <c:v>28</c:v>
+                </c:pt>
+                <c:pt idx="1">
+                  <c:v>23</c:v>
+                </c:pt>
+                <c:pt idx="2">
+                  <c:v>30</c:v>
+                </c:pt>
+                <c:pt idx="3">
+                  <c:v>34</c:v>
+                </c:pt>
+                <c:pt idx="4">
+                  <c:v>28</c:v>
+                </c:pt>
+              </c:numCache>
+            </c:numRef>
+          </c:val>
+          <c:extLst>
+            <c:ext xmlns:c16="http://schemas.microsoft.com/office/drawing/2014/chart" uri="{C3380CC4-5D6E-409C-BE32-E72D297353CC}">
+              <c16:uniqueId val="{00000000-60BA-4639-B40C-DD9F7FC1251C}"/>
+            </c:ext>
+          </c:extLst>
+        </c:ser>
+        <c:ser>
+          <c:idx val="1"/>
+          <c:order val="1"/>
+          <c:tx>
+            <c:strRef>
+              <c:f>Sheet10!$C$94</c:f>
+              <c:strCache>
+                <c:ptCount val="1"/>
+                <c:pt idx="0">
+                  <c:v>人だけの議論</c:v>
+                </c:pt>
+              </c:strCache>
+            </c:strRef>
+          </c:tx>
+          <c:spPr>
+            <a:solidFill>
+              <a:schemeClr val="bg1"/>
+            </a:solidFill>
+            <a:ln>
+              <a:solidFill>
+                <a:schemeClr val="tx1"/>
+              </a:solidFill>
+            </a:ln>
+            <a:effectLst/>
+          </c:spPr>
+          <c:invertIfNegative val="0"/>
+          <c:cat>
+            <c:strRef>
+              <c:f>Sheet10!$D$92:$H$92</c:f>
+              <c:strCache>
+                <c:ptCount val="5"/>
+                <c:pt idx="0">
+                  <c:v>絶対的な悪は存在するか</c:v>
+                </c:pt>
+                <c:pt idx="1">
+                  <c:v>愛とは何か</c:v>
+                </c:pt>
+                <c:pt idx="2">
+                  <c:v>死刑制度は存続すべきか</c:v>
+                </c:pt>
+                <c:pt idx="3">
+                  <c:v>日本は捕鯨をやめるべきか</c:v>
+                </c:pt>
+                <c:pt idx="4">
+                  <c:v>朝食はパンかご飯か</c:v>
+                </c:pt>
+              </c:strCache>
+            </c:strRef>
+          </c:cat>
+          <c:val>
+            <c:numRef>
+              <c:f>Sheet10!$D$94:$H$94</c:f>
+              <c:numCache>
+                <c:formatCode>General</c:formatCode>
+                <c:ptCount val="5"/>
+                <c:pt idx="0">
+                  <c:v>36</c:v>
+                </c:pt>
+                <c:pt idx="1">
+                  <c:v>41</c:v>
+                </c:pt>
+                <c:pt idx="2">
+                  <c:v>34</c:v>
+                </c:pt>
+                <c:pt idx="3">
+                  <c:v>30</c:v>
+                </c:pt>
+                <c:pt idx="4">
+                  <c:v>36</c:v>
+                </c:pt>
+              </c:numCache>
+            </c:numRef>
+          </c:val>
+          <c:extLst>
+            <c:ext xmlns:c16="http://schemas.microsoft.com/office/drawing/2014/chart" uri="{C3380CC4-5D6E-409C-BE32-E72D297353CC}">
+              <c16:uniqueId val="{00000001-60BA-4639-B40C-DD9F7FC1251C}"/>
+            </c:ext>
+          </c:extLst>
+        </c:ser>
+        <c:dLbls>
+          <c:showLegendKey val="0"/>
+          <c:showVal val="0"/>
+          <c:showCatName val="0"/>
+          <c:showSerName val="0"/>
+          <c:showPercent val="0"/>
+          <c:showBubbleSize val="0"/>
+        </c:dLbls>
+        <c:gapWidth val="150"/>
+        <c:overlap val="100"/>
+        <c:axId val="1119330784"/>
+        <c:axId val="1119332864"/>
+      </c:barChart>
+      <c:catAx>
+        <c:axId val="1119330784"/>
+        <c:scaling>
+          <c:orientation val="minMax"/>
+        </c:scaling>
+        <c:delete val="0"/>
+        <c:axPos val="l"/>
+        <c:numFmt formatCode="General" sourceLinked="1"/>
+        <c:majorTickMark val="none"/>
+        <c:minorTickMark val="none"/>
+        <c:tickLblPos val="nextTo"/>
+        <c:spPr>
+          <a:noFill/>
+          <a:ln w="9525" cap="flat" cmpd="sng" algn="ctr">
+            <a:solidFill>
+              <a:schemeClr val="tx1">
+                <a:lumMod val="15000"/>
+                <a:lumOff val="85000"/>
+              </a:schemeClr>
+            </a:solidFill>
+            <a:round/>
+          </a:ln>
+          <a:effectLst/>
+        </c:spPr>
+        <c:txPr>
+          <a:bodyPr rot="-60000000" spcFirstLastPara="1" vertOverflow="ellipsis" vert="horz" wrap="square" anchor="ctr" anchorCtr="1"/>
+          <a:lstStyle/>
+          <a:p>
+            <a:pPr>
+              <a:defRPr sz="900" b="0" i="0" u="none" strike="noStrike" kern="1200" baseline="0">
+                <a:solidFill>
+                  <a:schemeClr val="tx1">
+                    <a:lumMod val="65000"/>
+                    <a:lumOff val="35000"/>
+                  </a:schemeClr>
+                </a:solidFill>
+                <a:latin typeface="+mn-lt"/>
+                <a:ea typeface="+mn-ea"/>
+                <a:cs typeface="+mn-cs"/>
+              </a:defRPr>
+            </a:pPr>
+            <a:endParaRPr lang="ja-JP"/>
+          </a:p>
+        </c:txPr>
+        <c:crossAx val="1119332864"/>
+        <c:crosses val="autoZero"/>
+        <c:auto val="1"/>
+        <c:lblAlgn val="ctr"/>
+        <c:lblOffset val="100"/>
+        <c:noMultiLvlLbl val="0"/>
+      </c:catAx>
+      <c:valAx>
+        <c:axId val="1119332864"/>
+        <c:scaling>
+          <c:orientation val="minMax"/>
+        </c:scaling>
+        <c:delete val="0"/>
+        <c:axPos val="b"/>
+        <c:majorGridlines>
+          <c:spPr>
+            <a:ln w="9525" cap="flat" cmpd="sng" algn="ctr">
+              <a:solidFill>
+                <a:schemeClr val="tx1">
+                  <a:lumMod val="15000"/>
+                  <a:lumOff val="85000"/>
+                </a:schemeClr>
+              </a:solidFill>
+              <a:round/>
+            </a:ln>
+            <a:effectLst/>
+          </c:spPr>
+        </c:majorGridlines>
+        <c:numFmt formatCode="0%" sourceLinked="1"/>
+        <c:majorTickMark val="none"/>
+        <c:minorTickMark val="none"/>
+        <c:tickLblPos val="nextTo"/>
+        <c:spPr>
+          <a:noFill/>
+          <a:ln>
+            <a:noFill/>
+          </a:ln>
+          <a:effectLst/>
+        </c:spPr>
+        <c:txPr>
+          <a:bodyPr rot="-60000000" spcFirstLastPara="1" vertOverflow="ellipsis" vert="horz" wrap="square" anchor="ctr" anchorCtr="1"/>
+          <a:lstStyle/>
+          <a:p>
+            <a:pPr>
+              <a:defRPr sz="900" b="0" i="0" u="none" strike="noStrike" kern="1200" baseline="0">
+                <a:solidFill>
+                  <a:schemeClr val="tx1">
+                    <a:lumMod val="65000"/>
+                    <a:lumOff val="35000"/>
+                  </a:schemeClr>
+                </a:solidFill>
+                <a:latin typeface="+mn-lt"/>
+                <a:ea typeface="+mn-ea"/>
+                <a:cs typeface="+mn-cs"/>
+              </a:defRPr>
+            </a:pPr>
+            <a:endParaRPr lang="ja-JP"/>
+          </a:p>
+        </c:txPr>
+        <c:crossAx val="1119330784"/>
+        <c:crosses val="autoZero"/>
+        <c:crossBetween val="between"/>
+      </c:valAx>
+      <c:spPr>
+        <a:noFill/>
+        <a:ln>
+          <a:noFill/>
+        </a:ln>
+        <a:effectLst/>
+      </c:spPr>
+    </c:plotArea>
+    <c:legend>
+      <c:legendPos val="b"/>
+      <c:layout/>
+      <c:overlay val="0"/>
+      <c:spPr>
+        <a:noFill/>
+        <a:ln>
+          <a:noFill/>
+        </a:ln>
+        <a:effectLst/>
+      </c:spPr>
+      <c:txPr>
+        <a:bodyPr rot="0" spcFirstLastPara="1" vertOverflow="ellipsis" vert="horz" wrap="square" anchor="ctr" anchorCtr="1"/>
+        <a:lstStyle/>
+        <a:p>
+          <a:pPr>
+            <a:defRPr sz="900" b="0" i="0" u="none" strike="noStrike" kern="1200" baseline="0">
+              <a:solidFill>
+                <a:schemeClr val="tx1">
+                  <a:lumMod val="65000"/>
+                  <a:lumOff val="35000"/>
+                </a:schemeClr>
+              </a:solidFill>
+              <a:latin typeface="+mn-lt"/>
+              <a:ea typeface="+mn-ea"/>
+              <a:cs typeface="+mn-cs"/>
+            </a:defRPr>
+          </a:pPr>
+          <a:endParaRPr lang="ja-JP"/>
+        </a:p>
+      </c:txPr>
+    </c:legend>
+    <c:plotVisOnly val="1"/>
+    <c:dispBlanksAs val="gap"/>
+    <c:showDLblsOverMax val="0"/>
+  </c:chart>
+  <c:spPr>
+    <a:solidFill>
+      <a:schemeClr val="bg1"/>
+    </a:solidFill>
+    <a:ln w="9525" cap="flat" cmpd="sng" algn="ctr">
+      <a:noFill/>
+      <a:round/>
+    </a:ln>
+    <a:effectLst/>
+  </c:spPr>
+  <c:txPr>
+    <a:bodyPr/>
+    <a:lstStyle/>
+    <a:p>
+      <a:pPr>
+        <a:defRPr/>
+      </a:pPr>
+      <a:endParaRPr lang="ja-JP"/>
+    </a:p>
+  </c:txPr>
+  <c:externalData r:id="rId3">
+    <c:autoUpdate val="0"/>
+  </c:externalData>
+</c:chartSpace>
+</file>
+
+<file path=ppt/charts/chart4.xml><?xml version="1.0" encoding="utf-8"?>
+<c:chartSpace xmlns:c="http://schemas.openxmlformats.org/drawingml/2006/chart" xmlns:a="http://schemas.openxmlformats.org/drawingml/2006/main" xmlns:r="http://schemas.openxmlformats.org/officeDocument/2006/relationships" xmlns:c16r2="http://schemas.microsoft.com/office/drawing/2015/06/chart">
+  <c:date1904 val="0"/>
+  <c:lang val="ja-JP"/>
+  <c:roundedCorners val="0"/>
+  <mc:AlternateContent xmlns:mc="http://schemas.openxmlformats.org/markup-compatibility/2006">
+    <mc:Choice xmlns:c14="http://schemas.microsoft.com/office/drawing/2007/8/2/chart" Requires="c14">
+      <c14:style val="102"/>
+    </mc:Choice>
+    <mc:Fallback>
+      <c:style val="2"/>
+    </mc:Fallback>
+  </mc:AlternateContent>
+  <c:chart>
+    <c:title>
+      <c:tx>
+        <c:rich>
+          <a:bodyPr rot="0" spcFirstLastPara="1" vertOverflow="ellipsis" vert="horz" wrap="square" anchor="ctr" anchorCtr="1"/>
+          <a:lstStyle/>
+          <a:p>
+            <a:pPr algn="l">
+              <a:defRPr sz="1100" b="0" i="0" u="none" strike="noStrike" kern="1200" spc="0" baseline="0">
+                <a:solidFill>
+                  <a:schemeClr val="tx1">
+                    <a:lumMod val="65000"/>
+                    <a:lumOff val="35000"/>
+                  </a:schemeClr>
+                </a:solidFill>
+                <a:latin typeface="+mn-lt"/>
+                <a:ea typeface="+mn-ea"/>
+                <a:cs typeface="+mn-cs"/>
+              </a:defRPr>
+            </a:pPr>
+            <a:r>
+              <a:rPr lang="en-US" altLang="ja-JP" sz="1100" b="0" i="0" u="none" strike="noStrike" baseline="0">
+                <a:effectLst/>
+              </a:rPr>
+              <a:t>Q30. </a:t>
+            </a:r>
+            <a:r>
+              <a:rPr lang="ja-JP" altLang="en-US" sz="1100" b="0" i="0" u="none" strike="noStrike" baseline="0">
+                <a:effectLst/>
+              </a:rPr>
+              <a:t>今日話したテーマに限らず、以下の状況での様々な議論で、どちらの条件で議論したいですか</a:t>
+            </a:r>
+            <a:endParaRPr lang="ja-JP" altLang="en-US" sz="1100"/>
+          </a:p>
+        </c:rich>
+      </c:tx>
+      <c:layout/>
+      <c:overlay val="0"/>
+      <c:spPr>
+        <a:noFill/>
+        <a:ln>
+          <a:noFill/>
+        </a:ln>
+        <a:effectLst/>
+      </c:spPr>
+      <c:txPr>
+        <a:bodyPr rot="0" spcFirstLastPara="1" vertOverflow="ellipsis" vert="horz" wrap="square" anchor="ctr" anchorCtr="1"/>
+        <a:lstStyle/>
+        <a:p>
+          <a:pPr algn="l">
+            <a:defRPr sz="1100" b="0" i="0" u="none" strike="noStrike" kern="1200" spc="0" baseline="0">
+              <a:solidFill>
+                <a:schemeClr val="tx1">
+                  <a:lumMod val="65000"/>
+                  <a:lumOff val="35000"/>
+                </a:schemeClr>
+              </a:solidFill>
+              <a:latin typeface="+mn-lt"/>
+              <a:ea typeface="+mn-ea"/>
+              <a:cs typeface="+mn-cs"/>
+            </a:defRPr>
+          </a:pPr>
+          <a:endParaRPr lang="ja-JP"/>
+        </a:p>
+      </c:txPr>
+    </c:title>
+    <c:autoTitleDeleted val="0"/>
+    <c:plotArea>
+      <c:layout/>
+      <c:barChart>
+        <c:barDir val="bar"/>
+        <c:grouping val="percentStacked"/>
+        <c:varyColors val="0"/>
+        <c:ser>
+          <c:idx val="0"/>
+          <c:order val="0"/>
+          <c:tx>
+            <c:strRef>
+              <c:f>Sheet10!$C$107</c:f>
+              <c:strCache>
+                <c:ptCount val="1"/>
+                <c:pt idx="0">
+                  <c:v>ロボットがいた議論</c:v>
+                </c:pt>
+              </c:strCache>
+            </c:strRef>
+          </c:tx>
+          <c:spPr>
+            <a:solidFill>
+              <a:schemeClr val="bg1">
+                <a:lumMod val="75000"/>
+              </a:schemeClr>
+            </a:solidFill>
+            <a:ln>
+              <a:solidFill>
+                <a:schemeClr val="tx1"/>
+              </a:solidFill>
+            </a:ln>
+            <a:effectLst/>
+          </c:spPr>
+          <c:invertIfNegative val="0"/>
+          <c:cat>
+            <c:strRef>
+              <c:f>Sheet10!$D$106:$I$106</c:f>
+              <c:strCache>
+                <c:ptCount val="6"/>
+                <c:pt idx="0">
+                  <c:v>初対面の人との議論</c:v>
+                </c:pt>
+                <c:pt idx="1">
+                  <c:v>家族との議論</c:v>
+                </c:pt>
+                <c:pt idx="2">
+                  <c:v>嫌いな人との議論</c:v>
+                </c:pt>
+                <c:pt idx="3">
+                  <c:v>友達との議論</c:v>
+                </c:pt>
+                <c:pt idx="4">
+                  <c:v>サークルや部活動での決めごとに関する議論</c:v>
+                </c:pt>
+                <c:pt idx="5">
+                  <c:v>講義中のグループワークでの議論</c:v>
+                </c:pt>
+              </c:strCache>
+            </c:strRef>
+          </c:cat>
+          <c:val>
+            <c:numRef>
+              <c:f>Sheet10!$D$107:$I$107</c:f>
+              <c:numCache>
+                <c:formatCode>General</c:formatCode>
+                <c:ptCount val="6"/>
+                <c:pt idx="0">
+                  <c:v>46</c:v>
+                </c:pt>
+                <c:pt idx="1">
+                  <c:v>8</c:v>
+                </c:pt>
+                <c:pt idx="2">
+                  <c:v>56</c:v>
+                </c:pt>
+                <c:pt idx="3">
+                  <c:v>6</c:v>
+                </c:pt>
+                <c:pt idx="4">
+                  <c:v>8</c:v>
+                </c:pt>
+                <c:pt idx="5">
+                  <c:v>29</c:v>
+                </c:pt>
+              </c:numCache>
+            </c:numRef>
+          </c:val>
+          <c:extLst>
+            <c:ext xmlns:c16="http://schemas.microsoft.com/office/drawing/2014/chart" uri="{C3380CC4-5D6E-409C-BE32-E72D297353CC}">
+              <c16:uniqueId val="{00000000-51D8-4437-8295-0384F6D531A0}"/>
+            </c:ext>
+          </c:extLst>
+        </c:ser>
+        <c:ser>
+          <c:idx val="1"/>
+          <c:order val="1"/>
+          <c:tx>
+            <c:strRef>
+              <c:f>Sheet10!$C$108</c:f>
+              <c:strCache>
+                <c:ptCount val="1"/>
+                <c:pt idx="0">
+                  <c:v>人だけの議論</c:v>
+                </c:pt>
+              </c:strCache>
+            </c:strRef>
+          </c:tx>
+          <c:spPr>
+            <a:solidFill>
+              <a:schemeClr val="bg1"/>
+            </a:solidFill>
+            <a:ln>
+              <a:solidFill>
+                <a:schemeClr val="tx1"/>
+              </a:solidFill>
+            </a:ln>
+            <a:effectLst/>
+          </c:spPr>
+          <c:invertIfNegative val="0"/>
+          <c:cat>
+            <c:strRef>
+              <c:f>Sheet10!$D$106:$I$106</c:f>
+              <c:strCache>
+                <c:ptCount val="6"/>
+                <c:pt idx="0">
+                  <c:v>初対面の人との議論</c:v>
+                </c:pt>
+                <c:pt idx="1">
+                  <c:v>家族との議論</c:v>
+                </c:pt>
+                <c:pt idx="2">
+                  <c:v>嫌いな人との議論</c:v>
+                </c:pt>
+                <c:pt idx="3">
+                  <c:v>友達との議論</c:v>
+                </c:pt>
+                <c:pt idx="4">
+                  <c:v>サークルや部活動での決めごとに関する議論</c:v>
+                </c:pt>
+                <c:pt idx="5">
+                  <c:v>講義中のグループワークでの議論</c:v>
+                </c:pt>
+              </c:strCache>
+            </c:strRef>
+          </c:cat>
+          <c:val>
+            <c:numRef>
+              <c:f>Sheet10!$D$108:$I$108</c:f>
+              <c:numCache>
+                <c:formatCode>General</c:formatCode>
+                <c:ptCount val="6"/>
+                <c:pt idx="0">
+                  <c:v>18</c:v>
+                </c:pt>
+                <c:pt idx="1">
+                  <c:v>56</c:v>
+                </c:pt>
+                <c:pt idx="2">
+                  <c:v>8</c:v>
+                </c:pt>
+                <c:pt idx="3">
+                  <c:v>58</c:v>
+                </c:pt>
+                <c:pt idx="4">
+                  <c:v>56</c:v>
+                </c:pt>
+                <c:pt idx="5">
+                  <c:v>35</c:v>
+                </c:pt>
+              </c:numCache>
+            </c:numRef>
+          </c:val>
+          <c:extLst>
+            <c:ext xmlns:c16="http://schemas.microsoft.com/office/drawing/2014/chart" uri="{C3380CC4-5D6E-409C-BE32-E72D297353CC}">
+              <c16:uniqueId val="{00000001-51D8-4437-8295-0384F6D531A0}"/>
+            </c:ext>
+          </c:extLst>
+        </c:ser>
+        <c:dLbls>
+          <c:showLegendKey val="0"/>
+          <c:showVal val="0"/>
+          <c:showCatName val="0"/>
+          <c:showSerName val="0"/>
+          <c:showPercent val="0"/>
+          <c:showBubbleSize val="0"/>
+        </c:dLbls>
+        <c:gapWidth val="150"/>
+        <c:overlap val="100"/>
+        <c:axId val="907373312"/>
+        <c:axId val="907374560"/>
+      </c:barChart>
+      <c:catAx>
+        <c:axId val="907373312"/>
+        <c:scaling>
+          <c:orientation val="minMax"/>
+        </c:scaling>
+        <c:delete val="0"/>
+        <c:axPos val="l"/>
+        <c:numFmt formatCode="General" sourceLinked="1"/>
+        <c:majorTickMark val="none"/>
+        <c:minorTickMark val="none"/>
+        <c:tickLblPos val="nextTo"/>
+        <c:spPr>
+          <a:noFill/>
+          <a:ln w="9525" cap="flat" cmpd="sng" algn="ctr">
+            <a:solidFill>
+              <a:schemeClr val="tx1">
+                <a:lumMod val="15000"/>
+                <a:lumOff val="85000"/>
+              </a:schemeClr>
+            </a:solidFill>
+            <a:round/>
+          </a:ln>
+          <a:effectLst/>
+        </c:spPr>
+        <c:txPr>
+          <a:bodyPr rot="-60000000" spcFirstLastPara="1" vertOverflow="ellipsis" vert="horz" wrap="square" anchor="ctr" anchorCtr="1"/>
+          <a:lstStyle/>
+          <a:p>
+            <a:pPr>
+              <a:defRPr sz="900" b="0" i="0" u="none" strike="noStrike" kern="1200" baseline="0">
+                <a:solidFill>
+                  <a:schemeClr val="tx1">
+                    <a:lumMod val="65000"/>
+                    <a:lumOff val="35000"/>
+                  </a:schemeClr>
+                </a:solidFill>
+                <a:latin typeface="+mn-lt"/>
+                <a:ea typeface="+mn-ea"/>
+                <a:cs typeface="+mn-cs"/>
+              </a:defRPr>
+            </a:pPr>
+            <a:endParaRPr lang="ja-JP"/>
+          </a:p>
+        </c:txPr>
+        <c:crossAx val="907374560"/>
+        <c:crosses val="autoZero"/>
+        <c:auto val="1"/>
+        <c:lblAlgn val="ctr"/>
+        <c:lblOffset val="100"/>
+        <c:noMultiLvlLbl val="0"/>
+      </c:catAx>
+      <c:valAx>
+        <c:axId val="907374560"/>
+        <c:scaling>
+          <c:orientation val="minMax"/>
+        </c:scaling>
+        <c:delete val="0"/>
+        <c:axPos val="b"/>
+        <c:majorGridlines>
+          <c:spPr>
+            <a:ln w="9525" cap="flat" cmpd="sng" algn="ctr">
+              <a:solidFill>
+                <a:schemeClr val="tx1">
+                  <a:lumMod val="15000"/>
+                  <a:lumOff val="85000"/>
+                </a:schemeClr>
+              </a:solidFill>
+              <a:round/>
+            </a:ln>
+            <a:effectLst/>
+          </c:spPr>
+        </c:majorGridlines>
+        <c:numFmt formatCode="0%" sourceLinked="1"/>
+        <c:majorTickMark val="none"/>
+        <c:minorTickMark val="none"/>
+        <c:tickLblPos val="nextTo"/>
+        <c:spPr>
+          <a:noFill/>
+          <a:ln>
+            <a:noFill/>
+          </a:ln>
+          <a:effectLst/>
+        </c:spPr>
+        <c:txPr>
+          <a:bodyPr rot="-60000000" spcFirstLastPara="1" vertOverflow="ellipsis" vert="horz" wrap="square" anchor="ctr" anchorCtr="1"/>
+          <a:lstStyle/>
+          <a:p>
+            <a:pPr>
+              <a:defRPr sz="900" b="0" i="0" u="none" strike="noStrike" kern="1200" baseline="0">
+                <a:solidFill>
+                  <a:schemeClr val="tx1">
+                    <a:lumMod val="65000"/>
+                    <a:lumOff val="35000"/>
+                  </a:schemeClr>
+                </a:solidFill>
+                <a:latin typeface="+mn-lt"/>
+                <a:ea typeface="+mn-ea"/>
+                <a:cs typeface="+mn-cs"/>
+              </a:defRPr>
+            </a:pPr>
+            <a:endParaRPr lang="ja-JP"/>
+          </a:p>
+        </c:txPr>
+        <c:crossAx val="907373312"/>
+        <c:crosses val="autoZero"/>
+        <c:crossBetween val="between"/>
+      </c:valAx>
+      <c:spPr>
+        <a:noFill/>
+        <a:ln>
+          <a:noFill/>
+        </a:ln>
+        <a:effectLst/>
+      </c:spPr>
+    </c:plotArea>
+    <c:legend>
+      <c:legendPos val="b"/>
+      <c:layout/>
+      <c:overlay val="0"/>
+      <c:spPr>
+        <a:noFill/>
+        <a:ln>
+          <a:noFill/>
+        </a:ln>
+        <a:effectLst/>
+      </c:spPr>
+      <c:txPr>
+        <a:bodyPr rot="0" spcFirstLastPara="1" vertOverflow="ellipsis" vert="horz" wrap="square" anchor="ctr" anchorCtr="1"/>
+        <a:lstStyle/>
+        <a:p>
+          <a:pPr>
+            <a:defRPr sz="900" b="0" i="0" u="none" strike="noStrike" kern="1200" baseline="0">
+              <a:solidFill>
+                <a:schemeClr val="tx1">
+                  <a:lumMod val="65000"/>
+                  <a:lumOff val="35000"/>
+                </a:schemeClr>
+              </a:solidFill>
+              <a:latin typeface="+mn-lt"/>
+              <a:ea typeface="+mn-ea"/>
+              <a:cs typeface="+mn-cs"/>
+            </a:defRPr>
+          </a:pPr>
+          <a:endParaRPr lang="ja-JP"/>
+        </a:p>
+      </c:txPr>
+    </c:legend>
+    <c:plotVisOnly val="1"/>
+    <c:dispBlanksAs val="gap"/>
+    <c:showDLblsOverMax val="0"/>
+  </c:chart>
+  <c:spPr>
+    <a:solidFill>
+      <a:schemeClr val="bg1"/>
+    </a:solidFill>
+    <a:ln w="9525" cap="flat" cmpd="sng" algn="ctr">
+      <a:noFill/>
+      <a:round/>
+    </a:ln>
+    <a:effectLst/>
+  </c:spPr>
+  <c:txPr>
+    <a:bodyPr/>
+    <a:lstStyle/>
+    <a:p>
+      <a:pPr>
+        <a:defRPr/>
+      </a:pPr>
+      <a:endParaRPr lang="ja-JP"/>
+    </a:p>
+  </c:txPr>
+  <c:externalData r:id="rId3">
+    <c:autoUpdate val="0"/>
+  </c:externalData>
+</c:chartSpace>
+</file>
+
+<file path=ppt/charts/chart5.xml><?xml version="1.0" encoding="utf-8"?>
+<c:chartSpace xmlns:c="http://schemas.openxmlformats.org/drawingml/2006/chart" xmlns:a="http://schemas.openxmlformats.org/drawingml/2006/main" xmlns:r="http://schemas.openxmlformats.org/officeDocument/2006/relationships" xmlns:c16r2="http://schemas.microsoft.com/office/drawing/2015/06/chart">
+  <c:date1904 val="0"/>
+  <c:lang val="ja-JP"/>
+  <c:roundedCorners val="0"/>
+  <mc:AlternateContent xmlns:mc="http://schemas.openxmlformats.org/markup-compatibility/2006">
+    <mc:Choice xmlns:c14="http://schemas.microsoft.com/office/drawing/2007/8/2/chart" Requires="c14">
+      <c14:style val="102"/>
+    </mc:Choice>
+    <mc:Fallback>
+      <c:style val="2"/>
+    </mc:Fallback>
+  </mc:AlternateContent>
+  <c:chart>
+    <c:autoTitleDeleted val="1"/>
+    <c:plotArea>
+      <c:layout/>
+      <c:barChart>
+        <c:barDir val="col"/>
+        <c:grouping val="clustered"/>
+        <c:varyColors val="0"/>
+        <c:ser>
+          <c:idx val="0"/>
+          <c:order val="0"/>
+          <c:tx>
+            <c:strRef>
+              <c:f>mouikkaiyarunara!$A$146</c:f>
+              <c:strCache>
+                <c:ptCount val="1"/>
+                <c:pt idx="0">
+                  <c:v>もう一度議論するなら「ロボットがいた議論」と回答した参加者</c:v>
+                </c:pt>
+              </c:strCache>
+            </c:strRef>
+          </c:tx>
+          <c:spPr>
+            <a:solidFill>
+              <a:schemeClr val="bg1">
+                <a:lumMod val="75000"/>
+              </a:schemeClr>
+            </a:solidFill>
+            <a:ln>
+              <a:solidFill>
+                <a:schemeClr val="tx1"/>
+              </a:solidFill>
+            </a:ln>
+            <a:effectLst/>
+          </c:spPr>
+          <c:invertIfNegative val="0"/>
+          <c:cat>
+            <c:strRef>
+              <c:f>mouikkaiyarunara!$B$145:$K$145</c:f>
+              <c:strCache>
+                <c:ptCount val="10"/>
+                <c:pt idx="0">
+                  <c:v>思考への自信</c:v>
+                </c:pt>
+                <c:pt idx="1">
+                  <c:v>探求心</c:v>
+                </c:pt>
+                <c:pt idx="2">
+                  <c:v>偏りのない判断</c:v>
+                </c:pt>
+                <c:pt idx="3">
+                  <c:v>証拠</c:v>
+                </c:pt>
+                <c:pt idx="4">
+                  <c:v>自己統制</c:v>
+                </c:pt>
+                <c:pt idx="5">
+                  <c:v>表現</c:v>
+                </c:pt>
+                <c:pt idx="6">
+                  <c:v>汲み取り</c:v>
+                </c:pt>
+                <c:pt idx="7">
+                  <c:v>自己主張</c:v>
+                </c:pt>
+                <c:pt idx="8">
+                  <c:v>相手の理解</c:v>
+                </c:pt>
+                <c:pt idx="9">
+                  <c:v>関係調整</c:v>
+                </c:pt>
+              </c:strCache>
+            </c:strRef>
+          </c:cat>
+          <c:val>
+            <c:numRef>
+              <c:f>mouikkaiyarunara!$B$146:$K$146</c:f>
+              <c:numCache>
+                <c:formatCode>General</c:formatCode>
+                <c:ptCount val="10"/>
+                <c:pt idx="0">
+                  <c:v>2.7241379310344827</c:v>
+                </c:pt>
+                <c:pt idx="1">
+                  <c:v>4.2155172413793105</c:v>
+                </c:pt>
+                <c:pt idx="2">
+                  <c:v>4.6724137931034484</c:v>
+                </c:pt>
+                <c:pt idx="3">
+                  <c:v>3.3103448275862069</c:v>
+                </c:pt>
+                <c:pt idx="4">
+                  <c:v>4.5862068965517242</c:v>
+                </c:pt>
+                <c:pt idx="5">
+                  <c:v>4.1034482758620694</c:v>
+                </c:pt>
+                <c:pt idx="6">
+                  <c:v>4.9655172413793105</c:v>
+                </c:pt>
+                <c:pt idx="7">
+                  <c:v>4.2413793103448274</c:v>
+                </c:pt>
+                <c:pt idx="8">
+                  <c:v>5.2413793103448274</c:v>
+                </c:pt>
+                <c:pt idx="9">
+                  <c:v>4.5517241379310347</c:v>
+                </c:pt>
+              </c:numCache>
+            </c:numRef>
+          </c:val>
+          <c:extLst>
+            <c:ext xmlns:c16="http://schemas.microsoft.com/office/drawing/2014/chart" uri="{C3380CC4-5D6E-409C-BE32-E72D297353CC}">
+              <c16:uniqueId val="{00000000-349E-4CAB-8BD2-74F45879BEF8}"/>
+            </c:ext>
+          </c:extLst>
+        </c:ser>
+        <c:ser>
+          <c:idx val="1"/>
+          <c:order val="1"/>
+          <c:tx>
+            <c:strRef>
+              <c:f>mouikkaiyarunara!$A$147</c:f>
+              <c:strCache>
+                <c:ptCount val="1"/>
+                <c:pt idx="0">
+                  <c:v>もう一度議論するなら「人だけの議論」と回答した参加者</c:v>
+                </c:pt>
+              </c:strCache>
+            </c:strRef>
+          </c:tx>
+          <c:spPr>
+            <a:solidFill>
+              <a:schemeClr val="bg1"/>
+            </a:solidFill>
+            <a:ln>
+              <a:solidFill>
+                <a:schemeClr val="tx1"/>
+              </a:solidFill>
+            </a:ln>
+            <a:effectLst/>
+          </c:spPr>
+          <c:invertIfNegative val="0"/>
+          <c:cat>
+            <c:strRef>
+              <c:f>mouikkaiyarunara!$B$145:$K$145</c:f>
+              <c:strCache>
+                <c:ptCount val="10"/>
+                <c:pt idx="0">
+                  <c:v>思考への自信</c:v>
+                </c:pt>
+                <c:pt idx="1">
+                  <c:v>探求心</c:v>
+                </c:pt>
+                <c:pt idx="2">
+                  <c:v>偏りのない判断</c:v>
+                </c:pt>
+                <c:pt idx="3">
+                  <c:v>証拠</c:v>
+                </c:pt>
+                <c:pt idx="4">
+                  <c:v>自己統制</c:v>
+                </c:pt>
+                <c:pt idx="5">
+                  <c:v>表現</c:v>
+                </c:pt>
+                <c:pt idx="6">
+                  <c:v>汲み取り</c:v>
+                </c:pt>
+                <c:pt idx="7">
+                  <c:v>自己主張</c:v>
+                </c:pt>
+                <c:pt idx="8">
+                  <c:v>相手の理解</c:v>
+                </c:pt>
+                <c:pt idx="9">
+                  <c:v>関係調整</c:v>
+                </c:pt>
+              </c:strCache>
+            </c:strRef>
+          </c:cat>
+          <c:val>
+            <c:numRef>
+              <c:f>mouikkaiyarunara!$B$147:$K$147</c:f>
+              <c:numCache>
+                <c:formatCode>General</c:formatCode>
+                <c:ptCount val="10"/>
+                <c:pt idx="0">
+                  <c:v>3.1357142857142857</c:v>
+                </c:pt>
+                <c:pt idx="1">
+                  <c:v>4.2285714285714286</c:v>
+                </c:pt>
+                <c:pt idx="2">
+                  <c:v>4.7</c:v>
+                </c:pt>
+                <c:pt idx="3">
+                  <c:v>3.5142857142857142</c:v>
+                </c:pt>
+                <c:pt idx="4">
+                  <c:v>4.9142857142857146</c:v>
+                </c:pt>
+                <c:pt idx="5">
+                  <c:v>4.2285714285714286</c:v>
+                </c:pt>
+                <c:pt idx="6">
+                  <c:v>4.9428571428571431</c:v>
+                </c:pt>
+                <c:pt idx="7">
+                  <c:v>4.2285714285714286</c:v>
+                </c:pt>
+                <c:pt idx="8">
+                  <c:v>5.1714285714285717</c:v>
+                </c:pt>
+                <c:pt idx="9">
+                  <c:v>5.0857142857142854</c:v>
+                </c:pt>
+              </c:numCache>
+            </c:numRef>
+          </c:val>
+          <c:extLst>
+            <c:ext xmlns:c16="http://schemas.microsoft.com/office/drawing/2014/chart" uri="{C3380CC4-5D6E-409C-BE32-E72D297353CC}">
+              <c16:uniqueId val="{00000001-349E-4CAB-8BD2-74F45879BEF8}"/>
+            </c:ext>
+          </c:extLst>
+        </c:ser>
+        <c:dLbls>
+          <c:showLegendKey val="0"/>
+          <c:showVal val="0"/>
+          <c:showCatName val="0"/>
+          <c:showSerName val="0"/>
+          <c:showPercent val="0"/>
+          <c:showBubbleSize val="0"/>
+        </c:dLbls>
+        <c:gapWidth val="219"/>
+        <c:overlap val="-27"/>
+        <c:axId val="1149914240"/>
+        <c:axId val="1149911328"/>
+      </c:barChart>
+      <c:catAx>
+        <c:axId val="1149914240"/>
+        <c:scaling>
+          <c:orientation val="minMax"/>
+        </c:scaling>
+        <c:delete val="0"/>
+        <c:axPos val="b"/>
+        <c:numFmt formatCode="General" sourceLinked="1"/>
+        <c:majorTickMark val="none"/>
+        <c:minorTickMark val="none"/>
+        <c:tickLblPos val="nextTo"/>
+        <c:spPr>
+          <a:noFill/>
+          <a:ln w="9525" cap="flat" cmpd="sng" algn="ctr">
+            <a:solidFill>
+              <a:schemeClr val="tx1">
+                <a:lumMod val="15000"/>
+                <a:lumOff val="85000"/>
+              </a:schemeClr>
+            </a:solidFill>
+            <a:round/>
+          </a:ln>
+          <a:effectLst/>
+        </c:spPr>
+        <c:txPr>
+          <a:bodyPr rot="-60000000" spcFirstLastPara="1" vertOverflow="ellipsis" vert="horz" wrap="square" anchor="ctr" anchorCtr="1"/>
+          <a:lstStyle/>
+          <a:p>
+            <a:pPr>
+              <a:defRPr sz="900" b="0" i="0" u="none" strike="noStrike" kern="1200" baseline="0">
+                <a:solidFill>
+                  <a:schemeClr val="tx1">
+                    <a:lumMod val="65000"/>
+                    <a:lumOff val="35000"/>
+                  </a:schemeClr>
+                </a:solidFill>
+                <a:latin typeface="+mn-lt"/>
+                <a:ea typeface="+mn-ea"/>
+                <a:cs typeface="+mn-cs"/>
+              </a:defRPr>
+            </a:pPr>
+            <a:endParaRPr lang="ja-JP"/>
+          </a:p>
+        </c:txPr>
+        <c:crossAx val="1149911328"/>
+        <c:crosses val="autoZero"/>
+        <c:auto val="1"/>
+        <c:lblAlgn val="ctr"/>
+        <c:lblOffset val="100"/>
+        <c:noMultiLvlLbl val="0"/>
+      </c:catAx>
+      <c:valAx>
+        <c:axId val="1149911328"/>
+        <c:scaling>
+          <c:orientation val="minMax"/>
+        </c:scaling>
+        <c:delete val="0"/>
+        <c:axPos val="l"/>
+        <c:majorGridlines>
+          <c:spPr>
+            <a:ln w="9525" cap="flat" cmpd="sng" algn="ctr">
+              <a:solidFill>
+                <a:schemeClr val="tx1">
+                  <a:lumMod val="15000"/>
+                  <a:lumOff val="85000"/>
+                </a:schemeClr>
+              </a:solidFill>
+              <a:round/>
+            </a:ln>
+            <a:effectLst/>
+          </c:spPr>
+        </c:majorGridlines>
+        <c:numFmt formatCode="General" sourceLinked="1"/>
+        <c:majorTickMark val="none"/>
+        <c:minorTickMark val="none"/>
+        <c:tickLblPos val="nextTo"/>
+        <c:spPr>
+          <a:noFill/>
+          <a:ln>
+            <a:noFill/>
+          </a:ln>
+          <a:effectLst/>
+        </c:spPr>
+        <c:txPr>
+          <a:bodyPr rot="-60000000" spcFirstLastPara="1" vertOverflow="ellipsis" vert="horz" wrap="square" anchor="ctr" anchorCtr="1"/>
+          <a:lstStyle/>
+          <a:p>
+            <a:pPr>
+              <a:defRPr sz="900" b="0" i="0" u="none" strike="noStrike" kern="1200" baseline="0">
+                <a:solidFill>
+                  <a:schemeClr val="tx1">
+                    <a:lumMod val="65000"/>
+                    <a:lumOff val="35000"/>
+                  </a:schemeClr>
+                </a:solidFill>
+                <a:latin typeface="+mn-lt"/>
+                <a:ea typeface="+mn-ea"/>
+                <a:cs typeface="+mn-cs"/>
+              </a:defRPr>
+            </a:pPr>
+            <a:endParaRPr lang="ja-JP"/>
+          </a:p>
+        </c:txPr>
+        <c:crossAx val="1149914240"/>
+        <c:crosses val="autoZero"/>
+        <c:crossBetween val="between"/>
+      </c:valAx>
+      <c:spPr>
+        <a:noFill/>
+        <a:ln>
+          <a:noFill/>
+        </a:ln>
+        <a:effectLst/>
+      </c:spPr>
+    </c:plotArea>
+    <c:legend>
+      <c:legendPos val="b"/>
+      <c:layout/>
+      <c:overlay val="0"/>
+      <c:spPr>
+        <a:noFill/>
+        <a:ln>
+          <a:noFill/>
+        </a:ln>
+        <a:effectLst/>
+      </c:spPr>
+      <c:txPr>
+        <a:bodyPr rot="0" spcFirstLastPara="1" vertOverflow="ellipsis" vert="horz" wrap="square" anchor="ctr" anchorCtr="1"/>
+        <a:lstStyle/>
+        <a:p>
+          <a:pPr>
+            <a:defRPr sz="900" b="0" i="0" u="none" strike="noStrike" kern="1200" baseline="0">
+              <a:solidFill>
+                <a:schemeClr val="tx1">
+                  <a:lumMod val="65000"/>
+                  <a:lumOff val="35000"/>
+                </a:schemeClr>
+              </a:solidFill>
+              <a:latin typeface="+mn-lt"/>
+              <a:ea typeface="+mn-ea"/>
+              <a:cs typeface="+mn-cs"/>
+            </a:defRPr>
+          </a:pPr>
+          <a:endParaRPr lang="ja-JP"/>
+        </a:p>
+      </c:txPr>
+    </c:legend>
+    <c:plotVisOnly val="1"/>
+    <c:dispBlanksAs val="gap"/>
+    <c:showDLblsOverMax val="0"/>
+  </c:chart>
+  <c:spPr>
+    <a:solidFill>
+      <a:schemeClr val="bg1"/>
+    </a:solidFill>
+    <a:ln w="9525" cap="flat" cmpd="sng" algn="ctr">
+      <a:noFill/>
+      <a:round/>
+    </a:ln>
+    <a:effectLst/>
+  </c:spPr>
+  <c:txPr>
+    <a:bodyPr/>
+    <a:lstStyle/>
+    <a:p>
+      <a:pPr>
+        <a:defRPr/>
+      </a:pPr>
+      <a:endParaRPr lang="ja-JP"/>
+    </a:p>
+  </c:txPr>
+  <c:externalData r:id="rId3">
+    <c:autoUpdate val="0"/>
+  </c:externalData>
+</c:chartSpace>
+</file>
+
+<file path=ppt/charts/colors1.xml><?xml version="1.0" encoding="utf-8"?>
+<cs:colorStyle xmlns:cs="http://schemas.microsoft.com/office/drawing/2012/chartStyle" xmlns:a="http://schemas.openxmlformats.org/drawingml/2006/main" meth="cycle" id="10">
+  <a:schemeClr val="accent1"/>
+  <a:schemeClr val="accent2"/>
+  <a:schemeClr val="accent3"/>
+  <a:schemeClr val="accent4"/>
+  <a:schemeClr val="accent5"/>
+  <a:schemeClr val="accent6"/>
+  <cs:variation/>
+  <cs:variation>
+    <a:lumMod val="60000"/>
+  </cs:variation>
+  <cs:variation>
+    <a:lumMod val="80000"/>
+    <a:lumOff val="20000"/>
+  </cs:variation>
+  <cs:variation>
+    <a:lumMod val="80000"/>
+  </cs:variation>
+  <cs:variation>
+    <a:lumMod val="60000"/>
+    <a:lumOff val="40000"/>
+  </cs:variation>
+  <cs:variation>
+    <a:lumMod val="50000"/>
+  </cs:variation>
+  <cs:variation>
+    <a:lumMod val="70000"/>
+    <a:lumOff val="30000"/>
+  </cs:variation>
+  <cs:variation>
+    <a:lumMod val="70000"/>
+  </cs:variation>
+  <cs:variation>
+    <a:lumMod val="50000"/>
+    <a:lumOff val="50000"/>
+  </cs:variation>
+</cs:colorStyle>
+</file>
+
+<file path=ppt/charts/colors2.xml><?xml version="1.0" encoding="utf-8"?>
+<cs:colorStyle xmlns:cs="http://schemas.microsoft.com/office/drawing/2012/chartStyle" xmlns:a="http://schemas.openxmlformats.org/drawingml/2006/main" meth="cycle" id="10">
+  <a:schemeClr val="accent1"/>
+  <a:schemeClr val="accent2"/>
+  <a:schemeClr val="accent3"/>
+  <a:schemeClr val="accent4"/>
+  <a:schemeClr val="accent5"/>
+  <a:schemeClr val="accent6"/>
+  <cs:variation/>
+  <cs:variation>
+    <a:lumMod val="60000"/>
+  </cs:variation>
+  <cs:variation>
+    <a:lumMod val="80000"/>
+    <a:lumOff val="20000"/>
+  </cs:variation>
+  <cs:variation>
+    <a:lumMod val="80000"/>
+  </cs:variation>
+  <cs:variation>
+    <a:lumMod val="60000"/>
+    <a:lumOff val="40000"/>
+  </cs:variation>
+  <cs:variation>
+    <a:lumMod val="50000"/>
+  </cs:variation>
+  <cs:variation>
+    <a:lumMod val="70000"/>
+    <a:lumOff val="30000"/>
+  </cs:variation>
+  <cs:variation>
+    <a:lumMod val="70000"/>
+  </cs:variation>
+  <cs:variation>
+    <a:lumMod val="50000"/>
+    <a:lumOff val="50000"/>
+  </cs:variation>
+</cs:colorStyle>
+</file>
+
+<file path=ppt/charts/colors3.xml><?xml version="1.0" encoding="utf-8"?>
+<cs:colorStyle xmlns:cs="http://schemas.microsoft.com/office/drawing/2012/chartStyle" xmlns:a="http://schemas.openxmlformats.org/drawingml/2006/main" meth="cycle" id="10">
+  <a:schemeClr val="accent1"/>
+  <a:schemeClr val="accent2"/>
+  <a:schemeClr val="accent3"/>
+  <a:schemeClr val="accent4"/>
+  <a:schemeClr val="accent5"/>
+  <a:schemeClr val="accent6"/>
+  <cs:variation/>
+  <cs:variation>
+    <a:lumMod val="60000"/>
+  </cs:variation>
+  <cs:variation>
+    <a:lumMod val="80000"/>
+    <a:lumOff val="20000"/>
+  </cs:variation>
+  <cs:variation>
+    <a:lumMod val="80000"/>
+  </cs:variation>
+  <cs:variation>
+    <a:lumMod val="60000"/>
+    <a:lumOff val="40000"/>
+  </cs:variation>
+  <cs:variation>
+    <a:lumMod val="50000"/>
+  </cs:variation>
+  <cs:variation>
+    <a:lumMod val="70000"/>
+    <a:lumOff val="30000"/>
+  </cs:variation>
+  <cs:variation>
+    <a:lumMod val="70000"/>
+  </cs:variation>
+  <cs:variation>
+    <a:lumMod val="50000"/>
+    <a:lumOff val="50000"/>
+  </cs:variation>
+</cs:colorStyle>
+</file>
+
+<file path=ppt/charts/colors4.xml><?xml version="1.0" encoding="utf-8"?>
+<cs:colorStyle xmlns:cs="http://schemas.microsoft.com/office/drawing/2012/chartStyle" xmlns:a="http://schemas.openxmlformats.org/drawingml/2006/main" meth="cycle" id="10">
+  <a:schemeClr val="accent1"/>
+  <a:schemeClr val="accent2"/>
+  <a:schemeClr val="accent3"/>
+  <a:schemeClr val="accent4"/>
+  <a:schemeClr val="accent5"/>
+  <a:schemeClr val="accent6"/>
+  <cs:variation/>
+  <cs:variation>
+    <a:lumMod val="60000"/>
+  </cs:variation>
+  <cs:variation>
+    <a:lumMod val="80000"/>
+    <a:lumOff val="20000"/>
+  </cs:variation>
+  <cs:variation>
+    <a:lumMod val="80000"/>
+  </cs:variation>
+  <cs:variation>
+    <a:lumMod val="60000"/>
+    <a:lumOff val="40000"/>
+  </cs:variation>
+  <cs:variation>
+    <a:lumMod val="50000"/>
+  </cs:variation>
+  <cs:variation>
+    <a:lumMod val="70000"/>
+    <a:lumOff val="30000"/>
+  </cs:variation>
+  <cs:variation>
+    <a:lumMod val="70000"/>
+  </cs:variation>
+  <cs:variation>
+    <a:lumMod val="50000"/>
+    <a:lumOff val="50000"/>
+  </cs:variation>
+</cs:colorStyle>
+</file>
+
+<file path=ppt/charts/colors5.xml><?xml version="1.0" encoding="utf-8"?>
+<cs:colorStyle xmlns:cs="http://schemas.microsoft.com/office/drawing/2012/chartStyle" xmlns:a="http://schemas.openxmlformats.org/drawingml/2006/main" meth="cycle" id="10">
+  <a:schemeClr val="accent1"/>
+  <a:schemeClr val="accent2"/>
+  <a:schemeClr val="accent3"/>
+  <a:schemeClr val="accent4"/>
+  <a:schemeClr val="accent5"/>
+  <a:schemeClr val="accent6"/>
+  <cs:variation/>
+  <cs:variation>
+    <a:lumMod val="60000"/>
+  </cs:variation>
+  <cs:variation>
+    <a:lumMod val="80000"/>
+    <a:lumOff val="20000"/>
+  </cs:variation>
+  <cs:variation>
+    <a:lumMod val="80000"/>
+  </cs:variation>
+  <cs:variation>
+    <a:lumMod val="60000"/>
+    <a:lumOff val="40000"/>
+  </cs:variation>
+  <cs:variation>
+    <a:lumMod val="50000"/>
+  </cs:variation>
+  <cs:variation>
+    <a:lumMod val="70000"/>
+    <a:lumOff val="30000"/>
+  </cs:variation>
+  <cs:variation>
+    <a:lumMod val="70000"/>
+  </cs:variation>
+  <cs:variation>
+    <a:lumMod val="50000"/>
+    <a:lumOff val="50000"/>
+  </cs:variation>
+</cs:colorStyle>
+</file>
+
+<file path=ppt/charts/style1.xml><?xml version="1.0" encoding="utf-8"?>
+<cs:chartStyle xmlns:cs="http://schemas.microsoft.com/office/drawing/2012/chartStyle" xmlns:a="http://schemas.openxmlformats.org/drawingml/2006/main" id="201">
+  <cs:axisTitle>
+    <cs:lnRef idx="0"/>
+    <cs:fillRef idx="0"/>
+    <cs:effectRef idx="0"/>
+    <cs:fontRef idx="minor">
+      <a:schemeClr val="tx1">
+        <a:lumMod val="65000"/>
+        <a:lumOff val="35000"/>
+      </a:schemeClr>
+    </cs:fontRef>
+    <cs:defRPr sz="1000" kern="1200"/>
+  </cs:axisTitle>
+  <cs:categoryAxis>
+    <cs:lnRef idx="0"/>
+    <cs:fillRef idx="0"/>
+    <cs:effectRef idx="0"/>
+    <cs:fontRef idx="minor">
+      <a:schemeClr val="tx1">
+        <a:lumMod val="65000"/>
+        <a:lumOff val="35000"/>
+      </a:schemeClr>
+    </cs:fontRef>
+    <cs:spPr>
+      <a:ln w="9525" cap="flat" cmpd="sng" algn="ctr">
+        <a:solidFill>
+          <a:schemeClr val="tx1">
+            <a:lumMod val="15000"/>
+            <a:lumOff val="85000"/>
+          </a:schemeClr>
+        </a:solidFill>
+        <a:round/>
+      </a:ln>
+    </cs:spPr>
+    <cs:defRPr sz="900" kern="1200"/>
+  </cs:categoryAxis>
+  <cs:chartArea mods="allowNoFillOverride allowNoLineOverride">
+    <cs:lnRef idx="0"/>
+    <cs:fillRef idx="0"/>
+    <cs:effectRef idx="0"/>
+    <cs:fontRef idx="minor">
+      <a:schemeClr val="tx1"/>
+    </cs:fontRef>
+    <cs:spPr>
+      <a:solidFill>
+        <a:schemeClr val="bg1"/>
+      </a:solidFill>
+      <a:ln w="9525" cap="flat" cmpd="sng" algn="ctr">
+        <a:solidFill>
+          <a:schemeClr val="tx1">
+            <a:lumMod val="15000"/>
+            <a:lumOff val="85000"/>
+          </a:schemeClr>
+        </a:solidFill>
+        <a:round/>
+      </a:ln>
+    </cs:spPr>
+    <cs:defRPr sz="1000" kern="1200"/>
+  </cs:chartArea>
+  <cs:dataLabel>
+    <cs:lnRef idx="0"/>
+    <cs:fillRef idx="0"/>
+    <cs:effectRef idx="0"/>
+    <cs:fontRef idx="minor">
+      <a:schemeClr val="tx1">
+        <a:lumMod val="75000"/>
+        <a:lumOff val="25000"/>
+      </a:schemeClr>
+    </cs:fontRef>
+    <cs:defRPr sz="900" kern="1200"/>
+  </cs:dataLabel>
+  <cs:dataLabelCallout>
+    <cs:lnRef idx="0"/>
+    <cs:fillRef idx="0"/>
+    <cs:effectRef idx="0"/>
+    <cs:fontRef idx="minor">
+      <a:schemeClr val="dk1">
+        <a:lumMod val="65000"/>
+        <a:lumOff val="35000"/>
+      </a:schemeClr>
+    </cs:fontRef>
+    <cs:spPr>
+      <a:solidFill>
+        <a:schemeClr val="lt1"/>
+      </a:solidFill>
+      <a:ln>
+        <a:solidFill>
+          <a:schemeClr val="dk1">
+            <a:lumMod val="25000"/>
+            <a:lumOff val="75000"/>
+          </a:schemeClr>
+        </a:solidFill>
+      </a:ln>
+    </cs:spPr>
+    <cs:defRPr sz="900" kern="1200"/>
+    <cs:bodyPr rot="0" spcFirstLastPara="1" vertOverflow="clip" horzOverflow="clip" vert="horz" wrap="square" lIns="36576" tIns="18288" rIns="36576" bIns="18288" anchor="ctr" anchorCtr="1">
+      <a:spAutoFit/>
+    </cs:bodyPr>
+  </cs:dataLabelCallout>
+  <cs:dataPoint>
+    <cs:lnRef idx="0"/>
+    <cs:fillRef idx="1">
+      <cs:styleClr val="auto"/>
+    </cs:fillRef>
+    <cs:effectRef idx="0"/>
+    <cs:fontRef idx="minor">
+      <a:schemeClr val="tx1"/>
+    </cs:fontRef>
+  </cs:dataPoint>
+  <cs:dataPoint3D>
+    <cs:lnRef idx="0"/>
+    <cs:fillRef idx="1">
+      <cs:styleClr val="auto"/>
+    </cs:fillRef>
+    <cs:effectRef idx="0"/>
+    <cs:fontRef idx="minor">
+      <a:schemeClr val="tx1"/>
+    </cs:fontRef>
+  </cs:dataPoint3D>
+  <cs:dataPointLine>
+    <cs:lnRef idx="0">
+      <cs:styleClr val="auto"/>
+    </cs:lnRef>
+    <cs:fillRef idx="1"/>
+    <cs:effectRef idx="0"/>
+    <cs:fontRef idx="minor">
+      <a:schemeClr val="tx1"/>
+    </cs:fontRef>
+    <cs:spPr>
+      <a:ln w="28575" cap="rnd">
+        <a:solidFill>
+          <a:schemeClr val="phClr"/>
+        </a:solidFill>
+        <a:round/>
+      </a:ln>
+    </cs:spPr>
+  </cs:dataPointLine>
+  <cs:dataPointMarker>
+    <cs:lnRef idx="0">
+      <cs:styleClr val="auto"/>
+    </cs:lnRef>
+    <cs:fillRef idx="1">
+      <cs:styleClr val="auto"/>
+    </cs:fillRef>
+    <cs:effectRef idx="0"/>
+    <cs:fontRef idx="minor">
+      <a:schemeClr val="tx1"/>
+    </cs:fontRef>
+    <cs:spPr>
+      <a:ln w="9525">
+        <a:solidFill>
+          <a:schemeClr val="phClr"/>
+        </a:solidFill>
+      </a:ln>
+    </cs:spPr>
+  </cs:dataPointMarker>
+  <cs:dataPointMarkerLayout symbol="circle" size="5"/>
+  <cs:dataPointWireframe>
+    <cs:lnRef idx="0">
+      <cs:styleClr val="auto"/>
+    </cs:lnRef>
+    <cs:fillRef idx="1"/>
+    <cs:effectRef idx="0"/>
+    <cs:fontRef idx="minor">
+      <a:schemeClr val="tx1"/>
+    </cs:fontRef>
+    <cs:spPr>
+      <a:ln w="9525" cap="rnd">
+        <a:solidFill>
+          <a:schemeClr val="phClr"/>
+        </a:solidFill>
+        <a:round/>
+      </a:ln>
+    </cs:spPr>
+  </cs:dataPointWireframe>
+  <cs:dataTable>
+    <cs:lnRef idx="0"/>
+    <cs:fillRef idx="0"/>
+    <cs:effectRef idx="0"/>
+    <cs:fontRef idx="minor">
+      <a:schemeClr val="tx1">
+        <a:lumMod val="65000"/>
+        <a:lumOff val="35000"/>
+      </a:schemeClr>
+    </cs:fontRef>
+    <cs:spPr>
+      <a:noFill/>
+      <a:ln w="9525" cap="flat" cmpd="sng" algn="ctr">
+        <a:solidFill>
+          <a:schemeClr val="tx1">
+            <a:lumMod val="15000"/>
+            <a:lumOff val="85000"/>
+          </a:schemeClr>
+        </a:solidFill>
+        <a:round/>
+      </a:ln>
+    </cs:spPr>
+    <cs:defRPr sz="900" kern="1200"/>
+  </cs:dataTable>
+  <cs:downBar>
+    <cs:lnRef idx="0"/>
+    <cs:fillRef idx="0"/>
+    <cs:effectRef idx="0"/>
+    <cs:fontRef idx="minor">
+      <a:schemeClr val="dk1"/>
+    </cs:fontRef>
+    <cs:spPr>
+      <a:solidFill>
+        <a:schemeClr val="dk1">
+          <a:lumMod val="65000"/>
+          <a:lumOff val="35000"/>
+        </a:schemeClr>
+      </a:solidFill>
+      <a:ln w="9525">
+        <a:solidFill>
+          <a:schemeClr val="tx1">
+            <a:lumMod val="65000"/>
+            <a:lumOff val="35000"/>
+          </a:schemeClr>
+        </a:solidFill>
+      </a:ln>
+    </cs:spPr>
+  </cs:downBar>
+  <cs:dropLine>
+    <cs:lnRef idx="0"/>
+    <cs:fillRef idx="0"/>
+    <cs:effectRef idx="0"/>
+    <cs:fontRef idx="minor">
+      <a:schemeClr val="tx1"/>
+    </cs:fontRef>
+    <cs:spPr>
+      <a:ln w="9525" cap="flat" cmpd="sng" algn="ctr">
+        <a:solidFill>
+          <a:schemeClr val="tx1">
+            <a:lumMod val="35000"/>
+            <a:lumOff val="65000"/>
+          </a:schemeClr>
+        </a:solidFill>
+        <a:round/>
+      </a:ln>
+    </cs:spPr>
+  </cs:dropLine>
+  <cs:errorBar>
+    <cs:lnRef idx="0"/>
+    <cs:fillRef idx="0"/>
+    <cs:effectRef idx="0"/>
+    <cs:fontRef idx="minor">
+      <a:schemeClr val="tx1"/>
+    </cs:fontRef>
+    <cs:spPr>
+      <a:ln w="9525" cap="flat" cmpd="sng" algn="ctr">
+        <a:solidFill>
+          <a:schemeClr val="tx1">
+            <a:lumMod val="65000"/>
+            <a:lumOff val="35000"/>
+          </a:schemeClr>
+        </a:solidFill>
+        <a:round/>
+      </a:ln>
+    </cs:spPr>
+  </cs:errorBar>
+  <cs:floor>
+    <cs:lnRef idx="0"/>
+    <cs:fillRef idx="0"/>
+    <cs:effectRef idx="0"/>
+    <cs:fontRef idx="minor">
+      <a:schemeClr val="tx1"/>
+    </cs:fontRef>
+    <cs:spPr>
+      <a:noFill/>
+      <a:ln>
+        <a:noFill/>
+      </a:ln>
+    </cs:spPr>
+  </cs:floor>
+  <cs:gridlineMajor>
+    <cs:lnRef idx="0"/>
+    <cs:fillRef idx="0"/>
+    <cs:effectRef idx="0"/>
+    <cs:fontRef idx="minor">
+      <a:schemeClr val="tx1"/>
+    </cs:fontRef>
+    <cs:spPr>
+      <a:ln w="9525" cap="flat" cmpd="sng" algn="ctr">
+        <a:solidFill>
+          <a:schemeClr val="tx1">
+            <a:lumMod val="15000"/>
+            <a:lumOff val="85000"/>
+          </a:schemeClr>
+        </a:solidFill>
+        <a:round/>
+      </a:ln>
+    </cs:spPr>
+  </cs:gridlineMajor>
+  <cs:gridlineMinor>
+    <cs:lnRef idx="0"/>
+    <cs:fillRef idx="0"/>
+    <cs:effectRef idx="0"/>
+    <cs:fontRef idx="minor">
+      <a:schemeClr val="tx1"/>
+    </cs:fontRef>
+    <cs:spPr>
+      <a:ln w="9525" cap="flat" cmpd="sng" algn="ctr">
+        <a:solidFill>
+          <a:schemeClr val="tx1">
+            <a:lumMod val="5000"/>
+            <a:lumOff val="95000"/>
+          </a:schemeClr>
+        </a:solidFill>
+        <a:round/>
+      </a:ln>
+    </cs:spPr>
+  </cs:gridlineMinor>
+  <cs:hiLoLine>
+    <cs:lnRef idx="0"/>
+    <cs:fillRef idx="0"/>
+    <cs:effectRef idx="0"/>
+    <cs:fontRef idx="minor">
+      <a:schemeClr val="tx1"/>
+    </cs:fontRef>
+    <cs:spPr>
+      <a:ln w="9525" cap="flat" cmpd="sng" algn="ctr">
+        <a:solidFill>
+          <a:schemeClr val="tx1">
+            <a:lumMod val="75000"/>
+            <a:lumOff val="25000"/>
+          </a:schemeClr>
+        </a:solidFill>
+        <a:round/>
+      </a:ln>
+    </cs:spPr>
+  </cs:hiLoLine>
+  <cs:leaderLine>
+    <cs:lnRef idx="0"/>
+    <cs:fillRef idx="0"/>
+    <cs:effectRef idx="0"/>
+    <cs:fontRef idx="minor">
+      <a:schemeClr val="tx1"/>
+    </cs:fontRef>
+    <cs:spPr>
+      <a:ln w="9525" cap="flat" cmpd="sng" algn="ctr">
+        <a:solidFill>
+          <a:schemeClr val="tx1">
+            <a:lumMod val="35000"/>
+            <a:lumOff val="65000"/>
+          </a:schemeClr>
+        </a:solidFill>
+        <a:round/>
+      </a:ln>
+    </cs:spPr>
+  </cs:leaderLine>
+  <cs:legend>
+    <cs:lnRef idx="0"/>
+    <cs:fillRef idx="0"/>
+    <cs:effectRef idx="0"/>
+    <cs:fontRef idx="minor">
+      <a:schemeClr val="tx1">
+        <a:lumMod val="65000"/>
+        <a:lumOff val="35000"/>
+      </a:schemeClr>
+    </cs:fontRef>
+    <cs:defRPr sz="900" kern="1200"/>
+  </cs:legend>
+  <cs:plotArea mods="allowNoFillOverride allowNoLineOverride">
+    <cs:lnRef idx="0"/>
+    <cs:fillRef idx="0"/>
+    <cs:effectRef idx="0"/>
+    <cs:fontRef idx="minor">
+      <a:schemeClr val="tx1"/>
+    </cs:fontRef>
+  </cs:plotArea>
+  <cs:plotArea3D mods="allowNoFillOverride allowNoLineOverride">
+    <cs:lnRef idx="0"/>
+    <cs:fillRef idx="0"/>
+    <cs:effectRef idx="0"/>
+    <cs:fontRef idx="minor">
+      <a:schemeClr val="tx1"/>
+    </cs:fontRef>
+  </cs:plotArea3D>
+  <cs:seriesAxis>
+    <cs:lnRef idx="0"/>
+    <cs:fillRef idx="0"/>
+    <cs:effectRef idx="0"/>
+    <cs:fontRef idx="minor">
+      <a:schemeClr val="tx1">
+        <a:lumMod val="65000"/>
+        <a:lumOff val="35000"/>
+      </a:schemeClr>
+    </cs:fontRef>
+    <cs:defRPr sz="900" kern="1200"/>
+  </cs:seriesAxis>
+  <cs:seriesLine>
+    <cs:lnRef idx="0"/>
+    <cs:fillRef idx="0"/>
+    <cs:effectRef idx="0"/>
+    <cs:fontRef idx="minor">
+      <a:schemeClr val="tx1"/>
+    </cs:fontRef>
+    <cs:spPr>
+      <a:ln w="9525" cap="flat" cmpd="sng" algn="ctr">
+        <a:solidFill>
+          <a:schemeClr val="tx1">
+            <a:lumMod val="35000"/>
+            <a:lumOff val="65000"/>
+          </a:schemeClr>
+        </a:solidFill>
+        <a:round/>
+      </a:ln>
+    </cs:spPr>
+  </cs:seriesLine>
+  <cs:title>
+    <cs:lnRef idx="0"/>
+    <cs:fillRef idx="0"/>
+    <cs:effectRef idx="0"/>
+    <cs:fontRef idx="minor">
+      <a:schemeClr val="tx1">
+        <a:lumMod val="65000"/>
+        <a:lumOff val="35000"/>
+      </a:schemeClr>
+    </cs:fontRef>
+    <cs:defRPr sz="1400" b="0" kern="1200" spc="0" baseline="0"/>
+  </cs:title>
+  <cs:trendline>
+    <cs:lnRef idx="0">
+      <cs:styleClr val="auto"/>
+    </cs:lnRef>
+    <cs:fillRef idx="0"/>
+    <cs:effectRef idx="0"/>
+    <cs:fontRef idx="minor">
+      <a:schemeClr val="tx1"/>
+    </cs:fontRef>
+    <cs:spPr>
+      <a:ln w="19050" cap="rnd">
+        <a:solidFill>
+          <a:schemeClr val="phClr"/>
+        </a:solidFill>
+        <a:prstDash val="sysDot"/>
+      </a:ln>
+    </cs:spPr>
+  </cs:trendline>
+  <cs:trendlineLabel>
+    <cs:lnRef idx="0"/>
+    <cs:fillRef idx="0"/>
+    <cs:effectRef idx="0"/>
+    <cs:fontRef idx="minor">
+      <a:schemeClr val="tx1">
+        <a:lumMod val="65000"/>
+        <a:lumOff val="35000"/>
+      </a:schemeClr>
+    </cs:fontRef>
+    <cs:defRPr sz="900" kern="1200"/>
+  </cs:trendlineLabel>
+  <cs:upBar>
+    <cs:lnRef idx="0"/>
+    <cs:fillRef idx="0"/>
+    <cs:effectRef idx="0"/>
+    <cs:fontRef idx="minor">
+      <a:schemeClr val="dk1"/>
+    </cs:fontRef>
+    <cs:spPr>
+      <a:solidFill>
+        <a:schemeClr val="lt1"/>
+      </a:solidFill>
+      <a:ln w="9525">
+        <a:solidFill>
+          <a:schemeClr val="tx1">
+            <a:lumMod val="15000"/>
+            <a:lumOff val="85000"/>
+          </a:schemeClr>
+        </a:solidFill>
+      </a:ln>
+    </cs:spPr>
+  </cs:upBar>
+  <cs:valueAxis>
+    <cs:lnRef idx="0"/>
+    <cs:fillRef idx="0"/>
+    <cs:effectRef idx="0"/>
+    <cs:fontRef idx="minor">
+      <a:schemeClr val="tx1">
+        <a:lumMod val="65000"/>
+        <a:lumOff val="35000"/>
+      </a:schemeClr>
+    </cs:fontRef>
+    <cs:defRPr sz="900" kern="1200"/>
+  </cs:valueAxis>
+  <cs:wall>
+    <cs:lnRef idx="0"/>
+    <cs:fillRef idx="0"/>
+    <cs:effectRef idx="0"/>
+    <cs:fontRef idx="minor">
+      <a:schemeClr val="tx1"/>
+    </cs:fontRef>
+    <cs:spPr>
+      <a:noFill/>
+      <a:ln>
+        <a:noFill/>
+      </a:ln>
+    </cs:spPr>
+  </cs:wall>
+</cs:chartStyle>
+</file>
+
+<file path=ppt/charts/style2.xml><?xml version="1.0" encoding="utf-8"?>
+<cs:chartStyle xmlns:cs="http://schemas.microsoft.com/office/drawing/2012/chartStyle" xmlns:a="http://schemas.openxmlformats.org/drawingml/2006/main" id="297">
+  <cs:axisTitle>
+    <cs:lnRef idx="0"/>
+    <cs:fillRef idx="0"/>
+    <cs:effectRef idx="0"/>
+    <cs:fontRef idx="minor">
+      <a:schemeClr val="tx1">
+        <a:lumMod val="65000"/>
+        <a:lumOff val="35000"/>
+      </a:schemeClr>
+    </cs:fontRef>
+    <cs:defRPr sz="1000" kern="1200"/>
+  </cs:axisTitle>
+  <cs:categoryAxis>
+    <cs:lnRef idx="0"/>
+    <cs:fillRef idx="0"/>
+    <cs:effectRef idx="0"/>
+    <cs:fontRef idx="minor">
+      <a:schemeClr val="tx1">
+        <a:lumMod val="65000"/>
+        <a:lumOff val="35000"/>
+      </a:schemeClr>
+    </cs:fontRef>
+    <cs:spPr>
+      <a:ln w="9525" cap="flat" cmpd="sng" algn="ctr">
+        <a:solidFill>
+          <a:schemeClr val="tx1">
+            <a:lumMod val="15000"/>
+            <a:lumOff val="85000"/>
+          </a:schemeClr>
+        </a:solidFill>
+        <a:round/>
+      </a:ln>
+    </cs:spPr>
+    <cs:defRPr sz="900" kern="1200"/>
+  </cs:categoryAxis>
+  <cs:chartArea mods="allowNoFillOverride allowNoLineOverride">
+    <cs:lnRef idx="0"/>
+    <cs:fillRef idx="0"/>
+    <cs:effectRef idx="0"/>
+    <cs:fontRef idx="minor">
+      <a:schemeClr val="tx1"/>
+    </cs:fontRef>
+    <cs:spPr>
+      <a:solidFill>
+        <a:schemeClr val="bg1"/>
+      </a:solidFill>
+      <a:ln w="9525" cap="flat" cmpd="sng" algn="ctr">
+        <a:solidFill>
+          <a:schemeClr val="tx1">
+            <a:lumMod val="15000"/>
+            <a:lumOff val="85000"/>
+          </a:schemeClr>
+        </a:solidFill>
+        <a:round/>
+      </a:ln>
+    </cs:spPr>
+    <cs:defRPr sz="1000" kern="1200"/>
+  </cs:chartArea>
+  <cs:dataLabel>
+    <cs:lnRef idx="0"/>
+    <cs:fillRef idx="0"/>
+    <cs:effectRef idx="0"/>
+    <cs:fontRef idx="minor">
+      <a:schemeClr val="tx1">
+        <a:lumMod val="75000"/>
+        <a:lumOff val="25000"/>
+      </a:schemeClr>
+    </cs:fontRef>
+    <cs:defRPr sz="900" kern="1200"/>
+  </cs:dataLabel>
+  <cs:dataLabelCallout>
+    <cs:lnRef idx="0"/>
+    <cs:fillRef idx="0"/>
+    <cs:effectRef idx="0"/>
+    <cs:fontRef idx="minor">
+      <a:schemeClr val="dk1">
+        <a:lumMod val="65000"/>
+        <a:lumOff val="35000"/>
+      </a:schemeClr>
+    </cs:fontRef>
+    <cs:spPr>
+      <a:solidFill>
+        <a:schemeClr val="lt1"/>
+      </a:solidFill>
+      <a:ln>
+        <a:solidFill>
+          <a:schemeClr val="dk1">
+            <a:lumMod val="25000"/>
+            <a:lumOff val="75000"/>
+          </a:schemeClr>
+        </a:solidFill>
+      </a:ln>
+    </cs:spPr>
+    <cs:defRPr sz="900" kern="1200"/>
+    <cs:bodyPr rot="0" spcFirstLastPara="1" vertOverflow="clip" horzOverflow="clip" vert="horz" wrap="square" lIns="36576" tIns="18288" rIns="36576" bIns="18288" anchor="ctr" anchorCtr="1">
+      <a:spAutoFit/>
+    </cs:bodyPr>
+  </cs:dataLabelCallout>
+  <cs:dataPoint>
+    <cs:lnRef idx="0"/>
+    <cs:fillRef idx="1">
+      <cs:styleClr val="auto"/>
+    </cs:fillRef>
+    <cs:effectRef idx="0"/>
+    <cs:fontRef idx="minor">
+      <a:schemeClr val="tx1"/>
+    </cs:fontRef>
+  </cs:dataPoint>
+  <cs:dataPoint3D>
+    <cs:lnRef idx="0"/>
+    <cs:fillRef idx="1">
+      <cs:styleClr val="auto"/>
+    </cs:fillRef>
+    <cs:effectRef idx="0"/>
+    <cs:fontRef idx="minor">
+      <a:schemeClr val="tx1"/>
+    </cs:fontRef>
+  </cs:dataPoint3D>
+  <cs:dataPointLine>
+    <cs:lnRef idx="0">
+      <cs:styleClr val="auto"/>
+    </cs:lnRef>
+    <cs:fillRef idx="1"/>
+    <cs:effectRef idx="0"/>
+    <cs:fontRef idx="minor">
+      <a:schemeClr val="tx1"/>
+    </cs:fontRef>
+    <cs:spPr>
+      <a:ln w="28575" cap="rnd">
+        <a:solidFill>
+          <a:schemeClr val="phClr"/>
+        </a:solidFill>
+        <a:round/>
+      </a:ln>
+    </cs:spPr>
+  </cs:dataPointLine>
+  <cs:dataPointMarker>
+    <cs:lnRef idx="0">
+      <cs:styleClr val="auto"/>
+    </cs:lnRef>
+    <cs:fillRef idx="1">
+      <cs:styleClr val="auto"/>
+    </cs:fillRef>
+    <cs:effectRef idx="0"/>
+    <cs:fontRef idx="minor">
+      <a:schemeClr val="tx1"/>
+    </cs:fontRef>
+    <cs:spPr>
+      <a:ln w="9525">
+        <a:solidFill>
+          <a:schemeClr val="phClr"/>
+        </a:solidFill>
+      </a:ln>
+    </cs:spPr>
+  </cs:dataPointMarker>
+  <cs:dataPointMarkerLayout symbol="circle" size="5"/>
+  <cs:dataPointWireframe>
+    <cs:lnRef idx="0">
+      <cs:styleClr val="auto"/>
+    </cs:lnRef>
+    <cs:fillRef idx="1"/>
+    <cs:effectRef idx="0"/>
+    <cs:fontRef idx="minor">
+      <a:schemeClr val="tx1"/>
+    </cs:fontRef>
+    <cs:spPr>
+      <a:ln w="9525" cap="rnd">
+        <a:solidFill>
+          <a:schemeClr val="phClr"/>
+        </a:solidFill>
+        <a:round/>
+      </a:ln>
+    </cs:spPr>
+  </cs:dataPointWireframe>
+  <cs:dataTable>
+    <cs:lnRef idx="0"/>
+    <cs:fillRef idx="0"/>
+    <cs:effectRef idx="0"/>
+    <cs:fontRef idx="minor">
+      <a:schemeClr val="tx1">
+        <a:lumMod val="65000"/>
+        <a:lumOff val="35000"/>
+      </a:schemeClr>
+    </cs:fontRef>
+    <cs:spPr>
+      <a:noFill/>
+      <a:ln w="9525" cap="flat" cmpd="sng" algn="ctr">
+        <a:solidFill>
+          <a:schemeClr val="tx1">
+            <a:lumMod val="15000"/>
+            <a:lumOff val="85000"/>
+          </a:schemeClr>
+        </a:solidFill>
+        <a:round/>
+      </a:ln>
+    </cs:spPr>
+    <cs:defRPr sz="900" kern="1200"/>
+  </cs:dataTable>
+  <cs:downBar>
+    <cs:lnRef idx="0"/>
+    <cs:fillRef idx="0"/>
+    <cs:effectRef idx="0"/>
+    <cs:fontRef idx="minor">
+      <a:schemeClr val="tx1"/>
+    </cs:fontRef>
+    <cs:spPr>
+      <a:solidFill>
+        <a:schemeClr val="dk1">
+          <a:lumMod val="75000"/>
+          <a:lumOff val="25000"/>
+        </a:schemeClr>
+      </a:solidFill>
+      <a:ln w="9525" cap="flat" cmpd="sng" algn="ctr">
+        <a:solidFill>
+          <a:schemeClr val="tx1">
+            <a:lumMod val="65000"/>
+            <a:lumOff val="35000"/>
+          </a:schemeClr>
+        </a:solidFill>
+        <a:round/>
+      </a:ln>
+    </cs:spPr>
+  </cs:downBar>
+  <cs:dropLine>
+    <cs:lnRef idx="0"/>
+    <cs:fillRef idx="0"/>
+    <cs:effectRef idx="0"/>
+    <cs:fontRef idx="minor">
+      <a:schemeClr val="tx1"/>
+    </cs:fontRef>
+    <cs:spPr>
+      <a:ln w="9525" cap="flat" cmpd="sng" algn="ctr">
+        <a:solidFill>
+          <a:schemeClr val="tx1">
+            <a:lumMod val="35000"/>
+            <a:lumOff val="65000"/>
+          </a:schemeClr>
+        </a:solidFill>
+        <a:round/>
+      </a:ln>
+    </cs:spPr>
+  </cs:dropLine>
+  <cs:errorBar>
+    <cs:lnRef idx="0"/>
+    <cs:fillRef idx="0"/>
+    <cs:effectRef idx="0"/>
+    <cs:fontRef idx="minor">
+      <a:schemeClr val="tx1"/>
+    </cs:fontRef>
+    <cs:spPr>
+      <a:ln w="9525" cap="flat" cmpd="sng" algn="ctr">
+        <a:solidFill>
+          <a:schemeClr val="tx1">
+            <a:lumMod val="65000"/>
+            <a:lumOff val="35000"/>
+          </a:schemeClr>
+        </a:solidFill>
+        <a:round/>
+      </a:ln>
+    </cs:spPr>
+  </cs:errorBar>
+  <cs:floor>
+    <cs:lnRef idx="0"/>
+    <cs:fillRef idx="0"/>
+    <cs:effectRef idx="0"/>
+    <cs:fontRef idx="minor">
+      <a:schemeClr val="tx1"/>
+    </cs:fontRef>
+    <cs:spPr>
+      <a:noFill/>
+      <a:ln>
+        <a:noFill/>
+      </a:ln>
+    </cs:spPr>
+  </cs:floor>
+  <cs:gridlineMajor>
+    <cs:lnRef idx="0"/>
+    <cs:fillRef idx="0"/>
+    <cs:effectRef idx="0"/>
+    <cs:fontRef idx="minor">
+      <a:schemeClr val="tx1"/>
+    </cs:fontRef>
+    <cs:spPr>
+      <a:ln w="9525" cap="flat" cmpd="sng" algn="ctr">
+        <a:solidFill>
+          <a:schemeClr val="tx1">
+            <a:lumMod val="15000"/>
+            <a:lumOff val="85000"/>
+          </a:schemeClr>
+        </a:solidFill>
+        <a:round/>
+      </a:ln>
+    </cs:spPr>
+  </cs:gridlineMajor>
+  <cs:gridlineMinor>
+    <cs:lnRef idx="0"/>
+    <cs:fillRef idx="0"/>
+    <cs:effectRef idx="0"/>
+    <cs:fontRef idx="minor">
+      <a:schemeClr val="tx1"/>
+    </cs:fontRef>
+    <cs:spPr>
+      <a:ln w="9525" cap="flat" cmpd="sng" algn="ctr">
+        <a:solidFill>
+          <a:schemeClr val="tx1">
+            <a:lumMod val="5000"/>
+            <a:lumOff val="95000"/>
+          </a:schemeClr>
+        </a:solidFill>
+        <a:round/>
+      </a:ln>
+    </cs:spPr>
+  </cs:gridlineMinor>
+  <cs:hiLoLine>
+    <cs:lnRef idx="0"/>
+    <cs:fillRef idx="0"/>
+    <cs:effectRef idx="0"/>
+    <cs:fontRef idx="minor">
+      <a:schemeClr val="tx1"/>
+    </cs:fontRef>
+    <cs:spPr>
+      <a:ln w="9525" cap="flat" cmpd="sng" algn="ctr">
+        <a:solidFill>
+          <a:schemeClr val="tx1">
+            <a:lumMod val="50000"/>
+            <a:lumOff val="50000"/>
+          </a:schemeClr>
+        </a:solidFill>
+        <a:round/>
+      </a:ln>
+    </cs:spPr>
+  </cs:hiLoLine>
+  <cs:leaderLine>
+    <cs:lnRef idx="0"/>
+    <cs:fillRef idx="0"/>
+    <cs:effectRef idx="0"/>
+    <cs:fontRef idx="minor">
+      <a:schemeClr val="tx1"/>
+    </cs:fontRef>
+    <cs:spPr>
+      <a:ln w="9525" cap="flat" cmpd="sng" algn="ctr">
+        <a:solidFill>
+          <a:schemeClr val="tx1">
+            <a:lumMod val="35000"/>
+            <a:lumOff val="65000"/>
+          </a:schemeClr>
+        </a:solidFill>
+        <a:round/>
+      </a:ln>
+    </cs:spPr>
+  </cs:leaderLine>
+  <cs:legend>
+    <cs:lnRef idx="0"/>
+    <cs:fillRef idx="0"/>
+    <cs:effectRef idx="0"/>
+    <cs:fontRef idx="minor">
+      <a:schemeClr val="tx1">
+        <a:lumMod val="65000"/>
+        <a:lumOff val="35000"/>
+      </a:schemeClr>
+    </cs:fontRef>
+    <cs:defRPr sz="900" kern="1200"/>
+  </cs:legend>
+  <cs:plotArea mods="allowNoFillOverride allowNoLineOverride">
+    <cs:lnRef idx="0"/>
+    <cs:fillRef idx="0"/>
+    <cs:effectRef idx="0"/>
+    <cs:fontRef idx="minor">
+      <a:schemeClr val="tx1"/>
+    </cs:fontRef>
+  </cs:plotArea>
+  <cs:plotArea3D mods="allowNoFillOverride allowNoLineOverride">
+    <cs:lnRef idx="0"/>
+    <cs:fillRef idx="0"/>
+    <cs:effectRef idx="0"/>
+    <cs:fontRef idx="minor">
+      <a:schemeClr val="tx1"/>
+    </cs:fontRef>
+  </cs:plotArea3D>
+  <cs:seriesAxis>
+    <cs:lnRef idx="0"/>
+    <cs:fillRef idx="0"/>
+    <cs:effectRef idx="0"/>
+    <cs:fontRef idx="minor">
+      <a:schemeClr val="tx1">
+        <a:lumMod val="65000"/>
+        <a:lumOff val="35000"/>
+      </a:schemeClr>
+    </cs:fontRef>
+    <cs:defRPr sz="900" kern="1200"/>
+  </cs:seriesAxis>
+  <cs:seriesLine>
+    <cs:lnRef idx="0"/>
+    <cs:fillRef idx="0"/>
+    <cs:effectRef idx="0"/>
+    <cs:fontRef idx="minor">
+      <a:schemeClr val="tx1"/>
+    </cs:fontRef>
+    <cs:spPr>
+      <a:ln w="9525" cap="flat" cmpd="sng" algn="ctr">
+        <a:solidFill>
+          <a:schemeClr val="tx1">
+            <a:lumMod val="35000"/>
+            <a:lumOff val="65000"/>
+          </a:schemeClr>
+        </a:solidFill>
+        <a:round/>
+      </a:ln>
+    </cs:spPr>
+  </cs:seriesLine>
+  <cs:title>
+    <cs:lnRef idx="0"/>
+    <cs:fillRef idx="0"/>
+    <cs:effectRef idx="0"/>
+    <cs:fontRef idx="minor">
+      <a:schemeClr val="tx1">
+        <a:lumMod val="65000"/>
+        <a:lumOff val="35000"/>
+      </a:schemeClr>
+    </cs:fontRef>
+    <cs:defRPr sz="1400" b="0" kern="1200" spc="0" baseline="0"/>
+  </cs:title>
+  <cs:trendline>
+    <cs:lnRef idx="0">
+      <cs:styleClr val="auto"/>
+    </cs:lnRef>
+    <cs:fillRef idx="0"/>
+    <cs:effectRef idx="0"/>
+    <cs:fontRef idx="minor">
+      <a:schemeClr val="tx1"/>
+    </cs:fontRef>
+    <cs:spPr>
+      <a:ln w="19050" cap="rnd">
+        <a:solidFill>
+          <a:schemeClr val="phClr"/>
+        </a:solidFill>
+        <a:prstDash val="sysDot"/>
+      </a:ln>
+    </cs:spPr>
+  </cs:trendline>
+  <cs:trendlineLabel>
+    <cs:lnRef idx="0"/>
+    <cs:fillRef idx="0"/>
+    <cs:effectRef idx="0"/>
+    <cs:fontRef idx="minor">
+      <a:schemeClr val="tx1">
+        <a:lumMod val="65000"/>
+        <a:lumOff val="35000"/>
+      </a:schemeClr>
+    </cs:fontRef>
+    <cs:defRPr sz="900" kern="1200"/>
+  </cs:trendlineLabel>
+  <cs:upBar>
+    <cs:lnRef idx="0"/>
+    <cs:fillRef idx="0"/>
+    <cs:effectRef idx="0"/>
+    <cs:fontRef idx="minor">
+      <a:schemeClr val="tx1"/>
+    </cs:fontRef>
+    <cs:spPr>
+      <a:solidFill>
+        <a:schemeClr val="lt1"/>
+      </a:solidFill>
+      <a:ln w="9525" cap="flat" cmpd="sng" algn="ctr">
+        <a:solidFill>
+          <a:schemeClr val="tx1">
+            <a:lumMod val="65000"/>
+            <a:lumOff val="35000"/>
+          </a:schemeClr>
+        </a:solidFill>
+        <a:round/>
+      </a:ln>
+    </cs:spPr>
+  </cs:upBar>
+  <cs:valueAxis>
+    <cs:lnRef idx="0"/>
+    <cs:fillRef idx="0"/>
+    <cs:effectRef idx="0"/>
+    <cs:fontRef idx="minor">
+      <a:schemeClr val="tx1">
+        <a:lumMod val="65000"/>
+        <a:lumOff val="35000"/>
+      </a:schemeClr>
+    </cs:fontRef>
+    <cs:defRPr sz="900" kern="1200"/>
+  </cs:valueAxis>
+  <cs:wall>
+    <cs:lnRef idx="0"/>
+    <cs:fillRef idx="0"/>
+    <cs:effectRef idx="0"/>
+    <cs:fontRef idx="minor">
+      <a:schemeClr val="tx1"/>
+    </cs:fontRef>
+    <cs:spPr>
+      <a:noFill/>
+      <a:ln>
+        <a:noFill/>
+      </a:ln>
+    </cs:spPr>
+  </cs:wall>
+</cs:chartStyle>
+</file>
+
+<file path=ppt/charts/style3.xml><?xml version="1.0" encoding="utf-8"?>
+<cs:chartStyle xmlns:cs="http://schemas.microsoft.com/office/drawing/2012/chartStyle" xmlns:a="http://schemas.openxmlformats.org/drawingml/2006/main" id="297">
+  <cs:axisTitle>
+    <cs:lnRef idx="0"/>
+    <cs:fillRef idx="0"/>
+    <cs:effectRef idx="0"/>
+    <cs:fontRef idx="minor">
+      <a:schemeClr val="tx1">
+        <a:lumMod val="65000"/>
+        <a:lumOff val="35000"/>
+      </a:schemeClr>
+    </cs:fontRef>
+    <cs:defRPr sz="1000" kern="1200"/>
+  </cs:axisTitle>
+  <cs:categoryAxis>
+    <cs:lnRef idx="0"/>
+    <cs:fillRef idx="0"/>
+    <cs:effectRef idx="0"/>
+    <cs:fontRef idx="minor">
+      <a:schemeClr val="tx1">
+        <a:lumMod val="65000"/>
+        <a:lumOff val="35000"/>
+      </a:schemeClr>
+    </cs:fontRef>
+    <cs:spPr>
+      <a:ln w="9525" cap="flat" cmpd="sng" algn="ctr">
+        <a:solidFill>
+          <a:schemeClr val="tx1">
+            <a:lumMod val="15000"/>
+            <a:lumOff val="85000"/>
+          </a:schemeClr>
+        </a:solidFill>
+        <a:round/>
+      </a:ln>
+    </cs:spPr>
+    <cs:defRPr sz="900" kern="1200"/>
+  </cs:categoryAxis>
+  <cs:chartArea mods="allowNoFillOverride allowNoLineOverride">
+    <cs:lnRef idx="0"/>
+    <cs:fillRef idx="0"/>
+    <cs:effectRef idx="0"/>
+    <cs:fontRef idx="minor">
+      <a:schemeClr val="tx1"/>
+    </cs:fontRef>
+    <cs:spPr>
+      <a:solidFill>
+        <a:schemeClr val="bg1"/>
+      </a:solidFill>
+      <a:ln w="9525" cap="flat" cmpd="sng" algn="ctr">
+        <a:solidFill>
+          <a:schemeClr val="tx1">
+            <a:lumMod val="15000"/>
+            <a:lumOff val="85000"/>
+          </a:schemeClr>
+        </a:solidFill>
+        <a:round/>
+      </a:ln>
+    </cs:spPr>
+    <cs:defRPr sz="1000" kern="1200"/>
+  </cs:chartArea>
+  <cs:dataLabel>
+    <cs:lnRef idx="0"/>
+    <cs:fillRef idx="0"/>
+    <cs:effectRef idx="0"/>
+    <cs:fontRef idx="minor">
+      <a:schemeClr val="tx1">
+        <a:lumMod val="75000"/>
+        <a:lumOff val="25000"/>
+      </a:schemeClr>
+    </cs:fontRef>
+    <cs:defRPr sz="900" kern="1200"/>
+  </cs:dataLabel>
+  <cs:dataLabelCallout>
+    <cs:lnRef idx="0"/>
+    <cs:fillRef idx="0"/>
+    <cs:effectRef idx="0"/>
+    <cs:fontRef idx="minor">
+      <a:schemeClr val="dk1">
+        <a:lumMod val="65000"/>
+        <a:lumOff val="35000"/>
+      </a:schemeClr>
+    </cs:fontRef>
+    <cs:spPr>
+      <a:solidFill>
+        <a:schemeClr val="lt1"/>
+      </a:solidFill>
+      <a:ln>
+        <a:solidFill>
+          <a:schemeClr val="dk1">
+            <a:lumMod val="25000"/>
+            <a:lumOff val="75000"/>
+          </a:schemeClr>
+        </a:solidFill>
+      </a:ln>
+    </cs:spPr>
+    <cs:defRPr sz="900" kern="1200"/>
+    <cs:bodyPr rot="0" spcFirstLastPara="1" vertOverflow="clip" horzOverflow="clip" vert="horz" wrap="square" lIns="36576" tIns="18288" rIns="36576" bIns="18288" anchor="ctr" anchorCtr="1">
+      <a:spAutoFit/>
+    </cs:bodyPr>
+  </cs:dataLabelCallout>
+  <cs:dataPoint>
+    <cs:lnRef idx="0"/>
+    <cs:fillRef idx="1">
+      <cs:styleClr val="auto"/>
+    </cs:fillRef>
+    <cs:effectRef idx="0"/>
+    <cs:fontRef idx="minor">
+      <a:schemeClr val="tx1"/>
+    </cs:fontRef>
+  </cs:dataPoint>
+  <cs:dataPoint3D>
+    <cs:lnRef idx="0"/>
+    <cs:fillRef idx="1">
+      <cs:styleClr val="auto"/>
+    </cs:fillRef>
+    <cs:effectRef idx="0"/>
+    <cs:fontRef idx="minor">
+      <a:schemeClr val="tx1"/>
+    </cs:fontRef>
+  </cs:dataPoint3D>
+  <cs:dataPointLine>
+    <cs:lnRef idx="0">
+      <cs:styleClr val="auto"/>
+    </cs:lnRef>
+    <cs:fillRef idx="1"/>
+    <cs:effectRef idx="0"/>
+    <cs:fontRef idx="minor">
+      <a:schemeClr val="tx1"/>
+    </cs:fontRef>
+    <cs:spPr>
+      <a:ln w="28575" cap="rnd">
+        <a:solidFill>
+          <a:schemeClr val="phClr"/>
+        </a:solidFill>
+        <a:round/>
+      </a:ln>
+    </cs:spPr>
+  </cs:dataPointLine>
+  <cs:dataPointMarker>
+    <cs:lnRef idx="0">
+      <cs:styleClr val="auto"/>
+    </cs:lnRef>
+    <cs:fillRef idx="1">
+      <cs:styleClr val="auto"/>
+    </cs:fillRef>
+    <cs:effectRef idx="0"/>
+    <cs:fontRef idx="minor">
+      <a:schemeClr val="tx1"/>
+    </cs:fontRef>
+    <cs:spPr>
+      <a:ln w="9525">
+        <a:solidFill>
+          <a:schemeClr val="phClr"/>
+        </a:solidFill>
+      </a:ln>
+    </cs:spPr>
+  </cs:dataPointMarker>
+  <cs:dataPointMarkerLayout symbol="circle" size="5"/>
+  <cs:dataPointWireframe>
+    <cs:lnRef idx="0">
+      <cs:styleClr val="auto"/>
+    </cs:lnRef>
+    <cs:fillRef idx="1"/>
+    <cs:effectRef idx="0"/>
+    <cs:fontRef idx="minor">
+      <a:schemeClr val="tx1"/>
+    </cs:fontRef>
+    <cs:spPr>
+      <a:ln w="9525" cap="rnd">
+        <a:solidFill>
+          <a:schemeClr val="phClr"/>
+        </a:solidFill>
+        <a:round/>
+      </a:ln>
+    </cs:spPr>
+  </cs:dataPointWireframe>
+  <cs:dataTable>
+    <cs:lnRef idx="0"/>
+    <cs:fillRef idx="0"/>
+    <cs:effectRef idx="0"/>
+    <cs:fontRef idx="minor">
+      <a:schemeClr val="tx1">
+        <a:lumMod val="65000"/>
+        <a:lumOff val="35000"/>
+      </a:schemeClr>
+    </cs:fontRef>
+    <cs:spPr>
+      <a:noFill/>
+      <a:ln w="9525" cap="flat" cmpd="sng" algn="ctr">
+        <a:solidFill>
+          <a:schemeClr val="tx1">
+            <a:lumMod val="15000"/>
+            <a:lumOff val="85000"/>
+          </a:schemeClr>
+        </a:solidFill>
+        <a:round/>
+      </a:ln>
+    </cs:spPr>
+    <cs:defRPr sz="900" kern="1200"/>
+  </cs:dataTable>
+  <cs:downBar>
+    <cs:lnRef idx="0"/>
+    <cs:fillRef idx="0"/>
+    <cs:effectRef idx="0"/>
+    <cs:fontRef idx="minor">
+      <a:schemeClr val="tx1"/>
+    </cs:fontRef>
+    <cs:spPr>
+      <a:solidFill>
+        <a:schemeClr val="dk1">
+          <a:lumMod val="75000"/>
+          <a:lumOff val="25000"/>
+        </a:schemeClr>
+      </a:solidFill>
+      <a:ln w="9525" cap="flat" cmpd="sng" algn="ctr">
+        <a:solidFill>
+          <a:schemeClr val="tx1">
+            <a:lumMod val="65000"/>
+            <a:lumOff val="35000"/>
+          </a:schemeClr>
+        </a:solidFill>
+        <a:round/>
+      </a:ln>
+    </cs:spPr>
+  </cs:downBar>
+  <cs:dropLine>
+    <cs:lnRef idx="0"/>
+    <cs:fillRef idx="0"/>
+    <cs:effectRef idx="0"/>
+    <cs:fontRef idx="minor">
+      <a:schemeClr val="tx1"/>
+    </cs:fontRef>
+    <cs:spPr>
+      <a:ln w="9525" cap="flat" cmpd="sng" algn="ctr">
+        <a:solidFill>
+          <a:schemeClr val="tx1">
+            <a:lumMod val="35000"/>
+            <a:lumOff val="65000"/>
+          </a:schemeClr>
+        </a:solidFill>
+        <a:round/>
+      </a:ln>
+    </cs:spPr>
+  </cs:dropLine>
+  <cs:errorBar>
+    <cs:lnRef idx="0"/>
+    <cs:fillRef idx="0"/>
+    <cs:effectRef idx="0"/>
+    <cs:fontRef idx="minor">
+      <a:schemeClr val="tx1"/>
+    </cs:fontRef>
+    <cs:spPr>
+      <a:ln w="9525" cap="flat" cmpd="sng" algn="ctr">
+        <a:solidFill>
+          <a:schemeClr val="tx1">
+            <a:lumMod val="65000"/>
+            <a:lumOff val="35000"/>
+          </a:schemeClr>
+        </a:solidFill>
+        <a:round/>
+      </a:ln>
+    </cs:spPr>
+  </cs:errorBar>
+  <cs:floor>
+    <cs:lnRef idx="0"/>
+    <cs:fillRef idx="0"/>
+    <cs:effectRef idx="0"/>
+    <cs:fontRef idx="minor">
+      <a:schemeClr val="tx1"/>
+    </cs:fontRef>
+    <cs:spPr>
+      <a:noFill/>
+      <a:ln>
+        <a:noFill/>
+      </a:ln>
+    </cs:spPr>
+  </cs:floor>
+  <cs:gridlineMajor>
+    <cs:lnRef idx="0"/>
+    <cs:fillRef idx="0"/>
+    <cs:effectRef idx="0"/>
+    <cs:fontRef idx="minor">
+      <a:schemeClr val="tx1"/>
+    </cs:fontRef>
+    <cs:spPr>
+      <a:ln w="9525" cap="flat" cmpd="sng" algn="ctr">
+        <a:solidFill>
+          <a:schemeClr val="tx1">
+            <a:lumMod val="15000"/>
+            <a:lumOff val="85000"/>
+          </a:schemeClr>
+        </a:solidFill>
+        <a:round/>
+      </a:ln>
+    </cs:spPr>
+  </cs:gridlineMajor>
+  <cs:gridlineMinor>
+    <cs:lnRef idx="0"/>
+    <cs:fillRef idx="0"/>
+    <cs:effectRef idx="0"/>
+    <cs:fontRef idx="minor">
+      <a:schemeClr val="tx1"/>
+    </cs:fontRef>
+    <cs:spPr>
+      <a:ln w="9525" cap="flat" cmpd="sng" algn="ctr">
+        <a:solidFill>
+          <a:schemeClr val="tx1">
+            <a:lumMod val="5000"/>
+            <a:lumOff val="95000"/>
+          </a:schemeClr>
+        </a:solidFill>
+        <a:round/>
+      </a:ln>
+    </cs:spPr>
+  </cs:gridlineMinor>
+  <cs:hiLoLine>
+    <cs:lnRef idx="0"/>
+    <cs:fillRef idx="0"/>
+    <cs:effectRef idx="0"/>
+    <cs:fontRef idx="minor">
+      <a:schemeClr val="tx1"/>
+    </cs:fontRef>
+    <cs:spPr>
+      <a:ln w="9525" cap="flat" cmpd="sng" algn="ctr">
+        <a:solidFill>
+          <a:schemeClr val="tx1">
+            <a:lumMod val="50000"/>
+            <a:lumOff val="50000"/>
+          </a:schemeClr>
+        </a:solidFill>
+        <a:round/>
+      </a:ln>
+    </cs:spPr>
+  </cs:hiLoLine>
+  <cs:leaderLine>
+    <cs:lnRef idx="0"/>
+    <cs:fillRef idx="0"/>
+    <cs:effectRef idx="0"/>
+    <cs:fontRef idx="minor">
+      <a:schemeClr val="tx1"/>
+    </cs:fontRef>
+    <cs:spPr>
+      <a:ln w="9525" cap="flat" cmpd="sng" algn="ctr">
+        <a:solidFill>
+          <a:schemeClr val="tx1">
+            <a:lumMod val="35000"/>
+            <a:lumOff val="65000"/>
+          </a:schemeClr>
+        </a:solidFill>
+        <a:round/>
+      </a:ln>
+    </cs:spPr>
+  </cs:leaderLine>
+  <cs:legend>
+    <cs:lnRef idx="0"/>
+    <cs:fillRef idx="0"/>
+    <cs:effectRef idx="0"/>
+    <cs:fontRef idx="minor">
+      <a:schemeClr val="tx1">
+        <a:lumMod val="65000"/>
+        <a:lumOff val="35000"/>
+      </a:schemeClr>
+    </cs:fontRef>
+    <cs:defRPr sz="900" kern="1200"/>
+  </cs:legend>
+  <cs:plotArea mods="allowNoFillOverride allowNoLineOverride">
+    <cs:lnRef idx="0"/>
+    <cs:fillRef idx="0"/>
+    <cs:effectRef idx="0"/>
+    <cs:fontRef idx="minor">
+      <a:schemeClr val="tx1"/>
+    </cs:fontRef>
+  </cs:plotArea>
+  <cs:plotArea3D mods="allowNoFillOverride allowNoLineOverride">
+    <cs:lnRef idx="0"/>
+    <cs:fillRef idx="0"/>
+    <cs:effectRef idx="0"/>
+    <cs:fontRef idx="minor">
+      <a:schemeClr val="tx1"/>
+    </cs:fontRef>
+  </cs:plotArea3D>
+  <cs:seriesAxis>
+    <cs:lnRef idx="0"/>
+    <cs:fillRef idx="0"/>
+    <cs:effectRef idx="0"/>
+    <cs:fontRef idx="minor">
+      <a:schemeClr val="tx1">
+        <a:lumMod val="65000"/>
+        <a:lumOff val="35000"/>
+      </a:schemeClr>
+    </cs:fontRef>
+    <cs:defRPr sz="900" kern="1200"/>
+  </cs:seriesAxis>
+  <cs:seriesLine>
+    <cs:lnRef idx="0"/>
+    <cs:fillRef idx="0"/>
+    <cs:effectRef idx="0"/>
+    <cs:fontRef idx="minor">
+      <a:schemeClr val="tx1"/>
+    </cs:fontRef>
+    <cs:spPr>
+      <a:ln w="9525" cap="flat" cmpd="sng" algn="ctr">
+        <a:solidFill>
+          <a:schemeClr val="tx1">
+            <a:lumMod val="35000"/>
+            <a:lumOff val="65000"/>
+          </a:schemeClr>
+        </a:solidFill>
+        <a:round/>
+      </a:ln>
+    </cs:spPr>
+  </cs:seriesLine>
+  <cs:title>
+    <cs:lnRef idx="0"/>
+    <cs:fillRef idx="0"/>
+    <cs:effectRef idx="0"/>
+    <cs:fontRef idx="minor">
+      <a:schemeClr val="tx1">
+        <a:lumMod val="65000"/>
+        <a:lumOff val="35000"/>
+      </a:schemeClr>
+    </cs:fontRef>
+    <cs:defRPr sz="1400" b="0" kern="1200" spc="0" baseline="0"/>
+  </cs:title>
+  <cs:trendline>
+    <cs:lnRef idx="0">
+      <cs:styleClr val="auto"/>
+    </cs:lnRef>
+    <cs:fillRef idx="0"/>
+    <cs:effectRef idx="0"/>
+    <cs:fontRef idx="minor">
+      <a:schemeClr val="tx1"/>
+    </cs:fontRef>
+    <cs:spPr>
+      <a:ln w="19050" cap="rnd">
+        <a:solidFill>
+          <a:schemeClr val="phClr"/>
+        </a:solidFill>
+        <a:prstDash val="sysDot"/>
+      </a:ln>
+    </cs:spPr>
+  </cs:trendline>
+  <cs:trendlineLabel>
+    <cs:lnRef idx="0"/>
+    <cs:fillRef idx="0"/>
+    <cs:effectRef idx="0"/>
+    <cs:fontRef idx="minor">
+      <a:schemeClr val="tx1">
+        <a:lumMod val="65000"/>
+        <a:lumOff val="35000"/>
+      </a:schemeClr>
+    </cs:fontRef>
+    <cs:defRPr sz="900" kern="1200"/>
+  </cs:trendlineLabel>
+  <cs:upBar>
+    <cs:lnRef idx="0"/>
+    <cs:fillRef idx="0"/>
+    <cs:effectRef idx="0"/>
+    <cs:fontRef idx="minor">
+      <a:schemeClr val="tx1"/>
+    </cs:fontRef>
+    <cs:spPr>
+      <a:solidFill>
+        <a:schemeClr val="lt1"/>
+      </a:solidFill>
+      <a:ln w="9525" cap="flat" cmpd="sng" algn="ctr">
+        <a:solidFill>
+          <a:schemeClr val="tx1">
+            <a:lumMod val="65000"/>
+            <a:lumOff val="35000"/>
+          </a:schemeClr>
+        </a:solidFill>
+        <a:round/>
+      </a:ln>
+    </cs:spPr>
+  </cs:upBar>
+  <cs:valueAxis>
+    <cs:lnRef idx="0"/>
+    <cs:fillRef idx="0"/>
+    <cs:effectRef idx="0"/>
+    <cs:fontRef idx="minor">
+      <a:schemeClr val="tx1">
+        <a:lumMod val="65000"/>
+        <a:lumOff val="35000"/>
+      </a:schemeClr>
+    </cs:fontRef>
+    <cs:defRPr sz="900" kern="1200"/>
+  </cs:valueAxis>
+  <cs:wall>
+    <cs:lnRef idx="0"/>
+    <cs:fillRef idx="0"/>
+    <cs:effectRef idx="0"/>
+    <cs:fontRef idx="minor">
+      <a:schemeClr val="tx1"/>
+    </cs:fontRef>
+    <cs:spPr>
+      <a:noFill/>
+      <a:ln>
+        <a:noFill/>
+      </a:ln>
+    </cs:spPr>
+  </cs:wall>
+</cs:chartStyle>
+</file>
+
+<file path=ppt/charts/style4.xml><?xml version="1.0" encoding="utf-8"?>
+<cs:chartStyle xmlns:cs="http://schemas.microsoft.com/office/drawing/2012/chartStyle" xmlns:a="http://schemas.openxmlformats.org/drawingml/2006/main" id="297">
+  <cs:axisTitle>
+    <cs:lnRef idx="0"/>
+    <cs:fillRef idx="0"/>
+    <cs:effectRef idx="0"/>
+    <cs:fontRef idx="minor">
+      <a:schemeClr val="tx1">
+        <a:lumMod val="65000"/>
+        <a:lumOff val="35000"/>
+      </a:schemeClr>
+    </cs:fontRef>
+    <cs:defRPr sz="1000" kern="1200"/>
+  </cs:axisTitle>
+  <cs:categoryAxis>
+    <cs:lnRef idx="0"/>
+    <cs:fillRef idx="0"/>
+    <cs:effectRef idx="0"/>
+    <cs:fontRef idx="minor">
+      <a:schemeClr val="tx1">
+        <a:lumMod val="65000"/>
+        <a:lumOff val="35000"/>
+      </a:schemeClr>
+    </cs:fontRef>
+    <cs:spPr>
+      <a:ln w="9525" cap="flat" cmpd="sng" algn="ctr">
+        <a:solidFill>
+          <a:schemeClr val="tx1">
+            <a:lumMod val="15000"/>
+            <a:lumOff val="85000"/>
+          </a:schemeClr>
+        </a:solidFill>
+        <a:round/>
+      </a:ln>
+    </cs:spPr>
+    <cs:defRPr sz="900" kern="1200"/>
+  </cs:categoryAxis>
+  <cs:chartArea mods="allowNoFillOverride allowNoLineOverride">
+    <cs:lnRef idx="0"/>
+    <cs:fillRef idx="0"/>
+    <cs:effectRef idx="0"/>
+    <cs:fontRef idx="minor">
+      <a:schemeClr val="tx1"/>
+    </cs:fontRef>
+    <cs:spPr>
+      <a:solidFill>
+        <a:schemeClr val="bg1"/>
+      </a:solidFill>
+      <a:ln w="9525" cap="flat" cmpd="sng" algn="ctr">
+        <a:solidFill>
+          <a:schemeClr val="tx1">
+            <a:lumMod val="15000"/>
+            <a:lumOff val="85000"/>
+          </a:schemeClr>
+        </a:solidFill>
+        <a:round/>
+      </a:ln>
+    </cs:spPr>
+    <cs:defRPr sz="1000" kern="1200"/>
+  </cs:chartArea>
+  <cs:dataLabel>
+    <cs:lnRef idx="0"/>
+    <cs:fillRef idx="0"/>
+    <cs:effectRef idx="0"/>
+    <cs:fontRef idx="minor">
+      <a:schemeClr val="tx1">
+        <a:lumMod val="75000"/>
+        <a:lumOff val="25000"/>
+      </a:schemeClr>
+    </cs:fontRef>
+    <cs:defRPr sz="900" kern="1200"/>
+  </cs:dataLabel>
+  <cs:dataLabelCallout>
+    <cs:lnRef idx="0"/>
+    <cs:fillRef idx="0"/>
+    <cs:effectRef idx="0"/>
+    <cs:fontRef idx="minor">
+      <a:schemeClr val="dk1">
+        <a:lumMod val="65000"/>
+        <a:lumOff val="35000"/>
+      </a:schemeClr>
+    </cs:fontRef>
+    <cs:spPr>
+      <a:solidFill>
+        <a:schemeClr val="lt1"/>
+      </a:solidFill>
+      <a:ln>
+        <a:solidFill>
+          <a:schemeClr val="dk1">
+            <a:lumMod val="25000"/>
+            <a:lumOff val="75000"/>
+          </a:schemeClr>
+        </a:solidFill>
+      </a:ln>
+    </cs:spPr>
+    <cs:defRPr sz="900" kern="1200"/>
+    <cs:bodyPr rot="0" spcFirstLastPara="1" vertOverflow="clip" horzOverflow="clip" vert="horz" wrap="square" lIns="36576" tIns="18288" rIns="36576" bIns="18288" anchor="ctr" anchorCtr="1">
+      <a:spAutoFit/>
+    </cs:bodyPr>
+  </cs:dataLabelCallout>
+  <cs:dataPoint>
+    <cs:lnRef idx="0"/>
+    <cs:fillRef idx="1">
+      <cs:styleClr val="auto"/>
+    </cs:fillRef>
+    <cs:effectRef idx="0"/>
+    <cs:fontRef idx="minor">
+      <a:schemeClr val="tx1"/>
+    </cs:fontRef>
+  </cs:dataPoint>
+  <cs:dataPoint3D>
+    <cs:lnRef idx="0"/>
+    <cs:fillRef idx="1">
+      <cs:styleClr val="auto"/>
+    </cs:fillRef>
+    <cs:effectRef idx="0"/>
+    <cs:fontRef idx="minor">
+      <a:schemeClr val="tx1"/>
+    </cs:fontRef>
+  </cs:dataPoint3D>
+  <cs:dataPointLine>
+    <cs:lnRef idx="0">
+      <cs:styleClr val="auto"/>
+    </cs:lnRef>
+    <cs:fillRef idx="1"/>
+    <cs:effectRef idx="0"/>
+    <cs:fontRef idx="minor">
+      <a:schemeClr val="tx1"/>
+    </cs:fontRef>
+    <cs:spPr>
+      <a:ln w="28575" cap="rnd">
+        <a:solidFill>
+          <a:schemeClr val="phClr"/>
+        </a:solidFill>
+        <a:round/>
+      </a:ln>
+    </cs:spPr>
+  </cs:dataPointLine>
+  <cs:dataPointMarker>
+    <cs:lnRef idx="0">
+      <cs:styleClr val="auto"/>
+    </cs:lnRef>
+    <cs:fillRef idx="1">
+      <cs:styleClr val="auto"/>
+    </cs:fillRef>
+    <cs:effectRef idx="0"/>
+    <cs:fontRef idx="minor">
+      <a:schemeClr val="tx1"/>
+    </cs:fontRef>
+    <cs:spPr>
+      <a:ln w="9525">
+        <a:solidFill>
+          <a:schemeClr val="phClr"/>
+        </a:solidFill>
+      </a:ln>
+    </cs:spPr>
+  </cs:dataPointMarker>
+  <cs:dataPointMarkerLayout symbol="circle" size="5"/>
+  <cs:dataPointWireframe>
+    <cs:lnRef idx="0">
+      <cs:styleClr val="auto"/>
+    </cs:lnRef>
+    <cs:fillRef idx="1"/>
+    <cs:effectRef idx="0"/>
+    <cs:fontRef idx="minor">
+      <a:schemeClr val="tx1"/>
+    </cs:fontRef>
+    <cs:spPr>
+      <a:ln w="9525" cap="rnd">
+        <a:solidFill>
+          <a:schemeClr val="phClr"/>
+        </a:solidFill>
+        <a:round/>
+      </a:ln>
+    </cs:spPr>
+  </cs:dataPointWireframe>
+  <cs:dataTable>
+    <cs:lnRef idx="0"/>
+    <cs:fillRef idx="0"/>
+    <cs:effectRef idx="0"/>
+    <cs:fontRef idx="minor">
+      <a:schemeClr val="tx1">
+        <a:lumMod val="65000"/>
+        <a:lumOff val="35000"/>
+      </a:schemeClr>
+    </cs:fontRef>
+    <cs:spPr>
+      <a:noFill/>
+      <a:ln w="9525" cap="flat" cmpd="sng" algn="ctr">
+        <a:solidFill>
+          <a:schemeClr val="tx1">
+            <a:lumMod val="15000"/>
+            <a:lumOff val="85000"/>
+          </a:schemeClr>
+        </a:solidFill>
+        <a:round/>
+      </a:ln>
+    </cs:spPr>
+    <cs:defRPr sz="900" kern="1200"/>
+  </cs:dataTable>
+  <cs:downBar>
+    <cs:lnRef idx="0"/>
+    <cs:fillRef idx="0"/>
+    <cs:effectRef idx="0"/>
+    <cs:fontRef idx="minor">
+      <a:schemeClr val="tx1"/>
+    </cs:fontRef>
+    <cs:spPr>
+      <a:solidFill>
+        <a:schemeClr val="dk1">
+          <a:lumMod val="75000"/>
+          <a:lumOff val="25000"/>
+        </a:schemeClr>
+      </a:solidFill>
+      <a:ln w="9525" cap="flat" cmpd="sng" algn="ctr">
+        <a:solidFill>
+          <a:schemeClr val="tx1">
+            <a:lumMod val="65000"/>
+            <a:lumOff val="35000"/>
+          </a:schemeClr>
+        </a:solidFill>
+        <a:round/>
+      </a:ln>
+    </cs:spPr>
+  </cs:downBar>
+  <cs:dropLine>
+    <cs:lnRef idx="0"/>
+    <cs:fillRef idx="0"/>
+    <cs:effectRef idx="0"/>
+    <cs:fontRef idx="minor">
+      <a:schemeClr val="tx1"/>
+    </cs:fontRef>
+    <cs:spPr>
+      <a:ln w="9525" cap="flat" cmpd="sng" algn="ctr">
+        <a:solidFill>
+          <a:schemeClr val="tx1">
+            <a:lumMod val="35000"/>
+            <a:lumOff val="65000"/>
+          </a:schemeClr>
+        </a:solidFill>
+        <a:round/>
+      </a:ln>
+    </cs:spPr>
+  </cs:dropLine>
+  <cs:errorBar>
+    <cs:lnRef idx="0"/>
+    <cs:fillRef idx="0"/>
+    <cs:effectRef idx="0"/>
+    <cs:fontRef idx="minor">
+      <a:schemeClr val="tx1"/>
+    </cs:fontRef>
+    <cs:spPr>
+      <a:ln w="9525" cap="flat" cmpd="sng" algn="ctr">
+        <a:solidFill>
+          <a:schemeClr val="tx1">
+            <a:lumMod val="65000"/>
+            <a:lumOff val="35000"/>
+          </a:schemeClr>
+        </a:solidFill>
+        <a:round/>
+      </a:ln>
+    </cs:spPr>
+  </cs:errorBar>
+  <cs:floor>
+    <cs:lnRef idx="0"/>
+    <cs:fillRef idx="0"/>
+    <cs:effectRef idx="0"/>
+    <cs:fontRef idx="minor">
+      <a:schemeClr val="tx1"/>
+    </cs:fontRef>
+    <cs:spPr>
+      <a:noFill/>
+      <a:ln>
+        <a:noFill/>
+      </a:ln>
+    </cs:spPr>
+  </cs:floor>
+  <cs:gridlineMajor>
+    <cs:lnRef idx="0"/>
+    <cs:fillRef idx="0"/>
+    <cs:effectRef idx="0"/>
+    <cs:fontRef idx="minor">
+      <a:schemeClr val="tx1"/>
+    </cs:fontRef>
+    <cs:spPr>
+      <a:ln w="9525" cap="flat" cmpd="sng" algn="ctr">
+        <a:solidFill>
+          <a:schemeClr val="tx1">
+            <a:lumMod val="15000"/>
+            <a:lumOff val="85000"/>
+          </a:schemeClr>
+        </a:solidFill>
+        <a:round/>
+      </a:ln>
+    </cs:spPr>
+  </cs:gridlineMajor>
+  <cs:gridlineMinor>
+    <cs:lnRef idx="0"/>
+    <cs:fillRef idx="0"/>
+    <cs:effectRef idx="0"/>
+    <cs:fontRef idx="minor">
+      <a:schemeClr val="tx1"/>
+    </cs:fontRef>
+    <cs:spPr>
+      <a:ln w="9525" cap="flat" cmpd="sng" algn="ctr">
+        <a:solidFill>
+          <a:schemeClr val="tx1">
+            <a:lumMod val="5000"/>
+            <a:lumOff val="95000"/>
+          </a:schemeClr>
+        </a:solidFill>
+        <a:round/>
+      </a:ln>
+    </cs:spPr>
+  </cs:gridlineMinor>
+  <cs:hiLoLine>
+    <cs:lnRef idx="0"/>
+    <cs:fillRef idx="0"/>
+    <cs:effectRef idx="0"/>
+    <cs:fontRef idx="minor">
+      <a:schemeClr val="tx1"/>
+    </cs:fontRef>
+    <cs:spPr>
+      <a:ln w="9525" cap="flat" cmpd="sng" algn="ctr">
+        <a:solidFill>
+          <a:schemeClr val="tx1">
+            <a:lumMod val="50000"/>
+            <a:lumOff val="50000"/>
+          </a:schemeClr>
+        </a:solidFill>
+        <a:round/>
+      </a:ln>
+    </cs:spPr>
+  </cs:hiLoLine>
+  <cs:leaderLine>
+    <cs:lnRef idx="0"/>
+    <cs:fillRef idx="0"/>
+    <cs:effectRef idx="0"/>
+    <cs:fontRef idx="minor">
+      <a:schemeClr val="tx1"/>
+    </cs:fontRef>
+    <cs:spPr>
+      <a:ln w="9525" cap="flat" cmpd="sng" algn="ctr">
+        <a:solidFill>
+          <a:schemeClr val="tx1">
+            <a:lumMod val="35000"/>
+            <a:lumOff val="65000"/>
+          </a:schemeClr>
+        </a:solidFill>
+        <a:round/>
+      </a:ln>
+    </cs:spPr>
+  </cs:leaderLine>
+  <cs:legend>
+    <cs:lnRef idx="0"/>
+    <cs:fillRef idx="0"/>
+    <cs:effectRef idx="0"/>
+    <cs:fontRef idx="minor">
+      <a:schemeClr val="tx1">
+        <a:lumMod val="65000"/>
+        <a:lumOff val="35000"/>
+      </a:schemeClr>
+    </cs:fontRef>
+    <cs:defRPr sz="900" kern="1200"/>
+  </cs:legend>
+  <cs:plotArea mods="allowNoFillOverride allowNoLineOverride">
+    <cs:lnRef idx="0"/>
+    <cs:fillRef idx="0"/>
+    <cs:effectRef idx="0"/>
+    <cs:fontRef idx="minor">
+      <a:schemeClr val="tx1"/>
+    </cs:fontRef>
+  </cs:plotArea>
+  <cs:plotArea3D mods="allowNoFillOverride allowNoLineOverride">
+    <cs:lnRef idx="0"/>
+    <cs:fillRef idx="0"/>
+    <cs:effectRef idx="0"/>
+    <cs:fontRef idx="minor">
+      <a:schemeClr val="tx1"/>
+    </cs:fontRef>
+  </cs:plotArea3D>
+  <cs:seriesAxis>
+    <cs:lnRef idx="0"/>
+    <cs:fillRef idx="0"/>
+    <cs:effectRef idx="0"/>
+    <cs:fontRef idx="minor">
+      <a:schemeClr val="tx1">
+        <a:lumMod val="65000"/>
+        <a:lumOff val="35000"/>
+      </a:schemeClr>
+    </cs:fontRef>
+    <cs:defRPr sz="900" kern="1200"/>
+  </cs:seriesAxis>
+  <cs:seriesLine>
+    <cs:lnRef idx="0"/>
+    <cs:fillRef idx="0"/>
+    <cs:effectRef idx="0"/>
+    <cs:fontRef idx="minor">
+      <a:schemeClr val="tx1"/>
+    </cs:fontRef>
+    <cs:spPr>
+      <a:ln w="9525" cap="flat" cmpd="sng" algn="ctr">
+        <a:solidFill>
+          <a:schemeClr val="tx1">
+            <a:lumMod val="35000"/>
+            <a:lumOff val="65000"/>
+          </a:schemeClr>
+        </a:solidFill>
+        <a:round/>
+      </a:ln>
+    </cs:spPr>
+  </cs:seriesLine>
+  <cs:title>
+    <cs:lnRef idx="0"/>
+    <cs:fillRef idx="0"/>
+    <cs:effectRef idx="0"/>
+    <cs:fontRef idx="minor">
+      <a:schemeClr val="tx1">
+        <a:lumMod val="65000"/>
+        <a:lumOff val="35000"/>
+      </a:schemeClr>
+    </cs:fontRef>
+    <cs:defRPr sz="1400" b="0" kern="1200" spc="0" baseline="0"/>
+  </cs:title>
+  <cs:trendline>
+    <cs:lnRef idx="0">
+      <cs:styleClr val="auto"/>
+    </cs:lnRef>
+    <cs:fillRef idx="0"/>
+    <cs:effectRef idx="0"/>
+    <cs:fontRef idx="minor">
+      <a:schemeClr val="tx1"/>
+    </cs:fontRef>
+    <cs:spPr>
+      <a:ln w="19050" cap="rnd">
+        <a:solidFill>
+          <a:schemeClr val="phClr"/>
+        </a:solidFill>
+        <a:prstDash val="sysDot"/>
+      </a:ln>
+    </cs:spPr>
+  </cs:trendline>
+  <cs:trendlineLabel>
+    <cs:lnRef idx="0"/>
+    <cs:fillRef idx="0"/>
+    <cs:effectRef idx="0"/>
+    <cs:fontRef idx="minor">
+      <a:schemeClr val="tx1">
+        <a:lumMod val="65000"/>
+        <a:lumOff val="35000"/>
+      </a:schemeClr>
+    </cs:fontRef>
+    <cs:defRPr sz="900" kern="1200"/>
+  </cs:trendlineLabel>
+  <cs:upBar>
+    <cs:lnRef idx="0"/>
+    <cs:fillRef idx="0"/>
+    <cs:effectRef idx="0"/>
+    <cs:fontRef idx="minor">
+      <a:schemeClr val="tx1"/>
+    </cs:fontRef>
+    <cs:spPr>
+      <a:solidFill>
+        <a:schemeClr val="lt1"/>
+      </a:solidFill>
+      <a:ln w="9525" cap="flat" cmpd="sng" algn="ctr">
+        <a:solidFill>
+          <a:schemeClr val="tx1">
+            <a:lumMod val="65000"/>
+            <a:lumOff val="35000"/>
+          </a:schemeClr>
+        </a:solidFill>
+        <a:round/>
+      </a:ln>
+    </cs:spPr>
+  </cs:upBar>
+  <cs:valueAxis>
+    <cs:lnRef idx="0"/>
+    <cs:fillRef idx="0"/>
+    <cs:effectRef idx="0"/>
+    <cs:fontRef idx="minor">
+      <a:schemeClr val="tx1">
+        <a:lumMod val="65000"/>
+        <a:lumOff val="35000"/>
+      </a:schemeClr>
+    </cs:fontRef>
+    <cs:defRPr sz="900" kern="1200"/>
+  </cs:valueAxis>
+  <cs:wall>
+    <cs:lnRef idx="0"/>
+    <cs:fillRef idx="0"/>
+    <cs:effectRef idx="0"/>
+    <cs:fontRef idx="minor">
+      <a:schemeClr val="tx1"/>
+    </cs:fontRef>
+    <cs:spPr>
+      <a:noFill/>
+      <a:ln>
+        <a:noFill/>
+      </a:ln>
+    </cs:spPr>
+  </cs:wall>
+</cs:chartStyle>
+</file>
+
+<file path=ppt/charts/style5.xml><?xml version="1.0" encoding="utf-8"?>
+<cs:chartStyle xmlns:cs="http://schemas.microsoft.com/office/drawing/2012/chartStyle" xmlns:a="http://schemas.openxmlformats.org/drawingml/2006/main" id="201">
+  <cs:axisTitle>
+    <cs:lnRef idx="0"/>
+    <cs:fillRef idx="0"/>
+    <cs:effectRef idx="0"/>
+    <cs:fontRef idx="minor">
+      <a:schemeClr val="tx1">
+        <a:lumMod val="65000"/>
+        <a:lumOff val="35000"/>
+      </a:schemeClr>
+    </cs:fontRef>
+    <cs:defRPr sz="1000" kern="1200"/>
+  </cs:axisTitle>
+  <cs:categoryAxis>
+    <cs:lnRef idx="0"/>
+    <cs:fillRef idx="0"/>
+    <cs:effectRef idx="0"/>
+    <cs:fontRef idx="minor">
+      <a:schemeClr val="tx1">
+        <a:lumMod val="65000"/>
+        <a:lumOff val="35000"/>
+      </a:schemeClr>
+    </cs:fontRef>
+    <cs:spPr>
+      <a:ln w="9525" cap="flat" cmpd="sng" algn="ctr">
+        <a:solidFill>
+          <a:schemeClr val="tx1">
+            <a:lumMod val="15000"/>
+            <a:lumOff val="85000"/>
+          </a:schemeClr>
+        </a:solidFill>
+        <a:round/>
+      </a:ln>
+    </cs:spPr>
+    <cs:defRPr sz="900" kern="1200"/>
+  </cs:categoryAxis>
+  <cs:chartArea mods="allowNoFillOverride allowNoLineOverride">
+    <cs:lnRef idx="0"/>
+    <cs:fillRef idx="0"/>
+    <cs:effectRef idx="0"/>
+    <cs:fontRef idx="minor">
+      <a:schemeClr val="tx1"/>
+    </cs:fontRef>
+    <cs:spPr>
+      <a:solidFill>
+        <a:schemeClr val="bg1"/>
+      </a:solidFill>
+      <a:ln w="9525" cap="flat" cmpd="sng" algn="ctr">
+        <a:solidFill>
+          <a:schemeClr val="tx1">
+            <a:lumMod val="15000"/>
+            <a:lumOff val="85000"/>
+          </a:schemeClr>
+        </a:solidFill>
+        <a:round/>
+      </a:ln>
+    </cs:spPr>
+    <cs:defRPr sz="1000" kern="1200"/>
+  </cs:chartArea>
+  <cs:dataLabel>
+    <cs:lnRef idx="0"/>
+    <cs:fillRef idx="0"/>
+    <cs:effectRef idx="0"/>
+    <cs:fontRef idx="minor">
+      <a:schemeClr val="tx1">
+        <a:lumMod val="75000"/>
+        <a:lumOff val="25000"/>
+      </a:schemeClr>
+    </cs:fontRef>
+    <cs:defRPr sz="900" kern="1200"/>
+  </cs:dataLabel>
+  <cs:dataLabelCallout>
+    <cs:lnRef idx="0"/>
+    <cs:fillRef idx="0"/>
+    <cs:effectRef idx="0"/>
+    <cs:fontRef idx="minor">
+      <a:schemeClr val="dk1">
+        <a:lumMod val="65000"/>
+        <a:lumOff val="35000"/>
+      </a:schemeClr>
+    </cs:fontRef>
+    <cs:spPr>
+      <a:solidFill>
+        <a:schemeClr val="lt1"/>
+      </a:solidFill>
+      <a:ln>
+        <a:solidFill>
+          <a:schemeClr val="dk1">
+            <a:lumMod val="25000"/>
+            <a:lumOff val="75000"/>
+          </a:schemeClr>
+        </a:solidFill>
+      </a:ln>
+    </cs:spPr>
+    <cs:defRPr sz="900" kern="1200"/>
+    <cs:bodyPr rot="0" spcFirstLastPara="1" vertOverflow="clip" horzOverflow="clip" vert="horz" wrap="square" lIns="36576" tIns="18288" rIns="36576" bIns="18288" anchor="ctr" anchorCtr="1">
+      <a:spAutoFit/>
+    </cs:bodyPr>
+  </cs:dataLabelCallout>
+  <cs:dataPoint>
+    <cs:lnRef idx="0"/>
+    <cs:fillRef idx="1">
+      <cs:styleClr val="auto"/>
+    </cs:fillRef>
+    <cs:effectRef idx="0"/>
+    <cs:fontRef idx="minor">
+      <a:schemeClr val="tx1"/>
+    </cs:fontRef>
+  </cs:dataPoint>
+  <cs:dataPoint3D>
+    <cs:lnRef idx="0"/>
+    <cs:fillRef idx="1">
+      <cs:styleClr val="auto"/>
+    </cs:fillRef>
+    <cs:effectRef idx="0"/>
+    <cs:fontRef idx="minor">
+      <a:schemeClr val="tx1"/>
+    </cs:fontRef>
+  </cs:dataPoint3D>
+  <cs:dataPointLine>
+    <cs:lnRef idx="0">
+      <cs:styleClr val="auto"/>
+    </cs:lnRef>
+    <cs:fillRef idx="1"/>
+    <cs:effectRef idx="0"/>
+    <cs:fontRef idx="minor">
+      <a:schemeClr val="tx1"/>
+    </cs:fontRef>
+    <cs:spPr>
+      <a:ln w="28575" cap="rnd">
+        <a:solidFill>
+          <a:schemeClr val="phClr"/>
+        </a:solidFill>
+        <a:round/>
+      </a:ln>
+    </cs:spPr>
+  </cs:dataPointLine>
+  <cs:dataPointMarker>
+    <cs:lnRef idx="0">
+      <cs:styleClr val="auto"/>
+    </cs:lnRef>
+    <cs:fillRef idx="1">
+      <cs:styleClr val="auto"/>
+    </cs:fillRef>
+    <cs:effectRef idx="0"/>
+    <cs:fontRef idx="minor">
+      <a:schemeClr val="tx1"/>
+    </cs:fontRef>
+    <cs:spPr>
+      <a:ln w="9525">
+        <a:solidFill>
+          <a:schemeClr val="phClr"/>
+        </a:solidFill>
+      </a:ln>
+    </cs:spPr>
+  </cs:dataPointMarker>
+  <cs:dataPointMarkerLayout symbol="circle" size="5"/>
+  <cs:dataPointWireframe>
+    <cs:lnRef idx="0">
+      <cs:styleClr val="auto"/>
+    </cs:lnRef>
+    <cs:fillRef idx="1"/>
+    <cs:effectRef idx="0"/>
+    <cs:fontRef idx="minor">
+      <a:schemeClr val="tx1"/>
+    </cs:fontRef>
+    <cs:spPr>
+      <a:ln w="9525" cap="rnd">
+        <a:solidFill>
+          <a:schemeClr val="phClr"/>
+        </a:solidFill>
+        <a:round/>
+      </a:ln>
+    </cs:spPr>
+  </cs:dataPointWireframe>
+  <cs:dataTable>
+    <cs:lnRef idx="0"/>
+    <cs:fillRef idx="0"/>
+    <cs:effectRef idx="0"/>
+    <cs:fontRef idx="minor">
+      <a:schemeClr val="tx1">
+        <a:lumMod val="65000"/>
+        <a:lumOff val="35000"/>
+      </a:schemeClr>
+    </cs:fontRef>
+    <cs:spPr>
+      <a:noFill/>
+      <a:ln w="9525" cap="flat" cmpd="sng" algn="ctr">
+        <a:solidFill>
+          <a:schemeClr val="tx1">
+            <a:lumMod val="15000"/>
+            <a:lumOff val="85000"/>
+          </a:schemeClr>
+        </a:solidFill>
+        <a:round/>
+      </a:ln>
+    </cs:spPr>
+    <cs:defRPr sz="900" kern="1200"/>
+  </cs:dataTable>
+  <cs:downBar>
+    <cs:lnRef idx="0"/>
+    <cs:fillRef idx="0"/>
+    <cs:effectRef idx="0"/>
+    <cs:fontRef idx="minor">
+      <a:schemeClr val="dk1"/>
+    </cs:fontRef>
+    <cs:spPr>
+      <a:solidFill>
+        <a:schemeClr val="dk1">
+          <a:lumMod val="65000"/>
+          <a:lumOff val="35000"/>
+        </a:schemeClr>
+      </a:solidFill>
+      <a:ln w="9525">
+        <a:solidFill>
+          <a:schemeClr val="tx1">
+            <a:lumMod val="65000"/>
+            <a:lumOff val="35000"/>
+          </a:schemeClr>
+        </a:solidFill>
+      </a:ln>
+    </cs:spPr>
+  </cs:downBar>
+  <cs:dropLine>
+    <cs:lnRef idx="0"/>
+    <cs:fillRef idx="0"/>
+    <cs:effectRef idx="0"/>
+    <cs:fontRef idx="minor">
+      <a:schemeClr val="tx1"/>
+    </cs:fontRef>
+    <cs:spPr>
+      <a:ln w="9525" cap="flat" cmpd="sng" algn="ctr">
+        <a:solidFill>
+          <a:schemeClr val="tx1">
+            <a:lumMod val="35000"/>
+            <a:lumOff val="65000"/>
+          </a:schemeClr>
+        </a:solidFill>
+        <a:round/>
+      </a:ln>
+    </cs:spPr>
+  </cs:dropLine>
+  <cs:errorBar>
+    <cs:lnRef idx="0"/>
+    <cs:fillRef idx="0"/>
+    <cs:effectRef idx="0"/>
+    <cs:fontRef idx="minor">
+      <a:schemeClr val="tx1"/>
+    </cs:fontRef>
+    <cs:spPr>
+      <a:ln w="9525" cap="flat" cmpd="sng" algn="ctr">
+        <a:solidFill>
+          <a:schemeClr val="tx1">
+            <a:lumMod val="65000"/>
+            <a:lumOff val="35000"/>
+          </a:schemeClr>
+        </a:solidFill>
+        <a:round/>
+      </a:ln>
+    </cs:spPr>
+  </cs:errorBar>
+  <cs:floor>
+    <cs:lnRef idx="0"/>
+    <cs:fillRef idx="0"/>
+    <cs:effectRef idx="0"/>
+    <cs:fontRef idx="minor">
+      <a:schemeClr val="tx1"/>
+    </cs:fontRef>
+    <cs:spPr>
+      <a:noFill/>
+      <a:ln>
+        <a:noFill/>
+      </a:ln>
+    </cs:spPr>
+  </cs:floor>
+  <cs:gridlineMajor>
+    <cs:lnRef idx="0"/>
+    <cs:fillRef idx="0"/>
+    <cs:effectRef idx="0"/>
+    <cs:fontRef idx="minor">
+      <a:schemeClr val="tx1"/>
+    </cs:fontRef>
+    <cs:spPr>
+      <a:ln w="9525" cap="flat" cmpd="sng" algn="ctr">
+        <a:solidFill>
+          <a:schemeClr val="tx1">
+            <a:lumMod val="15000"/>
+            <a:lumOff val="85000"/>
+          </a:schemeClr>
+        </a:solidFill>
+        <a:round/>
+      </a:ln>
+    </cs:spPr>
+  </cs:gridlineMajor>
+  <cs:gridlineMinor>
+    <cs:lnRef idx="0"/>
+    <cs:fillRef idx="0"/>
+    <cs:effectRef idx="0"/>
+    <cs:fontRef idx="minor">
+      <a:schemeClr val="tx1"/>
+    </cs:fontRef>
+    <cs:spPr>
+      <a:ln w="9525" cap="flat" cmpd="sng" algn="ctr">
+        <a:solidFill>
+          <a:schemeClr val="tx1">
+            <a:lumMod val="5000"/>
+            <a:lumOff val="95000"/>
+          </a:schemeClr>
+        </a:solidFill>
+        <a:round/>
+      </a:ln>
+    </cs:spPr>
+  </cs:gridlineMinor>
+  <cs:hiLoLine>
+    <cs:lnRef idx="0"/>
+    <cs:fillRef idx="0"/>
+    <cs:effectRef idx="0"/>
+    <cs:fontRef idx="minor">
+      <a:schemeClr val="tx1"/>
+    </cs:fontRef>
+    <cs:spPr>
+      <a:ln w="9525" cap="flat" cmpd="sng" algn="ctr">
+        <a:solidFill>
+          <a:schemeClr val="tx1">
+            <a:lumMod val="75000"/>
+            <a:lumOff val="25000"/>
+          </a:schemeClr>
+        </a:solidFill>
+        <a:round/>
+      </a:ln>
+    </cs:spPr>
+  </cs:hiLoLine>
+  <cs:leaderLine>
+    <cs:lnRef idx="0"/>
+    <cs:fillRef idx="0"/>
+    <cs:effectRef idx="0"/>
+    <cs:fontRef idx="minor">
+      <a:schemeClr val="tx1"/>
+    </cs:fontRef>
+    <cs:spPr>
+      <a:ln w="9525" cap="flat" cmpd="sng" algn="ctr">
+        <a:solidFill>
+          <a:schemeClr val="tx1">
+            <a:lumMod val="35000"/>
+            <a:lumOff val="65000"/>
+          </a:schemeClr>
+        </a:solidFill>
+        <a:round/>
+      </a:ln>
+    </cs:spPr>
+  </cs:leaderLine>
+  <cs:legend>
+    <cs:lnRef idx="0"/>
+    <cs:fillRef idx="0"/>
+    <cs:effectRef idx="0"/>
+    <cs:fontRef idx="minor">
+      <a:schemeClr val="tx1">
+        <a:lumMod val="65000"/>
+        <a:lumOff val="35000"/>
+      </a:schemeClr>
+    </cs:fontRef>
+    <cs:defRPr sz="900" kern="1200"/>
+  </cs:legend>
+  <cs:plotArea mods="allowNoFillOverride allowNoLineOverride">
+    <cs:lnRef idx="0"/>
+    <cs:fillRef idx="0"/>
+    <cs:effectRef idx="0"/>
+    <cs:fontRef idx="minor">
+      <a:schemeClr val="tx1"/>
+    </cs:fontRef>
+  </cs:plotArea>
+  <cs:plotArea3D mods="allowNoFillOverride allowNoLineOverride">
+    <cs:lnRef idx="0"/>
+    <cs:fillRef idx="0"/>
+    <cs:effectRef idx="0"/>
+    <cs:fontRef idx="minor">
+      <a:schemeClr val="tx1"/>
+    </cs:fontRef>
+  </cs:plotArea3D>
+  <cs:seriesAxis>
+    <cs:lnRef idx="0"/>
+    <cs:fillRef idx="0"/>
+    <cs:effectRef idx="0"/>
+    <cs:fontRef idx="minor">
+      <a:schemeClr val="tx1">
+        <a:lumMod val="65000"/>
+        <a:lumOff val="35000"/>
+      </a:schemeClr>
+    </cs:fontRef>
+    <cs:defRPr sz="900" kern="1200"/>
+  </cs:seriesAxis>
+  <cs:seriesLine>
+    <cs:lnRef idx="0"/>
+    <cs:fillRef idx="0"/>
+    <cs:effectRef idx="0"/>
+    <cs:fontRef idx="minor">
+      <a:schemeClr val="tx1"/>
+    </cs:fontRef>
+    <cs:spPr>
+      <a:ln w="9525" cap="flat" cmpd="sng" algn="ctr">
+        <a:solidFill>
+          <a:schemeClr val="tx1">
+            <a:lumMod val="35000"/>
+            <a:lumOff val="65000"/>
+          </a:schemeClr>
+        </a:solidFill>
+        <a:round/>
+      </a:ln>
+    </cs:spPr>
+  </cs:seriesLine>
+  <cs:title>
+    <cs:lnRef idx="0"/>
+    <cs:fillRef idx="0"/>
+    <cs:effectRef idx="0"/>
+    <cs:fontRef idx="minor">
+      <a:schemeClr val="tx1">
+        <a:lumMod val="65000"/>
+        <a:lumOff val="35000"/>
+      </a:schemeClr>
+    </cs:fontRef>
+    <cs:defRPr sz="1400" b="0" kern="1200" spc="0" baseline="0"/>
+  </cs:title>
+  <cs:trendline>
+    <cs:lnRef idx="0">
+      <cs:styleClr val="auto"/>
+    </cs:lnRef>
+    <cs:fillRef idx="0"/>
+    <cs:effectRef idx="0"/>
+    <cs:fontRef idx="minor">
+      <a:schemeClr val="tx1"/>
+    </cs:fontRef>
+    <cs:spPr>
+      <a:ln w="19050" cap="rnd">
+        <a:solidFill>
+          <a:schemeClr val="phClr"/>
+        </a:solidFill>
+        <a:prstDash val="sysDot"/>
+      </a:ln>
+    </cs:spPr>
+  </cs:trendline>
+  <cs:trendlineLabel>
+    <cs:lnRef idx="0"/>
+    <cs:fillRef idx="0"/>
+    <cs:effectRef idx="0"/>
+    <cs:fontRef idx="minor">
+      <a:schemeClr val="tx1">
+        <a:lumMod val="65000"/>
+        <a:lumOff val="35000"/>
+      </a:schemeClr>
+    </cs:fontRef>
+    <cs:defRPr sz="900" kern="1200"/>
+  </cs:trendlineLabel>
+  <cs:upBar>
+    <cs:lnRef idx="0"/>
+    <cs:fillRef idx="0"/>
+    <cs:effectRef idx="0"/>
+    <cs:fontRef idx="minor">
+      <a:schemeClr val="dk1"/>
+    </cs:fontRef>
+    <cs:spPr>
+      <a:solidFill>
+        <a:schemeClr val="lt1"/>
+      </a:solidFill>
+      <a:ln w="9525">
+        <a:solidFill>
+          <a:schemeClr val="tx1">
+            <a:lumMod val="15000"/>
+            <a:lumOff val="85000"/>
+          </a:schemeClr>
+        </a:solidFill>
+      </a:ln>
+    </cs:spPr>
+  </cs:upBar>
+  <cs:valueAxis>
+    <cs:lnRef idx="0"/>
+    <cs:fillRef idx="0"/>
+    <cs:effectRef idx="0"/>
+    <cs:fontRef idx="minor">
+      <a:schemeClr val="tx1">
+        <a:lumMod val="65000"/>
+        <a:lumOff val="35000"/>
+      </a:schemeClr>
+    </cs:fontRef>
+    <cs:defRPr sz="900" kern="1200"/>
+  </cs:valueAxis>
+  <cs:wall>
+    <cs:lnRef idx="0"/>
+    <cs:fillRef idx="0"/>
+    <cs:effectRef idx="0"/>
+    <cs:fontRef idx="minor">
+      <a:schemeClr val="tx1"/>
+    </cs:fontRef>
+    <cs:spPr>
+      <a:noFill/>
+      <a:ln>
+        <a:noFill/>
+      </a:ln>
+    </cs:spPr>
+  </cs:wall>
+</cs:chartStyle>
 </file>
 
 <file path=ppt/slideLayouts/slideLayout1.xml><?xml version="1.0" encoding="utf-8"?>
@@ -4754,7 +9538,7 @@
                 <a:latin typeface="游明朝" panose="02020400000000000000" pitchFamily="18" charset="-128"/>
                 <a:ea typeface="游明朝" panose="02020400000000000000" pitchFamily="18" charset="-128"/>
               </a:rPr>
-              <a:t>(1</a:t>
+              <a:t>(2</a:t>
             </a:r>
             <a:r>
               <a:rPr kumimoji="1" lang="ja-JP" altLang="en-US" sz="1200" dirty="0" smtClean="0">
@@ -5342,6 +10126,16 @@
           <a:p>
             <a:pPr algn="ctr"/>
             <a:r>
+              <a:rPr lang="ja-JP" altLang="en-US" sz="1200" dirty="0">
+                <a:solidFill>
+                  <a:sysClr val="windowText" lastClr="000000"/>
+                </a:solidFill>
+                <a:latin typeface="游明朝" panose="02020400000000000000" pitchFamily="18" charset="-128"/>
+                <a:ea typeface="游明朝" panose="02020400000000000000" pitchFamily="18" charset="-128"/>
+              </a:rPr>
+              <a:t>フォーム</a:t>
+            </a:r>
+            <a:r>
               <a:rPr kumimoji="1" lang="ja-JP" altLang="en-US" sz="1200" dirty="0" smtClean="0">
                 <a:solidFill>
                   <a:sysClr val="windowText" lastClr="000000"/>
@@ -5349,7 +10143,7 @@
                 <a:latin typeface="游明朝" panose="02020400000000000000" pitchFamily="18" charset="-128"/>
                 <a:ea typeface="游明朝" panose="02020400000000000000" pitchFamily="18" charset="-128"/>
               </a:rPr>
-              <a:t>ワークシート記入</a:t>
+              <a:t>記入</a:t>
             </a:r>
             <a:endParaRPr kumimoji="1" lang="en-US" altLang="ja-JP" sz="1200" dirty="0" smtClean="0">
               <a:solidFill>
@@ -5627,7 +10421,7 @@
           <a:p>
             <a:r>
               <a:rPr lang="en-US" altLang="ja-JP" sz="1100" b="1" dirty="0" smtClean="0"/>
-              <a:t>22</a:t>
+              <a:t>20</a:t>
             </a:r>
             <a:r>
               <a:rPr kumimoji="1" lang="ja-JP" altLang="en-US" sz="1100" b="1" dirty="0" smtClean="0"/>
@@ -5767,7 +10561,37 @@
                 <a:latin typeface="游明朝" panose="02020400000000000000" pitchFamily="18" charset="-128"/>
                 <a:ea typeface="游明朝" panose="02020400000000000000" pitchFamily="18" charset="-128"/>
               </a:rPr>
-              <a:t>結論を説明</a:t>
+              <a:t>結論</a:t>
+            </a:r>
+            <a:r>
+              <a:rPr lang="ja-JP" altLang="en-US" sz="1200" dirty="0" smtClean="0">
+                <a:solidFill>
+                  <a:sysClr val="windowText" lastClr="000000"/>
+                </a:solidFill>
+                <a:latin typeface="游明朝" panose="02020400000000000000" pitchFamily="18" charset="-128"/>
+                <a:ea typeface="游明朝" panose="02020400000000000000" pitchFamily="18" charset="-128"/>
+              </a:rPr>
+              <a:t>を</a:t>
+            </a:r>
+            <a:r>
+              <a:rPr lang="ja-JP" altLang="en-US" sz="1200" dirty="0">
+                <a:solidFill>
+                  <a:sysClr val="windowText" lastClr="000000"/>
+                </a:solidFill>
+                <a:latin typeface="游明朝" panose="02020400000000000000" pitchFamily="18" charset="-128"/>
+                <a:ea typeface="游明朝" panose="02020400000000000000" pitchFamily="18" charset="-128"/>
+              </a:rPr>
+              <a:t>個別</a:t>
+            </a:r>
+            <a:r>
+              <a:rPr lang="ja-JP" altLang="en-US" sz="1200" dirty="0" smtClean="0">
+                <a:solidFill>
+                  <a:sysClr val="windowText" lastClr="000000"/>
+                </a:solidFill>
+                <a:latin typeface="游明朝" panose="02020400000000000000" pitchFamily="18" charset="-128"/>
+                <a:ea typeface="游明朝" panose="02020400000000000000" pitchFamily="18" charset="-128"/>
+              </a:rPr>
+              <a:t>に</a:t>
             </a:r>
             <a:endParaRPr lang="en-US" altLang="ja-JP" sz="1200" dirty="0" smtClean="0">
               <a:solidFill>
@@ -5780,56 +10604,16 @@
           <a:p>
             <a:pPr algn="ctr"/>
             <a:r>
-              <a:rPr kumimoji="1" lang="en-US" altLang="ja-JP" sz="1200" dirty="0" smtClean="0">
+              <a:rPr lang="ja-JP" altLang="en-US" sz="1200" dirty="0" smtClean="0">
                 <a:solidFill>
                   <a:sysClr val="windowText" lastClr="000000"/>
                 </a:solidFill>
                 <a:latin typeface="游明朝" panose="02020400000000000000" pitchFamily="18" charset="-128"/>
                 <a:ea typeface="游明朝" panose="02020400000000000000" pitchFamily="18" charset="-128"/>
               </a:rPr>
-              <a:t>(1</a:t>
-            </a:r>
-            <a:r>
-              <a:rPr kumimoji="1" lang="ja-JP" altLang="en-US" sz="1200" dirty="0" smtClean="0">
-                <a:solidFill>
-                  <a:sysClr val="windowText" lastClr="000000"/>
-                </a:solidFill>
-                <a:latin typeface="游明朝" panose="02020400000000000000" pitchFamily="18" charset="-128"/>
-                <a:ea typeface="游明朝" panose="02020400000000000000" pitchFamily="18" charset="-128"/>
-              </a:rPr>
-              <a:t>人</a:t>
-            </a:r>
-            <a:r>
-              <a:rPr kumimoji="1" lang="en-US" altLang="ja-JP" sz="1200" dirty="0" smtClean="0">
-                <a:solidFill>
-                  <a:sysClr val="windowText" lastClr="000000"/>
-                </a:solidFill>
-                <a:latin typeface="游明朝" panose="02020400000000000000" pitchFamily="18" charset="-128"/>
-                <a:ea typeface="游明朝" panose="02020400000000000000" pitchFamily="18" charset="-128"/>
-              </a:rPr>
-              <a:t>1</a:t>
-            </a:r>
-            <a:r>
-              <a:rPr kumimoji="1" lang="ja-JP" altLang="en-US" sz="1200" dirty="0" smtClean="0">
-                <a:solidFill>
-                  <a:sysClr val="windowText" lastClr="000000"/>
-                </a:solidFill>
-                <a:latin typeface="游明朝" panose="02020400000000000000" pitchFamily="18" charset="-128"/>
-                <a:ea typeface="游明朝" panose="02020400000000000000" pitchFamily="18" charset="-128"/>
-              </a:rPr>
-              <a:t>分</a:t>
-            </a:r>
-            <a:r>
-              <a:rPr kumimoji="1" lang="en-US" altLang="ja-JP" sz="1200" dirty="0" smtClean="0">
-                <a:solidFill>
-                  <a:sysClr val="windowText" lastClr="000000"/>
-                </a:solidFill>
-                <a:latin typeface="游明朝" panose="02020400000000000000" pitchFamily="18" charset="-128"/>
-                <a:ea typeface="游明朝" panose="02020400000000000000" pitchFamily="18" charset="-128"/>
-              </a:rPr>
-              <a:t>)</a:t>
-            </a:r>
-            <a:endParaRPr kumimoji="1" lang="ja-JP" altLang="en-US" dirty="0">
+              <a:t>紙にまとめる</a:t>
+            </a:r>
+            <a:endParaRPr lang="en-US" altLang="ja-JP" sz="1200" dirty="0" smtClean="0">
               <a:solidFill>
                 <a:sysClr val="windowText" lastClr="000000"/>
               </a:solidFill>
@@ -5884,16 +10668,16 @@
           <a:p>
             <a:pPr algn="ctr"/>
             <a:r>
-              <a:rPr lang="ja-JP" altLang="en-US" sz="1200" dirty="0" smtClean="0">
+              <a:rPr lang="ja-JP" altLang="en-US" sz="1200" dirty="0">
                 <a:solidFill>
                   <a:sysClr val="windowText" lastClr="000000"/>
                 </a:solidFill>
                 <a:latin typeface="游明朝" panose="02020400000000000000" pitchFamily="18" charset="-128"/>
                 <a:ea typeface="游明朝" panose="02020400000000000000" pitchFamily="18" charset="-128"/>
               </a:rPr>
-              <a:t>結論を説明</a:t>
-            </a:r>
-            <a:endParaRPr lang="en-US" altLang="ja-JP" sz="1200" dirty="0" smtClean="0">
+              <a:t>結論を個別に</a:t>
+            </a:r>
+            <a:endParaRPr lang="en-US" altLang="ja-JP" sz="1200" dirty="0">
               <a:solidFill>
                 <a:sysClr val="windowText" lastClr="000000"/>
               </a:solidFill>
@@ -5904,56 +10688,16 @@
           <a:p>
             <a:pPr algn="ctr"/>
             <a:r>
-              <a:rPr kumimoji="1" lang="en-US" altLang="ja-JP" sz="1200" dirty="0" smtClean="0">
+              <a:rPr lang="ja-JP" altLang="en-US" sz="1200" dirty="0">
                 <a:solidFill>
                   <a:sysClr val="windowText" lastClr="000000"/>
                 </a:solidFill>
                 <a:latin typeface="游明朝" panose="02020400000000000000" pitchFamily="18" charset="-128"/>
                 <a:ea typeface="游明朝" panose="02020400000000000000" pitchFamily="18" charset="-128"/>
               </a:rPr>
-              <a:t>(1</a:t>
-            </a:r>
-            <a:r>
-              <a:rPr kumimoji="1" lang="ja-JP" altLang="en-US" sz="1200" dirty="0" smtClean="0">
-                <a:solidFill>
-                  <a:sysClr val="windowText" lastClr="000000"/>
-                </a:solidFill>
-                <a:latin typeface="游明朝" panose="02020400000000000000" pitchFamily="18" charset="-128"/>
-                <a:ea typeface="游明朝" panose="02020400000000000000" pitchFamily="18" charset="-128"/>
-              </a:rPr>
-              <a:t>人</a:t>
-            </a:r>
-            <a:r>
-              <a:rPr kumimoji="1" lang="en-US" altLang="ja-JP" sz="1200" dirty="0" smtClean="0">
-                <a:solidFill>
-                  <a:sysClr val="windowText" lastClr="000000"/>
-                </a:solidFill>
-                <a:latin typeface="游明朝" panose="02020400000000000000" pitchFamily="18" charset="-128"/>
-                <a:ea typeface="游明朝" panose="02020400000000000000" pitchFamily="18" charset="-128"/>
-              </a:rPr>
-              <a:t>1</a:t>
-            </a:r>
-            <a:r>
-              <a:rPr kumimoji="1" lang="ja-JP" altLang="en-US" sz="1200" dirty="0" smtClean="0">
-                <a:solidFill>
-                  <a:sysClr val="windowText" lastClr="000000"/>
-                </a:solidFill>
-                <a:latin typeface="游明朝" panose="02020400000000000000" pitchFamily="18" charset="-128"/>
-                <a:ea typeface="游明朝" panose="02020400000000000000" pitchFamily="18" charset="-128"/>
-              </a:rPr>
-              <a:t>分</a:t>
-            </a:r>
-            <a:r>
-              <a:rPr kumimoji="1" lang="en-US" altLang="ja-JP" sz="1200" dirty="0" smtClean="0">
-                <a:solidFill>
-                  <a:sysClr val="windowText" lastClr="000000"/>
-                </a:solidFill>
-                <a:latin typeface="游明朝" panose="02020400000000000000" pitchFamily="18" charset="-128"/>
-                <a:ea typeface="游明朝" panose="02020400000000000000" pitchFamily="18" charset="-128"/>
-              </a:rPr>
-              <a:t>)</a:t>
-            </a:r>
-            <a:endParaRPr kumimoji="1" lang="ja-JP" altLang="en-US" dirty="0">
+              <a:t>紙にまとめる</a:t>
+            </a:r>
+            <a:endParaRPr lang="en-US" altLang="ja-JP" sz="1200" dirty="0">
               <a:solidFill>
                 <a:sysClr val="windowText" lastClr="000000"/>
               </a:solidFill>
@@ -6419,6 +11163,84 @@
           </a:fontRef>
         </p:style>
       </p:cxnSp>
+      <p:sp>
+        <p:nvSpPr>
+          <p:cNvPr id="57" name="左中かっこ 56"/>
+          <p:cNvSpPr/>
+          <p:nvPr/>
+        </p:nvSpPr>
+        <p:spPr>
+          <a:xfrm>
+            <a:off x="2404930" y="5175389"/>
+            <a:ext cx="156093" cy="458494"/>
+          </a:xfrm>
+          <a:prstGeom prst="leftBrace">
+            <a:avLst/>
+          </a:prstGeom>
+          <a:noFill/>
+          <a:ln w="19050">
+            <a:solidFill>
+              <a:schemeClr val="tx1"/>
+            </a:solidFill>
+          </a:ln>
+        </p:spPr>
+        <p:style>
+          <a:lnRef idx="1">
+            <a:schemeClr val="accent1"/>
+          </a:lnRef>
+          <a:fillRef idx="0">
+            <a:schemeClr val="accent1"/>
+          </a:fillRef>
+          <a:effectRef idx="0">
+            <a:schemeClr val="accent1"/>
+          </a:effectRef>
+          <a:fontRef idx="minor">
+            <a:schemeClr val="tx1"/>
+          </a:fontRef>
+        </p:style>
+        <p:txBody>
+          <a:bodyPr rtlCol="0" anchor="ctr"/>
+          <a:lstStyle/>
+          <a:p>
+            <a:pPr algn="ctr"/>
+            <a:endParaRPr kumimoji="1" lang="ja-JP" altLang="en-US"/>
+          </a:p>
+        </p:txBody>
+      </p:sp>
+      <p:sp>
+        <p:nvSpPr>
+          <p:cNvPr id="58" name="テキスト ボックス 57"/>
+          <p:cNvSpPr txBox="1"/>
+          <p:nvPr/>
+        </p:nvSpPr>
+        <p:spPr>
+          <a:xfrm>
+            <a:off x="1964398" y="5196543"/>
+            <a:ext cx="718242" cy="261610"/>
+          </a:xfrm>
+          <a:prstGeom prst="rect">
+            <a:avLst/>
+          </a:prstGeom>
+          <a:noFill/>
+        </p:spPr>
+        <p:txBody>
+          <a:bodyPr wrap="square" rtlCol="0">
+            <a:spAutoFit/>
+          </a:bodyPr>
+          <a:lstStyle/>
+          <a:p>
+            <a:r>
+              <a:rPr lang="en-US" altLang="ja-JP" sz="1100" b="1" dirty="0"/>
+              <a:t>5</a:t>
+            </a:r>
+            <a:r>
+              <a:rPr kumimoji="1" lang="ja-JP" altLang="en-US" sz="1100" b="1" dirty="0" smtClean="0"/>
+              <a:t>分</a:t>
+            </a:r>
+            <a:endParaRPr kumimoji="1" lang="ja-JP" altLang="en-US" sz="1100" b="1" dirty="0"/>
+          </a:p>
+        </p:txBody>
+      </p:sp>
     </p:spTree>
     <p:extLst>
       <p:ext uri="{BB962C8B-B14F-4D97-AF65-F5344CB8AC3E}">
@@ -10097,7 +14919,7 @@
           <a:p>
             <a:r>
               <a:rPr lang="en-US" altLang="ja-JP" sz="1100" b="1" dirty="0" smtClean="0"/>
-              <a:t>22</a:t>
+              <a:t>20</a:t>
             </a:r>
             <a:r>
               <a:rPr kumimoji="1" lang="ja-JP" altLang="en-US" sz="1100" b="1" dirty="0" smtClean="0"/>
@@ -11552,6 +16374,1909 @@
     <p:extLst>
       <p:ext uri="{BB962C8B-B14F-4D97-AF65-F5344CB8AC3E}">
         <p14:creationId xmlns:p14="http://schemas.microsoft.com/office/powerpoint/2010/main" val="882552387"/>
+      </p:ext>
+    </p:extLst>
+  </p:cSld>
+  <p:clrMapOvr>
+    <a:masterClrMapping/>
+  </p:clrMapOvr>
+</p:sld>
+</file>
+
+<file path=ppt/slides/slide5.xml><?xml version="1.0" encoding="utf-8"?>
+<p:sld xmlns:a="http://schemas.openxmlformats.org/drawingml/2006/main" xmlns:r="http://schemas.openxmlformats.org/officeDocument/2006/relationships" xmlns:p="http://schemas.openxmlformats.org/presentationml/2006/main">
+  <p:cSld>
+    <p:spTree>
+      <p:nvGrpSpPr>
+        <p:cNvPr id="1" name=""/>
+        <p:cNvGrpSpPr/>
+        <p:nvPr/>
+      </p:nvGrpSpPr>
+      <p:grpSpPr>
+        <a:xfrm>
+          <a:off x="0" y="0"/>
+          <a:ext cx="0" cy="0"/>
+          <a:chOff x="0" y="0"/>
+          <a:chExt cx="0" cy="0"/>
+        </a:xfrm>
+      </p:grpSpPr>
+      <p:pic>
+        <p:nvPicPr>
+          <p:cNvPr id="4" name="図 3"/>
+          <p:cNvPicPr>
+            <a:picLocks noChangeAspect="1"/>
+          </p:cNvPicPr>
+          <p:nvPr/>
+        </p:nvPicPr>
+        <p:blipFill>
+          <a:blip r:embed="rId2"/>
+          <a:stretch>
+            <a:fillRect/>
+          </a:stretch>
+        </p:blipFill>
+        <p:spPr>
+          <a:xfrm>
+            <a:off x="483086" y="608716"/>
+            <a:ext cx="6181880" cy="2720386"/>
+          </a:xfrm>
+          <a:prstGeom prst="rect">
+            <a:avLst/>
+          </a:prstGeom>
+        </p:spPr>
+      </p:pic>
+      <p:pic>
+        <p:nvPicPr>
+          <p:cNvPr id="5" name="図 4"/>
+          <p:cNvPicPr>
+            <a:picLocks noChangeAspect="1"/>
+          </p:cNvPicPr>
+          <p:nvPr/>
+        </p:nvPicPr>
+        <p:blipFill>
+          <a:blip r:embed="rId3"/>
+          <a:stretch>
+            <a:fillRect/>
+          </a:stretch>
+        </p:blipFill>
+        <p:spPr>
+          <a:xfrm>
+            <a:off x="964148" y="3670459"/>
+            <a:ext cx="4615072" cy="2761727"/>
+          </a:xfrm>
+          <a:prstGeom prst="rect">
+            <a:avLst/>
+          </a:prstGeom>
+        </p:spPr>
+      </p:pic>
+      <p:pic>
+        <p:nvPicPr>
+          <p:cNvPr id="6" name="図 5"/>
+          <p:cNvPicPr>
+            <a:picLocks noChangeAspect="1"/>
+          </p:cNvPicPr>
+          <p:nvPr/>
+        </p:nvPicPr>
+        <p:blipFill>
+          <a:blip r:embed="rId4"/>
+          <a:stretch>
+            <a:fillRect/>
+          </a:stretch>
+        </p:blipFill>
+        <p:spPr>
+          <a:xfrm>
+            <a:off x="7774440" y="608716"/>
+            <a:ext cx="2822693" cy="2578832"/>
+          </a:xfrm>
+          <a:prstGeom prst="rect">
+            <a:avLst/>
+          </a:prstGeom>
+        </p:spPr>
+      </p:pic>
+      <p:cxnSp>
+        <p:nvCxnSpPr>
+          <p:cNvPr id="7" name="直線コネクタ 6"/>
+          <p:cNvCxnSpPr/>
+          <p:nvPr/>
+        </p:nvCxnSpPr>
+        <p:spPr>
+          <a:xfrm flipV="1">
+            <a:off x="4094184" y="3670459"/>
+            <a:ext cx="0" cy="509847"/>
+          </a:xfrm>
+          <a:prstGeom prst="line">
+            <a:avLst/>
+          </a:prstGeom>
+          <a:ln w="19050">
+            <a:solidFill>
+              <a:schemeClr val="tx1"/>
+            </a:solidFill>
+          </a:ln>
+        </p:spPr>
+        <p:style>
+          <a:lnRef idx="1">
+            <a:schemeClr val="accent1"/>
+          </a:lnRef>
+          <a:fillRef idx="0">
+            <a:schemeClr val="accent1"/>
+          </a:fillRef>
+          <a:effectRef idx="0">
+            <a:schemeClr val="accent1"/>
+          </a:effectRef>
+          <a:fontRef idx="minor">
+            <a:schemeClr val="tx1"/>
+          </a:fontRef>
+        </p:style>
+      </p:cxnSp>
+      <p:cxnSp>
+        <p:nvCxnSpPr>
+          <p:cNvPr id="8" name="直線コネクタ 7"/>
+          <p:cNvCxnSpPr/>
+          <p:nvPr/>
+        </p:nvCxnSpPr>
+        <p:spPr>
+          <a:xfrm flipV="1">
+            <a:off x="4673304" y="3670459"/>
+            <a:ext cx="0" cy="268779"/>
+          </a:xfrm>
+          <a:prstGeom prst="line">
+            <a:avLst/>
+          </a:prstGeom>
+          <a:ln w="19050">
+            <a:solidFill>
+              <a:schemeClr val="tx1"/>
+            </a:solidFill>
+          </a:ln>
+        </p:spPr>
+        <p:style>
+          <a:lnRef idx="1">
+            <a:schemeClr val="accent1"/>
+          </a:lnRef>
+          <a:fillRef idx="0">
+            <a:schemeClr val="accent1"/>
+          </a:fillRef>
+          <a:effectRef idx="0">
+            <a:schemeClr val="accent1"/>
+          </a:effectRef>
+          <a:fontRef idx="minor">
+            <a:schemeClr val="tx1"/>
+          </a:fontRef>
+        </p:style>
+      </p:cxnSp>
+      <p:cxnSp>
+        <p:nvCxnSpPr>
+          <p:cNvPr id="9" name="直線コネクタ 8"/>
+          <p:cNvCxnSpPr/>
+          <p:nvPr/>
+        </p:nvCxnSpPr>
+        <p:spPr>
+          <a:xfrm flipH="1">
+            <a:off x="4094184" y="3670459"/>
+            <a:ext cx="579120" cy="0"/>
+          </a:xfrm>
+          <a:prstGeom prst="line">
+            <a:avLst/>
+          </a:prstGeom>
+          <a:ln w="19050">
+            <a:solidFill>
+              <a:schemeClr val="tx1"/>
+            </a:solidFill>
+          </a:ln>
+        </p:spPr>
+        <p:style>
+          <a:lnRef idx="1">
+            <a:schemeClr val="accent1"/>
+          </a:lnRef>
+          <a:fillRef idx="0">
+            <a:schemeClr val="accent1"/>
+          </a:fillRef>
+          <a:effectRef idx="0">
+            <a:schemeClr val="accent1"/>
+          </a:effectRef>
+          <a:fontRef idx="minor">
+            <a:schemeClr val="tx1"/>
+          </a:fontRef>
+        </p:style>
+      </p:cxnSp>
+      <p:sp>
+        <p:nvSpPr>
+          <p:cNvPr id="10" name="テキスト ボックス 9"/>
+          <p:cNvSpPr txBox="1"/>
+          <p:nvPr/>
+        </p:nvSpPr>
+        <p:spPr>
+          <a:xfrm>
+            <a:off x="4226489" y="3401681"/>
+            <a:ext cx="314510" cy="307777"/>
+          </a:xfrm>
+          <a:prstGeom prst="rect">
+            <a:avLst/>
+          </a:prstGeom>
+          <a:noFill/>
+        </p:spPr>
+        <p:txBody>
+          <a:bodyPr wrap="none" rtlCol="0">
+            <a:spAutoFit/>
+          </a:bodyPr>
+          <a:lstStyle/>
+          <a:p>
+            <a:r>
+              <a:rPr lang="en-US" altLang="ja-JP" sz="1400" dirty="0"/>
+              <a:t>+</a:t>
+            </a:r>
+            <a:endParaRPr kumimoji="1" lang="ja-JP" altLang="en-US" sz="1400" dirty="0"/>
+          </a:p>
+        </p:txBody>
+      </p:sp>
+      <p:cxnSp>
+        <p:nvCxnSpPr>
+          <p:cNvPr id="11" name="直線コネクタ 10"/>
+          <p:cNvCxnSpPr/>
+          <p:nvPr/>
+        </p:nvCxnSpPr>
+        <p:spPr>
+          <a:xfrm flipV="1">
+            <a:off x="927278" y="814188"/>
+            <a:ext cx="0" cy="509847"/>
+          </a:xfrm>
+          <a:prstGeom prst="line">
+            <a:avLst/>
+          </a:prstGeom>
+          <a:ln w="19050">
+            <a:solidFill>
+              <a:schemeClr val="tx1"/>
+            </a:solidFill>
+          </a:ln>
+        </p:spPr>
+        <p:style>
+          <a:lnRef idx="1">
+            <a:schemeClr val="accent1"/>
+          </a:lnRef>
+          <a:fillRef idx="0">
+            <a:schemeClr val="accent1"/>
+          </a:fillRef>
+          <a:effectRef idx="0">
+            <a:schemeClr val="accent1"/>
+          </a:effectRef>
+          <a:fontRef idx="minor">
+            <a:schemeClr val="tx1"/>
+          </a:fontRef>
+        </p:style>
+      </p:cxnSp>
+      <p:cxnSp>
+        <p:nvCxnSpPr>
+          <p:cNvPr id="12" name="直線コネクタ 11"/>
+          <p:cNvCxnSpPr/>
+          <p:nvPr/>
+        </p:nvCxnSpPr>
+        <p:spPr>
+          <a:xfrm flipV="1">
+            <a:off x="1116057" y="814188"/>
+            <a:ext cx="0" cy="268779"/>
+          </a:xfrm>
+          <a:prstGeom prst="line">
+            <a:avLst/>
+          </a:prstGeom>
+          <a:ln w="19050">
+            <a:solidFill>
+              <a:schemeClr val="tx1"/>
+            </a:solidFill>
+          </a:ln>
+        </p:spPr>
+        <p:style>
+          <a:lnRef idx="1">
+            <a:schemeClr val="accent1"/>
+          </a:lnRef>
+          <a:fillRef idx="0">
+            <a:schemeClr val="accent1"/>
+          </a:fillRef>
+          <a:effectRef idx="0">
+            <a:schemeClr val="accent1"/>
+          </a:effectRef>
+          <a:fontRef idx="minor">
+            <a:schemeClr val="tx1"/>
+          </a:fontRef>
+        </p:style>
+      </p:cxnSp>
+      <p:cxnSp>
+        <p:nvCxnSpPr>
+          <p:cNvPr id="13" name="直線コネクタ 12"/>
+          <p:cNvCxnSpPr/>
+          <p:nvPr/>
+        </p:nvCxnSpPr>
+        <p:spPr>
+          <a:xfrm flipV="1">
+            <a:off x="927278" y="814187"/>
+            <a:ext cx="188779" cy="1"/>
+          </a:xfrm>
+          <a:prstGeom prst="line">
+            <a:avLst/>
+          </a:prstGeom>
+          <a:ln w="19050">
+            <a:solidFill>
+              <a:schemeClr val="tx1"/>
+            </a:solidFill>
+          </a:ln>
+        </p:spPr>
+        <p:style>
+          <a:lnRef idx="1">
+            <a:schemeClr val="accent1"/>
+          </a:lnRef>
+          <a:fillRef idx="0">
+            <a:schemeClr val="accent1"/>
+          </a:fillRef>
+          <a:effectRef idx="0">
+            <a:schemeClr val="accent1"/>
+          </a:effectRef>
+          <a:fontRef idx="minor">
+            <a:schemeClr val="tx1"/>
+          </a:fontRef>
+        </p:style>
+      </p:cxnSp>
+      <p:sp>
+        <p:nvSpPr>
+          <p:cNvPr id="16" name="テキスト ボックス 15"/>
+          <p:cNvSpPr txBox="1"/>
+          <p:nvPr/>
+        </p:nvSpPr>
+        <p:spPr>
+          <a:xfrm>
+            <a:off x="874161" y="608716"/>
+            <a:ext cx="312906" cy="253916"/>
+          </a:xfrm>
+          <a:prstGeom prst="rect">
+            <a:avLst/>
+          </a:prstGeom>
+          <a:noFill/>
+        </p:spPr>
+        <p:txBody>
+          <a:bodyPr wrap="none" rtlCol="0">
+            <a:spAutoFit/>
+          </a:bodyPr>
+          <a:lstStyle/>
+          <a:p>
+            <a:r>
+              <a:rPr kumimoji="1" lang="en-US" altLang="ja-JP" sz="1050" dirty="0" smtClean="0"/>
+              <a:t>**</a:t>
+            </a:r>
+            <a:endParaRPr kumimoji="1" lang="ja-JP" altLang="en-US" sz="600" dirty="0"/>
+          </a:p>
+        </p:txBody>
+      </p:sp>
+      <p:cxnSp>
+        <p:nvCxnSpPr>
+          <p:cNvPr id="17" name="直線コネクタ 16"/>
+          <p:cNvCxnSpPr/>
+          <p:nvPr/>
+        </p:nvCxnSpPr>
+        <p:spPr>
+          <a:xfrm flipV="1">
+            <a:off x="2075204" y="1275592"/>
+            <a:ext cx="0" cy="176855"/>
+          </a:xfrm>
+          <a:prstGeom prst="line">
+            <a:avLst/>
+          </a:prstGeom>
+          <a:ln w="19050">
+            <a:solidFill>
+              <a:schemeClr val="tx1"/>
+            </a:solidFill>
+          </a:ln>
+        </p:spPr>
+        <p:style>
+          <a:lnRef idx="1">
+            <a:schemeClr val="accent1"/>
+          </a:lnRef>
+          <a:fillRef idx="0">
+            <a:schemeClr val="accent1"/>
+          </a:fillRef>
+          <a:effectRef idx="0">
+            <a:schemeClr val="accent1"/>
+          </a:effectRef>
+          <a:fontRef idx="minor">
+            <a:schemeClr val="tx1"/>
+          </a:fontRef>
+        </p:style>
+      </p:cxnSp>
+      <p:cxnSp>
+        <p:nvCxnSpPr>
+          <p:cNvPr id="18" name="直線コネクタ 17"/>
+          <p:cNvCxnSpPr/>
+          <p:nvPr/>
+        </p:nvCxnSpPr>
+        <p:spPr>
+          <a:xfrm flipV="1">
+            <a:off x="2263983" y="1268867"/>
+            <a:ext cx="0" cy="480255"/>
+          </a:xfrm>
+          <a:prstGeom prst="line">
+            <a:avLst/>
+          </a:prstGeom>
+          <a:ln w="19050">
+            <a:solidFill>
+              <a:schemeClr val="tx1"/>
+            </a:solidFill>
+          </a:ln>
+        </p:spPr>
+        <p:style>
+          <a:lnRef idx="1">
+            <a:schemeClr val="accent1"/>
+          </a:lnRef>
+          <a:fillRef idx="0">
+            <a:schemeClr val="accent1"/>
+          </a:fillRef>
+          <a:effectRef idx="0">
+            <a:schemeClr val="accent1"/>
+          </a:effectRef>
+          <a:fontRef idx="minor">
+            <a:schemeClr val="tx1"/>
+          </a:fontRef>
+        </p:style>
+      </p:cxnSp>
+      <p:cxnSp>
+        <p:nvCxnSpPr>
+          <p:cNvPr id="19" name="直線コネクタ 18"/>
+          <p:cNvCxnSpPr/>
+          <p:nvPr/>
+        </p:nvCxnSpPr>
+        <p:spPr>
+          <a:xfrm flipV="1">
+            <a:off x="2075204" y="1275590"/>
+            <a:ext cx="188779" cy="1"/>
+          </a:xfrm>
+          <a:prstGeom prst="line">
+            <a:avLst/>
+          </a:prstGeom>
+          <a:ln w="19050">
+            <a:solidFill>
+              <a:schemeClr val="tx1"/>
+            </a:solidFill>
+          </a:ln>
+        </p:spPr>
+        <p:style>
+          <a:lnRef idx="1">
+            <a:schemeClr val="accent1"/>
+          </a:lnRef>
+          <a:fillRef idx="0">
+            <a:schemeClr val="accent1"/>
+          </a:fillRef>
+          <a:effectRef idx="0">
+            <a:schemeClr val="accent1"/>
+          </a:effectRef>
+          <a:fontRef idx="minor">
+            <a:schemeClr val="tx1"/>
+          </a:fontRef>
+        </p:style>
+      </p:cxnSp>
+      <p:sp>
+        <p:nvSpPr>
+          <p:cNvPr id="20" name="テキスト ボックス 19"/>
+          <p:cNvSpPr txBox="1"/>
+          <p:nvPr/>
+        </p:nvSpPr>
+        <p:spPr>
+          <a:xfrm>
+            <a:off x="2022087" y="1070119"/>
+            <a:ext cx="282450" cy="253916"/>
+          </a:xfrm>
+          <a:prstGeom prst="rect">
+            <a:avLst/>
+          </a:prstGeom>
+          <a:noFill/>
+        </p:spPr>
+        <p:txBody>
+          <a:bodyPr wrap="none" rtlCol="0">
+            <a:spAutoFit/>
+          </a:bodyPr>
+          <a:lstStyle/>
+          <a:p>
+            <a:r>
+              <a:rPr lang="en-US" altLang="ja-JP" sz="1050" dirty="0"/>
+              <a:t>+</a:t>
+            </a:r>
+            <a:endParaRPr kumimoji="1" lang="ja-JP" altLang="en-US" sz="600" dirty="0"/>
+          </a:p>
+        </p:txBody>
+      </p:sp>
+      <p:cxnSp>
+        <p:nvCxnSpPr>
+          <p:cNvPr id="23" name="直線コネクタ 22"/>
+          <p:cNvCxnSpPr/>
+          <p:nvPr/>
+        </p:nvCxnSpPr>
+        <p:spPr>
+          <a:xfrm flipV="1">
+            <a:off x="1506343" y="814187"/>
+            <a:ext cx="0" cy="509847"/>
+          </a:xfrm>
+          <a:prstGeom prst="line">
+            <a:avLst/>
+          </a:prstGeom>
+          <a:ln w="19050">
+            <a:solidFill>
+              <a:schemeClr val="tx1"/>
+            </a:solidFill>
+          </a:ln>
+        </p:spPr>
+        <p:style>
+          <a:lnRef idx="1">
+            <a:schemeClr val="accent1"/>
+          </a:lnRef>
+          <a:fillRef idx="0">
+            <a:schemeClr val="accent1"/>
+          </a:fillRef>
+          <a:effectRef idx="0">
+            <a:schemeClr val="accent1"/>
+          </a:effectRef>
+          <a:fontRef idx="minor">
+            <a:schemeClr val="tx1"/>
+          </a:fontRef>
+        </p:style>
+      </p:cxnSp>
+      <p:cxnSp>
+        <p:nvCxnSpPr>
+          <p:cNvPr id="24" name="直線コネクタ 23"/>
+          <p:cNvCxnSpPr/>
+          <p:nvPr/>
+        </p:nvCxnSpPr>
+        <p:spPr>
+          <a:xfrm flipV="1">
+            <a:off x="1695122" y="807463"/>
+            <a:ext cx="0" cy="183580"/>
+          </a:xfrm>
+          <a:prstGeom prst="line">
+            <a:avLst/>
+          </a:prstGeom>
+          <a:ln w="19050">
+            <a:solidFill>
+              <a:schemeClr val="tx1"/>
+            </a:solidFill>
+          </a:ln>
+        </p:spPr>
+        <p:style>
+          <a:lnRef idx="1">
+            <a:schemeClr val="accent1"/>
+          </a:lnRef>
+          <a:fillRef idx="0">
+            <a:schemeClr val="accent1"/>
+          </a:fillRef>
+          <a:effectRef idx="0">
+            <a:schemeClr val="accent1"/>
+          </a:effectRef>
+          <a:fontRef idx="minor">
+            <a:schemeClr val="tx1"/>
+          </a:fontRef>
+        </p:style>
+      </p:cxnSp>
+      <p:cxnSp>
+        <p:nvCxnSpPr>
+          <p:cNvPr id="25" name="直線コネクタ 24"/>
+          <p:cNvCxnSpPr/>
+          <p:nvPr/>
+        </p:nvCxnSpPr>
+        <p:spPr>
+          <a:xfrm flipV="1">
+            <a:off x="1506343" y="814186"/>
+            <a:ext cx="188779" cy="1"/>
+          </a:xfrm>
+          <a:prstGeom prst="line">
+            <a:avLst/>
+          </a:prstGeom>
+          <a:ln w="19050">
+            <a:solidFill>
+              <a:schemeClr val="tx1"/>
+            </a:solidFill>
+          </a:ln>
+        </p:spPr>
+        <p:style>
+          <a:lnRef idx="1">
+            <a:schemeClr val="accent1"/>
+          </a:lnRef>
+          <a:fillRef idx="0">
+            <a:schemeClr val="accent1"/>
+          </a:fillRef>
+          <a:effectRef idx="0">
+            <a:schemeClr val="accent1"/>
+          </a:effectRef>
+          <a:fontRef idx="minor">
+            <a:schemeClr val="tx1"/>
+          </a:fontRef>
+        </p:style>
+      </p:cxnSp>
+      <p:sp>
+        <p:nvSpPr>
+          <p:cNvPr id="26" name="テキスト ボックス 25"/>
+          <p:cNvSpPr txBox="1"/>
+          <p:nvPr/>
+        </p:nvSpPr>
+        <p:spPr>
+          <a:xfrm>
+            <a:off x="1453226" y="608715"/>
+            <a:ext cx="312906" cy="253916"/>
+          </a:xfrm>
+          <a:prstGeom prst="rect">
+            <a:avLst/>
+          </a:prstGeom>
+          <a:noFill/>
+        </p:spPr>
+        <p:txBody>
+          <a:bodyPr wrap="none" rtlCol="0">
+            <a:spAutoFit/>
+          </a:bodyPr>
+          <a:lstStyle/>
+          <a:p>
+            <a:r>
+              <a:rPr kumimoji="1" lang="en-US" altLang="ja-JP" sz="1050" dirty="0" smtClean="0"/>
+              <a:t>**</a:t>
+            </a:r>
+            <a:endParaRPr kumimoji="1" lang="ja-JP" altLang="en-US" sz="600" dirty="0"/>
+          </a:p>
+        </p:txBody>
+      </p:sp>
+      <p:cxnSp>
+        <p:nvCxnSpPr>
+          <p:cNvPr id="27" name="直線コネクタ 26"/>
+          <p:cNvCxnSpPr/>
+          <p:nvPr/>
+        </p:nvCxnSpPr>
+        <p:spPr>
+          <a:xfrm flipV="1">
+            <a:off x="4387309" y="991043"/>
+            <a:ext cx="0" cy="509847"/>
+          </a:xfrm>
+          <a:prstGeom prst="line">
+            <a:avLst/>
+          </a:prstGeom>
+          <a:ln w="19050">
+            <a:solidFill>
+              <a:schemeClr val="tx1"/>
+            </a:solidFill>
+          </a:ln>
+        </p:spPr>
+        <p:style>
+          <a:lnRef idx="1">
+            <a:schemeClr val="accent1"/>
+          </a:lnRef>
+          <a:fillRef idx="0">
+            <a:schemeClr val="accent1"/>
+          </a:fillRef>
+          <a:effectRef idx="0">
+            <a:schemeClr val="accent1"/>
+          </a:effectRef>
+          <a:fontRef idx="minor">
+            <a:schemeClr val="tx1"/>
+          </a:fontRef>
+        </p:style>
+      </p:cxnSp>
+      <p:cxnSp>
+        <p:nvCxnSpPr>
+          <p:cNvPr id="28" name="直線コネクタ 27"/>
+          <p:cNvCxnSpPr/>
+          <p:nvPr/>
+        </p:nvCxnSpPr>
+        <p:spPr>
+          <a:xfrm flipV="1">
+            <a:off x="4576088" y="984319"/>
+            <a:ext cx="0" cy="183580"/>
+          </a:xfrm>
+          <a:prstGeom prst="line">
+            <a:avLst/>
+          </a:prstGeom>
+          <a:ln w="19050">
+            <a:solidFill>
+              <a:schemeClr val="tx1"/>
+            </a:solidFill>
+          </a:ln>
+        </p:spPr>
+        <p:style>
+          <a:lnRef idx="1">
+            <a:schemeClr val="accent1"/>
+          </a:lnRef>
+          <a:fillRef idx="0">
+            <a:schemeClr val="accent1"/>
+          </a:fillRef>
+          <a:effectRef idx="0">
+            <a:schemeClr val="accent1"/>
+          </a:effectRef>
+          <a:fontRef idx="minor">
+            <a:schemeClr val="tx1"/>
+          </a:fontRef>
+        </p:style>
+      </p:cxnSp>
+      <p:cxnSp>
+        <p:nvCxnSpPr>
+          <p:cNvPr id="29" name="直線コネクタ 28"/>
+          <p:cNvCxnSpPr/>
+          <p:nvPr/>
+        </p:nvCxnSpPr>
+        <p:spPr>
+          <a:xfrm flipV="1">
+            <a:off x="4387309" y="991042"/>
+            <a:ext cx="188779" cy="1"/>
+          </a:xfrm>
+          <a:prstGeom prst="line">
+            <a:avLst/>
+          </a:prstGeom>
+          <a:ln w="19050">
+            <a:solidFill>
+              <a:schemeClr val="tx1"/>
+            </a:solidFill>
+          </a:ln>
+        </p:spPr>
+        <p:style>
+          <a:lnRef idx="1">
+            <a:schemeClr val="accent1"/>
+          </a:lnRef>
+          <a:fillRef idx="0">
+            <a:schemeClr val="accent1"/>
+          </a:fillRef>
+          <a:effectRef idx="0">
+            <a:schemeClr val="accent1"/>
+          </a:effectRef>
+          <a:fontRef idx="minor">
+            <a:schemeClr val="tx1"/>
+          </a:fontRef>
+        </p:style>
+      </p:cxnSp>
+      <p:sp>
+        <p:nvSpPr>
+          <p:cNvPr id="30" name="テキスト ボックス 29"/>
+          <p:cNvSpPr txBox="1"/>
+          <p:nvPr/>
+        </p:nvSpPr>
+        <p:spPr>
+          <a:xfrm>
+            <a:off x="4334192" y="785571"/>
+            <a:ext cx="312906" cy="253916"/>
+          </a:xfrm>
+          <a:prstGeom prst="rect">
+            <a:avLst/>
+          </a:prstGeom>
+          <a:noFill/>
+        </p:spPr>
+        <p:txBody>
+          <a:bodyPr wrap="none" rtlCol="0">
+            <a:spAutoFit/>
+          </a:bodyPr>
+          <a:lstStyle/>
+          <a:p>
+            <a:r>
+              <a:rPr kumimoji="1" lang="en-US" altLang="ja-JP" sz="1050" dirty="0" smtClean="0"/>
+              <a:t>**</a:t>
+            </a:r>
+            <a:endParaRPr kumimoji="1" lang="ja-JP" altLang="en-US" sz="600" dirty="0"/>
+          </a:p>
+        </p:txBody>
+      </p:sp>
+      <p:cxnSp>
+        <p:nvCxnSpPr>
+          <p:cNvPr id="31" name="直線コネクタ 30"/>
+          <p:cNvCxnSpPr/>
+          <p:nvPr/>
+        </p:nvCxnSpPr>
+        <p:spPr>
+          <a:xfrm flipV="1">
+            <a:off x="6139682" y="862631"/>
+            <a:ext cx="0" cy="509847"/>
+          </a:xfrm>
+          <a:prstGeom prst="line">
+            <a:avLst/>
+          </a:prstGeom>
+          <a:ln w="19050">
+            <a:solidFill>
+              <a:schemeClr val="tx1"/>
+            </a:solidFill>
+          </a:ln>
+        </p:spPr>
+        <p:style>
+          <a:lnRef idx="1">
+            <a:schemeClr val="accent1"/>
+          </a:lnRef>
+          <a:fillRef idx="0">
+            <a:schemeClr val="accent1"/>
+          </a:fillRef>
+          <a:effectRef idx="0">
+            <a:schemeClr val="accent1"/>
+          </a:effectRef>
+          <a:fontRef idx="minor">
+            <a:schemeClr val="tx1"/>
+          </a:fontRef>
+        </p:style>
+      </p:cxnSp>
+      <p:cxnSp>
+        <p:nvCxnSpPr>
+          <p:cNvPr id="32" name="直線コネクタ 31"/>
+          <p:cNvCxnSpPr/>
+          <p:nvPr/>
+        </p:nvCxnSpPr>
+        <p:spPr>
+          <a:xfrm flipV="1">
+            <a:off x="6328461" y="855907"/>
+            <a:ext cx="0" cy="183580"/>
+          </a:xfrm>
+          <a:prstGeom prst="line">
+            <a:avLst/>
+          </a:prstGeom>
+          <a:ln w="19050">
+            <a:solidFill>
+              <a:schemeClr val="tx1"/>
+            </a:solidFill>
+          </a:ln>
+        </p:spPr>
+        <p:style>
+          <a:lnRef idx="1">
+            <a:schemeClr val="accent1"/>
+          </a:lnRef>
+          <a:fillRef idx="0">
+            <a:schemeClr val="accent1"/>
+          </a:fillRef>
+          <a:effectRef idx="0">
+            <a:schemeClr val="accent1"/>
+          </a:effectRef>
+          <a:fontRef idx="minor">
+            <a:schemeClr val="tx1"/>
+          </a:fontRef>
+        </p:style>
+      </p:cxnSp>
+      <p:cxnSp>
+        <p:nvCxnSpPr>
+          <p:cNvPr id="33" name="直線コネクタ 32"/>
+          <p:cNvCxnSpPr/>
+          <p:nvPr/>
+        </p:nvCxnSpPr>
+        <p:spPr>
+          <a:xfrm flipV="1">
+            <a:off x="6139682" y="862630"/>
+            <a:ext cx="188779" cy="1"/>
+          </a:xfrm>
+          <a:prstGeom prst="line">
+            <a:avLst/>
+          </a:prstGeom>
+          <a:ln w="19050">
+            <a:solidFill>
+              <a:schemeClr val="tx1"/>
+            </a:solidFill>
+          </a:ln>
+        </p:spPr>
+        <p:style>
+          <a:lnRef idx="1">
+            <a:schemeClr val="accent1"/>
+          </a:lnRef>
+          <a:fillRef idx="0">
+            <a:schemeClr val="accent1"/>
+          </a:fillRef>
+          <a:effectRef idx="0">
+            <a:schemeClr val="accent1"/>
+          </a:effectRef>
+          <a:fontRef idx="minor">
+            <a:schemeClr val="tx1"/>
+          </a:fontRef>
+        </p:style>
+      </p:cxnSp>
+      <p:sp>
+        <p:nvSpPr>
+          <p:cNvPr id="34" name="テキスト ボックス 33"/>
+          <p:cNvSpPr txBox="1"/>
+          <p:nvPr/>
+        </p:nvSpPr>
+        <p:spPr>
+          <a:xfrm>
+            <a:off x="6086565" y="657159"/>
+            <a:ext cx="312906" cy="253916"/>
+          </a:xfrm>
+          <a:prstGeom prst="rect">
+            <a:avLst/>
+          </a:prstGeom>
+          <a:noFill/>
+        </p:spPr>
+        <p:txBody>
+          <a:bodyPr wrap="none" rtlCol="0">
+            <a:spAutoFit/>
+          </a:bodyPr>
+          <a:lstStyle/>
+          <a:p>
+            <a:r>
+              <a:rPr kumimoji="1" lang="en-US" altLang="ja-JP" sz="1050" dirty="0" smtClean="0"/>
+              <a:t>**</a:t>
+            </a:r>
+            <a:endParaRPr kumimoji="1" lang="ja-JP" altLang="en-US" sz="600" dirty="0"/>
+          </a:p>
+        </p:txBody>
+      </p:sp>
+      <p:cxnSp>
+        <p:nvCxnSpPr>
+          <p:cNvPr id="35" name="直線コネクタ 34"/>
+          <p:cNvCxnSpPr/>
+          <p:nvPr/>
+        </p:nvCxnSpPr>
+        <p:spPr>
+          <a:xfrm flipV="1">
+            <a:off x="3246917" y="912975"/>
+            <a:ext cx="0" cy="509847"/>
+          </a:xfrm>
+          <a:prstGeom prst="line">
+            <a:avLst/>
+          </a:prstGeom>
+          <a:ln w="19050">
+            <a:solidFill>
+              <a:schemeClr val="tx1"/>
+            </a:solidFill>
+          </a:ln>
+        </p:spPr>
+        <p:style>
+          <a:lnRef idx="1">
+            <a:schemeClr val="accent1"/>
+          </a:lnRef>
+          <a:fillRef idx="0">
+            <a:schemeClr val="accent1"/>
+          </a:fillRef>
+          <a:effectRef idx="0">
+            <a:schemeClr val="accent1"/>
+          </a:effectRef>
+          <a:fontRef idx="minor">
+            <a:schemeClr val="tx1"/>
+          </a:fontRef>
+        </p:style>
+      </p:cxnSp>
+      <p:cxnSp>
+        <p:nvCxnSpPr>
+          <p:cNvPr id="36" name="直線コネクタ 35"/>
+          <p:cNvCxnSpPr/>
+          <p:nvPr/>
+        </p:nvCxnSpPr>
+        <p:spPr>
+          <a:xfrm flipV="1">
+            <a:off x="3435696" y="906251"/>
+            <a:ext cx="0" cy="183580"/>
+          </a:xfrm>
+          <a:prstGeom prst="line">
+            <a:avLst/>
+          </a:prstGeom>
+          <a:ln w="19050">
+            <a:solidFill>
+              <a:schemeClr val="tx1"/>
+            </a:solidFill>
+          </a:ln>
+        </p:spPr>
+        <p:style>
+          <a:lnRef idx="1">
+            <a:schemeClr val="accent1"/>
+          </a:lnRef>
+          <a:fillRef idx="0">
+            <a:schemeClr val="accent1"/>
+          </a:fillRef>
+          <a:effectRef idx="0">
+            <a:schemeClr val="accent1"/>
+          </a:effectRef>
+          <a:fontRef idx="minor">
+            <a:schemeClr val="tx1"/>
+          </a:fontRef>
+        </p:style>
+      </p:cxnSp>
+      <p:cxnSp>
+        <p:nvCxnSpPr>
+          <p:cNvPr id="37" name="直線コネクタ 36"/>
+          <p:cNvCxnSpPr/>
+          <p:nvPr/>
+        </p:nvCxnSpPr>
+        <p:spPr>
+          <a:xfrm flipV="1">
+            <a:off x="3246917" y="912974"/>
+            <a:ext cx="188779" cy="1"/>
+          </a:xfrm>
+          <a:prstGeom prst="line">
+            <a:avLst/>
+          </a:prstGeom>
+          <a:ln w="19050">
+            <a:solidFill>
+              <a:schemeClr val="tx1"/>
+            </a:solidFill>
+          </a:ln>
+        </p:spPr>
+        <p:style>
+          <a:lnRef idx="1">
+            <a:schemeClr val="accent1"/>
+          </a:lnRef>
+          <a:fillRef idx="0">
+            <a:schemeClr val="accent1"/>
+          </a:fillRef>
+          <a:effectRef idx="0">
+            <a:schemeClr val="accent1"/>
+          </a:effectRef>
+          <a:fontRef idx="minor">
+            <a:schemeClr val="tx1"/>
+          </a:fontRef>
+        </p:style>
+      </p:cxnSp>
+      <p:sp>
+        <p:nvSpPr>
+          <p:cNvPr id="38" name="テキスト ボックス 37"/>
+          <p:cNvSpPr txBox="1"/>
+          <p:nvPr/>
+        </p:nvSpPr>
+        <p:spPr>
+          <a:xfrm>
+            <a:off x="3193800" y="707503"/>
+            <a:ext cx="248786" cy="253916"/>
+          </a:xfrm>
+          <a:prstGeom prst="rect">
+            <a:avLst/>
+          </a:prstGeom>
+          <a:noFill/>
+        </p:spPr>
+        <p:txBody>
+          <a:bodyPr wrap="none" rtlCol="0">
+            <a:spAutoFit/>
+          </a:bodyPr>
+          <a:lstStyle/>
+          <a:p>
+            <a:r>
+              <a:rPr lang="en-US" altLang="ja-JP" sz="1050" dirty="0" smtClean="0"/>
+              <a:t>*</a:t>
+            </a:r>
+            <a:endParaRPr kumimoji="1" lang="ja-JP" altLang="en-US" sz="600" dirty="0"/>
+          </a:p>
+        </p:txBody>
+      </p:sp>
+      <p:cxnSp>
+        <p:nvCxnSpPr>
+          <p:cNvPr id="39" name="直線コネクタ 38"/>
+          <p:cNvCxnSpPr/>
+          <p:nvPr/>
+        </p:nvCxnSpPr>
+        <p:spPr>
+          <a:xfrm flipV="1">
+            <a:off x="8899289" y="666333"/>
+            <a:ext cx="0" cy="509847"/>
+          </a:xfrm>
+          <a:prstGeom prst="line">
+            <a:avLst/>
+          </a:prstGeom>
+          <a:ln w="19050">
+            <a:solidFill>
+              <a:schemeClr val="tx1"/>
+            </a:solidFill>
+          </a:ln>
+        </p:spPr>
+        <p:style>
+          <a:lnRef idx="1">
+            <a:schemeClr val="accent1"/>
+          </a:lnRef>
+          <a:fillRef idx="0">
+            <a:schemeClr val="accent1"/>
+          </a:fillRef>
+          <a:effectRef idx="0">
+            <a:schemeClr val="accent1"/>
+          </a:effectRef>
+          <a:fontRef idx="minor">
+            <a:schemeClr val="tx1"/>
+          </a:fontRef>
+        </p:style>
+      </p:cxnSp>
+      <p:cxnSp>
+        <p:nvCxnSpPr>
+          <p:cNvPr id="40" name="直線コネクタ 39"/>
+          <p:cNvCxnSpPr/>
+          <p:nvPr/>
+        </p:nvCxnSpPr>
+        <p:spPr>
+          <a:xfrm flipV="1">
+            <a:off x="9478409" y="666333"/>
+            <a:ext cx="0" cy="268779"/>
+          </a:xfrm>
+          <a:prstGeom prst="line">
+            <a:avLst/>
+          </a:prstGeom>
+          <a:ln w="19050">
+            <a:solidFill>
+              <a:schemeClr val="tx1"/>
+            </a:solidFill>
+          </a:ln>
+        </p:spPr>
+        <p:style>
+          <a:lnRef idx="1">
+            <a:schemeClr val="accent1"/>
+          </a:lnRef>
+          <a:fillRef idx="0">
+            <a:schemeClr val="accent1"/>
+          </a:fillRef>
+          <a:effectRef idx="0">
+            <a:schemeClr val="accent1"/>
+          </a:effectRef>
+          <a:fontRef idx="minor">
+            <a:schemeClr val="tx1"/>
+          </a:fontRef>
+        </p:style>
+      </p:cxnSp>
+      <p:cxnSp>
+        <p:nvCxnSpPr>
+          <p:cNvPr id="41" name="直線コネクタ 40"/>
+          <p:cNvCxnSpPr/>
+          <p:nvPr/>
+        </p:nvCxnSpPr>
+        <p:spPr>
+          <a:xfrm flipH="1">
+            <a:off x="8899289" y="666333"/>
+            <a:ext cx="579120" cy="0"/>
+          </a:xfrm>
+          <a:prstGeom prst="line">
+            <a:avLst/>
+          </a:prstGeom>
+          <a:ln w="19050">
+            <a:solidFill>
+              <a:schemeClr val="tx1"/>
+            </a:solidFill>
+          </a:ln>
+        </p:spPr>
+        <p:style>
+          <a:lnRef idx="1">
+            <a:schemeClr val="accent1"/>
+          </a:lnRef>
+          <a:fillRef idx="0">
+            <a:schemeClr val="accent1"/>
+          </a:fillRef>
+          <a:effectRef idx="0">
+            <a:schemeClr val="accent1"/>
+          </a:effectRef>
+          <a:fontRef idx="minor">
+            <a:schemeClr val="tx1"/>
+          </a:fontRef>
+        </p:style>
+      </p:cxnSp>
+      <p:sp>
+        <p:nvSpPr>
+          <p:cNvPr id="42" name="テキスト ボックス 41"/>
+          <p:cNvSpPr txBox="1"/>
+          <p:nvPr/>
+        </p:nvSpPr>
+        <p:spPr>
+          <a:xfrm>
+            <a:off x="9031594" y="397555"/>
+            <a:ext cx="314510" cy="307777"/>
+          </a:xfrm>
+          <a:prstGeom prst="rect">
+            <a:avLst/>
+          </a:prstGeom>
+          <a:noFill/>
+        </p:spPr>
+        <p:txBody>
+          <a:bodyPr wrap="none" rtlCol="0">
+            <a:spAutoFit/>
+          </a:bodyPr>
+          <a:lstStyle/>
+          <a:p>
+            <a:r>
+              <a:rPr lang="en-US" altLang="ja-JP" sz="1400" dirty="0"/>
+              <a:t>+</a:t>
+            </a:r>
+            <a:endParaRPr kumimoji="1" lang="ja-JP" altLang="en-US" sz="1400" dirty="0"/>
+          </a:p>
+        </p:txBody>
+      </p:sp>
+      <p:sp>
+        <p:nvSpPr>
+          <p:cNvPr id="43" name="テキスト ボックス 42"/>
+          <p:cNvSpPr txBox="1"/>
+          <p:nvPr/>
+        </p:nvSpPr>
+        <p:spPr>
+          <a:xfrm>
+            <a:off x="5625923" y="260634"/>
+            <a:ext cx="1198681" cy="507831"/>
+          </a:xfrm>
+          <a:prstGeom prst="rect">
+            <a:avLst/>
+          </a:prstGeom>
+          <a:noFill/>
+        </p:spPr>
+        <p:txBody>
+          <a:bodyPr wrap="square" rtlCol="0">
+            <a:spAutoFit/>
+          </a:bodyPr>
+          <a:lstStyle/>
+          <a:p>
+            <a:r>
+              <a:rPr kumimoji="1" lang="en-US" altLang="ja-JP" sz="900" dirty="0" smtClean="0"/>
+              <a:t>** p&lt;.01</a:t>
+            </a:r>
+          </a:p>
+          <a:p>
+            <a:r>
+              <a:rPr lang="en-US" altLang="ja-JP" sz="900" dirty="0" smtClean="0"/>
+              <a:t>*   p&lt;.05</a:t>
+            </a:r>
+          </a:p>
+          <a:p>
+            <a:r>
+              <a:rPr kumimoji="1" lang="en-US" altLang="ja-JP" sz="700" dirty="0" smtClean="0"/>
+              <a:t>+</a:t>
+            </a:r>
+            <a:r>
+              <a:rPr kumimoji="1" lang="en-US" altLang="ja-JP" sz="600" dirty="0" smtClean="0"/>
+              <a:t>    </a:t>
+            </a:r>
+            <a:r>
+              <a:rPr kumimoji="1" lang="en-US" altLang="ja-JP" sz="900" dirty="0" smtClean="0"/>
+              <a:t>p&lt;.1</a:t>
+            </a:r>
+            <a:endParaRPr kumimoji="1" lang="ja-JP" altLang="en-US" sz="600" dirty="0"/>
+          </a:p>
+        </p:txBody>
+      </p:sp>
+      <p:sp>
+        <p:nvSpPr>
+          <p:cNvPr id="44" name="テキスト ボックス 43"/>
+          <p:cNvSpPr txBox="1"/>
+          <p:nvPr/>
+        </p:nvSpPr>
+        <p:spPr>
+          <a:xfrm>
+            <a:off x="9688011" y="723749"/>
+            <a:ext cx="1198681" cy="230832"/>
+          </a:xfrm>
+          <a:prstGeom prst="rect">
+            <a:avLst/>
+          </a:prstGeom>
+          <a:noFill/>
+        </p:spPr>
+        <p:txBody>
+          <a:bodyPr wrap="square" rtlCol="0">
+            <a:spAutoFit/>
+          </a:bodyPr>
+          <a:lstStyle/>
+          <a:p>
+            <a:r>
+              <a:rPr kumimoji="1" lang="en-US" altLang="ja-JP" sz="700" dirty="0" smtClean="0"/>
+              <a:t>+</a:t>
+            </a:r>
+            <a:r>
+              <a:rPr kumimoji="1" lang="en-US" altLang="ja-JP" sz="600" dirty="0" smtClean="0"/>
+              <a:t>    </a:t>
+            </a:r>
+            <a:r>
+              <a:rPr kumimoji="1" lang="en-US" altLang="ja-JP" sz="900" dirty="0" smtClean="0"/>
+              <a:t>p&lt;.1</a:t>
+            </a:r>
+            <a:endParaRPr kumimoji="1" lang="ja-JP" altLang="en-US" sz="600" dirty="0"/>
+          </a:p>
+        </p:txBody>
+      </p:sp>
+      <p:sp>
+        <p:nvSpPr>
+          <p:cNvPr id="46" name="テキスト ボックス 45"/>
+          <p:cNvSpPr txBox="1"/>
+          <p:nvPr/>
+        </p:nvSpPr>
+        <p:spPr>
+          <a:xfrm>
+            <a:off x="4805610" y="3804848"/>
+            <a:ext cx="1198681" cy="230832"/>
+          </a:xfrm>
+          <a:prstGeom prst="rect">
+            <a:avLst/>
+          </a:prstGeom>
+          <a:noFill/>
+        </p:spPr>
+        <p:txBody>
+          <a:bodyPr wrap="square" rtlCol="0">
+            <a:spAutoFit/>
+          </a:bodyPr>
+          <a:lstStyle/>
+          <a:p>
+            <a:r>
+              <a:rPr kumimoji="1" lang="en-US" altLang="ja-JP" sz="700" dirty="0" smtClean="0"/>
+              <a:t>+</a:t>
+            </a:r>
+            <a:r>
+              <a:rPr kumimoji="1" lang="en-US" altLang="ja-JP" sz="600" dirty="0" smtClean="0"/>
+              <a:t>    </a:t>
+            </a:r>
+            <a:r>
+              <a:rPr kumimoji="1" lang="en-US" altLang="ja-JP" sz="900" dirty="0" smtClean="0"/>
+              <a:t>p&lt;.1</a:t>
+            </a:r>
+            <a:endParaRPr kumimoji="1" lang="ja-JP" altLang="en-US" sz="600" dirty="0"/>
+          </a:p>
+        </p:txBody>
+      </p:sp>
+    </p:spTree>
+    <p:extLst>
+      <p:ext uri="{BB962C8B-B14F-4D97-AF65-F5344CB8AC3E}">
+        <p14:creationId xmlns:p14="http://schemas.microsoft.com/office/powerpoint/2010/main" val="2355736471"/>
+      </p:ext>
+    </p:extLst>
+  </p:cSld>
+  <p:clrMapOvr>
+    <a:masterClrMapping/>
+  </p:clrMapOvr>
+</p:sld>
+</file>
+
+<file path=ppt/slides/slide6.xml><?xml version="1.0" encoding="utf-8"?>
+<p:sld xmlns:a="http://schemas.openxmlformats.org/drawingml/2006/main" xmlns:r="http://schemas.openxmlformats.org/officeDocument/2006/relationships" xmlns:p="http://schemas.openxmlformats.org/presentationml/2006/main">
+  <p:cSld>
+    <p:spTree>
+      <p:nvGrpSpPr>
+        <p:cNvPr id="1" name=""/>
+        <p:cNvGrpSpPr/>
+        <p:nvPr/>
+      </p:nvGrpSpPr>
+      <p:grpSpPr>
+        <a:xfrm>
+          <a:off x="0" y="0"/>
+          <a:ext cx="0" cy="0"/>
+          <a:chOff x="0" y="0"/>
+          <a:chExt cx="0" cy="0"/>
+        </a:xfrm>
+      </p:grpSpPr>
+      <p:pic>
+        <p:nvPicPr>
+          <p:cNvPr id="4" name="図 3"/>
+          <p:cNvPicPr>
+            <a:picLocks noChangeAspect="1"/>
+          </p:cNvPicPr>
+          <p:nvPr/>
+        </p:nvPicPr>
+        <p:blipFill rotWithShape="1">
+          <a:blip r:embed="rId2"/>
+          <a:srcRect t="13084"/>
+          <a:stretch/>
+        </p:blipFill>
+        <p:spPr>
+          <a:xfrm>
+            <a:off x="739635" y="559724"/>
+            <a:ext cx="4572396" cy="2384486"/>
+          </a:xfrm>
+          <a:prstGeom prst="rect">
+            <a:avLst/>
+          </a:prstGeom>
+        </p:spPr>
+      </p:pic>
+      <p:graphicFrame>
+        <p:nvGraphicFramePr>
+          <p:cNvPr id="6" name="グラフ 5"/>
+          <p:cNvGraphicFramePr>
+            <a:graphicFrameLocks/>
+          </p:cNvGraphicFramePr>
+          <p:nvPr>
+            <p:extLst>
+              <p:ext uri="{D42A27DB-BD31-4B8C-83A1-F6EECF244321}">
+                <p14:modId xmlns:p14="http://schemas.microsoft.com/office/powerpoint/2010/main" val="1031040259"/>
+              </p:ext>
+            </p:extLst>
+          </p:nvPr>
+        </p:nvGraphicFramePr>
+        <p:xfrm>
+          <a:off x="6237317" y="394855"/>
+          <a:ext cx="4572000" cy="2743200"/>
+        </p:xfrm>
+        <a:graphic>
+          <a:graphicData uri="http://schemas.openxmlformats.org/drawingml/2006/chart">
+            <c:chart xmlns:c="http://schemas.openxmlformats.org/drawingml/2006/chart" xmlns:r="http://schemas.openxmlformats.org/officeDocument/2006/relationships" r:id="rId3"/>
+          </a:graphicData>
+        </a:graphic>
+      </p:graphicFrame>
+      <p:sp>
+        <p:nvSpPr>
+          <p:cNvPr id="9" name="テキスト ボックス 8"/>
+          <p:cNvSpPr txBox="1"/>
+          <p:nvPr/>
+        </p:nvSpPr>
+        <p:spPr>
+          <a:xfrm>
+            <a:off x="7387244" y="2671516"/>
+            <a:ext cx="2964872" cy="253916"/>
+          </a:xfrm>
+          <a:prstGeom prst="rect">
+            <a:avLst/>
+          </a:prstGeom>
+          <a:noFill/>
+        </p:spPr>
+        <p:txBody>
+          <a:bodyPr wrap="square" rtlCol="0">
+            <a:spAutoFit/>
+          </a:bodyPr>
+          <a:lstStyle/>
+          <a:p>
+            <a:r>
+              <a:rPr kumimoji="1" lang="en-US" altLang="ja-JP" sz="1050" dirty="0" smtClean="0"/>
+              <a:t>Q1                                                 Q2</a:t>
+            </a:r>
+            <a:endParaRPr kumimoji="1" lang="ja-JP" altLang="en-US" sz="1200" dirty="0"/>
+          </a:p>
+        </p:txBody>
+      </p:sp>
+      <p:sp>
+        <p:nvSpPr>
+          <p:cNvPr id="10" name="テキスト ボックス 9"/>
+          <p:cNvSpPr txBox="1"/>
+          <p:nvPr/>
+        </p:nvSpPr>
+        <p:spPr>
+          <a:xfrm>
+            <a:off x="7038109" y="2536864"/>
+            <a:ext cx="3390672" cy="246221"/>
+          </a:xfrm>
+          <a:prstGeom prst="rect">
+            <a:avLst/>
+          </a:prstGeom>
+          <a:noFill/>
+        </p:spPr>
+        <p:txBody>
+          <a:bodyPr wrap="none" rtlCol="0">
+            <a:spAutoFit/>
+          </a:bodyPr>
+          <a:lstStyle/>
+          <a:p>
+            <a:r>
+              <a:rPr kumimoji="1" lang="ja-JP" altLang="en-US" sz="1000" dirty="0" smtClean="0"/>
+              <a:t>役割への意欲　　　　　　　　　　役割の果たしにくさ</a:t>
+            </a:r>
+            <a:endParaRPr kumimoji="1" lang="ja-JP" altLang="en-US" sz="1400" dirty="0"/>
+          </a:p>
+        </p:txBody>
+      </p:sp>
+      <p:pic>
+        <p:nvPicPr>
+          <p:cNvPr id="11" name="図 10"/>
+          <p:cNvPicPr>
+            <a:picLocks noChangeAspect="1"/>
+          </p:cNvPicPr>
+          <p:nvPr/>
+        </p:nvPicPr>
+        <p:blipFill>
+          <a:blip r:embed="rId4"/>
+          <a:stretch>
+            <a:fillRect/>
+          </a:stretch>
+        </p:blipFill>
+        <p:spPr>
+          <a:xfrm>
+            <a:off x="549855" y="3272707"/>
+            <a:ext cx="10327519" cy="4237087"/>
+          </a:xfrm>
+          <a:prstGeom prst="rect">
+            <a:avLst/>
+          </a:prstGeom>
+        </p:spPr>
+      </p:pic>
+      <p:sp>
+        <p:nvSpPr>
+          <p:cNvPr id="12" name="テキスト ボックス 11"/>
+          <p:cNvSpPr txBox="1"/>
+          <p:nvPr/>
+        </p:nvSpPr>
+        <p:spPr>
+          <a:xfrm>
+            <a:off x="897774" y="6639079"/>
+            <a:ext cx="9894917" cy="253916"/>
+          </a:xfrm>
+          <a:prstGeom prst="rect">
+            <a:avLst/>
+          </a:prstGeom>
+          <a:noFill/>
+        </p:spPr>
+        <p:txBody>
+          <a:bodyPr wrap="square" rtlCol="0">
+            <a:spAutoFit/>
+          </a:bodyPr>
+          <a:lstStyle/>
+          <a:p>
+            <a:r>
+              <a:rPr kumimoji="1" lang="en-US" altLang="ja-JP" sz="1050" dirty="0" smtClean="0"/>
+              <a:t>Q3,Q4,Q5                Q6                 Q7~Q11             Q11~Q15           Q16,Q17             Q18,Q19                Q20                  Q21                     Q22                    Q23        </a:t>
+            </a:r>
+            <a:endParaRPr kumimoji="1" lang="ja-JP" altLang="en-US" sz="1200" dirty="0"/>
+          </a:p>
+        </p:txBody>
+      </p:sp>
+    </p:spTree>
+    <p:extLst>
+      <p:ext uri="{BB962C8B-B14F-4D97-AF65-F5344CB8AC3E}">
+        <p14:creationId xmlns:p14="http://schemas.microsoft.com/office/powerpoint/2010/main" val="2104445639"/>
+      </p:ext>
+    </p:extLst>
+  </p:cSld>
+  <p:clrMapOvr>
+    <a:masterClrMapping/>
+  </p:clrMapOvr>
+</p:sld>
+</file>
+
+<file path=ppt/slides/slide7.xml><?xml version="1.0" encoding="utf-8"?>
+<p:sld xmlns:a="http://schemas.openxmlformats.org/drawingml/2006/main" xmlns:r="http://schemas.openxmlformats.org/officeDocument/2006/relationships" xmlns:p="http://schemas.openxmlformats.org/presentationml/2006/main">
+  <p:cSld>
+    <p:spTree>
+      <p:nvGrpSpPr>
+        <p:cNvPr id="1" name=""/>
+        <p:cNvGrpSpPr/>
+        <p:nvPr/>
+      </p:nvGrpSpPr>
+      <p:grpSpPr>
+        <a:xfrm>
+          <a:off x="0" y="0"/>
+          <a:ext cx="0" cy="0"/>
+          <a:chOff x="0" y="0"/>
+          <a:chExt cx="0" cy="0"/>
+        </a:xfrm>
+      </p:grpSpPr>
+      <p:pic>
+        <p:nvPicPr>
+          <p:cNvPr id="4" name="図 3"/>
+          <p:cNvPicPr>
+            <a:picLocks noChangeAspect="1"/>
+          </p:cNvPicPr>
+          <p:nvPr/>
+        </p:nvPicPr>
+        <p:blipFill>
+          <a:blip r:embed="rId2"/>
+          <a:stretch>
+            <a:fillRect/>
+          </a:stretch>
+        </p:blipFill>
+        <p:spPr>
+          <a:xfrm>
+            <a:off x="322550" y="493640"/>
+            <a:ext cx="9333785" cy="3127519"/>
+          </a:xfrm>
+          <a:prstGeom prst="rect">
+            <a:avLst/>
+          </a:prstGeom>
+        </p:spPr>
+      </p:pic>
+      <p:sp>
+        <p:nvSpPr>
+          <p:cNvPr id="5" name="テキスト ボックス 4"/>
+          <p:cNvSpPr txBox="1"/>
+          <p:nvPr/>
+        </p:nvSpPr>
+        <p:spPr>
+          <a:xfrm>
+            <a:off x="3962399" y="755378"/>
+            <a:ext cx="433132" cy="2192908"/>
+          </a:xfrm>
+          <a:prstGeom prst="rect">
+            <a:avLst/>
+          </a:prstGeom>
+          <a:noFill/>
+        </p:spPr>
+        <p:txBody>
+          <a:bodyPr wrap="none" rtlCol="0">
+            <a:spAutoFit/>
+          </a:bodyPr>
+          <a:lstStyle/>
+          <a:p>
+            <a:r>
+              <a:rPr kumimoji="1" lang="en-US" altLang="ja-JP" sz="1050" dirty="0" smtClean="0"/>
+              <a:t>Q24</a:t>
+            </a:r>
+          </a:p>
+          <a:p>
+            <a:endParaRPr lang="en-US" altLang="ja-JP" sz="1050" dirty="0" smtClean="0"/>
+          </a:p>
+          <a:p>
+            <a:endParaRPr lang="en-US" altLang="ja-JP" sz="1050" dirty="0"/>
+          </a:p>
+          <a:p>
+            <a:r>
+              <a:rPr kumimoji="1" lang="en-US" altLang="ja-JP" sz="1050" dirty="0" smtClean="0"/>
+              <a:t>Q25</a:t>
+            </a:r>
+          </a:p>
+          <a:p>
+            <a:endParaRPr lang="en-US" altLang="ja-JP" sz="1050" dirty="0"/>
+          </a:p>
+          <a:p>
+            <a:endParaRPr kumimoji="1" lang="en-US" altLang="ja-JP" sz="1050" dirty="0" smtClean="0"/>
+          </a:p>
+          <a:p>
+            <a:r>
+              <a:rPr lang="en-US" altLang="ja-JP" sz="1050" dirty="0" smtClean="0"/>
+              <a:t>Q26</a:t>
+            </a:r>
+          </a:p>
+          <a:p>
+            <a:endParaRPr kumimoji="1" lang="en-US" altLang="ja-JP" sz="1050" dirty="0"/>
+          </a:p>
+          <a:p>
+            <a:endParaRPr lang="en-US" altLang="ja-JP" sz="1050" dirty="0" smtClean="0"/>
+          </a:p>
+          <a:p>
+            <a:r>
+              <a:rPr kumimoji="1" lang="en-US" altLang="ja-JP" sz="1050" dirty="0" smtClean="0"/>
+              <a:t>Q27</a:t>
+            </a:r>
+          </a:p>
+          <a:p>
+            <a:endParaRPr lang="en-US" altLang="ja-JP" sz="1050" dirty="0"/>
+          </a:p>
+          <a:p>
+            <a:endParaRPr kumimoji="1" lang="en-US" altLang="ja-JP" sz="1050" dirty="0" smtClean="0"/>
+          </a:p>
+          <a:p>
+            <a:r>
+              <a:rPr lang="en-US" altLang="ja-JP" sz="1050" dirty="0" smtClean="0"/>
+              <a:t>Q28</a:t>
+            </a:r>
+            <a:endParaRPr kumimoji="1" lang="ja-JP" altLang="en-US" dirty="0"/>
+          </a:p>
+        </p:txBody>
+      </p:sp>
+      <p:graphicFrame>
+        <p:nvGraphicFramePr>
+          <p:cNvPr id="6" name="グラフ 5"/>
+          <p:cNvGraphicFramePr>
+            <a:graphicFrameLocks/>
+          </p:cNvGraphicFramePr>
+          <p:nvPr>
+            <p:extLst>
+              <p:ext uri="{D42A27DB-BD31-4B8C-83A1-F6EECF244321}">
+                <p14:modId xmlns:p14="http://schemas.microsoft.com/office/powerpoint/2010/main" val="2848781348"/>
+              </p:ext>
+            </p:extLst>
+          </p:nvPr>
+        </p:nvGraphicFramePr>
+        <p:xfrm>
+          <a:off x="499749" y="3749227"/>
+          <a:ext cx="6501232" cy="2871371"/>
+        </p:xfrm>
+        <a:graphic>
+          <a:graphicData uri="http://schemas.openxmlformats.org/drawingml/2006/chart">
+            <c:chart xmlns:c="http://schemas.openxmlformats.org/drawingml/2006/chart" xmlns:r="http://schemas.openxmlformats.org/officeDocument/2006/relationships" r:id="rId3"/>
+          </a:graphicData>
+        </a:graphic>
+      </p:graphicFrame>
+    </p:spTree>
+    <p:extLst>
+      <p:ext uri="{BB962C8B-B14F-4D97-AF65-F5344CB8AC3E}">
+        <p14:creationId xmlns:p14="http://schemas.microsoft.com/office/powerpoint/2010/main" val="351494594"/>
+      </p:ext>
+    </p:extLst>
+  </p:cSld>
+  <p:clrMapOvr>
+    <a:masterClrMapping/>
+  </p:clrMapOvr>
+</p:sld>
+</file>
+
+<file path=ppt/slides/slide8.xml><?xml version="1.0" encoding="utf-8"?>
+<p:sld xmlns:a="http://schemas.openxmlformats.org/drawingml/2006/main" xmlns:r="http://schemas.openxmlformats.org/officeDocument/2006/relationships" xmlns:p="http://schemas.openxmlformats.org/presentationml/2006/main">
+  <p:cSld>
+    <p:spTree>
+      <p:nvGrpSpPr>
+        <p:cNvPr id="1" name=""/>
+        <p:cNvGrpSpPr/>
+        <p:nvPr/>
+      </p:nvGrpSpPr>
+      <p:grpSpPr>
+        <a:xfrm>
+          <a:off x="0" y="0"/>
+          <a:ext cx="0" cy="0"/>
+          <a:chOff x="0" y="0"/>
+          <a:chExt cx="0" cy="0"/>
+        </a:xfrm>
+      </p:grpSpPr>
+      <p:graphicFrame>
+        <p:nvGraphicFramePr>
+          <p:cNvPr id="4" name="グラフ 3"/>
+          <p:cNvGraphicFramePr>
+            <a:graphicFrameLocks/>
+          </p:cNvGraphicFramePr>
+          <p:nvPr>
+            <p:extLst>
+              <p:ext uri="{D42A27DB-BD31-4B8C-83A1-F6EECF244321}">
+                <p14:modId xmlns:p14="http://schemas.microsoft.com/office/powerpoint/2010/main" val="157801332"/>
+              </p:ext>
+            </p:extLst>
+          </p:nvPr>
+        </p:nvGraphicFramePr>
+        <p:xfrm>
+          <a:off x="2845384" y="607761"/>
+          <a:ext cx="6501232" cy="2871371"/>
+        </p:xfrm>
+        <a:graphic>
+          <a:graphicData uri="http://schemas.openxmlformats.org/drawingml/2006/chart">
+            <c:chart xmlns:c="http://schemas.openxmlformats.org/drawingml/2006/chart" xmlns:r="http://schemas.openxmlformats.org/officeDocument/2006/relationships" r:id="rId2"/>
+          </a:graphicData>
+        </a:graphic>
+      </p:graphicFrame>
+      <p:graphicFrame>
+        <p:nvGraphicFramePr>
+          <p:cNvPr id="6" name="グラフ 5"/>
+          <p:cNvGraphicFramePr>
+            <a:graphicFrameLocks/>
+          </p:cNvGraphicFramePr>
+          <p:nvPr>
+            <p:extLst>
+              <p:ext uri="{D42A27DB-BD31-4B8C-83A1-F6EECF244321}">
+                <p14:modId xmlns:p14="http://schemas.microsoft.com/office/powerpoint/2010/main" val="2402402571"/>
+              </p:ext>
+            </p:extLst>
+          </p:nvPr>
+        </p:nvGraphicFramePr>
+        <p:xfrm>
+          <a:off x="2857917" y="2057400"/>
+          <a:ext cx="6476166" cy="2743200"/>
+        </p:xfrm>
+        <a:graphic>
+          <a:graphicData uri="http://schemas.openxmlformats.org/drawingml/2006/chart">
+            <c:chart xmlns:c="http://schemas.openxmlformats.org/drawingml/2006/chart" xmlns:r="http://schemas.openxmlformats.org/officeDocument/2006/relationships" r:id="rId3"/>
+          </a:graphicData>
+        </a:graphic>
+      </p:graphicFrame>
+      <p:graphicFrame>
+        <p:nvGraphicFramePr>
+          <p:cNvPr id="7" name="グラフ 6"/>
+          <p:cNvGraphicFramePr>
+            <a:graphicFrameLocks/>
+          </p:cNvGraphicFramePr>
+          <p:nvPr>
+            <p:extLst>
+              <p:ext uri="{D42A27DB-BD31-4B8C-83A1-F6EECF244321}">
+                <p14:modId xmlns:p14="http://schemas.microsoft.com/office/powerpoint/2010/main" val="1466832709"/>
+              </p:ext>
+            </p:extLst>
+          </p:nvPr>
+        </p:nvGraphicFramePr>
+        <p:xfrm>
+          <a:off x="755374" y="3479131"/>
+          <a:ext cx="4572000" cy="2961425"/>
+        </p:xfrm>
+        <a:graphic>
+          <a:graphicData uri="http://schemas.openxmlformats.org/drawingml/2006/chart">
+            <c:chart xmlns:c="http://schemas.openxmlformats.org/drawingml/2006/chart" xmlns:r="http://schemas.openxmlformats.org/officeDocument/2006/relationships" r:id="rId4"/>
+          </a:graphicData>
+        </a:graphic>
+      </p:graphicFrame>
+      <p:sp>
+        <p:nvSpPr>
+          <p:cNvPr id="8" name="左大かっこ 7"/>
+          <p:cNvSpPr/>
+          <p:nvPr/>
+        </p:nvSpPr>
+        <p:spPr>
+          <a:xfrm rot="16200000">
+            <a:off x="1644953" y="4960108"/>
+            <a:ext cx="98362" cy="1741116"/>
+          </a:xfrm>
+          <a:prstGeom prst="leftBracket">
+            <a:avLst/>
+          </a:prstGeom>
+          <a:ln>
+            <a:solidFill>
+              <a:schemeClr val="tx1"/>
+            </a:solidFill>
+          </a:ln>
+        </p:spPr>
+        <p:style>
+          <a:lnRef idx="1">
+            <a:schemeClr val="accent1"/>
+          </a:lnRef>
+          <a:fillRef idx="0">
+            <a:schemeClr val="accent1"/>
+          </a:fillRef>
+          <a:effectRef idx="0">
+            <a:schemeClr val="accent1"/>
+          </a:effectRef>
+          <a:fontRef idx="minor">
+            <a:schemeClr val="tx1"/>
+          </a:fontRef>
+        </p:style>
+        <p:txBody>
+          <a:bodyPr rtlCol="0" anchor="ctr"/>
+          <a:lstStyle/>
+          <a:p>
+            <a:pPr algn="ctr"/>
+            <a:endParaRPr kumimoji="1" lang="ja-JP" altLang="en-US"/>
+          </a:p>
+        </p:txBody>
+      </p:sp>
+      <p:sp>
+        <p:nvSpPr>
+          <p:cNvPr id="9" name="左大かっこ 8"/>
+          <p:cNvSpPr/>
+          <p:nvPr/>
+        </p:nvSpPr>
+        <p:spPr>
+          <a:xfrm rot="16200000">
+            <a:off x="3795527" y="4618851"/>
+            <a:ext cx="98362" cy="2423629"/>
+          </a:xfrm>
+          <a:prstGeom prst="leftBracket">
+            <a:avLst/>
+          </a:prstGeom>
+          <a:ln>
+            <a:solidFill>
+              <a:schemeClr val="tx1"/>
+            </a:solidFill>
+          </a:ln>
+        </p:spPr>
+        <p:style>
+          <a:lnRef idx="1">
+            <a:schemeClr val="accent1"/>
+          </a:lnRef>
+          <a:fillRef idx="0">
+            <a:schemeClr val="accent1"/>
+          </a:fillRef>
+          <a:effectRef idx="0">
+            <a:schemeClr val="accent1"/>
+          </a:effectRef>
+          <a:fontRef idx="minor">
+            <a:schemeClr val="tx1"/>
+          </a:fontRef>
+        </p:style>
+        <p:txBody>
+          <a:bodyPr rtlCol="0" anchor="ctr"/>
+          <a:lstStyle/>
+          <a:p>
+            <a:pPr algn="ctr"/>
+            <a:endParaRPr kumimoji="1" lang="ja-JP" altLang="en-US"/>
+          </a:p>
+        </p:txBody>
+      </p:sp>
+      <p:sp>
+        <p:nvSpPr>
+          <p:cNvPr id="10" name="テキスト ボックス 9"/>
+          <p:cNvSpPr txBox="1"/>
+          <p:nvPr/>
+        </p:nvSpPr>
+        <p:spPr>
+          <a:xfrm>
+            <a:off x="1916613" y="5700488"/>
+            <a:ext cx="723275" cy="184666"/>
+          </a:xfrm>
+          <a:prstGeom prst="rect">
+            <a:avLst/>
+          </a:prstGeom>
+          <a:noFill/>
+        </p:spPr>
+        <p:txBody>
+          <a:bodyPr wrap="none" rtlCol="0">
+            <a:spAutoFit/>
+          </a:bodyPr>
+          <a:lstStyle/>
+          <a:p>
+            <a:r>
+              <a:rPr lang="ja-JP" altLang="en-US" sz="600" dirty="0" smtClean="0"/>
+              <a:t>批判的思考態度</a:t>
+            </a:r>
+            <a:endParaRPr kumimoji="1" lang="ja-JP" altLang="en-US" sz="600" dirty="0"/>
+          </a:p>
+        </p:txBody>
+      </p:sp>
+      <p:sp>
+        <p:nvSpPr>
+          <p:cNvPr id="11" name="テキスト ボックス 10"/>
+          <p:cNvSpPr txBox="1"/>
+          <p:nvPr/>
+        </p:nvSpPr>
+        <p:spPr>
+          <a:xfrm>
+            <a:off x="3785896" y="5695181"/>
+            <a:ext cx="1338828" cy="184666"/>
+          </a:xfrm>
+          <a:prstGeom prst="rect">
+            <a:avLst/>
+          </a:prstGeom>
+          <a:noFill/>
+        </p:spPr>
+        <p:txBody>
+          <a:bodyPr wrap="none" rtlCol="0">
+            <a:spAutoFit/>
+          </a:bodyPr>
+          <a:lstStyle/>
+          <a:p>
+            <a:r>
+              <a:rPr lang="ja-JP" altLang="en-US" sz="600" dirty="0"/>
+              <a:t>コミュニケーション・スキル尺度</a:t>
+            </a:r>
+            <a:endParaRPr kumimoji="1" lang="ja-JP" altLang="en-US" sz="600" dirty="0"/>
+          </a:p>
+        </p:txBody>
+      </p:sp>
+    </p:spTree>
+    <p:extLst>
+      <p:ext uri="{BB962C8B-B14F-4D97-AF65-F5344CB8AC3E}">
+        <p14:creationId xmlns:p14="http://schemas.microsoft.com/office/powerpoint/2010/main" val="3362102682"/>
       </p:ext>
     </p:extLst>
   </p:cSld>

--- a/図.pptx
+++ b/図.pptx
@@ -11,8 +11,17 @@
     <p:sldId id="259" r:id="rId5"/>
     <p:sldId id="260" r:id="rId6"/>
     <p:sldId id="261" r:id="rId7"/>
-    <p:sldId id="262" r:id="rId8"/>
-    <p:sldId id="263" r:id="rId9"/>
+    <p:sldId id="267" r:id="rId8"/>
+    <p:sldId id="262" r:id="rId9"/>
+    <p:sldId id="263" r:id="rId10"/>
+    <p:sldId id="269" r:id="rId11"/>
+    <p:sldId id="270" r:id="rId12"/>
+    <p:sldId id="271" r:id="rId13"/>
+    <p:sldId id="272" r:id="rId14"/>
+    <p:sldId id="264" r:id="rId15"/>
+    <p:sldId id="265" r:id="rId16"/>
+    <p:sldId id="266" r:id="rId17"/>
+    <p:sldId id="268" r:id="rId18"/>
   </p:sldIdLst>
   <p:sldSz cx="12192000" cy="6858000"/>
   <p:notesSz cx="6858000" cy="9144000"/>
@@ -1817,16 +1826,16 @@
                   <c:v>自己統制</c:v>
                 </c:pt>
                 <c:pt idx="5">
-                  <c:v>表現</c:v>
+                  <c:v>表現力</c:v>
                 </c:pt>
                 <c:pt idx="6">
-                  <c:v>汲み取り</c:v>
+                  <c:v>読解力</c:v>
                 </c:pt>
                 <c:pt idx="7">
                   <c:v>自己主張</c:v>
                 </c:pt>
                 <c:pt idx="8">
-                  <c:v>相手の理解</c:v>
+                  <c:v>他者受容</c:v>
                 </c:pt>
                 <c:pt idx="9">
                   <c:v>関係調整</c:v>
@@ -1926,16 +1935,16 @@
                   <c:v>自己統制</c:v>
                 </c:pt>
                 <c:pt idx="5">
-                  <c:v>表現</c:v>
+                  <c:v>表現力</c:v>
                 </c:pt>
                 <c:pt idx="6">
-                  <c:v>汲み取り</c:v>
+                  <c:v>読解力</c:v>
                 </c:pt>
                 <c:pt idx="7">
                   <c:v>自己主張</c:v>
                 </c:pt>
                 <c:pt idx="8">
-                  <c:v>相手の理解</c:v>
+                  <c:v>他者受容</c:v>
                 </c:pt>
                 <c:pt idx="9">
                   <c:v>関係調整</c:v>
@@ -2176,6 +2185,126 @@
     <c:autoUpdate val="0"/>
   </c:externalData>
 </c:chartSpace>
+</file>
+
+<file path=ppt/charts/chart6.xml><?xml version="1.0" encoding="utf-8"?>
+<cx:chartSpace xmlns:a="http://schemas.openxmlformats.org/drawingml/2006/main" xmlns:r="http://schemas.openxmlformats.org/officeDocument/2006/relationships" xmlns:cx="http://schemas.microsoft.com/office/drawing/2014/chartex">
+  <cx:chartData>
+    <cx:externalData r:id="rId1" cx:autoUpdate="0"/>
+    <cx:data id="0">
+      <cx:numDim type="val">
+        <cx:f>Sheet10!$U$2:$U$65</cx:f>
+        <cx:lvl ptCount="64" formatCode="G/標準">
+          <cx:pt idx="0">2</cx:pt>
+          <cx:pt idx="1">5</cx:pt>
+          <cx:pt idx="2">5</cx:pt>
+          <cx:pt idx="3">5</cx:pt>
+          <cx:pt idx="4">6</cx:pt>
+          <cx:pt idx="5">6</cx:pt>
+          <cx:pt idx="6">3</cx:pt>
+          <cx:pt idx="7">5</cx:pt>
+          <cx:pt idx="8">7</cx:pt>
+          <cx:pt idx="9">5</cx:pt>
+          <cx:pt idx="10">5</cx:pt>
+          <cx:pt idx="11">5</cx:pt>
+          <cx:pt idx="12">6</cx:pt>
+          <cx:pt idx="13">3</cx:pt>
+          <cx:pt idx="14">4</cx:pt>
+          <cx:pt idx="15">1</cx:pt>
+          <cx:pt idx="16">2</cx:pt>
+          <cx:pt idx="17">7</cx:pt>
+          <cx:pt idx="18">5</cx:pt>
+          <cx:pt idx="19">5</cx:pt>
+          <cx:pt idx="20">4</cx:pt>
+          <cx:pt idx="21">1</cx:pt>
+          <cx:pt idx="22">2</cx:pt>
+          <cx:pt idx="23">4</cx:pt>
+          <cx:pt idx="24">7</cx:pt>
+          <cx:pt idx="25">3</cx:pt>
+          <cx:pt idx="26">4</cx:pt>
+          <cx:pt idx="27">5</cx:pt>
+          <cx:pt idx="28">5</cx:pt>
+          <cx:pt idx="29">2</cx:pt>
+          <cx:pt idx="30">7</cx:pt>
+          <cx:pt idx="31">7</cx:pt>
+          <cx:pt idx="32">7</cx:pt>
+          <cx:pt idx="33">5</cx:pt>
+          <cx:pt idx="34">6</cx:pt>
+          <cx:pt idx="35">6</cx:pt>
+          <cx:pt idx="36">4</cx:pt>
+          <cx:pt idx="37">5</cx:pt>
+          <cx:pt idx="38">5</cx:pt>
+          <cx:pt idx="39">5</cx:pt>
+          <cx:pt idx="40">5</cx:pt>
+          <cx:pt idx="41">5</cx:pt>
+          <cx:pt idx="42">5</cx:pt>
+          <cx:pt idx="43">6</cx:pt>
+          <cx:pt idx="44">6</cx:pt>
+          <cx:pt idx="45">6</cx:pt>
+          <cx:pt idx="46">6</cx:pt>
+          <cx:pt idx="47">5</cx:pt>
+          <cx:pt idx="48">5</cx:pt>
+          <cx:pt idx="49">2</cx:pt>
+          <cx:pt idx="50">5</cx:pt>
+          <cx:pt idx="51">5</cx:pt>
+          <cx:pt idx="52">5</cx:pt>
+          <cx:pt idx="53">7</cx:pt>
+          <cx:pt idx="54">5</cx:pt>
+          <cx:pt idx="55">7</cx:pt>
+          <cx:pt idx="56">6</cx:pt>
+          <cx:pt idx="57">5</cx:pt>
+          <cx:pt idx="58">5</cx:pt>
+          <cx:pt idx="59">5</cx:pt>
+          <cx:pt idx="60">4</cx:pt>
+          <cx:pt idx="61">4</cx:pt>
+          <cx:pt idx="62">5</cx:pt>
+          <cx:pt idx="63">6</cx:pt>
+        </cx:lvl>
+      </cx:numDim>
+    </cx:data>
+  </cx:chartData>
+  <cx:chart>
+    <cx:plotArea>
+      <cx:plotAreaRegion>
+        <cx:series layoutId="clusteredColumn" uniqueId="{77281BEA-46ED-4C00-892A-AEADBFBD9ECF}">
+          <cx:tx>
+            <cx:txData>
+              <cx:f>Sheet10!$U$1</cx:f>
+              <cx:v>ロボットを使ったシステムをまた使ってみたいですか</cx:v>
+            </cx:txData>
+          </cx:tx>
+          <cx:spPr>
+            <a:solidFill>
+              <a:schemeClr val="bg1">
+                <a:lumMod val="75000"/>
+              </a:schemeClr>
+            </a:solidFill>
+            <a:ln>
+              <a:solidFill>
+                <a:schemeClr val="tx1"/>
+              </a:solidFill>
+            </a:ln>
+          </cx:spPr>
+          <cx:dataId val="0"/>
+          <cx:layoutPr>
+            <cx:binning intervalClosed="r">
+              <cx:binCount val="7"/>
+            </cx:binning>
+          </cx:layoutPr>
+        </cx:series>
+      </cx:plotAreaRegion>
+      <cx:axis id="0" hidden="1">
+        <cx:catScaling gapWidth="0"/>
+        <cx:tickLabels/>
+      </cx:axis>
+      <cx:axis id="1">
+        <cx:valScaling/>
+        <cx:majorGridlines/>
+        <cx:tickLabels/>
+      </cx:axis>
+    </cx:plotArea>
+  </cx:chart>
+</cx:chartSpace>
 </file>
 
 <file path=ppt/charts/colors1.xml><?xml version="1.0" encoding="utf-8"?>
@@ -2339,6 +2468,46 @@
 </file>
 
 <file path=ppt/charts/colors5.xml><?xml version="1.0" encoding="utf-8"?>
+<cs:colorStyle xmlns:cs="http://schemas.microsoft.com/office/drawing/2012/chartStyle" xmlns:a="http://schemas.openxmlformats.org/drawingml/2006/main" meth="cycle" id="10">
+  <a:schemeClr val="accent1"/>
+  <a:schemeClr val="accent2"/>
+  <a:schemeClr val="accent3"/>
+  <a:schemeClr val="accent4"/>
+  <a:schemeClr val="accent5"/>
+  <a:schemeClr val="accent6"/>
+  <cs:variation/>
+  <cs:variation>
+    <a:lumMod val="60000"/>
+  </cs:variation>
+  <cs:variation>
+    <a:lumMod val="80000"/>
+    <a:lumOff val="20000"/>
+  </cs:variation>
+  <cs:variation>
+    <a:lumMod val="80000"/>
+  </cs:variation>
+  <cs:variation>
+    <a:lumMod val="60000"/>
+    <a:lumOff val="40000"/>
+  </cs:variation>
+  <cs:variation>
+    <a:lumMod val="50000"/>
+  </cs:variation>
+  <cs:variation>
+    <a:lumMod val="70000"/>
+    <a:lumOff val="30000"/>
+  </cs:variation>
+  <cs:variation>
+    <a:lumMod val="70000"/>
+  </cs:variation>
+  <cs:variation>
+    <a:lumMod val="50000"/>
+    <a:lumOff val="50000"/>
+  </cs:variation>
+</cs:colorStyle>
+</file>
+
+<file path=ppt/charts/colors6.xml><?xml version="1.0" encoding="utf-8"?>
 <cs:colorStyle xmlns:cs="http://schemas.microsoft.com/office/drawing/2012/chartStyle" xmlns:a="http://schemas.openxmlformats.org/drawingml/2006/main" meth="cycle" id="10">
   <a:schemeClr val="accent1"/>
   <a:schemeClr val="accent2"/>
@@ -4899,6 +5068,451 @@
 </cs:chartStyle>
 </file>
 
+<file path=ppt/charts/style6.xml><?xml version="1.0" encoding="utf-8"?>
+<cs:chartStyle xmlns:cs="http://schemas.microsoft.com/office/drawing/2012/chartStyle" xmlns:a="http://schemas.openxmlformats.org/drawingml/2006/main" id="366">
+  <cs:axisTitle>
+    <cs:lnRef idx="0"/>
+    <cs:fillRef idx="0"/>
+    <cs:effectRef idx="0"/>
+    <cs:fontRef idx="minor">
+      <a:schemeClr val="tx1">
+        <a:lumMod val="65000"/>
+        <a:lumOff val="35000"/>
+      </a:schemeClr>
+    </cs:fontRef>
+    <cs:defRPr sz="900"/>
+  </cs:axisTitle>
+  <cs:categoryAxis>
+    <cs:lnRef idx="0"/>
+    <cs:fillRef idx="0"/>
+    <cs:effectRef idx="0"/>
+    <cs:fontRef idx="minor">
+      <a:schemeClr val="tx1">
+        <a:lumMod val="65000"/>
+        <a:lumOff val="35000"/>
+      </a:schemeClr>
+    </cs:fontRef>
+    <cs:spPr>
+      <a:ln w="9525" cap="flat" cmpd="sng" algn="ctr">
+        <a:solidFill>
+          <a:schemeClr val="tx1">
+            <a:lumMod val="15000"/>
+            <a:lumOff val="85000"/>
+          </a:schemeClr>
+        </a:solidFill>
+        <a:round/>
+      </a:ln>
+    </cs:spPr>
+    <cs:defRPr sz="900" kern="1200"/>
+  </cs:categoryAxis>
+  <cs:chartArea mods="allowNoFillOverride allowNoLineOverride">
+    <cs:lnRef idx="0"/>
+    <cs:fillRef idx="0"/>
+    <cs:effectRef idx="0"/>
+    <cs:fontRef idx="minor">
+      <a:schemeClr val="tx1"/>
+    </cs:fontRef>
+    <cs:spPr>
+      <a:solidFill>
+        <a:schemeClr val="bg1"/>
+      </a:solidFill>
+      <a:ln w="9525" cap="flat" cmpd="sng" algn="ctr">
+        <a:solidFill>
+          <a:schemeClr val="tx1">
+            <a:lumMod val="15000"/>
+            <a:lumOff val="85000"/>
+          </a:schemeClr>
+        </a:solidFill>
+        <a:round/>
+      </a:ln>
+    </cs:spPr>
+    <cs:defRPr sz="1000" kern="1200"/>
+  </cs:chartArea>
+  <cs:dataLabel>
+    <cs:lnRef idx="0"/>
+    <cs:fillRef idx="0"/>
+    <cs:effectRef idx="0"/>
+    <cs:fontRef idx="minor">
+      <a:schemeClr val="tx1">
+        <a:lumMod val="65000"/>
+        <a:lumOff val="35000"/>
+      </a:schemeClr>
+    </cs:fontRef>
+    <cs:defRPr sz="900"/>
+  </cs:dataLabel>
+  <cs:dataLabelCallout>
+    <cs:lnRef idx="0"/>
+    <cs:fillRef idx="0"/>
+    <cs:effectRef idx="0"/>
+    <cs:fontRef idx="minor">
+      <a:schemeClr val="tx1">
+        <a:lumMod val="65000"/>
+        <a:lumOff val="35000"/>
+      </a:schemeClr>
+    </cs:fontRef>
+    <cs:spPr>
+      <a:solidFill>
+        <a:schemeClr val="lt1"/>
+      </a:solidFill>
+      <a:ln>
+        <a:solidFill>
+          <a:schemeClr val="dk1">
+            <a:lumMod val="25000"/>
+            <a:lumOff val="75000"/>
+          </a:schemeClr>
+        </a:solidFill>
+      </a:ln>
+    </cs:spPr>
+    <cs:defRPr sz="900"/>
+    <cs:bodyPr rot="0" spcFirstLastPara="1" vertOverflow="clip" horzOverflow="clip" vert="horz" wrap="square" lIns="36576" tIns="18288" rIns="36576" bIns="18288" anchor="ctr" anchorCtr="1">
+      <a:spAutoFit/>
+    </cs:bodyPr>
+  </cs:dataLabelCallout>
+  <cs:dataPoint>
+    <cs:lnRef idx="0"/>
+    <cs:fillRef idx="0">
+      <cs:styleClr val="auto"/>
+    </cs:fillRef>
+    <cs:effectRef idx="0"/>
+    <cs:fontRef idx="minor">
+      <a:schemeClr val="tx1"/>
+    </cs:fontRef>
+    <cs:spPr>
+      <a:solidFill>
+        <a:schemeClr val="phClr"/>
+      </a:solidFill>
+    </cs:spPr>
+  </cs:dataPoint>
+  <cs:dataPoint3D>
+    <cs:lnRef idx="0"/>
+    <cs:fillRef idx="0">
+      <cs:styleClr val="auto"/>
+    </cs:fillRef>
+    <cs:effectRef idx="0"/>
+    <cs:fontRef idx="minor">
+      <a:schemeClr val="tx1"/>
+    </cs:fontRef>
+    <cs:spPr>
+      <a:solidFill>
+        <a:schemeClr val="phClr"/>
+      </a:solidFill>
+    </cs:spPr>
+  </cs:dataPoint3D>
+  <cs:dataPointLine>
+    <cs:lnRef idx="0">
+      <cs:styleClr val="auto"/>
+    </cs:lnRef>
+    <cs:fillRef idx="0"/>
+    <cs:effectRef idx="0"/>
+    <cs:fontRef idx="minor">
+      <a:schemeClr val="tx1"/>
+    </cs:fontRef>
+    <cs:spPr>
+      <a:ln w="28575" cap="rnd">
+        <a:solidFill>
+          <a:schemeClr val="phClr"/>
+        </a:solidFill>
+        <a:round/>
+      </a:ln>
+    </cs:spPr>
+  </cs:dataPointLine>
+  <cs:dataPointMarker>
+    <cs:lnRef idx="0"/>
+    <cs:fillRef idx="0">
+      <cs:styleClr val="auto"/>
+    </cs:fillRef>
+    <cs:effectRef idx="0"/>
+    <cs:fontRef idx="minor">
+      <a:schemeClr val="tx1"/>
+    </cs:fontRef>
+    <cs:spPr>
+      <a:solidFill>
+        <a:schemeClr val="phClr"/>
+      </a:solidFill>
+      <a:ln w="9525">
+        <a:solidFill>
+          <a:schemeClr val="lt1"/>
+        </a:solidFill>
+      </a:ln>
+    </cs:spPr>
+  </cs:dataPointMarker>
+  <cs:dataPointMarkerLayout symbol="circle" size="5"/>
+  <cs:dataPointWireframe>
+    <cs:lnRef idx="0">
+      <cs:styleClr val="auto"/>
+    </cs:lnRef>
+    <cs:fillRef idx="0"/>
+    <cs:effectRef idx="0"/>
+    <cs:fontRef idx="minor">
+      <a:schemeClr val="tx1"/>
+    </cs:fontRef>
+    <cs:spPr>
+      <a:ln w="28575" cap="rnd">
+        <a:solidFill>
+          <a:schemeClr val="phClr"/>
+        </a:solidFill>
+        <a:round/>
+      </a:ln>
+    </cs:spPr>
+  </cs:dataPointWireframe>
+  <cs:dataTable>
+    <cs:lnRef idx="0"/>
+    <cs:fillRef idx="0"/>
+    <cs:effectRef idx="0"/>
+    <cs:fontRef idx="minor">
+      <a:schemeClr val="tx1">
+        <a:lumMod val="65000"/>
+        <a:lumOff val="35000"/>
+      </a:schemeClr>
+    </cs:fontRef>
+    <cs:spPr>
+      <a:ln w="9525">
+        <a:solidFill>
+          <a:schemeClr val="tx1">
+            <a:lumMod val="15000"/>
+            <a:lumOff val="85000"/>
+          </a:schemeClr>
+        </a:solidFill>
+      </a:ln>
+    </cs:spPr>
+    <cs:defRPr sz="900"/>
+  </cs:dataTable>
+  <cs:downBar>
+    <cs:lnRef idx="0"/>
+    <cs:fillRef idx="0"/>
+    <cs:effectRef idx="0"/>
+    <cs:fontRef idx="minor">
+      <a:schemeClr val="dk1"/>
+    </cs:fontRef>
+    <cs:spPr>
+      <a:solidFill>
+        <a:schemeClr val="dk1"/>
+      </a:solidFill>
+    </cs:spPr>
+  </cs:downBar>
+  <cs:dropLine>
+    <cs:lnRef idx="0"/>
+    <cs:fillRef idx="0"/>
+    <cs:effectRef idx="0"/>
+    <cs:fontRef idx="minor">
+      <a:schemeClr val="tx1"/>
+    </cs:fontRef>
+  </cs:dropLine>
+  <cs:errorBar>
+    <cs:lnRef idx="0"/>
+    <cs:fillRef idx="0"/>
+    <cs:effectRef idx="0"/>
+    <cs:fontRef idx="minor">
+      <a:schemeClr val="tx1"/>
+    </cs:fontRef>
+  </cs:errorBar>
+  <cs:floor>
+    <cs:lnRef idx="0"/>
+    <cs:fillRef idx="0"/>
+    <cs:effectRef idx="0"/>
+    <cs:fontRef idx="minor">
+      <a:schemeClr val="tx1"/>
+    </cs:fontRef>
+  </cs:floor>
+  <cs:gridlineMajor>
+    <cs:lnRef idx="0"/>
+    <cs:fillRef idx="0"/>
+    <cs:effectRef idx="0"/>
+    <cs:fontRef idx="minor">
+      <a:schemeClr val="tx1"/>
+    </cs:fontRef>
+    <cs:spPr>
+      <a:ln w="9525" cap="flat" cmpd="sng" algn="ctr">
+        <a:solidFill>
+          <a:schemeClr val="tx1">
+            <a:lumMod val="15000"/>
+            <a:lumOff val="85000"/>
+          </a:schemeClr>
+        </a:solidFill>
+        <a:round/>
+      </a:ln>
+    </cs:spPr>
+  </cs:gridlineMajor>
+  <cs:gridlineMinor>
+    <cs:lnRef idx="0"/>
+    <cs:fillRef idx="0"/>
+    <cs:effectRef idx="0"/>
+    <cs:fontRef idx="minor">
+      <a:schemeClr val="tx1"/>
+    </cs:fontRef>
+    <cs:spPr>
+      <a:ln>
+        <a:solidFill>
+          <a:schemeClr val="tx1">
+            <a:lumMod val="15000"/>
+            <a:lumOff val="85000"/>
+            <a:lumOff val="10000"/>
+          </a:schemeClr>
+        </a:solidFill>
+      </a:ln>
+    </cs:spPr>
+  </cs:gridlineMinor>
+  <cs:hiLoLine>
+    <cs:lnRef idx="0"/>
+    <cs:fillRef idx="0"/>
+    <cs:effectRef idx="0"/>
+    <cs:fontRef idx="minor">
+      <a:schemeClr val="tx1"/>
+    </cs:fontRef>
+  </cs:hiLoLine>
+  <cs:leaderLine>
+    <cs:lnRef idx="0"/>
+    <cs:fillRef idx="0"/>
+    <cs:effectRef idx="0"/>
+    <cs:fontRef idx="minor">
+      <a:schemeClr val="tx1"/>
+    </cs:fontRef>
+  </cs:leaderLine>
+  <cs:legend>
+    <cs:lnRef idx="0"/>
+    <cs:fillRef idx="0"/>
+    <cs:effectRef idx="0"/>
+    <cs:fontRef idx="minor">
+      <a:schemeClr val="tx1">
+        <a:lumMod val="65000"/>
+        <a:lumOff val="35000"/>
+      </a:schemeClr>
+    </cs:fontRef>
+    <cs:defRPr sz="900"/>
+  </cs:legend>
+  <cs:plotArea mods="allowNoFillOverride allowNoLineOverride">
+    <cs:lnRef idx="0"/>
+    <cs:fillRef idx="0"/>
+    <cs:effectRef idx="0"/>
+    <cs:fontRef idx="minor">
+      <a:schemeClr val="tx1"/>
+    </cs:fontRef>
+  </cs:plotArea>
+  <cs:plotArea3D mods="allowNoFillOverride allowNoLineOverride">
+    <cs:lnRef idx="0"/>
+    <cs:fillRef idx="0"/>
+    <cs:effectRef idx="0"/>
+    <cs:fontRef idx="minor">
+      <a:schemeClr val="tx1"/>
+    </cs:fontRef>
+  </cs:plotArea3D>
+  <cs:seriesAxis>
+    <cs:lnRef idx="0"/>
+    <cs:fillRef idx="0"/>
+    <cs:effectRef idx="0"/>
+    <cs:fontRef idx="minor">
+      <a:schemeClr val="tx1">
+        <a:lumMod val="65000"/>
+        <a:lumOff val="35000"/>
+      </a:schemeClr>
+    </cs:fontRef>
+    <cs:spPr>
+      <a:ln w="9525" cap="flat" cmpd="sng" algn="ctr">
+        <a:solidFill>
+          <a:schemeClr val="tx1">
+            <a:lumMod val="15000"/>
+            <a:lumOff val="85000"/>
+          </a:schemeClr>
+        </a:solidFill>
+        <a:round/>
+      </a:ln>
+    </cs:spPr>
+    <cs:defRPr sz="900"/>
+  </cs:seriesAxis>
+  <cs:seriesLine>
+    <cs:lnRef idx="0"/>
+    <cs:fillRef idx="0"/>
+    <cs:effectRef idx="0"/>
+    <cs:fontRef idx="minor">
+      <a:schemeClr val="tx1"/>
+    </cs:fontRef>
+    <cs:spPr>
+      <a:ln w="9525" cap="flat">
+        <a:solidFill>
+          <a:srgbClr val="D9D9D9"/>
+        </a:solidFill>
+        <a:round/>
+      </a:ln>
+    </cs:spPr>
+  </cs:seriesLine>
+  <cs:title>
+    <cs:lnRef idx="0"/>
+    <cs:fillRef idx="0"/>
+    <cs:effectRef idx="0"/>
+    <cs:fontRef idx="minor">
+      <a:schemeClr val="tx1">
+        <a:lumMod val="65000"/>
+        <a:lumOff val="35000"/>
+      </a:schemeClr>
+    </cs:fontRef>
+    <cs:defRPr sz="1400" b="0" kern="1200" spc="0" baseline="0"/>
+  </cs:title>
+  <cs:trendline>
+    <cs:lnRef idx="0">
+      <cs:styleClr val="auto"/>
+    </cs:lnRef>
+    <cs:fillRef idx="0"/>
+    <cs:effectRef idx="0"/>
+    <cs:fontRef idx="minor">
+      <a:schemeClr val="tx1"/>
+    </cs:fontRef>
+    <cs:spPr>
+      <a:ln w="19050" cap="rnd">
+        <a:solidFill>
+          <a:schemeClr val="phClr"/>
+        </a:solidFill>
+        <a:prstDash val="sysDash"/>
+      </a:ln>
+    </cs:spPr>
+  </cs:trendline>
+  <cs:trendlineLabel>
+    <cs:lnRef idx="0"/>
+    <cs:fillRef idx="0"/>
+    <cs:effectRef idx="0"/>
+    <cs:fontRef idx="minor">
+      <a:schemeClr val="tx1">
+        <a:lumMod val="65000"/>
+        <a:lumOff val="35000"/>
+      </a:schemeClr>
+    </cs:fontRef>
+    <cs:defRPr sz="900"/>
+  </cs:trendlineLabel>
+  <cs:upBar>
+    <cs:lnRef idx="0"/>
+    <cs:fillRef idx="0"/>
+    <cs:effectRef idx="0"/>
+    <cs:fontRef idx="minor">
+      <a:schemeClr val="dk1"/>
+    </cs:fontRef>
+    <cs:spPr>
+      <a:solidFill>
+        <a:schemeClr val="lt1"/>
+      </a:solidFill>
+    </cs:spPr>
+  </cs:upBar>
+  <cs:valueAxis>
+    <cs:lnRef idx="0"/>
+    <cs:fillRef idx="0"/>
+    <cs:effectRef idx="0"/>
+    <cs:fontRef idx="minor">
+      <a:schemeClr val="tx1">
+        <a:lumMod val="65000"/>
+        <a:lumOff val="35000"/>
+      </a:schemeClr>
+    </cs:fontRef>
+    <cs:defRPr sz="900" kern="1200"/>
+  </cs:valueAxis>
+  <cs:wall>
+    <cs:lnRef idx="0"/>
+    <cs:fillRef idx="0"/>
+    <cs:effectRef idx="0"/>
+    <cs:fontRef idx="minor">
+      <a:schemeClr val="tx1"/>
+    </cs:fontRef>
+  </cs:wall>
+</cs:chartStyle>
+</file>
+
 <file path=ppt/slideLayouts/slideLayout1.xml><?xml version="1.0" encoding="utf-8"?>
 <p:sldLayout xmlns:a="http://schemas.openxmlformats.org/drawingml/2006/main" xmlns:r="http://schemas.openxmlformats.org/officeDocument/2006/relationships" xmlns:p="http://schemas.openxmlformats.org/presentationml/2006/main" type="title" preserve="1">
   <p:cSld name="タイトル スライド">
@@ -11245,6 +11859,5135 @@
     <p:extLst>
       <p:ext uri="{BB962C8B-B14F-4D97-AF65-F5344CB8AC3E}">
         <p14:creationId xmlns:p14="http://schemas.microsoft.com/office/powerpoint/2010/main" val="1679842856"/>
+      </p:ext>
+    </p:extLst>
+  </p:cSld>
+  <p:clrMapOvr>
+    <a:masterClrMapping/>
+  </p:clrMapOvr>
+</p:sld>
+</file>
+
+<file path=ppt/slides/slide10.xml><?xml version="1.0" encoding="utf-8"?>
+<p:sld xmlns:a="http://schemas.openxmlformats.org/drawingml/2006/main" xmlns:r="http://schemas.openxmlformats.org/officeDocument/2006/relationships" xmlns:p="http://schemas.openxmlformats.org/presentationml/2006/main">
+  <p:cSld>
+    <p:spTree>
+      <p:nvGrpSpPr>
+        <p:cNvPr id="1" name=""/>
+        <p:cNvGrpSpPr/>
+        <p:nvPr/>
+      </p:nvGrpSpPr>
+      <p:grpSpPr>
+        <a:xfrm>
+          <a:off x="0" y="0"/>
+          <a:ext cx="0" cy="0"/>
+          <a:chOff x="0" y="0"/>
+          <a:chExt cx="0" cy="0"/>
+        </a:xfrm>
+      </p:grpSpPr>
+      <p:sp>
+        <p:nvSpPr>
+          <p:cNvPr id="4" name="テキスト ボックス 3"/>
+          <p:cNvSpPr txBox="1"/>
+          <p:nvPr/>
+        </p:nvSpPr>
+        <p:spPr>
+          <a:xfrm>
+            <a:off x="1470074" y="921434"/>
+            <a:ext cx="902811" cy="307777"/>
+          </a:xfrm>
+          <a:prstGeom prst="rect">
+            <a:avLst/>
+          </a:prstGeom>
+          <a:noFill/>
+        </p:spPr>
+        <p:txBody>
+          <a:bodyPr wrap="none" rtlCol="0">
+            <a:spAutoFit/>
+          </a:bodyPr>
+          <a:lstStyle/>
+          <a:p>
+            <a:r>
+              <a:rPr kumimoji="1" lang="ja-JP" altLang="en-US" sz="1400" dirty="0" smtClean="0"/>
+              <a:t>意見収集</a:t>
+            </a:r>
+            <a:endParaRPr kumimoji="1" lang="ja-JP" altLang="en-US" dirty="0"/>
+          </a:p>
+        </p:txBody>
+      </p:sp>
+      <p:sp>
+        <p:nvSpPr>
+          <p:cNvPr id="5" name="テキスト ボックス 4"/>
+          <p:cNvSpPr txBox="1"/>
+          <p:nvPr/>
+        </p:nvSpPr>
+        <p:spPr>
+          <a:xfrm>
+            <a:off x="1470073" y="2126457"/>
+            <a:ext cx="902811" cy="307777"/>
+          </a:xfrm>
+          <a:prstGeom prst="rect">
+            <a:avLst/>
+          </a:prstGeom>
+          <a:noFill/>
+        </p:spPr>
+        <p:txBody>
+          <a:bodyPr wrap="none" rtlCol="0">
+            <a:spAutoFit/>
+          </a:bodyPr>
+          <a:lstStyle/>
+          <a:p>
+            <a:r>
+              <a:rPr lang="ja-JP" altLang="en-US" sz="1400" dirty="0" smtClean="0"/>
+              <a:t>論点</a:t>
+            </a:r>
+            <a:r>
+              <a:rPr lang="ja-JP" altLang="en-US" sz="1400" dirty="0"/>
+              <a:t>抽出</a:t>
+            </a:r>
+            <a:endParaRPr kumimoji="1" lang="ja-JP" altLang="en-US" dirty="0"/>
+          </a:p>
+        </p:txBody>
+      </p:sp>
+      <p:sp>
+        <p:nvSpPr>
+          <p:cNvPr id="6" name="テキスト ボックス 5"/>
+          <p:cNvSpPr txBox="1"/>
+          <p:nvPr/>
+        </p:nvSpPr>
+        <p:spPr>
+          <a:xfrm>
+            <a:off x="1470072" y="3331480"/>
+            <a:ext cx="723275" cy="307777"/>
+          </a:xfrm>
+          <a:prstGeom prst="rect">
+            <a:avLst/>
+          </a:prstGeom>
+          <a:noFill/>
+        </p:spPr>
+        <p:txBody>
+          <a:bodyPr wrap="none" rtlCol="0">
+            <a:spAutoFit/>
+          </a:bodyPr>
+          <a:lstStyle/>
+          <a:p>
+            <a:r>
+              <a:rPr lang="ja-JP" altLang="en-US" sz="1400" dirty="0"/>
+              <a:t>構造化</a:t>
+            </a:r>
+            <a:endParaRPr kumimoji="1" lang="ja-JP" altLang="en-US" dirty="0"/>
+          </a:p>
+        </p:txBody>
+      </p:sp>
+      <p:sp>
+        <p:nvSpPr>
+          <p:cNvPr id="7" name="テキスト ボックス 6"/>
+          <p:cNvSpPr txBox="1"/>
+          <p:nvPr/>
+        </p:nvSpPr>
+        <p:spPr>
+          <a:xfrm>
+            <a:off x="1470071" y="4536503"/>
+            <a:ext cx="1261884" cy="307777"/>
+          </a:xfrm>
+          <a:prstGeom prst="rect">
+            <a:avLst/>
+          </a:prstGeom>
+          <a:noFill/>
+        </p:spPr>
+        <p:txBody>
+          <a:bodyPr wrap="none" rtlCol="0">
+            <a:spAutoFit/>
+          </a:bodyPr>
+          <a:lstStyle/>
+          <a:p>
+            <a:r>
+              <a:rPr lang="ja-JP" altLang="en-US" sz="1400" dirty="0"/>
+              <a:t>意見</a:t>
+            </a:r>
+            <a:r>
+              <a:rPr lang="ja-JP" altLang="en-US" sz="1400" dirty="0" smtClean="0"/>
+              <a:t>割り当て</a:t>
+            </a:r>
+            <a:endParaRPr kumimoji="1" lang="ja-JP" altLang="en-US" dirty="0"/>
+          </a:p>
+        </p:txBody>
+      </p:sp>
+      <p:sp>
+        <p:nvSpPr>
+          <p:cNvPr id="8" name="テキスト ボックス 7"/>
+          <p:cNvSpPr txBox="1"/>
+          <p:nvPr/>
+        </p:nvSpPr>
+        <p:spPr>
+          <a:xfrm>
+            <a:off x="1470071" y="5741526"/>
+            <a:ext cx="1261884" cy="523220"/>
+          </a:xfrm>
+          <a:prstGeom prst="rect">
+            <a:avLst/>
+          </a:prstGeom>
+          <a:noFill/>
+        </p:spPr>
+        <p:txBody>
+          <a:bodyPr wrap="none" rtlCol="0">
+            <a:spAutoFit/>
+          </a:bodyPr>
+          <a:lstStyle/>
+          <a:p>
+            <a:r>
+              <a:rPr lang="ja-JP" altLang="en-US" sz="1400" dirty="0" smtClean="0"/>
+              <a:t>遷移用発話の</a:t>
+            </a:r>
+            <a:endParaRPr lang="en-US" altLang="ja-JP" sz="1400" dirty="0" smtClean="0"/>
+          </a:p>
+          <a:p>
+            <a:r>
+              <a:rPr kumimoji="1" lang="ja-JP" altLang="en-US" sz="1400" dirty="0"/>
+              <a:t>割り当</a:t>
+            </a:r>
+            <a:r>
+              <a:rPr kumimoji="1" lang="ja-JP" altLang="en-US" sz="1400" dirty="0" smtClean="0"/>
+              <a:t>て</a:t>
+            </a:r>
+            <a:endParaRPr kumimoji="1" lang="ja-JP" altLang="en-US" dirty="0"/>
+          </a:p>
+        </p:txBody>
+      </p:sp>
+    </p:spTree>
+    <p:extLst>
+      <p:ext uri="{BB962C8B-B14F-4D97-AF65-F5344CB8AC3E}">
+        <p14:creationId xmlns:p14="http://schemas.microsoft.com/office/powerpoint/2010/main" val="3450948338"/>
+      </p:ext>
+    </p:extLst>
+  </p:cSld>
+  <p:clrMapOvr>
+    <a:masterClrMapping/>
+  </p:clrMapOvr>
+</p:sld>
+</file>
+
+<file path=ppt/slides/slide11.xml><?xml version="1.0" encoding="utf-8"?>
+<p:sld xmlns:a="http://schemas.openxmlformats.org/drawingml/2006/main" xmlns:r="http://schemas.openxmlformats.org/officeDocument/2006/relationships" xmlns:p="http://schemas.openxmlformats.org/presentationml/2006/main">
+  <p:cSld>
+    <p:spTree>
+      <p:nvGrpSpPr>
+        <p:cNvPr id="1" name=""/>
+        <p:cNvGrpSpPr/>
+        <p:nvPr/>
+      </p:nvGrpSpPr>
+      <p:grpSpPr>
+        <a:xfrm>
+          <a:off x="0" y="0"/>
+          <a:ext cx="0" cy="0"/>
+          <a:chOff x="0" y="0"/>
+          <a:chExt cx="0" cy="0"/>
+        </a:xfrm>
+      </p:grpSpPr>
+      <p:pic>
+        <p:nvPicPr>
+          <p:cNvPr id="5" name="図 4"/>
+          <p:cNvPicPr>
+            <a:picLocks noChangeAspect="1"/>
+          </p:cNvPicPr>
+          <p:nvPr/>
+        </p:nvPicPr>
+        <p:blipFill>
+          <a:blip r:embed="rId2"/>
+          <a:stretch>
+            <a:fillRect/>
+          </a:stretch>
+        </p:blipFill>
+        <p:spPr>
+          <a:xfrm>
+            <a:off x="6093461" y="1500808"/>
+            <a:ext cx="3171798" cy="2035052"/>
+          </a:xfrm>
+          <a:prstGeom prst="rect">
+            <a:avLst/>
+          </a:prstGeom>
+        </p:spPr>
+      </p:pic>
+      <p:sp>
+        <p:nvSpPr>
+          <p:cNvPr id="6" name="正方形/長方形 5"/>
+          <p:cNvSpPr/>
+          <p:nvPr/>
+        </p:nvSpPr>
+        <p:spPr>
+          <a:xfrm>
+            <a:off x="2022006" y="1014321"/>
+            <a:ext cx="1908313" cy="826935"/>
+          </a:xfrm>
+          <a:prstGeom prst="rect">
+            <a:avLst/>
+          </a:prstGeom>
+          <a:solidFill>
+            <a:schemeClr val="bg1">
+              <a:lumMod val="50000"/>
+            </a:schemeClr>
+          </a:solidFill>
+          <a:ln>
+            <a:solidFill>
+              <a:schemeClr val="tx1"/>
+            </a:solidFill>
+          </a:ln>
+        </p:spPr>
+        <p:style>
+          <a:lnRef idx="2">
+            <a:schemeClr val="accent1">
+              <a:shade val="50000"/>
+            </a:schemeClr>
+          </a:lnRef>
+          <a:fillRef idx="1">
+            <a:schemeClr val="accent1"/>
+          </a:fillRef>
+          <a:effectRef idx="0">
+            <a:schemeClr val="accent1"/>
+          </a:effectRef>
+          <a:fontRef idx="minor">
+            <a:schemeClr val="lt1"/>
+          </a:fontRef>
+        </p:style>
+        <p:txBody>
+          <a:bodyPr rtlCol="0" anchor="ctr"/>
+          <a:lstStyle/>
+          <a:p>
+            <a:pPr algn="ctr"/>
+            <a:r>
+              <a:rPr kumimoji="1" lang="ja-JP" altLang="en-US" dirty="0" smtClean="0">
+                <a:solidFill>
+                  <a:schemeClr val="bg1"/>
+                </a:solidFill>
+                <a:latin typeface="BIZ UDPゴシック" panose="020B0400000000000000" pitchFamily="50" charset="-128"/>
+                <a:ea typeface="BIZ UDPゴシック" panose="020B0400000000000000" pitchFamily="50" charset="-128"/>
+              </a:rPr>
+              <a:t>中央処理部</a:t>
+            </a:r>
+            <a:endParaRPr kumimoji="1" lang="ja-JP" altLang="en-US" dirty="0">
+              <a:solidFill>
+                <a:schemeClr val="bg1"/>
+              </a:solidFill>
+              <a:latin typeface="BIZ UDPゴシック" panose="020B0400000000000000" pitchFamily="50" charset="-128"/>
+              <a:ea typeface="BIZ UDPゴシック" panose="020B0400000000000000" pitchFamily="50" charset="-128"/>
+            </a:endParaRPr>
+          </a:p>
+        </p:txBody>
+      </p:sp>
+      <p:cxnSp>
+        <p:nvCxnSpPr>
+          <p:cNvPr id="8" name="直線矢印コネクタ 7"/>
+          <p:cNvCxnSpPr>
+            <a:stCxn id="6" idx="3"/>
+          </p:cNvCxnSpPr>
+          <p:nvPr/>
+        </p:nvCxnSpPr>
+        <p:spPr>
+          <a:xfrm>
+            <a:off x="3930319" y="1427789"/>
+            <a:ext cx="2798860" cy="1375087"/>
+          </a:xfrm>
+          <a:prstGeom prst="straightConnector1">
+            <a:avLst/>
+          </a:prstGeom>
+          <a:ln w="57150">
+            <a:solidFill>
+              <a:srgbClr val="FF0000"/>
+            </a:solidFill>
+            <a:tailEnd type="triangle"/>
+          </a:ln>
+        </p:spPr>
+        <p:style>
+          <a:lnRef idx="1">
+            <a:schemeClr val="accent1"/>
+          </a:lnRef>
+          <a:fillRef idx="0">
+            <a:schemeClr val="accent1"/>
+          </a:fillRef>
+          <a:effectRef idx="0">
+            <a:schemeClr val="accent1"/>
+          </a:effectRef>
+          <a:fontRef idx="minor">
+            <a:schemeClr val="tx1"/>
+          </a:fontRef>
+        </p:style>
+      </p:cxnSp>
+      <p:sp>
+        <p:nvSpPr>
+          <p:cNvPr id="9" name="テキスト ボックス 8"/>
+          <p:cNvSpPr txBox="1"/>
+          <p:nvPr/>
+        </p:nvSpPr>
+        <p:spPr>
+          <a:xfrm>
+            <a:off x="4319546" y="1316142"/>
+            <a:ext cx="1415772" cy="338554"/>
+          </a:xfrm>
+          <a:prstGeom prst="rect">
+            <a:avLst/>
+          </a:prstGeom>
+          <a:noFill/>
+        </p:spPr>
+        <p:txBody>
+          <a:bodyPr wrap="none" rtlCol="0">
+            <a:spAutoFit/>
+          </a:bodyPr>
+          <a:lstStyle/>
+          <a:p>
+            <a:r>
+              <a:rPr kumimoji="1" lang="ja-JP" altLang="en-US" sz="1600" dirty="0" smtClean="0">
+                <a:solidFill>
+                  <a:srgbClr val="FF0000"/>
+                </a:solidFill>
+                <a:latin typeface="BIZ UDPゴシック" panose="020B0400000000000000" pitchFamily="50" charset="-128"/>
+                <a:ea typeface="BIZ UDPゴシック" panose="020B0400000000000000" pitchFamily="50" charset="-128"/>
+              </a:rPr>
+              <a:t>選択肢の提示</a:t>
+            </a:r>
+            <a:endParaRPr kumimoji="1" lang="ja-JP" altLang="en-US" sz="1600" dirty="0">
+              <a:solidFill>
+                <a:srgbClr val="FF0000"/>
+              </a:solidFill>
+              <a:latin typeface="BIZ UDPゴシック" panose="020B0400000000000000" pitchFamily="50" charset="-128"/>
+              <a:ea typeface="BIZ UDPゴシック" panose="020B0400000000000000" pitchFamily="50" charset="-128"/>
+            </a:endParaRPr>
+          </a:p>
+        </p:txBody>
+      </p:sp>
+      <p:sp>
+        <p:nvSpPr>
+          <p:cNvPr id="12" name="正方形/長方形 11"/>
+          <p:cNvSpPr/>
+          <p:nvPr/>
+        </p:nvSpPr>
+        <p:spPr>
+          <a:xfrm>
+            <a:off x="2022006" y="3439547"/>
+            <a:ext cx="1908313" cy="826935"/>
+          </a:xfrm>
+          <a:prstGeom prst="rect">
+            <a:avLst/>
+          </a:prstGeom>
+          <a:solidFill>
+            <a:schemeClr val="bg1">
+              <a:lumMod val="50000"/>
+            </a:schemeClr>
+          </a:solidFill>
+          <a:ln>
+            <a:solidFill>
+              <a:schemeClr val="tx1"/>
+            </a:solidFill>
+          </a:ln>
+        </p:spPr>
+        <p:style>
+          <a:lnRef idx="2">
+            <a:schemeClr val="accent1">
+              <a:shade val="50000"/>
+            </a:schemeClr>
+          </a:lnRef>
+          <a:fillRef idx="1">
+            <a:schemeClr val="accent1"/>
+          </a:fillRef>
+          <a:effectRef idx="0">
+            <a:schemeClr val="accent1"/>
+          </a:effectRef>
+          <a:fontRef idx="minor">
+            <a:schemeClr val="lt1"/>
+          </a:fontRef>
+        </p:style>
+        <p:txBody>
+          <a:bodyPr rtlCol="0" anchor="ctr"/>
+          <a:lstStyle/>
+          <a:p>
+            <a:pPr algn="ctr"/>
+            <a:r>
+              <a:rPr kumimoji="1" lang="ja-JP" altLang="en-US" dirty="0" smtClean="0">
+                <a:solidFill>
+                  <a:schemeClr val="bg1"/>
+                </a:solidFill>
+                <a:latin typeface="BIZ UDPゴシック" panose="020B0400000000000000" pitchFamily="50" charset="-128"/>
+                <a:ea typeface="BIZ UDPゴシック" panose="020B0400000000000000" pitchFamily="50" charset="-128"/>
+              </a:rPr>
+              <a:t>中央処理部</a:t>
+            </a:r>
+            <a:endParaRPr kumimoji="1" lang="ja-JP" altLang="en-US" dirty="0">
+              <a:solidFill>
+                <a:schemeClr val="bg1"/>
+              </a:solidFill>
+              <a:latin typeface="BIZ UDPゴシック" panose="020B0400000000000000" pitchFamily="50" charset="-128"/>
+              <a:ea typeface="BIZ UDPゴシック" panose="020B0400000000000000" pitchFamily="50" charset="-128"/>
+            </a:endParaRPr>
+          </a:p>
+        </p:txBody>
+      </p:sp>
+      <p:cxnSp>
+        <p:nvCxnSpPr>
+          <p:cNvPr id="14" name="直線矢印コネクタ 13"/>
+          <p:cNvCxnSpPr/>
+          <p:nvPr/>
+        </p:nvCxnSpPr>
+        <p:spPr>
+          <a:xfrm flipH="1">
+            <a:off x="3930319" y="3277195"/>
+            <a:ext cx="3116524" cy="384989"/>
+          </a:xfrm>
+          <a:prstGeom prst="straightConnector1">
+            <a:avLst/>
+          </a:prstGeom>
+          <a:ln w="57150">
+            <a:solidFill>
+              <a:srgbClr val="FF0000"/>
+            </a:solidFill>
+            <a:tailEnd type="triangle"/>
+          </a:ln>
+        </p:spPr>
+        <p:style>
+          <a:lnRef idx="1">
+            <a:schemeClr val="accent1"/>
+          </a:lnRef>
+          <a:fillRef idx="0">
+            <a:schemeClr val="accent1"/>
+          </a:fillRef>
+          <a:effectRef idx="0">
+            <a:schemeClr val="accent1"/>
+          </a:effectRef>
+          <a:fontRef idx="minor">
+            <a:schemeClr val="tx1"/>
+          </a:fontRef>
+        </p:style>
+      </p:cxnSp>
+      <p:sp>
+        <p:nvSpPr>
+          <p:cNvPr id="16" name="テキスト ボックス 15"/>
+          <p:cNvSpPr txBox="1"/>
+          <p:nvPr/>
+        </p:nvSpPr>
+        <p:spPr>
+          <a:xfrm>
+            <a:off x="4057953" y="2899715"/>
+            <a:ext cx="2128958" cy="492443"/>
+          </a:xfrm>
+          <a:prstGeom prst="rect">
+            <a:avLst/>
+          </a:prstGeom>
+          <a:noFill/>
+        </p:spPr>
+        <p:txBody>
+          <a:bodyPr wrap="square" rtlCol="0">
+            <a:spAutoFit/>
+          </a:bodyPr>
+          <a:lstStyle/>
+          <a:p>
+            <a:r>
+              <a:rPr kumimoji="1" lang="ja-JP" altLang="en-US" sz="1400" dirty="0" smtClean="0">
+                <a:solidFill>
+                  <a:srgbClr val="FF0000"/>
+                </a:solidFill>
+                <a:latin typeface="BIZ UDPゴシック" panose="020B0400000000000000" pitchFamily="50" charset="-128"/>
+                <a:ea typeface="BIZ UDPゴシック" panose="020B0400000000000000" pitchFamily="50" charset="-128"/>
+              </a:rPr>
+              <a:t>選択肢から発話を選ぶ</a:t>
+            </a:r>
+            <a:endParaRPr kumimoji="1" lang="en-US" altLang="ja-JP" sz="1200" dirty="0" smtClean="0">
+              <a:solidFill>
+                <a:srgbClr val="FF0000"/>
+              </a:solidFill>
+              <a:latin typeface="BIZ UDPゴシック" panose="020B0400000000000000" pitchFamily="50" charset="-128"/>
+              <a:ea typeface="BIZ UDPゴシック" panose="020B0400000000000000" pitchFamily="50" charset="-128"/>
+            </a:endParaRPr>
+          </a:p>
+          <a:p>
+            <a:r>
+              <a:rPr lang="ja-JP" altLang="en-US" sz="1200" dirty="0" smtClean="0">
+                <a:solidFill>
+                  <a:srgbClr val="FF0000"/>
+                </a:solidFill>
+                <a:latin typeface="BIZ UDPゴシック" panose="020B0400000000000000" pitchFamily="50" charset="-128"/>
+                <a:ea typeface="BIZ UDPゴシック" panose="020B0400000000000000" pitchFamily="50" charset="-128"/>
+              </a:rPr>
+              <a:t>（早い者勝ち）</a:t>
+            </a:r>
+            <a:endParaRPr kumimoji="1" lang="ja-JP" altLang="en-US" sz="1200" dirty="0">
+              <a:solidFill>
+                <a:srgbClr val="FF0000"/>
+              </a:solidFill>
+              <a:latin typeface="BIZ UDPゴシック" panose="020B0400000000000000" pitchFamily="50" charset="-128"/>
+              <a:ea typeface="BIZ UDPゴシック" panose="020B0400000000000000" pitchFamily="50" charset="-128"/>
+            </a:endParaRPr>
+          </a:p>
+        </p:txBody>
+      </p:sp>
+      <p:cxnSp>
+        <p:nvCxnSpPr>
+          <p:cNvPr id="20" name="直線矢印コネクタ 19"/>
+          <p:cNvCxnSpPr/>
+          <p:nvPr/>
+        </p:nvCxnSpPr>
+        <p:spPr>
+          <a:xfrm>
+            <a:off x="1528638" y="498944"/>
+            <a:ext cx="0" cy="5748793"/>
+          </a:xfrm>
+          <a:prstGeom prst="straightConnector1">
+            <a:avLst/>
+          </a:prstGeom>
+          <a:ln w="76200">
+            <a:solidFill>
+              <a:schemeClr val="tx1"/>
+            </a:solidFill>
+            <a:tailEnd type="triangle"/>
+          </a:ln>
+        </p:spPr>
+        <p:style>
+          <a:lnRef idx="1">
+            <a:schemeClr val="accent1"/>
+          </a:lnRef>
+          <a:fillRef idx="0">
+            <a:schemeClr val="accent1"/>
+          </a:fillRef>
+          <a:effectRef idx="0">
+            <a:schemeClr val="accent1"/>
+          </a:effectRef>
+          <a:fontRef idx="minor">
+            <a:schemeClr val="tx1"/>
+          </a:fontRef>
+        </p:style>
+      </p:cxnSp>
+      <p:sp>
+        <p:nvSpPr>
+          <p:cNvPr id="21" name="テキスト ボックス 20"/>
+          <p:cNvSpPr txBox="1"/>
+          <p:nvPr/>
+        </p:nvSpPr>
+        <p:spPr>
+          <a:xfrm>
+            <a:off x="-151887" y="4501209"/>
+            <a:ext cx="1569660" cy="646331"/>
+          </a:xfrm>
+          <a:prstGeom prst="rect">
+            <a:avLst/>
+          </a:prstGeom>
+          <a:noFill/>
+          <a:ln>
+            <a:noFill/>
+          </a:ln>
+        </p:spPr>
+        <p:txBody>
+          <a:bodyPr wrap="none" rtlCol="0">
+            <a:spAutoFit/>
+          </a:bodyPr>
+          <a:lstStyle/>
+          <a:p>
+            <a:r>
+              <a:rPr lang="ja-JP" altLang="en-US" dirty="0">
+                <a:latin typeface="BIZ UDPゴシック" panose="020B0400000000000000" pitchFamily="50" charset="-128"/>
+                <a:ea typeface="BIZ UDPゴシック" panose="020B0400000000000000" pitchFamily="50" charset="-128"/>
+              </a:rPr>
+              <a:t>議論</a:t>
+            </a:r>
+            <a:r>
+              <a:rPr lang="ja-JP" altLang="en-US" dirty="0" smtClean="0">
+                <a:latin typeface="BIZ UDPゴシック" panose="020B0400000000000000" pitchFamily="50" charset="-128"/>
+                <a:ea typeface="BIZ UDPゴシック" panose="020B0400000000000000" pitchFamily="50" charset="-128"/>
+              </a:rPr>
+              <a:t>が続く間</a:t>
+            </a:r>
+            <a:endParaRPr lang="en-US" altLang="ja-JP" dirty="0" smtClean="0">
+              <a:latin typeface="BIZ UDPゴシック" panose="020B0400000000000000" pitchFamily="50" charset="-128"/>
+              <a:ea typeface="BIZ UDPゴシック" panose="020B0400000000000000" pitchFamily="50" charset="-128"/>
+            </a:endParaRPr>
+          </a:p>
+          <a:p>
+            <a:r>
+              <a:rPr kumimoji="1" lang="ja-JP" altLang="en-US" dirty="0" smtClean="0">
+                <a:latin typeface="BIZ UDPゴシック" panose="020B0400000000000000" pitchFamily="50" charset="-128"/>
+                <a:ea typeface="BIZ UDPゴシック" panose="020B0400000000000000" pitchFamily="50" charset="-128"/>
+              </a:rPr>
+              <a:t>繰り返す</a:t>
+            </a:r>
+            <a:endParaRPr kumimoji="1" lang="ja-JP" altLang="en-US" dirty="0">
+              <a:latin typeface="BIZ UDPゴシック" panose="020B0400000000000000" pitchFamily="50" charset="-128"/>
+              <a:ea typeface="BIZ UDPゴシック" panose="020B0400000000000000" pitchFamily="50" charset="-128"/>
+            </a:endParaRPr>
+          </a:p>
+        </p:txBody>
+      </p:sp>
+      <p:pic>
+        <p:nvPicPr>
+          <p:cNvPr id="22" name="図 21"/>
+          <p:cNvPicPr>
+            <a:picLocks noChangeAspect="1"/>
+          </p:cNvPicPr>
+          <p:nvPr/>
+        </p:nvPicPr>
+        <p:blipFill>
+          <a:blip r:embed="rId2"/>
+          <a:stretch>
+            <a:fillRect/>
+          </a:stretch>
+        </p:blipFill>
+        <p:spPr>
+          <a:xfrm>
+            <a:off x="6093461" y="3853015"/>
+            <a:ext cx="3171798" cy="2035052"/>
+          </a:xfrm>
+          <a:prstGeom prst="rect">
+            <a:avLst/>
+          </a:prstGeom>
+        </p:spPr>
+      </p:pic>
+      <p:sp>
+        <p:nvSpPr>
+          <p:cNvPr id="24" name="左大かっこ 23"/>
+          <p:cNvSpPr/>
+          <p:nvPr/>
+        </p:nvSpPr>
+        <p:spPr>
+          <a:xfrm>
+            <a:off x="-347870" y="483042"/>
+            <a:ext cx="768512" cy="5677231"/>
+          </a:xfrm>
+          <a:prstGeom prst="leftBracket">
+            <a:avLst/>
+          </a:prstGeom>
+          <a:ln w="76200">
+            <a:solidFill>
+              <a:schemeClr val="tx1"/>
+            </a:solidFill>
+          </a:ln>
+        </p:spPr>
+        <p:style>
+          <a:lnRef idx="1">
+            <a:schemeClr val="accent1"/>
+          </a:lnRef>
+          <a:fillRef idx="0">
+            <a:schemeClr val="accent1"/>
+          </a:fillRef>
+          <a:effectRef idx="0">
+            <a:schemeClr val="accent1"/>
+          </a:effectRef>
+          <a:fontRef idx="minor">
+            <a:schemeClr val="tx1"/>
+          </a:fontRef>
+        </p:style>
+        <p:txBody>
+          <a:bodyPr rtlCol="0" anchor="ctr"/>
+          <a:lstStyle/>
+          <a:p>
+            <a:pPr algn="ctr"/>
+            <a:endParaRPr kumimoji="1" lang="ja-JP" altLang="en-US"/>
+          </a:p>
+        </p:txBody>
+      </p:sp>
+      <p:cxnSp>
+        <p:nvCxnSpPr>
+          <p:cNvPr id="25" name="直線矢印コネクタ 24"/>
+          <p:cNvCxnSpPr/>
+          <p:nvPr/>
+        </p:nvCxnSpPr>
+        <p:spPr>
+          <a:xfrm flipV="1">
+            <a:off x="302698" y="462760"/>
+            <a:ext cx="663991" cy="24255"/>
+          </a:xfrm>
+          <a:prstGeom prst="straightConnector1">
+            <a:avLst/>
+          </a:prstGeom>
+          <a:ln w="76200">
+            <a:solidFill>
+              <a:schemeClr val="tx1"/>
+            </a:solidFill>
+            <a:tailEnd type="triangle"/>
+          </a:ln>
+        </p:spPr>
+        <p:style>
+          <a:lnRef idx="1">
+            <a:schemeClr val="accent1"/>
+          </a:lnRef>
+          <a:fillRef idx="0">
+            <a:schemeClr val="accent1"/>
+          </a:fillRef>
+          <a:effectRef idx="0">
+            <a:schemeClr val="accent1"/>
+          </a:effectRef>
+          <a:fontRef idx="minor">
+            <a:schemeClr val="tx1"/>
+          </a:fontRef>
+        </p:style>
+      </p:cxnSp>
+      <p:cxnSp>
+        <p:nvCxnSpPr>
+          <p:cNvPr id="30" name="直線矢印コネクタ 29"/>
+          <p:cNvCxnSpPr/>
+          <p:nvPr/>
+        </p:nvCxnSpPr>
+        <p:spPr>
+          <a:xfrm flipH="1" flipV="1">
+            <a:off x="3930319" y="1635429"/>
+            <a:ext cx="2782958" cy="1372037"/>
+          </a:xfrm>
+          <a:prstGeom prst="straightConnector1">
+            <a:avLst/>
+          </a:prstGeom>
+          <a:ln w="57150">
+            <a:solidFill>
+              <a:srgbClr val="FFC000"/>
+            </a:solidFill>
+            <a:tailEnd type="triangle"/>
+          </a:ln>
+        </p:spPr>
+        <p:style>
+          <a:lnRef idx="1">
+            <a:schemeClr val="accent1"/>
+          </a:lnRef>
+          <a:fillRef idx="0">
+            <a:schemeClr val="accent1"/>
+          </a:fillRef>
+          <a:effectRef idx="0">
+            <a:schemeClr val="accent1"/>
+          </a:effectRef>
+          <a:fontRef idx="minor">
+            <a:schemeClr val="tx1"/>
+          </a:fontRef>
+        </p:style>
+      </p:cxnSp>
+      <p:sp>
+        <p:nvSpPr>
+          <p:cNvPr id="34" name="テキスト ボックス 33"/>
+          <p:cNvSpPr txBox="1"/>
+          <p:nvPr/>
+        </p:nvSpPr>
+        <p:spPr>
+          <a:xfrm>
+            <a:off x="3596118" y="2089096"/>
+            <a:ext cx="1415772" cy="584775"/>
+          </a:xfrm>
+          <a:prstGeom prst="rect">
+            <a:avLst/>
+          </a:prstGeom>
+          <a:noFill/>
+        </p:spPr>
+        <p:txBody>
+          <a:bodyPr wrap="none" rtlCol="0">
+            <a:spAutoFit/>
+          </a:bodyPr>
+          <a:lstStyle/>
+          <a:p>
+            <a:r>
+              <a:rPr lang="ja-JP" altLang="en-US" sz="1600" dirty="0">
+                <a:solidFill>
+                  <a:srgbClr val="FFC000"/>
+                </a:solidFill>
+                <a:latin typeface="BIZ UDPゴシック" panose="020B0400000000000000" pitchFamily="50" charset="-128"/>
+                <a:ea typeface="BIZ UDPゴシック" panose="020B0400000000000000" pitchFamily="50" charset="-128"/>
+              </a:rPr>
+              <a:t>別</a:t>
+            </a:r>
+            <a:r>
+              <a:rPr lang="ja-JP" altLang="en-US" sz="1600" dirty="0" smtClean="0">
+                <a:solidFill>
+                  <a:srgbClr val="FFC000"/>
+                </a:solidFill>
+                <a:latin typeface="BIZ UDPゴシック" panose="020B0400000000000000" pitchFamily="50" charset="-128"/>
+                <a:ea typeface="BIZ UDPゴシック" panose="020B0400000000000000" pitchFamily="50" charset="-128"/>
+              </a:rPr>
+              <a:t>の選択肢の</a:t>
+            </a:r>
+            <a:endParaRPr lang="en-US" altLang="ja-JP" sz="1600" dirty="0" smtClean="0">
+              <a:solidFill>
+                <a:srgbClr val="FFC000"/>
+              </a:solidFill>
+              <a:latin typeface="BIZ UDPゴシック" panose="020B0400000000000000" pitchFamily="50" charset="-128"/>
+              <a:ea typeface="BIZ UDPゴシック" panose="020B0400000000000000" pitchFamily="50" charset="-128"/>
+            </a:endParaRPr>
+          </a:p>
+          <a:p>
+            <a:r>
+              <a:rPr kumimoji="1" lang="ja-JP" altLang="en-US" sz="1600" dirty="0" smtClean="0">
+                <a:solidFill>
+                  <a:srgbClr val="FFC000"/>
+                </a:solidFill>
+                <a:latin typeface="BIZ UDPゴシック" panose="020B0400000000000000" pitchFamily="50" charset="-128"/>
+                <a:ea typeface="BIZ UDPゴシック" panose="020B0400000000000000" pitchFamily="50" charset="-128"/>
+              </a:rPr>
+              <a:t>要求</a:t>
+            </a:r>
+            <a:endParaRPr kumimoji="1" lang="ja-JP" altLang="en-US" sz="1600" dirty="0">
+              <a:solidFill>
+                <a:srgbClr val="FFC000"/>
+              </a:solidFill>
+              <a:latin typeface="BIZ UDPゴシック" panose="020B0400000000000000" pitchFamily="50" charset="-128"/>
+              <a:ea typeface="BIZ UDPゴシック" panose="020B0400000000000000" pitchFamily="50" charset="-128"/>
+            </a:endParaRPr>
+          </a:p>
+        </p:txBody>
+      </p:sp>
+      <p:cxnSp>
+        <p:nvCxnSpPr>
+          <p:cNvPr id="35" name="直線矢印コネクタ 34"/>
+          <p:cNvCxnSpPr>
+            <a:stCxn id="12" idx="3"/>
+          </p:cNvCxnSpPr>
+          <p:nvPr/>
+        </p:nvCxnSpPr>
+        <p:spPr>
+          <a:xfrm>
+            <a:off x="3930319" y="3853015"/>
+            <a:ext cx="3044962" cy="1066418"/>
+          </a:xfrm>
+          <a:prstGeom prst="straightConnector1">
+            <a:avLst/>
+          </a:prstGeom>
+          <a:ln w="57150">
+            <a:solidFill>
+              <a:srgbClr val="FF0000"/>
+            </a:solidFill>
+            <a:tailEnd type="triangle"/>
+          </a:ln>
+        </p:spPr>
+        <p:style>
+          <a:lnRef idx="1">
+            <a:schemeClr val="accent1"/>
+          </a:lnRef>
+          <a:fillRef idx="0">
+            <a:schemeClr val="accent1"/>
+          </a:fillRef>
+          <a:effectRef idx="0">
+            <a:schemeClr val="accent1"/>
+          </a:effectRef>
+          <a:fontRef idx="minor">
+            <a:schemeClr val="tx1"/>
+          </a:fontRef>
+        </p:style>
+      </p:cxnSp>
+      <p:sp>
+        <p:nvSpPr>
+          <p:cNvPr id="45" name="テキスト ボックス 44"/>
+          <p:cNvSpPr txBox="1"/>
+          <p:nvPr/>
+        </p:nvSpPr>
+        <p:spPr>
+          <a:xfrm>
+            <a:off x="4726859" y="4703575"/>
+            <a:ext cx="1191352" cy="584775"/>
+          </a:xfrm>
+          <a:prstGeom prst="rect">
+            <a:avLst/>
+          </a:prstGeom>
+          <a:noFill/>
+        </p:spPr>
+        <p:txBody>
+          <a:bodyPr wrap="none" rtlCol="0">
+            <a:spAutoFit/>
+          </a:bodyPr>
+          <a:lstStyle/>
+          <a:p>
+            <a:r>
+              <a:rPr lang="ja-JP" altLang="en-US" sz="1600" dirty="0">
+                <a:solidFill>
+                  <a:srgbClr val="FF0000"/>
+                </a:solidFill>
+                <a:latin typeface="BIZ UDPゴシック" panose="020B0400000000000000" pitchFamily="50" charset="-128"/>
+                <a:ea typeface="BIZ UDPゴシック" panose="020B0400000000000000" pitchFamily="50" charset="-128"/>
+              </a:rPr>
+              <a:t>ロボット</a:t>
+            </a:r>
+            <a:r>
+              <a:rPr lang="ja-JP" altLang="en-US" sz="1600" dirty="0" smtClean="0">
+                <a:solidFill>
+                  <a:srgbClr val="FF0000"/>
+                </a:solidFill>
+                <a:latin typeface="BIZ UDPゴシック" panose="020B0400000000000000" pitchFamily="50" charset="-128"/>
+                <a:ea typeface="BIZ UDPゴシック" panose="020B0400000000000000" pitchFamily="50" charset="-128"/>
+              </a:rPr>
+              <a:t>を</a:t>
+            </a:r>
+            <a:endParaRPr lang="en-US" altLang="ja-JP" sz="1600" dirty="0" smtClean="0">
+              <a:solidFill>
+                <a:srgbClr val="FF0000"/>
+              </a:solidFill>
+              <a:latin typeface="BIZ UDPゴシック" panose="020B0400000000000000" pitchFamily="50" charset="-128"/>
+              <a:ea typeface="BIZ UDPゴシック" panose="020B0400000000000000" pitchFamily="50" charset="-128"/>
+            </a:endParaRPr>
+          </a:p>
+          <a:p>
+            <a:r>
+              <a:rPr kumimoji="1" lang="ja-JP" altLang="en-US" sz="1600" dirty="0" smtClean="0">
+                <a:solidFill>
+                  <a:srgbClr val="FF0000"/>
+                </a:solidFill>
+                <a:latin typeface="BIZ UDPゴシック" panose="020B0400000000000000" pitchFamily="50" charset="-128"/>
+                <a:ea typeface="BIZ UDPゴシック" panose="020B0400000000000000" pitchFamily="50" charset="-128"/>
+              </a:rPr>
+              <a:t>発話させる</a:t>
+            </a:r>
+            <a:endParaRPr kumimoji="1" lang="en-US" altLang="ja-JP" sz="1600" dirty="0" smtClean="0">
+              <a:solidFill>
+                <a:srgbClr val="FF0000"/>
+              </a:solidFill>
+              <a:latin typeface="BIZ UDPゴシック" panose="020B0400000000000000" pitchFamily="50" charset="-128"/>
+              <a:ea typeface="BIZ UDPゴシック" panose="020B0400000000000000" pitchFamily="50" charset="-128"/>
+            </a:endParaRPr>
+          </a:p>
+        </p:txBody>
+      </p:sp>
+      <p:pic>
+        <p:nvPicPr>
+          <p:cNvPr id="46" name="図 45"/>
+          <p:cNvPicPr>
+            <a:picLocks noChangeAspect="1"/>
+          </p:cNvPicPr>
+          <p:nvPr/>
+        </p:nvPicPr>
+        <p:blipFill>
+          <a:blip r:embed="rId3" cstate="print">
+            <a:extLst>
+              <a:ext uri="{28A0092B-C50C-407E-A947-70E740481C1C}">
+                <a14:useLocalDpi xmlns:a14="http://schemas.microsoft.com/office/drawing/2010/main" val="0"/>
+              </a:ext>
+            </a:extLst>
+          </a:blip>
+          <a:stretch>
+            <a:fillRect/>
+          </a:stretch>
+        </p:blipFill>
+        <p:spPr>
+          <a:xfrm>
+            <a:off x="9623401" y="1320115"/>
+            <a:ext cx="1677365" cy="1299312"/>
+          </a:xfrm>
+          <a:prstGeom prst="rect">
+            <a:avLst/>
+          </a:prstGeom>
+        </p:spPr>
+      </p:pic>
+      <p:sp>
+        <p:nvSpPr>
+          <p:cNvPr id="47" name="テキスト ボックス 46"/>
+          <p:cNvSpPr txBox="1"/>
+          <p:nvPr/>
+        </p:nvSpPr>
+        <p:spPr>
+          <a:xfrm>
+            <a:off x="9651604" y="1029820"/>
+            <a:ext cx="1261884" cy="307777"/>
+          </a:xfrm>
+          <a:prstGeom prst="rect">
+            <a:avLst/>
+          </a:prstGeom>
+          <a:noFill/>
+        </p:spPr>
+        <p:txBody>
+          <a:bodyPr wrap="none" rtlCol="0">
+            <a:spAutoFit/>
+          </a:bodyPr>
+          <a:lstStyle/>
+          <a:p>
+            <a:r>
+              <a:rPr lang="ja-JP" altLang="en-US" sz="1400" dirty="0" smtClean="0">
+                <a:latin typeface="BIZ UDPゴシック" panose="020B0400000000000000" pitchFamily="50" charset="-128"/>
+                <a:ea typeface="BIZ UDPゴシック" panose="020B0400000000000000" pitchFamily="50" charset="-128"/>
+              </a:rPr>
+              <a:t>発話選択</a:t>
+            </a:r>
+            <a:r>
+              <a:rPr lang="ja-JP" altLang="en-US" sz="1400" dirty="0">
+                <a:latin typeface="BIZ UDPゴシック" panose="020B0400000000000000" pitchFamily="50" charset="-128"/>
+                <a:ea typeface="BIZ UDPゴシック" panose="020B0400000000000000" pitchFamily="50" charset="-128"/>
+              </a:rPr>
+              <a:t>画面</a:t>
+            </a:r>
+            <a:endParaRPr kumimoji="1" lang="ja-JP" altLang="en-US" dirty="0">
+              <a:latin typeface="BIZ UDPゴシック" panose="020B0400000000000000" pitchFamily="50" charset="-128"/>
+              <a:ea typeface="BIZ UDPゴシック" panose="020B0400000000000000" pitchFamily="50" charset="-128"/>
+            </a:endParaRPr>
+          </a:p>
+        </p:txBody>
+      </p:sp>
+      <p:pic>
+        <p:nvPicPr>
+          <p:cNvPr id="48" name="図 47"/>
+          <p:cNvPicPr>
+            <a:picLocks noChangeAspect="1"/>
+          </p:cNvPicPr>
+          <p:nvPr/>
+        </p:nvPicPr>
+        <p:blipFill>
+          <a:blip r:embed="rId4" cstate="print">
+            <a:extLst>
+              <a:ext uri="{28A0092B-C50C-407E-A947-70E740481C1C}">
+                <a14:useLocalDpi xmlns:a14="http://schemas.microsoft.com/office/drawing/2010/main" val="0"/>
+              </a:ext>
+            </a:extLst>
+          </a:blip>
+          <a:stretch>
+            <a:fillRect/>
+          </a:stretch>
+        </p:blipFill>
+        <p:spPr>
+          <a:xfrm>
+            <a:off x="9623401" y="4266482"/>
+            <a:ext cx="1680791" cy="1120527"/>
+          </a:xfrm>
+          <a:prstGeom prst="rect">
+            <a:avLst/>
+          </a:prstGeom>
+        </p:spPr>
+      </p:pic>
+      <p:sp>
+        <p:nvSpPr>
+          <p:cNvPr id="49" name="テキスト ボックス 48"/>
+          <p:cNvSpPr txBox="1"/>
+          <p:nvPr/>
+        </p:nvSpPr>
+        <p:spPr>
+          <a:xfrm>
+            <a:off x="9623401" y="3907292"/>
+            <a:ext cx="1619354" cy="307777"/>
+          </a:xfrm>
+          <a:prstGeom prst="rect">
+            <a:avLst/>
+          </a:prstGeom>
+          <a:noFill/>
+        </p:spPr>
+        <p:txBody>
+          <a:bodyPr wrap="none" rtlCol="0">
+            <a:spAutoFit/>
+          </a:bodyPr>
+          <a:lstStyle/>
+          <a:p>
+            <a:r>
+              <a:rPr lang="ja-JP" altLang="en-US" sz="1400" dirty="0" smtClean="0">
+                <a:latin typeface="BIZ UDPゴシック" panose="020B0400000000000000" pitchFamily="50" charset="-128"/>
+                <a:ea typeface="BIZ UDPゴシック" panose="020B0400000000000000" pitchFamily="50" charset="-128"/>
+              </a:rPr>
+              <a:t>発話中は操作禁止</a:t>
+            </a:r>
+            <a:endParaRPr kumimoji="1" lang="ja-JP" altLang="en-US" dirty="0">
+              <a:latin typeface="BIZ UDPゴシック" panose="020B0400000000000000" pitchFamily="50" charset="-128"/>
+              <a:ea typeface="BIZ UDPゴシック" panose="020B0400000000000000" pitchFamily="50" charset="-128"/>
+            </a:endParaRPr>
+          </a:p>
+        </p:txBody>
+      </p:sp>
+      <p:cxnSp>
+        <p:nvCxnSpPr>
+          <p:cNvPr id="51" name="直線コネクタ 50"/>
+          <p:cNvCxnSpPr/>
+          <p:nvPr/>
+        </p:nvCxnSpPr>
+        <p:spPr>
+          <a:xfrm flipV="1">
+            <a:off x="7205870" y="1427788"/>
+            <a:ext cx="2417531" cy="1375088"/>
+          </a:xfrm>
+          <a:prstGeom prst="line">
+            <a:avLst/>
+          </a:prstGeom>
+        </p:spPr>
+        <p:style>
+          <a:lnRef idx="1">
+            <a:schemeClr val="accent1"/>
+          </a:lnRef>
+          <a:fillRef idx="0">
+            <a:schemeClr val="accent1"/>
+          </a:fillRef>
+          <a:effectRef idx="0">
+            <a:schemeClr val="accent1"/>
+          </a:effectRef>
+          <a:fontRef idx="minor">
+            <a:schemeClr val="tx1"/>
+          </a:fontRef>
+        </p:style>
+      </p:cxnSp>
+      <p:cxnSp>
+        <p:nvCxnSpPr>
+          <p:cNvPr id="53" name="直線コネクタ 52"/>
+          <p:cNvCxnSpPr/>
+          <p:nvPr/>
+        </p:nvCxnSpPr>
+        <p:spPr>
+          <a:xfrm flipH="1">
+            <a:off x="7234666" y="2619427"/>
+            <a:ext cx="2326777" cy="520338"/>
+          </a:xfrm>
+          <a:prstGeom prst="line">
+            <a:avLst/>
+          </a:prstGeom>
+        </p:spPr>
+        <p:style>
+          <a:lnRef idx="1">
+            <a:schemeClr val="accent1"/>
+          </a:lnRef>
+          <a:fillRef idx="0">
+            <a:schemeClr val="accent1"/>
+          </a:fillRef>
+          <a:effectRef idx="0">
+            <a:schemeClr val="accent1"/>
+          </a:effectRef>
+          <a:fontRef idx="minor">
+            <a:schemeClr val="tx1"/>
+          </a:fontRef>
+        </p:style>
+      </p:cxnSp>
+      <p:cxnSp>
+        <p:nvCxnSpPr>
+          <p:cNvPr id="55" name="直線コネクタ 54"/>
+          <p:cNvCxnSpPr/>
+          <p:nvPr/>
+        </p:nvCxnSpPr>
+        <p:spPr>
+          <a:xfrm flipV="1">
+            <a:off x="7354957" y="4266482"/>
+            <a:ext cx="2296647" cy="1021868"/>
+          </a:xfrm>
+          <a:prstGeom prst="line">
+            <a:avLst/>
+          </a:prstGeom>
+        </p:spPr>
+        <p:style>
+          <a:lnRef idx="1">
+            <a:schemeClr val="accent1"/>
+          </a:lnRef>
+          <a:fillRef idx="0">
+            <a:schemeClr val="accent1"/>
+          </a:fillRef>
+          <a:effectRef idx="0">
+            <a:schemeClr val="accent1"/>
+          </a:effectRef>
+          <a:fontRef idx="minor">
+            <a:schemeClr val="tx1"/>
+          </a:fontRef>
+        </p:style>
+      </p:cxnSp>
+      <p:cxnSp>
+        <p:nvCxnSpPr>
+          <p:cNvPr id="57" name="直線コネクタ 56"/>
+          <p:cNvCxnSpPr/>
+          <p:nvPr/>
+        </p:nvCxnSpPr>
+        <p:spPr>
+          <a:xfrm flipV="1">
+            <a:off x="7205870" y="5288350"/>
+            <a:ext cx="2417531" cy="257685"/>
+          </a:xfrm>
+          <a:prstGeom prst="line">
+            <a:avLst/>
+          </a:prstGeom>
+        </p:spPr>
+        <p:style>
+          <a:lnRef idx="1">
+            <a:schemeClr val="accent1"/>
+          </a:lnRef>
+          <a:fillRef idx="0">
+            <a:schemeClr val="accent1"/>
+          </a:fillRef>
+          <a:effectRef idx="0">
+            <a:schemeClr val="accent1"/>
+          </a:effectRef>
+          <a:fontRef idx="minor">
+            <a:schemeClr val="tx1"/>
+          </a:fontRef>
+        </p:style>
+      </p:cxnSp>
+    </p:spTree>
+    <p:extLst>
+      <p:ext uri="{BB962C8B-B14F-4D97-AF65-F5344CB8AC3E}">
+        <p14:creationId xmlns:p14="http://schemas.microsoft.com/office/powerpoint/2010/main" val="1331117239"/>
+      </p:ext>
+    </p:extLst>
+  </p:cSld>
+  <p:clrMapOvr>
+    <a:masterClrMapping/>
+  </p:clrMapOvr>
+</p:sld>
+</file>
+
+<file path=ppt/slides/slide12.xml><?xml version="1.0" encoding="utf-8"?>
+<p:sld xmlns:a="http://schemas.openxmlformats.org/drawingml/2006/main" xmlns:r="http://schemas.openxmlformats.org/officeDocument/2006/relationships" xmlns:p="http://schemas.openxmlformats.org/presentationml/2006/main">
+  <p:cSld>
+    <p:spTree>
+      <p:nvGrpSpPr>
+        <p:cNvPr id="1" name=""/>
+        <p:cNvGrpSpPr/>
+        <p:nvPr/>
+      </p:nvGrpSpPr>
+      <p:grpSpPr>
+        <a:xfrm>
+          <a:off x="0" y="0"/>
+          <a:ext cx="0" cy="0"/>
+          <a:chOff x="0" y="0"/>
+          <a:chExt cx="0" cy="0"/>
+        </a:xfrm>
+      </p:grpSpPr>
+      <p:pic>
+        <p:nvPicPr>
+          <p:cNvPr id="5" name="図 4"/>
+          <p:cNvPicPr>
+            <a:picLocks noChangeAspect="1"/>
+          </p:cNvPicPr>
+          <p:nvPr/>
+        </p:nvPicPr>
+        <p:blipFill>
+          <a:blip r:embed="rId2"/>
+          <a:stretch>
+            <a:fillRect/>
+          </a:stretch>
+        </p:blipFill>
+        <p:spPr>
+          <a:xfrm>
+            <a:off x="6030955" y="1102662"/>
+            <a:ext cx="2182742" cy="1453249"/>
+          </a:xfrm>
+          <a:prstGeom prst="rect">
+            <a:avLst/>
+          </a:prstGeom>
+        </p:spPr>
+      </p:pic>
+      <p:sp>
+        <p:nvSpPr>
+          <p:cNvPr id="6" name="正方形/長方形 5"/>
+          <p:cNvSpPr/>
+          <p:nvPr/>
+        </p:nvSpPr>
+        <p:spPr>
+          <a:xfrm>
+            <a:off x="3229094" y="755257"/>
+            <a:ext cx="1313247" cy="590522"/>
+          </a:xfrm>
+          <a:prstGeom prst="rect">
+            <a:avLst/>
+          </a:prstGeom>
+          <a:solidFill>
+            <a:schemeClr val="bg1">
+              <a:lumMod val="50000"/>
+            </a:schemeClr>
+          </a:solidFill>
+          <a:ln>
+            <a:solidFill>
+              <a:schemeClr val="tx1"/>
+            </a:solidFill>
+          </a:ln>
+        </p:spPr>
+        <p:style>
+          <a:lnRef idx="2">
+            <a:schemeClr val="accent1">
+              <a:shade val="50000"/>
+            </a:schemeClr>
+          </a:lnRef>
+          <a:fillRef idx="1">
+            <a:schemeClr val="accent1"/>
+          </a:fillRef>
+          <a:effectRef idx="0">
+            <a:schemeClr val="accent1"/>
+          </a:effectRef>
+          <a:fontRef idx="minor">
+            <a:schemeClr val="lt1"/>
+          </a:fontRef>
+        </p:style>
+        <p:txBody>
+          <a:bodyPr rtlCol="0" anchor="ctr"/>
+          <a:lstStyle/>
+          <a:p>
+            <a:pPr algn="ctr"/>
+            <a:r>
+              <a:rPr kumimoji="1" lang="ja-JP" altLang="en-US" sz="1100" dirty="0" smtClean="0">
+                <a:solidFill>
+                  <a:schemeClr val="bg1"/>
+                </a:solidFill>
+                <a:latin typeface="BIZ UDPゴシック" panose="020B0400000000000000" pitchFamily="50" charset="-128"/>
+                <a:ea typeface="BIZ UDPゴシック" panose="020B0400000000000000" pitchFamily="50" charset="-128"/>
+              </a:rPr>
+              <a:t>中央処理部</a:t>
+            </a:r>
+            <a:endParaRPr kumimoji="1" lang="ja-JP" altLang="en-US" sz="1100" dirty="0">
+              <a:solidFill>
+                <a:schemeClr val="bg1"/>
+              </a:solidFill>
+              <a:latin typeface="BIZ UDPゴシック" panose="020B0400000000000000" pitchFamily="50" charset="-128"/>
+              <a:ea typeface="BIZ UDPゴシック" panose="020B0400000000000000" pitchFamily="50" charset="-128"/>
+            </a:endParaRPr>
+          </a:p>
+        </p:txBody>
+      </p:sp>
+      <p:cxnSp>
+        <p:nvCxnSpPr>
+          <p:cNvPr id="8" name="直線矢印コネクタ 7"/>
+          <p:cNvCxnSpPr>
+            <a:stCxn id="6" idx="3"/>
+          </p:cNvCxnSpPr>
+          <p:nvPr/>
+        </p:nvCxnSpPr>
+        <p:spPr>
+          <a:xfrm>
+            <a:off x="4542341" y="1050518"/>
+            <a:ext cx="1926097" cy="981962"/>
+          </a:xfrm>
+          <a:prstGeom prst="straightConnector1">
+            <a:avLst/>
+          </a:prstGeom>
+          <a:ln w="57150">
+            <a:solidFill>
+              <a:srgbClr val="FF0000"/>
+            </a:solidFill>
+            <a:tailEnd type="triangle"/>
+          </a:ln>
+        </p:spPr>
+        <p:style>
+          <a:lnRef idx="1">
+            <a:schemeClr val="accent1"/>
+          </a:lnRef>
+          <a:fillRef idx="0">
+            <a:schemeClr val="accent1"/>
+          </a:fillRef>
+          <a:effectRef idx="0">
+            <a:schemeClr val="accent1"/>
+          </a:effectRef>
+          <a:fontRef idx="minor">
+            <a:schemeClr val="tx1"/>
+          </a:fontRef>
+        </p:style>
+      </p:cxnSp>
+      <p:sp>
+        <p:nvSpPr>
+          <p:cNvPr id="9" name="テキスト ボックス 8"/>
+          <p:cNvSpPr txBox="1"/>
+          <p:nvPr/>
+        </p:nvSpPr>
+        <p:spPr>
+          <a:xfrm>
+            <a:off x="4810196" y="970790"/>
+            <a:ext cx="992579" cy="253916"/>
+          </a:xfrm>
+          <a:prstGeom prst="rect">
+            <a:avLst/>
+          </a:prstGeom>
+          <a:noFill/>
+        </p:spPr>
+        <p:txBody>
+          <a:bodyPr wrap="none" rtlCol="0">
+            <a:spAutoFit/>
+          </a:bodyPr>
+          <a:lstStyle/>
+          <a:p>
+            <a:r>
+              <a:rPr kumimoji="1" lang="ja-JP" altLang="en-US" sz="1050" dirty="0" smtClean="0">
+                <a:solidFill>
+                  <a:srgbClr val="FF0000"/>
+                </a:solidFill>
+                <a:latin typeface="BIZ UDPゴシック" panose="020B0400000000000000" pitchFamily="50" charset="-128"/>
+                <a:ea typeface="BIZ UDPゴシック" panose="020B0400000000000000" pitchFamily="50" charset="-128"/>
+              </a:rPr>
+              <a:t>選択肢の提示</a:t>
+            </a:r>
+            <a:endParaRPr kumimoji="1" lang="ja-JP" altLang="en-US" sz="1050" dirty="0">
+              <a:solidFill>
+                <a:srgbClr val="FF0000"/>
+              </a:solidFill>
+              <a:latin typeface="BIZ UDPゴシック" panose="020B0400000000000000" pitchFamily="50" charset="-128"/>
+              <a:ea typeface="BIZ UDPゴシック" panose="020B0400000000000000" pitchFamily="50" charset="-128"/>
+            </a:endParaRPr>
+          </a:p>
+        </p:txBody>
+      </p:sp>
+      <p:sp>
+        <p:nvSpPr>
+          <p:cNvPr id="12" name="正方形/長方形 11"/>
+          <p:cNvSpPr/>
+          <p:nvPr/>
+        </p:nvSpPr>
+        <p:spPr>
+          <a:xfrm>
+            <a:off x="3229094" y="2487133"/>
+            <a:ext cx="1313247" cy="590522"/>
+          </a:xfrm>
+          <a:prstGeom prst="rect">
+            <a:avLst/>
+          </a:prstGeom>
+          <a:solidFill>
+            <a:schemeClr val="bg1">
+              <a:lumMod val="50000"/>
+            </a:schemeClr>
+          </a:solidFill>
+          <a:ln>
+            <a:solidFill>
+              <a:schemeClr val="tx1"/>
+            </a:solidFill>
+          </a:ln>
+        </p:spPr>
+        <p:style>
+          <a:lnRef idx="2">
+            <a:schemeClr val="accent1">
+              <a:shade val="50000"/>
+            </a:schemeClr>
+          </a:lnRef>
+          <a:fillRef idx="1">
+            <a:schemeClr val="accent1"/>
+          </a:fillRef>
+          <a:effectRef idx="0">
+            <a:schemeClr val="accent1"/>
+          </a:effectRef>
+          <a:fontRef idx="minor">
+            <a:schemeClr val="lt1"/>
+          </a:fontRef>
+        </p:style>
+        <p:txBody>
+          <a:bodyPr rtlCol="0" anchor="ctr"/>
+          <a:lstStyle/>
+          <a:p>
+            <a:pPr algn="ctr"/>
+            <a:r>
+              <a:rPr kumimoji="1" lang="ja-JP" altLang="en-US" sz="1100" dirty="0" smtClean="0">
+                <a:solidFill>
+                  <a:schemeClr val="bg1"/>
+                </a:solidFill>
+                <a:latin typeface="BIZ UDPゴシック" panose="020B0400000000000000" pitchFamily="50" charset="-128"/>
+                <a:ea typeface="BIZ UDPゴシック" panose="020B0400000000000000" pitchFamily="50" charset="-128"/>
+              </a:rPr>
+              <a:t>中央処理部</a:t>
+            </a:r>
+            <a:endParaRPr kumimoji="1" lang="ja-JP" altLang="en-US" sz="1100" dirty="0">
+              <a:solidFill>
+                <a:schemeClr val="bg1"/>
+              </a:solidFill>
+              <a:latin typeface="BIZ UDPゴシック" panose="020B0400000000000000" pitchFamily="50" charset="-128"/>
+              <a:ea typeface="BIZ UDPゴシック" panose="020B0400000000000000" pitchFamily="50" charset="-128"/>
+            </a:endParaRPr>
+          </a:p>
+        </p:txBody>
+      </p:sp>
+      <p:cxnSp>
+        <p:nvCxnSpPr>
+          <p:cNvPr id="14" name="直線矢印コネクタ 13"/>
+          <p:cNvCxnSpPr/>
+          <p:nvPr/>
+        </p:nvCxnSpPr>
+        <p:spPr>
+          <a:xfrm flipH="1">
+            <a:off x="4542341" y="2371196"/>
+            <a:ext cx="2144704" cy="274924"/>
+          </a:xfrm>
+          <a:prstGeom prst="straightConnector1">
+            <a:avLst/>
+          </a:prstGeom>
+          <a:ln w="57150">
+            <a:solidFill>
+              <a:srgbClr val="FF0000"/>
+            </a:solidFill>
+            <a:tailEnd type="triangle"/>
+          </a:ln>
+        </p:spPr>
+        <p:style>
+          <a:lnRef idx="1">
+            <a:schemeClr val="accent1"/>
+          </a:lnRef>
+          <a:fillRef idx="0">
+            <a:schemeClr val="accent1"/>
+          </a:fillRef>
+          <a:effectRef idx="0">
+            <a:schemeClr val="accent1"/>
+          </a:effectRef>
+          <a:fontRef idx="minor">
+            <a:schemeClr val="tx1"/>
+          </a:fontRef>
+        </p:style>
+      </p:cxnSp>
+      <p:sp>
+        <p:nvSpPr>
+          <p:cNvPr id="16" name="テキスト ボックス 15"/>
+          <p:cNvSpPr txBox="1"/>
+          <p:nvPr/>
+        </p:nvSpPr>
+        <p:spPr>
+          <a:xfrm>
+            <a:off x="4460161" y="1956001"/>
+            <a:ext cx="1465089" cy="384721"/>
+          </a:xfrm>
+          <a:prstGeom prst="rect">
+            <a:avLst/>
+          </a:prstGeom>
+          <a:noFill/>
+        </p:spPr>
+        <p:txBody>
+          <a:bodyPr wrap="square" rtlCol="0">
+            <a:spAutoFit/>
+          </a:bodyPr>
+          <a:lstStyle/>
+          <a:p>
+            <a:r>
+              <a:rPr kumimoji="1" lang="ja-JP" altLang="en-US" sz="1000" dirty="0" smtClean="0">
+                <a:solidFill>
+                  <a:srgbClr val="FF0000"/>
+                </a:solidFill>
+                <a:latin typeface="BIZ UDPゴシック" panose="020B0400000000000000" pitchFamily="50" charset="-128"/>
+                <a:ea typeface="BIZ UDPゴシック" panose="020B0400000000000000" pitchFamily="50" charset="-128"/>
+              </a:rPr>
+              <a:t>選択肢から発話を選ぶ</a:t>
+            </a:r>
+            <a:endParaRPr kumimoji="1" lang="en-US" altLang="ja-JP" sz="900" dirty="0" smtClean="0">
+              <a:solidFill>
+                <a:srgbClr val="FF0000"/>
+              </a:solidFill>
+              <a:latin typeface="BIZ UDPゴシック" panose="020B0400000000000000" pitchFamily="50" charset="-128"/>
+              <a:ea typeface="BIZ UDPゴシック" panose="020B0400000000000000" pitchFamily="50" charset="-128"/>
+            </a:endParaRPr>
+          </a:p>
+          <a:p>
+            <a:r>
+              <a:rPr lang="ja-JP" altLang="en-US" sz="900" dirty="0" smtClean="0">
+                <a:solidFill>
+                  <a:srgbClr val="FF0000"/>
+                </a:solidFill>
+                <a:latin typeface="BIZ UDPゴシック" panose="020B0400000000000000" pitchFamily="50" charset="-128"/>
+                <a:ea typeface="BIZ UDPゴシック" panose="020B0400000000000000" pitchFamily="50" charset="-128"/>
+              </a:rPr>
+              <a:t>（発話者固定、時間制限）</a:t>
+            </a:r>
+            <a:endParaRPr kumimoji="1" lang="ja-JP" altLang="en-US" sz="900" dirty="0">
+              <a:solidFill>
+                <a:srgbClr val="FF0000"/>
+              </a:solidFill>
+              <a:latin typeface="BIZ UDPゴシック" panose="020B0400000000000000" pitchFamily="50" charset="-128"/>
+              <a:ea typeface="BIZ UDPゴシック" panose="020B0400000000000000" pitchFamily="50" charset="-128"/>
+            </a:endParaRPr>
+          </a:p>
+        </p:txBody>
+      </p:sp>
+      <p:cxnSp>
+        <p:nvCxnSpPr>
+          <p:cNvPr id="20" name="直線矢印コネクタ 19"/>
+          <p:cNvCxnSpPr/>
+          <p:nvPr/>
+        </p:nvCxnSpPr>
+        <p:spPr>
+          <a:xfrm>
+            <a:off x="2889572" y="387221"/>
+            <a:ext cx="0" cy="5703478"/>
+          </a:xfrm>
+          <a:prstGeom prst="straightConnector1">
+            <a:avLst/>
+          </a:prstGeom>
+          <a:ln w="76200">
+            <a:solidFill>
+              <a:schemeClr val="tx1"/>
+            </a:solidFill>
+            <a:tailEnd type="triangle"/>
+          </a:ln>
+        </p:spPr>
+        <p:style>
+          <a:lnRef idx="1">
+            <a:schemeClr val="accent1"/>
+          </a:lnRef>
+          <a:fillRef idx="0">
+            <a:schemeClr val="accent1"/>
+          </a:fillRef>
+          <a:effectRef idx="0">
+            <a:schemeClr val="accent1"/>
+          </a:effectRef>
+          <a:fontRef idx="minor">
+            <a:schemeClr val="tx1"/>
+          </a:fontRef>
+        </p:style>
+      </p:cxnSp>
+      <p:sp>
+        <p:nvSpPr>
+          <p:cNvPr id="21" name="テキスト ボックス 20"/>
+          <p:cNvSpPr txBox="1"/>
+          <p:nvPr/>
+        </p:nvSpPr>
+        <p:spPr>
+          <a:xfrm>
+            <a:off x="1769278" y="5058172"/>
+            <a:ext cx="1010213" cy="430887"/>
+          </a:xfrm>
+          <a:prstGeom prst="rect">
+            <a:avLst/>
+          </a:prstGeom>
+          <a:noFill/>
+          <a:ln>
+            <a:noFill/>
+          </a:ln>
+        </p:spPr>
+        <p:txBody>
+          <a:bodyPr wrap="none" rtlCol="0">
+            <a:spAutoFit/>
+          </a:bodyPr>
+          <a:lstStyle/>
+          <a:p>
+            <a:r>
+              <a:rPr lang="ja-JP" altLang="en-US" sz="1100" dirty="0">
+                <a:latin typeface="BIZ UDPゴシック" panose="020B0400000000000000" pitchFamily="50" charset="-128"/>
+                <a:ea typeface="BIZ UDPゴシック" panose="020B0400000000000000" pitchFamily="50" charset="-128"/>
+              </a:rPr>
+              <a:t>議論</a:t>
+            </a:r>
+            <a:r>
+              <a:rPr lang="ja-JP" altLang="en-US" sz="1100" dirty="0" smtClean="0">
+                <a:latin typeface="BIZ UDPゴシック" panose="020B0400000000000000" pitchFamily="50" charset="-128"/>
+                <a:ea typeface="BIZ UDPゴシック" panose="020B0400000000000000" pitchFamily="50" charset="-128"/>
+              </a:rPr>
+              <a:t>が続く間</a:t>
+            </a:r>
+            <a:endParaRPr lang="en-US" altLang="ja-JP" sz="1100" dirty="0" smtClean="0">
+              <a:latin typeface="BIZ UDPゴシック" panose="020B0400000000000000" pitchFamily="50" charset="-128"/>
+              <a:ea typeface="BIZ UDPゴシック" panose="020B0400000000000000" pitchFamily="50" charset="-128"/>
+            </a:endParaRPr>
+          </a:p>
+          <a:p>
+            <a:r>
+              <a:rPr kumimoji="1" lang="ja-JP" altLang="en-US" sz="1100" dirty="0" smtClean="0">
+                <a:latin typeface="BIZ UDPゴシック" panose="020B0400000000000000" pitchFamily="50" charset="-128"/>
+                <a:ea typeface="BIZ UDPゴシック" panose="020B0400000000000000" pitchFamily="50" charset="-128"/>
+              </a:rPr>
+              <a:t>繰り返す</a:t>
+            </a:r>
+            <a:endParaRPr kumimoji="1" lang="ja-JP" altLang="en-US" sz="1100" dirty="0">
+              <a:latin typeface="BIZ UDPゴシック" panose="020B0400000000000000" pitchFamily="50" charset="-128"/>
+              <a:ea typeface="BIZ UDPゴシック" panose="020B0400000000000000" pitchFamily="50" charset="-128"/>
+            </a:endParaRPr>
+          </a:p>
+        </p:txBody>
+      </p:sp>
+      <p:pic>
+        <p:nvPicPr>
+          <p:cNvPr id="22" name="図 21"/>
+          <p:cNvPicPr>
+            <a:picLocks noChangeAspect="1"/>
+          </p:cNvPicPr>
+          <p:nvPr/>
+        </p:nvPicPr>
+        <p:blipFill>
+          <a:blip r:embed="rId2"/>
+          <a:stretch>
+            <a:fillRect/>
+          </a:stretch>
+        </p:blipFill>
+        <p:spPr>
+          <a:xfrm>
+            <a:off x="6030955" y="2782394"/>
+            <a:ext cx="2182742" cy="1453249"/>
+          </a:xfrm>
+          <a:prstGeom prst="rect">
+            <a:avLst/>
+          </a:prstGeom>
+        </p:spPr>
+      </p:pic>
+      <p:sp>
+        <p:nvSpPr>
+          <p:cNvPr id="24" name="左大かっこ 23"/>
+          <p:cNvSpPr/>
+          <p:nvPr/>
+        </p:nvSpPr>
+        <p:spPr>
+          <a:xfrm>
+            <a:off x="1598212" y="375866"/>
+            <a:ext cx="528868" cy="5595564"/>
+          </a:xfrm>
+          <a:prstGeom prst="leftBracket">
+            <a:avLst/>
+          </a:prstGeom>
+          <a:ln w="76200">
+            <a:solidFill>
+              <a:schemeClr val="tx1"/>
+            </a:solidFill>
+          </a:ln>
+        </p:spPr>
+        <p:style>
+          <a:lnRef idx="1">
+            <a:schemeClr val="accent1"/>
+          </a:lnRef>
+          <a:fillRef idx="0">
+            <a:schemeClr val="accent1"/>
+          </a:fillRef>
+          <a:effectRef idx="0">
+            <a:schemeClr val="accent1"/>
+          </a:effectRef>
+          <a:fontRef idx="minor">
+            <a:schemeClr val="tx1"/>
+          </a:fontRef>
+        </p:style>
+        <p:txBody>
+          <a:bodyPr rtlCol="0" anchor="ctr"/>
+          <a:lstStyle/>
+          <a:p>
+            <a:pPr algn="ctr"/>
+            <a:endParaRPr kumimoji="1" lang="ja-JP" altLang="en-US"/>
+          </a:p>
+        </p:txBody>
+      </p:sp>
+      <p:cxnSp>
+        <p:nvCxnSpPr>
+          <p:cNvPr id="25" name="直線矢印コネクタ 24"/>
+          <p:cNvCxnSpPr/>
+          <p:nvPr/>
+        </p:nvCxnSpPr>
+        <p:spPr>
+          <a:xfrm flipV="1">
+            <a:off x="2045915" y="361382"/>
+            <a:ext cx="456940" cy="17321"/>
+          </a:xfrm>
+          <a:prstGeom prst="straightConnector1">
+            <a:avLst/>
+          </a:prstGeom>
+          <a:ln w="76200">
+            <a:solidFill>
+              <a:schemeClr val="tx1"/>
+            </a:solidFill>
+            <a:tailEnd type="triangle"/>
+          </a:ln>
+        </p:spPr>
+        <p:style>
+          <a:lnRef idx="1">
+            <a:schemeClr val="accent1"/>
+          </a:lnRef>
+          <a:fillRef idx="0">
+            <a:schemeClr val="accent1"/>
+          </a:fillRef>
+          <a:effectRef idx="0">
+            <a:schemeClr val="accent1"/>
+          </a:effectRef>
+          <a:fontRef idx="minor">
+            <a:schemeClr val="tx1"/>
+          </a:fontRef>
+        </p:style>
+      </p:cxnSp>
+      <p:cxnSp>
+        <p:nvCxnSpPr>
+          <p:cNvPr id="35" name="直線矢印コネクタ 34"/>
+          <p:cNvCxnSpPr>
+            <a:stCxn id="12" idx="3"/>
+          </p:cNvCxnSpPr>
+          <p:nvPr/>
+        </p:nvCxnSpPr>
+        <p:spPr>
+          <a:xfrm>
+            <a:off x="4542341" y="2782394"/>
+            <a:ext cx="2095457" cy="761539"/>
+          </a:xfrm>
+          <a:prstGeom prst="straightConnector1">
+            <a:avLst/>
+          </a:prstGeom>
+          <a:ln w="57150">
+            <a:solidFill>
+              <a:srgbClr val="FF0000"/>
+            </a:solidFill>
+            <a:tailEnd type="triangle"/>
+          </a:ln>
+        </p:spPr>
+        <p:style>
+          <a:lnRef idx="1">
+            <a:schemeClr val="accent1"/>
+          </a:lnRef>
+          <a:fillRef idx="0">
+            <a:schemeClr val="accent1"/>
+          </a:fillRef>
+          <a:effectRef idx="0">
+            <a:schemeClr val="accent1"/>
+          </a:effectRef>
+          <a:fontRef idx="minor">
+            <a:schemeClr val="tx1"/>
+          </a:fontRef>
+        </p:style>
+      </p:cxnSp>
+      <p:sp>
+        <p:nvSpPr>
+          <p:cNvPr id="45" name="テキスト ボックス 44"/>
+          <p:cNvSpPr txBox="1"/>
+          <p:nvPr/>
+        </p:nvSpPr>
+        <p:spPr>
+          <a:xfrm>
+            <a:off x="5090498" y="3389787"/>
+            <a:ext cx="845103" cy="415498"/>
+          </a:xfrm>
+          <a:prstGeom prst="rect">
+            <a:avLst/>
+          </a:prstGeom>
+          <a:noFill/>
+        </p:spPr>
+        <p:txBody>
+          <a:bodyPr wrap="none" rtlCol="0">
+            <a:spAutoFit/>
+          </a:bodyPr>
+          <a:lstStyle/>
+          <a:p>
+            <a:r>
+              <a:rPr lang="ja-JP" altLang="en-US" sz="1050" dirty="0">
+                <a:solidFill>
+                  <a:srgbClr val="FF0000"/>
+                </a:solidFill>
+                <a:latin typeface="BIZ UDPゴシック" panose="020B0400000000000000" pitchFamily="50" charset="-128"/>
+                <a:ea typeface="BIZ UDPゴシック" panose="020B0400000000000000" pitchFamily="50" charset="-128"/>
+              </a:rPr>
+              <a:t>ロボット</a:t>
+            </a:r>
+            <a:r>
+              <a:rPr lang="ja-JP" altLang="en-US" sz="1050" dirty="0" smtClean="0">
+                <a:solidFill>
+                  <a:srgbClr val="FF0000"/>
+                </a:solidFill>
+                <a:latin typeface="BIZ UDPゴシック" panose="020B0400000000000000" pitchFamily="50" charset="-128"/>
+                <a:ea typeface="BIZ UDPゴシック" panose="020B0400000000000000" pitchFamily="50" charset="-128"/>
+              </a:rPr>
+              <a:t>を</a:t>
+            </a:r>
+            <a:endParaRPr lang="en-US" altLang="ja-JP" sz="1050" dirty="0" smtClean="0">
+              <a:solidFill>
+                <a:srgbClr val="FF0000"/>
+              </a:solidFill>
+              <a:latin typeface="BIZ UDPゴシック" panose="020B0400000000000000" pitchFamily="50" charset="-128"/>
+              <a:ea typeface="BIZ UDPゴシック" panose="020B0400000000000000" pitchFamily="50" charset="-128"/>
+            </a:endParaRPr>
+          </a:p>
+          <a:p>
+            <a:r>
+              <a:rPr kumimoji="1" lang="ja-JP" altLang="en-US" sz="1050" dirty="0" smtClean="0">
+                <a:solidFill>
+                  <a:srgbClr val="FF0000"/>
+                </a:solidFill>
+                <a:latin typeface="BIZ UDPゴシック" panose="020B0400000000000000" pitchFamily="50" charset="-128"/>
+                <a:ea typeface="BIZ UDPゴシック" panose="020B0400000000000000" pitchFamily="50" charset="-128"/>
+              </a:rPr>
+              <a:t>発話させる</a:t>
+            </a:r>
+            <a:endParaRPr kumimoji="1" lang="en-US" altLang="ja-JP" sz="1050" dirty="0" smtClean="0">
+              <a:solidFill>
+                <a:srgbClr val="FF0000"/>
+              </a:solidFill>
+              <a:latin typeface="BIZ UDPゴシック" panose="020B0400000000000000" pitchFamily="50" charset="-128"/>
+              <a:ea typeface="BIZ UDPゴシック" panose="020B0400000000000000" pitchFamily="50" charset="-128"/>
+            </a:endParaRPr>
+          </a:p>
+        </p:txBody>
+      </p:sp>
+      <p:sp>
+        <p:nvSpPr>
+          <p:cNvPr id="27" name="正方形/長方形 26"/>
+          <p:cNvSpPr/>
+          <p:nvPr/>
+        </p:nvSpPr>
+        <p:spPr>
+          <a:xfrm>
+            <a:off x="3232129" y="4146251"/>
+            <a:ext cx="1313247" cy="590522"/>
+          </a:xfrm>
+          <a:prstGeom prst="rect">
+            <a:avLst/>
+          </a:prstGeom>
+          <a:solidFill>
+            <a:schemeClr val="bg1">
+              <a:lumMod val="50000"/>
+            </a:schemeClr>
+          </a:solidFill>
+          <a:ln>
+            <a:solidFill>
+              <a:schemeClr val="tx1"/>
+            </a:solidFill>
+          </a:ln>
+        </p:spPr>
+        <p:style>
+          <a:lnRef idx="2">
+            <a:schemeClr val="accent1">
+              <a:shade val="50000"/>
+            </a:schemeClr>
+          </a:lnRef>
+          <a:fillRef idx="1">
+            <a:schemeClr val="accent1"/>
+          </a:fillRef>
+          <a:effectRef idx="0">
+            <a:schemeClr val="accent1"/>
+          </a:effectRef>
+          <a:fontRef idx="minor">
+            <a:schemeClr val="lt1"/>
+          </a:fontRef>
+        </p:style>
+        <p:txBody>
+          <a:bodyPr rtlCol="0" anchor="ctr"/>
+          <a:lstStyle/>
+          <a:p>
+            <a:pPr algn="ctr"/>
+            <a:r>
+              <a:rPr kumimoji="1" lang="ja-JP" altLang="en-US" sz="1100" dirty="0" smtClean="0">
+                <a:solidFill>
+                  <a:schemeClr val="bg1"/>
+                </a:solidFill>
+                <a:latin typeface="BIZ UDPゴシック" panose="020B0400000000000000" pitchFamily="50" charset="-128"/>
+                <a:ea typeface="BIZ UDPゴシック" panose="020B0400000000000000" pitchFamily="50" charset="-128"/>
+              </a:rPr>
+              <a:t>中央処理部</a:t>
+            </a:r>
+            <a:endParaRPr kumimoji="1" lang="ja-JP" altLang="en-US" sz="1100" dirty="0">
+              <a:solidFill>
+                <a:schemeClr val="bg1"/>
+              </a:solidFill>
+              <a:latin typeface="BIZ UDPゴシック" panose="020B0400000000000000" pitchFamily="50" charset="-128"/>
+              <a:ea typeface="BIZ UDPゴシック" panose="020B0400000000000000" pitchFamily="50" charset="-128"/>
+            </a:endParaRPr>
+          </a:p>
+        </p:txBody>
+      </p:sp>
+      <p:pic>
+        <p:nvPicPr>
+          <p:cNvPr id="7" name="図 6"/>
+          <p:cNvPicPr>
+            <a:picLocks noChangeAspect="1"/>
+          </p:cNvPicPr>
+          <p:nvPr/>
+        </p:nvPicPr>
+        <p:blipFill>
+          <a:blip r:embed="rId3" cstate="print">
+            <a:extLst>
+              <a:ext uri="{28A0092B-C50C-407E-A947-70E740481C1C}">
+                <a14:useLocalDpi xmlns:a14="http://schemas.microsoft.com/office/drawing/2010/main" val="0"/>
+              </a:ext>
+            </a:extLst>
+          </a:blip>
+          <a:stretch>
+            <a:fillRect/>
+          </a:stretch>
+        </p:blipFill>
+        <p:spPr>
+          <a:xfrm>
+            <a:off x="8746435" y="4961632"/>
+            <a:ext cx="1918252" cy="1278835"/>
+          </a:xfrm>
+          <a:prstGeom prst="rect">
+            <a:avLst/>
+          </a:prstGeom>
+        </p:spPr>
+      </p:pic>
+      <p:pic>
+        <p:nvPicPr>
+          <p:cNvPr id="29" name="図 28"/>
+          <p:cNvPicPr>
+            <a:picLocks noChangeAspect="1"/>
+          </p:cNvPicPr>
+          <p:nvPr/>
+        </p:nvPicPr>
+        <p:blipFill>
+          <a:blip r:embed="rId2"/>
+          <a:stretch>
+            <a:fillRect/>
+          </a:stretch>
+        </p:blipFill>
+        <p:spPr>
+          <a:xfrm>
+            <a:off x="6030955" y="4546990"/>
+            <a:ext cx="2182742" cy="1453249"/>
+          </a:xfrm>
+          <a:prstGeom prst="rect">
+            <a:avLst/>
+          </a:prstGeom>
+        </p:spPr>
+      </p:pic>
+      <p:cxnSp>
+        <p:nvCxnSpPr>
+          <p:cNvPr id="28" name="直線矢印コネクタ 27"/>
+          <p:cNvCxnSpPr>
+            <a:stCxn id="27" idx="3"/>
+          </p:cNvCxnSpPr>
+          <p:nvPr/>
+        </p:nvCxnSpPr>
+        <p:spPr>
+          <a:xfrm>
+            <a:off x="4545376" y="4441512"/>
+            <a:ext cx="2014450" cy="1154218"/>
+          </a:xfrm>
+          <a:prstGeom prst="straightConnector1">
+            <a:avLst/>
+          </a:prstGeom>
+          <a:ln w="57150">
+            <a:solidFill>
+              <a:srgbClr val="FF0000"/>
+            </a:solidFill>
+            <a:tailEnd type="triangle"/>
+          </a:ln>
+        </p:spPr>
+        <p:style>
+          <a:lnRef idx="1">
+            <a:schemeClr val="accent1"/>
+          </a:lnRef>
+          <a:fillRef idx="0">
+            <a:schemeClr val="accent1"/>
+          </a:fillRef>
+          <a:effectRef idx="0">
+            <a:schemeClr val="accent1"/>
+          </a:effectRef>
+          <a:fontRef idx="minor">
+            <a:schemeClr val="tx1"/>
+          </a:fontRef>
+        </p:style>
+      </p:cxnSp>
+      <p:sp>
+        <p:nvSpPr>
+          <p:cNvPr id="31" name="テキスト ボックス 30"/>
+          <p:cNvSpPr txBox="1"/>
+          <p:nvPr/>
+        </p:nvSpPr>
+        <p:spPr>
+          <a:xfrm>
+            <a:off x="5068531" y="5123460"/>
+            <a:ext cx="715260" cy="415498"/>
+          </a:xfrm>
+          <a:prstGeom prst="rect">
+            <a:avLst/>
+          </a:prstGeom>
+          <a:noFill/>
+        </p:spPr>
+        <p:txBody>
+          <a:bodyPr wrap="none" rtlCol="0">
+            <a:spAutoFit/>
+          </a:bodyPr>
+          <a:lstStyle/>
+          <a:p>
+            <a:r>
+              <a:rPr lang="ja-JP" altLang="en-US" sz="1050" dirty="0" smtClean="0">
+                <a:solidFill>
+                  <a:srgbClr val="FF0000"/>
+                </a:solidFill>
+                <a:latin typeface="BIZ UDPゴシック" panose="020B0400000000000000" pitchFamily="50" charset="-128"/>
+                <a:ea typeface="BIZ UDPゴシック" panose="020B0400000000000000" pitchFamily="50" charset="-128"/>
+              </a:rPr>
+              <a:t>あいづち</a:t>
+            </a:r>
+            <a:endParaRPr lang="en-US" altLang="ja-JP" sz="1050" dirty="0" smtClean="0">
+              <a:solidFill>
+                <a:srgbClr val="FF0000"/>
+              </a:solidFill>
+              <a:latin typeface="BIZ UDPゴシック" panose="020B0400000000000000" pitchFamily="50" charset="-128"/>
+              <a:ea typeface="BIZ UDPゴシック" panose="020B0400000000000000" pitchFamily="50" charset="-128"/>
+            </a:endParaRPr>
+          </a:p>
+          <a:p>
+            <a:r>
+              <a:rPr lang="ja-JP" altLang="en-US" sz="1050" dirty="0" smtClean="0">
+                <a:solidFill>
+                  <a:srgbClr val="FF0000"/>
+                </a:solidFill>
+                <a:latin typeface="BIZ UDPゴシック" panose="020B0400000000000000" pitchFamily="50" charset="-128"/>
+                <a:ea typeface="BIZ UDPゴシック" panose="020B0400000000000000" pitchFamily="50" charset="-128"/>
+              </a:rPr>
+              <a:t>の</a:t>
+            </a:r>
+            <a:r>
+              <a:rPr lang="ja-JP" altLang="en-US" sz="1050" dirty="0">
+                <a:solidFill>
+                  <a:srgbClr val="FF0000"/>
+                </a:solidFill>
+                <a:latin typeface="BIZ UDPゴシック" panose="020B0400000000000000" pitchFamily="50" charset="-128"/>
+                <a:ea typeface="BIZ UDPゴシック" panose="020B0400000000000000" pitchFamily="50" charset="-128"/>
+              </a:rPr>
+              <a:t>提示</a:t>
+            </a:r>
+            <a:endParaRPr lang="en-US" altLang="ja-JP" sz="1050" dirty="0" smtClean="0">
+              <a:solidFill>
+                <a:srgbClr val="FF0000"/>
+              </a:solidFill>
+              <a:latin typeface="BIZ UDPゴシック" panose="020B0400000000000000" pitchFamily="50" charset="-128"/>
+              <a:ea typeface="BIZ UDPゴシック" panose="020B0400000000000000" pitchFamily="50" charset="-128"/>
+            </a:endParaRPr>
+          </a:p>
+        </p:txBody>
+      </p:sp>
+      <p:sp>
+        <p:nvSpPr>
+          <p:cNvPr id="32" name="テキスト ボックス 31"/>
+          <p:cNvSpPr txBox="1"/>
+          <p:nvPr/>
+        </p:nvSpPr>
+        <p:spPr>
+          <a:xfrm>
+            <a:off x="8889599" y="4623327"/>
+            <a:ext cx="1611339" cy="307777"/>
+          </a:xfrm>
+          <a:prstGeom prst="rect">
+            <a:avLst/>
+          </a:prstGeom>
+          <a:noFill/>
+        </p:spPr>
+        <p:txBody>
+          <a:bodyPr wrap="none" rtlCol="0">
+            <a:spAutoFit/>
+          </a:bodyPr>
+          <a:lstStyle/>
+          <a:p>
+            <a:r>
+              <a:rPr lang="ja-JP" altLang="en-US" sz="1400" dirty="0" smtClean="0">
+                <a:latin typeface="BIZ UDPゴシック" panose="020B0400000000000000" pitchFamily="50" charset="-128"/>
+                <a:ea typeface="BIZ UDPゴシック" panose="020B0400000000000000" pitchFamily="50" charset="-128"/>
+              </a:rPr>
+              <a:t>あいづち選択画面</a:t>
+            </a:r>
+            <a:endParaRPr kumimoji="1" lang="ja-JP" altLang="en-US" dirty="0">
+              <a:latin typeface="BIZ UDPゴシック" panose="020B0400000000000000" pitchFamily="50" charset="-128"/>
+              <a:ea typeface="BIZ UDPゴシック" panose="020B0400000000000000" pitchFamily="50" charset="-128"/>
+            </a:endParaRPr>
+          </a:p>
+        </p:txBody>
+      </p:sp>
+      <p:pic>
+        <p:nvPicPr>
+          <p:cNvPr id="13" name="図 12"/>
+          <p:cNvPicPr>
+            <a:picLocks noChangeAspect="1"/>
+          </p:cNvPicPr>
+          <p:nvPr/>
+        </p:nvPicPr>
+        <p:blipFill>
+          <a:blip r:embed="rId4" cstate="print">
+            <a:extLst>
+              <a:ext uri="{28A0092B-C50C-407E-A947-70E740481C1C}">
+                <a14:useLocalDpi xmlns:a14="http://schemas.microsoft.com/office/drawing/2010/main" val="0"/>
+              </a:ext>
+            </a:extLst>
+          </a:blip>
+          <a:stretch>
+            <a:fillRect/>
+          </a:stretch>
+        </p:blipFill>
+        <p:spPr>
+          <a:xfrm>
+            <a:off x="8513682" y="523969"/>
+            <a:ext cx="2089656" cy="1393104"/>
+          </a:xfrm>
+          <a:prstGeom prst="rect">
+            <a:avLst/>
+          </a:prstGeom>
+        </p:spPr>
+      </p:pic>
+      <p:sp>
+        <p:nvSpPr>
+          <p:cNvPr id="33" name="テキスト ボックス 32"/>
+          <p:cNvSpPr txBox="1"/>
+          <p:nvPr/>
+        </p:nvSpPr>
+        <p:spPr>
+          <a:xfrm>
+            <a:off x="8346837" y="91311"/>
+            <a:ext cx="3049233" cy="307777"/>
+          </a:xfrm>
+          <a:prstGeom prst="rect">
+            <a:avLst/>
+          </a:prstGeom>
+          <a:noFill/>
+        </p:spPr>
+        <p:txBody>
+          <a:bodyPr wrap="none" rtlCol="0">
+            <a:spAutoFit/>
+          </a:bodyPr>
+          <a:lstStyle/>
+          <a:p>
+            <a:r>
+              <a:rPr lang="ja-JP" altLang="en-US" sz="1400" dirty="0" smtClean="0">
+                <a:latin typeface="BIZ UDPゴシック" panose="020B0400000000000000" pitchFamily="50" charset="-128"/>
+                <a:ea typeface="BIZ UDPゴシック" panose="020B0400000000000000" pitchFamily="50" charset="-128"/>
+              </a:rPr>
+              <a:t>発話選択画面（下のバーが制限時間）</a:t>
+            </a:r>
+            <a:endParaRPr kumimoji="1" lang="ja-JP" altLang="en-US" dirty="0">
+              <a:latin typeface="BIZ UDPゴシック" panose="020B0400000000000000" pitchFamily="50" charset="-128"/>
+              <a:ea typeface="BIZ UDPゴシック" panose="020B0400000000000000" pitchFamily="50" charset="-128"/>
+            </a:endParaRPr>
+          </a:p>
+        </p:txBody>
+      </p:sp>
+      <p:pic>
+        <p:nvPicPr>
+          <p:cNvPr id="15" name="図 14"/>
+          <p:cNvPicPr>
+            <a:picLocks noChangeAspect="1"/>
+          </p:cNvPicPr>
+          <p:nvPr/>
+        </p:nvPicPr>
+        <p:blipFill rotWithShape="1">
+          <a:blip r:embed="rId5" cstate="print">
+            <a:extLst>
+              <a:ext uri="{28A0092B-C50C-407E-A947-70E740481C1C}">
+                <a14:useLocalDpi xmlns:a14="http://schemas.microsoft.com/office/drawing/2010/main" val="0"/>
+              </a:ext>
+            </a:extLst>
+          </a:blip>
+          <a:srcRect l="14750" r="19636" b="28433"/>
+          <a:stretch/>
+        </p:blipFill>
+        <p:spPr>
+          <a:xfrm>
+            <a:off x="9893801" y="2132767"/>
+            <a:ext cx="2019043" cy="1468131"/>
+          </a:xfrm>
+          <a:prstGeom prst="rect">
+            <a:avLst/>
+          </a:prstGeom>
+        </p:spPr>
+      </p:pic>
+      <p:sp>
+        <p:nvSpPr>
+          <p:cNvPr id="36" name="テキスト ボックス 35"/>
+          <p:cNvSpPr txBox="1"/>
+          <p:nvPr/>
+        </p:nvSpPr>
+        <p:spPr>
+          <a:xfrm>
+            <a:off x="10007884" y="3075203"/>
+            <a:ext cx="1790875" cy="415498"/>
+          </a:xfrm>
+          <a:prstGeom prst="rect">
+            <a:avLst/>
+          </a:prstGeom>
+          <a:noFill/>
+        </p:spPr>
+        <p:txBody>
+          <a:bodyPr wrap="none" rtlCol="0">
+            <a:spAutoFit/>
+          </a:bodyPr>
+          <a:lstStyle/>
+          <a:p>
+            <a:r>
+              <a:rPr kumimoji="1" lang="ja-JP" altLang="en-US" sz="1050" dirty="0" smtClean="0">
+                <a:latin typeface="BIZ UDPゴシック" panose="020B0400000000000000" pitchFamily="50" charset="-128"/>
+                <a:ea typeface="BIZ UDPゴシック" panose="020B0400000000000000" pitchFamily="50" charset="-128"/>
+              </a:rPr>
+              <a:t>発話権のない人の手元には</a:t>
+            </a:r>
+            <a:endParaRPr lang="en-US" altLang="ja-JP" dirty="0" smtClean="0">
+              <a:latin typeface="BIZ UDPゴシック" panose="020B0400000000000000" pitchFamily="50" charset="-128"/>
+              <a:ea typeface="BIZ UDPゴシック" panose="020B0400000000000000" pitchFamily="50" charset="-128"/>
+            </a:endParaRPr>
+          </a:p>
+          <a:p>
+            <a:r>
+              <a:rPr kumimoji="1" lang="ja-JP" altLang="en-US" sz="1050" dirty="0" smtClean="0">
+                <a:latin typeface="BIZ UDPゴシック" panose="020B0400000000000000" pitchFamily="50" charset="-128"/>
+                <a:ea typeface="BIZ UDPゴシック" panose="020B0400000000000000" pitchFamily="50" charset="-128"/>
+              </a:rPr>
+              <a:t>議論</a:t>
+            </a:r>
+            <a:r>
+              <a:rPr kumimoji="1" lang="ja-JP" altLang="en-US" sz="1050" dirty="0">
+                <a:latin typeface="BIZ UDPゴシック" panose="020B0400000000000000" pitchFamily="50" charset="-128"/>
+                <a:ea typeface="BIZ UDPゴシック" panose="020B0400000000000000" pitchFamily="50" charset="-128"/>
+              </a:rPr>
+              <a:t>履歴</a:t>
+            </a:r>
+            <a:r>
+              <a:rPr kumimoji="1" lang="ja-JP" altLang="en-US" sz="1050" dirty="0" smtClean="0">
+                <a:latin typeface="BIZ UDPゴシック" panose="020B0400000000000000" pitchFamily="50" charset="-128"/>
+                <a:ea typeface="BIZ UDPゴシック" panose="020B0400000000000000" pitchFamily="50" charset="-128"/>
+              </a:rPr>
+              <a:t>が表示される</a:t>
+            </a:r>
+            <a:endParaRPr kumimoji="1" lang="en-US" altLang="ja-JP" sz="1050" dirty="0" smtClean="0">
+              <a:latin typeface="BIZ UDPゴシック" panose="020B0400000000000000" pitchFamily="50" charset="-128"/>
+              <a:ea typeface="BIZ UDPゴシック" panose="020B0400000000000000" pitchFamily="50" charset="-128"/>
+            </a:endParaRPr>
+          </a:p>
+        </p:txBody>
+      </p:sp>
+      <p:pic>
+        <p:nvPicPr>
+          <p:cNvPr id="37" name="図 36"/>
+          <p:cNvPicPr>
+            <a:picLocks noChangeAspect="1"/>
+          </p:cNvPicPr>
+          <p:nvPr/>
+        </p:nvPicPr>
+        <p:blipFill>
+          <a:blip r:embed="rId6" cstate="print">
+            <a:extLst>
+              <a:ext uri="{28A0092B-C50C-407E-A947-70E740481C1C}">
+                <a14:useLocalDpi xmlns:a14="http://schemas.microsoft.com/office/drawing/2010/main" val="0"/>
+              </a:ext>
+            </a:extLst>
+          </a:blip>
+          <a:stretch>
+            <a:fillRect/>
+          </a:stretch>
+        </p:blipFill>
+        <p:spPr>
+          <a:xfrm>
+            <a:off x="8563780" y="3788221"/>
+            <a:ext cx="979937" cy="653291"/>
+          </a:xfrm>
+          <a:prstGeom prst="rect">
+            <a:avLst/>
+          </a:prstGeom>
+        </p:spPr>
+      </p:pic>
+      <p:sp>
+        <p:nvSpPr>
+          <p:cNvPr id="38" name="テキスト ボックス 37"/>
+          <p:cNvSpPr txBox="1"/>
+          <p:nvPr/>
+        </p:nvSpPr>
+        <p:spPr>
+          <a:xfrm>
+            <a:off x="8388530" y="3571788"/>
+            <a:ext cx="1208985" cy="246221"/>
+          </a:xfrm>
+          <a:prstGeom prst="rect">
+            <a:avLst/>
+          </a:prstGeom>
+          <a:noFill/>
+        </p:spPr>
+        <p:txBody>
+          <a:bodyPr wrap="none" rtlCol="0">
+            <a:spAutoFit/>
+          </a:bodyPr>
+          <a:lstStyle/>
+          <a:p>
+            <a:r>
+              <a:rPr lang="ja-JP" altLang="en-US" sz="1000" dirty="0" smtClean="0">
+                <a:latin typeface="BIZ UDPゴシック" panose="020B0400000000000000" pitchFamily="50" charset="-128"/>
+                <a:ea typeface="BIZ UDPゴシック" panose="020B0400000000000000" pitchFamily="50" charset="-128"/>
+              </a:rPr>
+              <a:t>発話中は操作禁止</a:t>
+            </a:r>
+            <a:endParaRPr kumimoji="1" lang="ja-JP" altLang="en-US" sz="1100" dirty="0">
+              <a:latin typeface="BIZ UDPゴシック" panose="020B0400000000000000" pitchFamily="50" charset="-128"/>
+              <a:ea typeface="BIZ UDPゴシック" panose="020B0400000000000000" pitchFamily="50" charset="-128"/>
+            </a:endParaRPr>
+          </a:p>
+        </p:txBody>
+      </p:sp>
+      <p:cxnSp>
+        <p:nvCxnSpPr>
+          <p:cNvPr id="18" name="直線コネクタ 17"/>
+          <p:cNvCxnSpPr/>
+          <p:nvPr/>
+        </p:nvCxnSpPr>
+        <p:spPr>
+          <a:xfrm flipV="1">
+            <a:off x="6696618" y="527090"/>
+            <a:ext cx="1875884" cy="1484675"/>
+          </a:xfrm>
+          <a:prstGeom prst="line">
+            <a:avLst/>
+          </a:prstGeom>
+        </p:spPr>
+        <p:style>
+          <a:lnRef idx="1">
+            <a:schemeClr val="accent1"/>
+          </a:lnRef>
+          <a:fillRef idx="0">
+            <a:schemeClr val="accent1"/>
+          </a:fillRef>
+          <a:effectRef idx="0">
+            <a:schemeClr val="accent1"/>
+          </a:effectRef>
+          <a:fontRef idx="minor">
+            <a:schemeClr val="tx1"/>
+          </a:fontRef>
+        </p:style>
+      </p:cxnSp>
+      <p:cxnSp>
+        <p:nvCxnSpPr>
+          <p:cNvPr id="39" name="直線コネクタ 38"/>
+          <p:cNvCxnSpPr/>
+          <p:nvPr/>
+        </p:nvCxnSpPr>
+        <p:spPr>
+          <a:xfrm flipV="1">
+            <a:off x="6815797" y="1717348"/>
+            <a:ext cx="1697885" cy="563639"/>
+          </a:xfrm>
+          <a:prstGeom prst="line">
+            <a:avLst/>
+          </a:prstGeom>
+        </p:spPr>
+        <p:style>
+          <a:lnRef idx="1">
+            <a:schemeClr val="accent1"/>
+          </a:lnRef>
+          <a:fillRef idx="0">
+            <a:schemeClr val="accent1"/>
+          </a:fillRef>
+          <a:effectRef idx="0">
+            <a:schemeClr val="accent1"/>
+          </a:effectRef>
+          <a:fontRef idx="minor">
+            <a:schemeClr val="tx1"/>
+          </a:fontRef>
+        </p:style>
+      </p:cxnSp>
+      <p:cxnSp>
+        <p:nvCxnSpPr>
+          <p:cNvPr id="42" name="直線コネクタ 41"/>
+          <p:cNvCxnSpPr/>
+          <p:nvPr/>
+        </p:nvCxnSpPr>
+        <p:spPr>
+          <a:xfrm>
+            <a:off x="7807569" y="2097597"/>
+            <a:ext cx="2138289" cy="50764"/>
+          </a:xfrm>
+          <a:prstGeom prst="line">
+            <a:avLst/>
+          </a:prstGeom>
+        </p:spPr>
+        <p:style>
+          <a:lnRef idx="1">
+            <a:schemeClr val="accent1"/>
+          </a:lnRef>
+          <a:fillRef idx="0">
+            <a:schemeClr val="accent1"/>
+          </a:fillRef>
+          <a:effectRef idx="0">
+            <a:schemeClr val="accent1"/>
+          </a:effectRef>
+          <a:fontRef idx="minor">
+            <a:schemeClr val="tx1"/>
+          </a:fontRef>
+        </p:style>
+      </p:cxnSp>
+      <p:cxnSp>
+        <p:nvCxnSpPr>
+          <p:cNvPr id="44" name="直線コネクタ 43"/>
+          <p:cNvCxnSpPr/>
+          <p:nvPr/>
+        </p:nvCxnSpPr>
+        <p:spPr>
+          <a:xfrm flipH="1" flipV="1">
+            <a:off x="7772400" y="2270869"/>
+            <a:ext cx="2099053" cy="1284741"/>
+          </a:xfrm>
+          <a:prstGeom prst="line">
+            <a:avLst/>
+          </a:prstGeom>
+        </p:spPr>
+        <p:style>
+          <a:lnRef idx="1">
+            <a:schemeClr val="accent1"/>
+          </a:lnRef>
+          <a:fillRef idx="0">
+            <a:schemeClr val="accent1"/>
+          </a:fillRef>
+          <a:effectRef idx="0">
+            <a:schemeClr val="accent1"/>
+          </a:effectRef>
+          <a:fontRef idx="minor">
+            <a:schemeClr val="tx1"/>
+          </a:fontRef>
+        </p:style>
+      </p:cxnSp>
+    </p:spTree>
+    <p:extLst>
+      <p:ext uri="{BB962C8B-B14F-4D97-AF65-F5344CB8AC3E}">
+        <p14:creationId xmlns:p14="http://schemas.microsoft.com/office/powerpoint/2010/main" val="1349661810"/>
+      </p:ext>
+    </p:extLst>
+  </p:cSld>
+  <p:clrMapOvr>
+    <a:masterClrMapping/>
+  </p:clrMapOvr>
+</p:sld>
+</file>
+
+<file path=ppt/slides/slide13.xml><?xml version="1.0" encoding="utf-8"?>
+<p:sld xmlns:a="http://schemas.openxmlformats.org/drawingml/2006/main" xmlns:r="http://schemas.openxmlformats.org/officeDocument/2006/relationships" xmlns:p="http://schemas.openxmlformats.org/presentationml/2006/main">
+  <p:cSld>
+    <p:spTree>
+      <p:nvGrpSpPr>
+        <p:cNvPr id="1" name=""/>
+        <p:cNvGrpSpPr/>
+        <p:nvPr/>
+      </p:nvGrpSpPr>
+      <p:grpSpPr>
+        <a:xfrm>
+          <a:off x="0" y="0"/>
+          <a:ext cx="0" cy="0"/>
+          <a:chOff x="0" y="0"/>
+          <a:chExt cx="0" cy="0"/>
+        </a:xfrm>
+      </p:grpSpPr>
+      <p:sp>
+        <p:nvSpPr>
+          <p:cNvPr id="4" name="テキスト ボックス 3"/>
+          <p:cNvSpPr txBox="1"/>
+          <p:nvPr/>
+        </p:nvSpPr>
+        <p:spPr>
+          <a:xfrm>
+            <a:off x="1181687" y="991764"/>
+            <a:ext cx="9411285" cy="5355312"/>
+          </a:xfrm>
+          <a:prstGeom prst="rect">
+            <a:avLst/>
+          </a:prstGeom>
+          <a:noFill/>
+        </p:spPr>
+        <p:txBody>
+          <a:bodyPr wrap="square" rtlCol="0">
+            <a:spAutoFit/>
+          </a:bodyPr>
+          <a:lstStyle/>
+          <a:p>
+            <a:r>
+              <a:rPr lang="ja-JP" altLang="en-US" dirty="0" smtClean="0">
+                <a:latin typeface="BIZ UDPゴシック" panose="020B0400000000000000" pitchFamily="50" charset="-128"/>
+                <a:ea typeface="BIZ UDPゴシック" panose="020B0400000000000000" pitchFamily="50" charset="-128"/>
+              </a:rPr>
+              <a:t>ロボット</a:t>
+            </a:r>
+            <a:r>
+              <a:rPr lang="en-US" altLang="ja-JP" dirty="0" smtClean="0">
+                <a:latin typeface="BIZ UDPゴシック" panose="020B0400000000000000" pitchFamily="50" charset="-128"/>
+                <a:ea typeface="BIZ UDPゴシック" panose="020B0400000000000000" pitchFamily="50" charset="-128"/>
+              </a:rPr>
+              <a:t>A</a:t>
+            </a:r>
+            <a:r>
+              <a:rPr lang="ja-JP" altLang="en-US" dirty="0" smtClean="0">
+                <a:latin typeface="BIZ UDPゴシック" panose="020B0400000000000000" pitchFamily="50" charset="-128"/>
+                <a:ea typeface="BIZ UDPゴシック" panose="020B0400000000000000" pitchFamily="50" charset="-128"/>
+              </a:rPr>
+              <a:t>「ぼくは○○だと思うな」</a:t>
+            </a:r>
+            <a:endParaRPr lang="en-US" altLang="ja-JP" dirty="0" smtClean="0">
+              <a:latin typeface="BIZ UDPゴシック" panose="020B0400000000000000" pitchFamily="50" charset="-128"/>
+              <a:ea typeface="BIZ UDPゴシック" panose="020B0400000000000000" pitchFamily="50" charset="-128"/>
+            </a:endParaRPr>
+          </a:p>
+          <a:p>
+            <a:r>
+              <a:rPr lang="ja-JP" altLang="en-US" dirty="0" smtClean="0">
+                <a:latin typeface="BIZ UDPゴシック" panose="020B0400000000000000" pitchFamily="50" charset="-128"/>
+                <a:ea typeface="BIZ UDPゴシック" panose="020B0400000000000000" pitchFamily="50" charset="-128"/>
+              </a:rPr>
+              <a:t>ロボット</a:t>
+            </a:r>
+            <a:r>
+              <a:rPr lang="en-US" altLang="ja-JP" dirty="0" smtClean="0">
+                <a:latin typeface="BIZ UDPゴシック" panose="020B0400000000000000" pitchFamily="50" charset="-128"/>
+                <a:ea typeface="BIZ UDPゴシック" panose="020B0400000000000000" pitchFamily="50" charset="-128"/>
+              </a:rPr>
+              <a:t>B</a:t>
+            </a:r>
+            <a:r>
+              <a:rPr lang="ja-JP" altLang="en-US" dirty="0" smtClean="0">
+                <a:latin typeface="BIZ UDPゴシック" panose="020B0400000000000000" pitchFamily="50" charset="-128"/>
+                <a:ea typeface="BIZ UDPゴシック" panose="020B0400000000000000" pitchFamily="50" charset="-128"/>
+              </a:rPr>
+              <a:t>「えー、反対だな。△△じゃない？」</a:t>
+            </a:r>
+            <a:endParaRPr lang="en-US" altLang="ja-JP" dirty="0" smtClean="0">
+              <a:latin typeface="BIZ UDPゴシック" panose="020B0400000000000000" pitchFamily="50" charset="-128"/>
+              <a:ea typeface="BIZ UDPゴシック" panose="020B0400000000000000" pitchFamily="50" charset="-128"/>
+            </a:endParaRPr>
+          </a:p>
+          <a:p>
+            <a:r>
+              <a:rPr lang="ja-JP" altLang="en-US" dirty="0" smtClean="0">
+                <a:latin typeface="BIZ UDPゴシック" panose="020B0400000000000000" pitchFamily="50" charset="-128"/>
+                <a:ea typeface="BIZ UDPゴシック" panose="020B0400000000000000" pitchFamily="50" charset="-128"/>
+              </a:rPr>
+              <a:t>ロボット</a:t>
+            </a:r>
+            <a:r>
+              <a:rPr lang="en-US" altLang="ja-JP" dirty="0">
+                <a:latin typeface="BIZ UDPゴシック" panose="020B0400000000000000" pitchFamily="50" charset="-128"/>
+                <a:ea typeface="BIZ UDPゴシック" panose="020B0400000000000000" pitchFamily="50" charset="-128"/>
+              </a:rPr>
+              <a:t>C</a:t>
+            </a:r>
+            <a:r>
+              <a:rPr lang="ja-JP" altLang="en-US" dirty="0" smtClean="0">
+                <a:latin typeface="BIZ UDPゴシック" panose="020B0400000000000000" pitchFamily="50" charset="-128"/>
+                <a:ea typeface="BIZ UDPゴシック" panose="020B0400000000000000" pitchFamily="50" charset="-128"/>
+              </a:rPr>
+              <a:t>「ぼくはロボット</a:t>
+            </a:r>
+            <a:r>
+              <a:rPr lang="en-US" altLang="ja-JP" dirty="0" smtClean="0">
+                <a:latin typeface="BIZ UDPゴシック" panose="020B0400000000000000" pitchFamily="50" charset="-128"/>
+                <a:ea typeface="BIZ UDPゴシック" panose="020B0400000000000000" pitchFamily="50" charset="-128"/>
+              </a:rPr>
+              <a:t>A</a:t>
+            </a:r>
+            <a:r>
+              <a:rPr lang="ja-JP" altLang="en-US" dirty="0" smtClean="0">
+                <a:latin typeface="BIZ UDPゴシック" panose="020B0400000000000000" pitchFamily="50" charset="-128"/>
+                <a:ea typeface="BIZ UDPゴシック" panose="020B0400000000000000" pitchFamily="50" charset="-128"/>
+              </a:rPr>
+              <a:t>派だな」</a:t>
+            </a:r>
+            <a:endParaRPr lang="en-US" altLang="ja-JP" dirty="0" smtClean="0">
+              <a:latin typeface="BIZ UDPゴシック" panose="020B0400000000000000" pitchFamily="50" charset="-128"/>
+              <a:ea typeface="BIZ UDPゴシック" panose="020B0400000000000000" pitchFamily="50" charset="-128"/>
+            </a:endParaRPr>
+          </a:p>
+          <a:p>
+            <a:r>
+              <a:rPr lang="ja-JP" altLang="en-US" dirty="0" smtClean="0">
+                <a:latin typeface="BIZ UDPゴシック" panose="020B0400000000000000" pitchFamily="50" charset="-128"/>
+                <a:ea typeface="BIZ UDPゴシック" panose="020B0400000000000000" pitchFamily="50" charset="-128"/>
+              </a:rPr>
+              <a:t>ロボット</a:t>
+            </a:r>
+            <a:r>
+              <a:rPr lang="en-US" altLang="ja-JP" dirty="0">
+                <a:latin typeface="BIZ UDPゴシック" panose="020B0400000000000000" pitchFamily="50" charset="-128"/>
+                <a:ea typeface="BIZ UDPゴシック" panose="020B0400000000000000" pitchFamily="50" charset="-128"/>
+              </a:rPr>
+              <a:t>D</a:t>
+            </a:r>
+            <a:r>
+              <a:rPr lang="ja-JP" altLang="en-US" dirty="0" smtClean="0">
+                <a:latin typeface="BIZ UDPゴシック" panose="020B0400000000000000" pitchFamily="50" charset="-128"/>
+                <a:ea typeface="BIZ UDPゴシック" panose="020B0400000000000000" pitchFamily="50" charset="-128"/>
+              </a:rPr>
+              <a:t>「全然わかんないな。ロボット</a:t>
+            </a:r>
+            <a:r>
+              <a:rPr lang="en-US" altLang="ja-JP" dirty="0" smtClean="0">
+                <a:latin typeface="BIZ UDPゴシック" panose="020B0400000000000000" pitchFamily="50" charset="-128"/>
+                <a:ea typeface="BIZ UDPゴシック" panose="020B0400000000000000" pitchFamily="50" charset="-128"/>
+              </a:rPr>
+              <a:t>A</a:t>
+            </a:r>
+            <a:r>
+              <a:rPr lang="ja-JP" altLang="en-US" dirty="0" smtClean="0">
+                <a:latin typeface="BIZ UDPゴシック" panose="020B0400000000000000" pitchFamily="50" charset="-128"/>
+                <a:ea typeface="BIZ UDPゴシック" panose="020B0400000000000000" pitchFamily="50" charset="-128"/>
+              </a:rPr>
+              <a:t>とか</a:t>
+            </a:r>
+            <a:r>
+              <a:rPr lang="en-US" altLang="ja-JP" dirty="0" smtClean="0">
+                <a:latin typeface="BIZ UDPゴシック" panose="020B0400000000000000" pitchFamily="50" charset="-128"/>
+                <a:ea typeface="BIZ UDPゴシック" panose="020B0400000000000000" pitchFamily="50" charset="-128"/>
+              </a:rPr>
+              <a:t>C</a:t>
+            </a:r>
+            <a:r>
+              <a:rPr lang="ja-JP" altLang="en-US" dirty="0" smtClean="0">
+                <a:latin typeface="BIZ UDPゴシック" panose="020B0400000000000000" pitchFamily="50" charset="-128"/>
+                <a:ea typeface="BIZ UDPゴシック" panose="020B0400000000000000" pitchFamily="50" charset="-128"/>
+              </a:rPr>
+              <a:t>はどんな例を考えているの？」</a:t>
+            </a:r>
+            <a:endParaRPr lang="en-US" altLang="ja-JP" dirty="0" smtClean="0">
+              <a:latin typeface="BIZ UDPゴシック" panose="020B0400000000000000" pitchFamily="50" charset="-128"/>
+              <a:ea typeface="BIZ UDPゴシック" panose="020B0400000000000000" pitchFamily="50" charset="-128"/>
+            </a:endParaRPr>
+          </a:p>
+          <a:p>
+            <a:r>
+              <a:rPr lang="ja-JP" altLang="en-US" dirty="0" smtClean="0">
+                <a:latin typeface="BIZ UDPゴシック" panose="020B0400000000000000" pitchFamily="50" charset="-128"/>
+                <a:ea typeface="BIZ UDPゴシック" panose="020B0400000000000000" pitchFamily="50" charset="-128"/>
+              </a:rPr>
+              <a:t>ロボット</a:t>
+            </a:r>
+            <a:r>
+              <a:rPr lang="en-US" altLang="ja-JP" dirty="0" smtClean="0">
+                <a:latin typeface="BIZ UDPゴシック" panose="020B0400000000000000" pitchFamily="50" charset="-128"/>
+                <a:ea typeface="BIZ UDPゴシック" panose="020B0400000000000000" pitchFamily="50" charset="-128"/>
+              </a:rPr>
+              <a:t>B</a:t>
+            </a:r>
+            <a:r>
+              <a:rPr lang="ja-JP" altLang="en-US" dirty="0" smtClean="0">
+                <a:latin typeface="BIZ UDPゴシック" panose="020B0400000000000000" pitchFamily="50" charset="-128"/>
+                <a:ea typeface="BIZ UDPゴシック" panose="020B0400000000000000" pitchFamily="50" charset="-128"/>
+              </a:rPr>
+              <a:t>「例えば、</a:t>
+            </a:r>
+            <a:r>
+              <a:rPr lang="en-US" altLang="ja-JP" dirty="0" smtClean="0">
+                <a:latin typeface="BIZ UDPゴシック" panose="020B0400000000000000" pitchFamily="50" charset="-128"/>
+                <a:ea typeface="BIZ UDPゴシック" panose="020B0400000000000000" pitchFamily="50" charset="-128"/>
+              </a:rPr>
+              <a:t>&lt;</a:t>
+            </a:r>
+            <a:r>
+              <a:rPr lang="ja-JP" altLang="en-US" dirty="0" smtClean="0">
+                <a:latin typeface="BIZ UDPゴシック" panose="020B0400000000000000" pitchFamily="50" charset="-128"/>
+                <a:ea typeface="BIZ UDPゴシック" panose="020B0400000000000000" pitchFamily="50" charset="-128"/>
+              </a:rPr>
+              <a:t>例</a:t>
+            </a:r>
+            <a:r>
+              <a:rPr lang="en-US" altLang="ja-JP" dirty="0" smtClean="0">
+                <a:latin typeface="BIZ UDPゴシック" panose="020B0400000000000000" pitchFamily="50" charset="-128"/>
+                <a:ea typeface="BIZ UDPゴシック" panose="020B0400000000000000" pitchFamily="50" charset="-128"/>
+              </a:rPr>
+              <a:t>B&gt;</a:t>
+            </a:r>
+            <a:r>
+              <a:rPr lang="ja-JP" altLang="en-US" dirty="0" smtClean="0">
+                <a:latin typeface="BIZ UDPゴシック" panose="020B0400000000000000" pitchFamily="50" charset="-128"/>
+                <a:ea typeface="BIZ UDPゴシック" panose="020B0400000000000000" pitchFamily="50" charset="-128"/>
+              </a:rPr>
+              <a:t>」</a:t>
+            </a:r>
+            <a:endParaRPr lang="en-US" altLang="ja-JP" dirty="0" smtClean="0">
+              <a:latin typeface="BIZ UDPゴシック" panose="020B0400000000000000" pitchFamily="50" charset="-128"/>
+              <a:ea typeface="BIZ UDPゴシック" panose="020B0400000000000000" pitchFamily="50" charset="-128"/>
+            </a:endParaRPr>
+          </a:p>
+          <a:p>
+            <a:endParaRPr lang="en-US" altLang="ja-JP" dirty="0" smtClean="0">
+              <a:latin typeface="BIZ UDPゴシック" panose="020B0400000000000000" pitchFamily="50" charset="-128"/>
+              <a:ea typeface="BIZ UDPゴシック" panose="020B0400000000000000" pitchFamily="50" charset="-128"/>
+            </a:endParaRPr>
+          </a:p>
+          <a:p>
+            <a:r>
+              <a:rPr lang="ja-JP" altLang="en-US" dirty="0" smtClean="0">
+                <a:latin typeface="BIZ UDPゴシック" panose="020B0400000000000000" pitchFamily="50" charset="-128"/>
+                <a:ea typeface="BIZ UDPゴシック" panose="020B0400000000000000" pitchFamily="50" charset="-128"/>
+              </a:rPr>
+              <a:t>ロボット</a:t>
+            </a:r>
+            <a:r>
+              <a:rPr lang="en-US" altLang="ja-JP" dirty="0" smtClean="0">
+                <a:latin typeface="BIZ UDPゴシック" panose="020B0400000000000000" pitchFamily="50" charset="-128"/>
+                <a:ea typeface="BIZ UDPゴシック" panose="020B0400000000000000" pitchFamily="50" charset="-128"/>
+              </a:rPr>
+              <a:t>D</a:t>
+            </a:r>
+            <a:r>
+              <a:rPr lang="ja-JP" altLang="en-US" dirty="0" smtClean="0">
+                <a:latin typeface="BIZ UDPゴシック" panose="020B0400000000000000" pitchFamily="50" charset="-128"/>
+                <a:ea typeface="BIZ UDPゴシック" panose="020B0400000000000000" pitchFamily="50" charset="-128"/>
+              </a:rPr>
+              <a:t>「でもさ、</a:t>
+            </a:r>
+            <a:r>
+              <a:rPr lang="en-US" altLang="ja-JP" dirty="0" smtClean="0">
+                <a:latin typeface="BIZ UDPゴシック" panose="020B0400000000000000" pitchFamily="50" charset="-128"/>
+                <a:ea typeface="BIZ UDPゴシック" panose="020B0400000000000000" pitchFamily="50" charset="-128"/>
+              </a:rPr>
+              <a:t>&lt;</a:t>
+            </a:r>
+            <a:r>
+              <a:rPr lang="ja-JP" altLang="en-US" dirty="0" smtClean="0">
+                <a:latin typeface="BIZ UDPゴシック" panose="020B0400000000000000" pitchFamily="50" charset="-128"/>
+                <a:ea typeface="BIZ UDPゴシック" panose="020B0400000000000000" pitchFamily="50" charset="-128"/>
+              </a:rPr>
+              <a:t>反論</a:t>
+            </a:r>
+            <a:r>
+              <a:rPr lang="en-US" altLang="ja-JP" dirty="0" smtClean="0">
+                <a:latin typeface="BIZ UDPゴシック" panose="020B0400000000000000" pitchFamily="50" charset="-128"/>
+                <a:ea typeface="BIZ UDPゴシック" panose="020B0400000000000000" pitchFamily="50" charset="-128"/>
+              </a:rPr>
+              <a:t>A&gt;</a:t>
+            </a:r>
+            <a:r>
+              <a:rPr lang="ja-JP" altLang="en-US" dirty="0" smtClean="0">
+                <a:latin typeface="BIZ UDPゴシック" panose="020B0400000000000000" pitchFamily="50" charset="-128"/>
+                <a:ea typeface="BIZ UDPゴシック" panose="020B0400000000000000" pitchFamily="50" charset="-128"/>
+              </a:rPr>
+              <a:t>」</a:t>
+            </a:r>
+            <a:endParaRPr lang="en-US" altLang="ja-JP" dirty="0" smtClean="0">
+              <a:latin typeface="BIZ UDPゴシック" panose="020B0400000000000000" pitchFamily="50" charset="-128"/>
+              <a:ea typeface="BIZ UDPゴシック" panose="020B0400000000000000" pitchFamily="50" charset="-128"/>
+            </a:endParaRPr>
+          </a:p>
+          <a:p>
+            <a:r>
+              <a:rPr lang="ja-JP" altLang="en-US" dirty="0" smtClean="0">
+                <a:latin typeface="BIZ UDPゴシック" panose="020B0400000000000000" pitchFamily="50" charset="-128"/>
+                <a:ea typeface="BIZ UDPゴシック" panose="020B0400000000000000" pitchFamily="50" charset="-128"/>
+              </a:rPr>
+              <a:t>ロボット</a:t>
+            </a:r>
+            <a:r>
+              <a:rPr lang="en-US" altLang="ja-JP" dirty="0" smtClean="0">
+                <a:latin typeface="BIZ UDPゴシック" panose="020B0400000000000000" pitchFamily="50" charset="-128"/>
+                <a:ea typeface="BIZ UDPゴシック" panose="020B0400000000000000" pitchFamily="50" charset="-128"/>
+              </a:rPr>
+              <a:t>A</a:t>
+            </a:r>
+            <a:r>
+              <a:rPr lang="ja-JP" altLang="en-US" dirty="0" smtClean="0">
+                <a:latin typeface="BIZ UDPゴシック" panose="020B0400000000000000" pitchFamily="50" charset="-128"/>
+                <a:ea typeface="BIZ UDPゴシック" panose="020B0400000000000000" pitchFamily="50" charset="-128"/>
+              </a:rPr>
+              <a:t>「いやいや、</a:t>
+            </a:r>
+            <a:r>
+              <a:rPr lang="en-US" altLang="ja-JP" dirty="0" smtClean="0">
+                <a:latin typeface="BIZ UDPゴシック" panose="020B0400000000000000" pitchFamily="50" charset="-128"/>
+                <a:ea typeface="BIZ UDPゴシック" panose="020B0400000000000000" pitchFamily="50" charset="-128"/>
+              </a:rPr>
+              <a:t>&lt;</a:t>
+            </a:r>
+            <a:r>
+              <a:rPr lang="ja-JP" altLang="en-US" dirty="0" smtClean="0">
+                <a:latin typeface="BIZ UDPゴシック" panose="020B0400000000000000" pitchFamily="50" charset="-128"/>
+                <a:ea typeface="BIZ UDPゴシック" panose="020B0400000000000000" pitchFamily="50" charset="-128"/>
+              </a:rPr>
+              <a:t>再反論</a:t>
+            </a:r>
+            <a:r>
+              <a:rPr lang="en-US" altLang="ja-JP" dirty="0" smtClean="0">
+                <a:latin typeface="BIZ UDPゴシック" panose="020B0400000000000000" pitchFamily="50" charset="-128"/>
+                <a:ea typeface="BIZ UDPゴシック" panose="020B0400000000000000" pitchFamily="50" charset="-128"/>
+              </a:rPr>
+              <a:t>A&gt;</a:t>
+            </a:r>
+            <a:r>
+              <a:rPr lang="ja-JP" altLang="en-US" dirty="0" smtClean="0">
+                <a:latin typeface="BIZ UDPゴシック" panose="020B0400000000000000" pitchFamily="50" charset="-128"/>
+                <a:ea typeface="BIZ UDPゴシック" panose="020B0400000000000000" pitchFamily="50" charset="-128"/>
+              </a:rPr>
+              <a:t>」</a:t>
+            </a:r>
+            <a:endParaRPr lang="en-US" altLang="ja-JP" dirty="0" smtClean="0">
+              <a:latin typeface="BIZ UDPゴシック" panose="020B0400000000000000" pitchFamily="50" charset="-128"/>
+              <a:ea typeface="BIZ UDPゴシック" panose="020B0400000000000000" pitchFamily="50" charset="-128"/>
+            </a:endParaRPr>
+          </a:p>
+          <a:p>
+            <a:r>
+              <a:rPr lang="ja-JP" altLang="en-US" dirty="0" smtClean="0">
+                <a:latin typeface="BIZ UDPゴシック" panose="020B0400000000000000" pitchFamily="50" charset="-128"/>
+                <a:ea typeface="BIZ UDPゴシック" panose="020B0400000000000000" pitchFamily="50" charset="-128"/>
+              </a:rPr>
+              <a:t>ロボット</a:t>
+            </a:r>
+            <a:r>
+              <a:rPr lang="en-US" altLang="ja-JP" dirty="0" smtClean="0">
+                <a:latin typeface="BIZ UDPゴシック" panose="020B0400000000000000" pitchFamily="50" charset="-128"/>
+                <a:ea typeface="BIZ UDPゴシック" panose="020B0400000000000000" pitchFamily="50" charset="-128"/>
+              </a:rPr>
+              <a:t>B</a:t>
+            </a:r>
+            <a:r>
+              <a:rPr lang="ja-JP" altLang="en-US" dirty="0" smtClean="0">
+                <a:latin typeface="BIZ UDPゴシック" panose="020B0400000000000000" pitchFamily="50" charset="-128"/>
+                <a:ea typeface="BIZ UDPゴシック" panose="020B0400000000000000" pitchFamily="50" charset="-128"/>
+              </a:rPr>
+              <a:t>「ちょっとまって、今のよくわからなかったから、</a:t>
+            </a:r>
+            <a:r>
+              <a:rPr lang="en-US" altLang="ja-JP" dirty="0" smtClean="0">
+                <a:latin typeface="BIZ UDPゴシック" panose="020B0400000000000000" pitchFamily="50" charset="-128"/>
+                <a:ea typeface="BIZ UDPゴシック" panose="020B0400000000000000" pitchFamily="50" charset="-128"/>
+              </a:rPr>
+              <a:t>XX</a:t>
+            </a:r>
+            <a:r>
+              <a:rPr lang="ja-JP" altLang="en-US" dirty="0" err="1" smtClean="0">
+                <a:latin typeface="BIZ UDPゴシック" panose="020B0400000000000000" pitchFamily="50" charset="-128"/>
+                <a:ea typeface="BIZ UDPゴシック" panose="020B0400000000000000" pitchFamily="50" charset="-128"/>
+              </a:rPr>
+              <a:t>さん</a:t>
+            </a:r>
+            <a:r>
+              <a:rPr lang="en-US" altLang="ja-JP" sz="1400" dirty="0" smtClean="0">
+                <a:latin typeface="BIZ UDPゴシック" panose="020B0400000000000000" pitchFamily="50" charset="-128"/>
+                <a:ea typeface="BIZ UDPゴシック" panose="020B0400000000000000" pitchFamily="50" charset="-128"/>
+              </a:rPr>
+              <a:t>(</a:t>
+            </a:r>
+            <a:r>
+              <a:rPr lang="ja-JP" altLang="en-US" sz="1400" dirty="0" smtClean="0">
+                <a:latin typeface="BIZ UDPゴシック" panose="020B0400000000000000" pitchFamily="50" charset="-128"/>
+                <a:ea typeface="BIZ UDPゴシック" panose="020B0400000000000000" pitchFamily="50" charset="-128"/>
+              </a:rPr>
+              <a:t>ロボット</a:t>
+            </a:r>
+            <a:r>
+              <a:rPr lang="en-US" altLang="ja-JP" sz="1400" dirty="0" smtClean="0">
+                <a:latin typeface="BIZ UDPゴシック" panose="020B0400000000000000" pitchFamily="50" charset="-128"/>
+                <a:ea typeface="BIZ UDPゴシック" panose="020B0400000000000000" pitchFamily="50" charset="-128"/>
+              </a:rPr>
+              <a:t>A</a:t>
+            </a:r>
+            <a:r>
+              <a:rPr lang="ja-JP" altLang="en-US" sz="1400" dirty="0" smtClean="0">
+                <a:latin typeface="BIZ UDPゴシック" panose="020B0400000000000000" pitchFamily="50" charset="-128"/>
+                <a:ea typeface="BIZ UDPゴシック" panose="020B0400000000000000" pitchFamily="50" charset="-128"/>
+              </a:rPr>
+              <a:t>の助言者</a:t>
+            </a:r>
+            <a:r>
+              <a:rPr lang="en-US" altLang="ja-JP" sz="1400" dirty="0" smtClean="0">
+                <a:latin typeface="BIZ UDPゴシック" panose="020B0400000000000000" pitchFamily="50" charset="-128"/>
+                <a:ea typeface="BIZ UDPゴシック" panose="020B0400000000000000" pitchFamily="50" charset="-128"/>
+              </a:rPr>
+              <a:t>)</a:t>
+            </a:r>
+          </a:p>
+          <a:p>
+            <a:r>
+              <a:rPr lang="ja-JP" altLang="en-US" sz="1400" dirty="0">
+                <a:latin typeface="BIZ UDPゴシック" panose="020B0400000000000000" pitchFamily="50" charset="-128"/>
+                <a:ea typeface="BIZ UDPゴシック" panose="020B0400000000000000" pitchFamily="50" charset="-128"/>
+              </a:rPr>
+              <a:t>　</a:t>
+            </a:r>
+            <a:r>
+              <a:rPr lang="ja-JP" altLang="en-US" sz="1400" dirty="0" smtClean="0">
+                <a:latin typeface="BIZ UDPゴシック" panose="020B0400000000000000" pitchFamily="50" charset="-128"/>
+                <a:ea typeface="BIZ UDPゴシック" panose="020B0400000000000000" pitchFamily="50" charset="-128"/>
+              </a:rPr>
+              <a:t>　　　　　　</a:t>
+            </a:r>
+            <a:r>
+              <a:rPr lang="ja-JP" altLang="en-US" dirty="0" smtClean="0">
+                <a:latin typeface="BIZ UDPゴシック" panose="020B0400000000000000" pitchFamily="50" charset="-128"/>
+                <a:ea typeface="BIZ UDPゴシック" panose="020B0400000000000000" pitchFamily="50" charset="-128"/>
+              </a:rPr>
+              <a:t>今ロボット</a:t>
+            </a:r>
+            <a:r>
+              <a:rPr lang="en-US" altLang="ja-JP" dirty="0" smtClean="0">
+                <a:latin typeface="BIZ UDPゴシック" panose="020B0400000000000000" pitchFamily="50" charset="-128"/>
+                <a:ea typeface="BIZ UDPゴシック" panose="020B0400000000000000" pitchFamily="50" charset="-128"/>
+              </a:rPr>
+              <a:t>D</a:t>
+            </a:r>
+            <a:r>
+              <a:rPr lang="ja-JP" altLang="en-US" dirty="0" smtClean="0">
+                <a:latin typeface="BIZ UDPゴシック" panose="020B0400000000000000" pitchFamily="50" charset="-128"/>
+                <a:ea typeface="BIZ UDPゴシック" panose="020B0400000000000000" pitchFamily="50" charset="-128"/>
+              </a:rPr>
+              <a:t>に対してロボット</a:t>
+            </a:r>
+            <a:r>
+              <a:rPr lang="en-US" altLang="ja-JP" dirty="0" smtClean="0">
+                <a:latin typeface="BIZ UDPゴシック" panose="020B0400000000000000" pitchFamily="50" charset="-128"/>
+                <a:ea typeface="BIZ UDPゴシック" panose="020B0400000000000000" pitchFamily="50" charset="-128"/>
+              </a:rPr>
+              <a:t>A</a:t>
+            </a:r>
+            <a:r>
+              <a:rPr lang="ja-JP" altLang="en-US" dirty="0" smtClean="0">
+                <a:latin typeface="BIZ UDPゴシック" panose="020B0400000000000000" pitchFamily="50" charset="-128"/>
+                <a:ea typeface="BIZ UDPゴシック" panose="020B0400000000000000" pitchFamily="50" charset="-128"/>
+              </a:rPr>
+              <a:t>が何を言おうとしてたのか説明してくれな</a:t>
+            </a:r>
+            <a:endParaRPr lang="en-US" altLang="ja-JP" dirty="0" smtClean="0">
+              <a:latin typeface="BIZ UDPゴシック" panose="020B0400000000000000" pitchFamily="50" charset="-128"/>
+              <a:ea typeface="BIZ UDPゴシック" panose="020B0400000000000000" pitchFamily="50" charset="-128"/>
+            </a:endParaRPr>
+          </a:p>
+          <a:p>
+            <a:r>
+              <a:rPr lang="ja-JP" altLang="en-US" dirty="0">
+                <a:latin typeface="BIZ UDPゴシック" panose="020B0400000000000000" pitchFamily="50" charset="-128"/>
+                <a:ea typeface="BIZ UDPゴシック" panose="020B0400000000000000" pitchFamily="50" charset="-128"/>
+              </a:rPr>
+              <a:t>　</a:t>
+            </a:r>
+            <a:r>
+              <a:rPr lang="ja-JP" altLang="en-US" dirty="0" smtClean="0">
+                <a:latin typeface="BIZ UDPゴシック" panose="020B0400000000000000" pitchFamily="50" charset="-128"/>
+                <a:ea typeface="BIZ UDPゴシック" panose="020B0400000000000000" pitchFamily="50" charset="-128"/>
+              </a:rPr>
+              <a:t>　　　　  い？」</a:t>
+            </a:r>
+            <a:endParaRPr lang="en-US" altLang="ja-JP" dirty="0" smtClean="0">
+              <a:latin typeface="BIZ UDPゴシック" panose="020B0400000000000000" pitchFamily="50" charset="-128"/>
+              <a:ea typeface="BIZ UDPゴシック" panose="020B0400000000000000" pitchFamily="50" charset="-128"/>
+            </a:endParaRPr>
+          </a:p>
+          <a:p>
+            <a:r>
+              <a:rPr lang="en-US" altLang="ja-JP" dirty="0" smtClean="0">
+                <a:latin typeface="BIZ UDPゴシック" panose="020B0400000000000000" pitchFamily="50" charset="-128"/>
+                <a:ea typeface="BIZ UDPゴシック" panose="020B0400000000000000" pitchFamily="50" charset="-128"/>
+              </a:rPr>
+              <a:t>&lt;</a:t>
+            </a:r>
+            <a:r>
+              <a:rPr lang="ja-JP" altLang="en-US" dirty="0" smtClean="0">
+                <a:latin typeface="BIZ UDPゴシック" panose="020B0400000000000000" pitchFamily="50" charset="-128"/>
+                <a:ea typeface="BIZ UDPゴシック" panose="020B0400000000000000" pitchFamily="50" charset="-128"/>
+              </a:rPr>
+              <a:t>ロボット達が</a:t>
+            </a:r>
+            <a:r>
+              <a:rPr lang="en-US" altLang="ja-JP" dirty="0" smtClean="0">
+                <a:latin typeface="BIZ UDPゴシック" panose="020B0400000000000000" pitchFamily="50" charset="-128"/>
+                <a:ea typeface="BIZ UDPゴシック" panose="020B0400000000000000" pitchFamily="50" charset="-128"/>
+              </a:rPr>
+              <a:t>XX</a:t>
+            </a:r>
+            <a:r>
+              <a:rPr lang="ja-JP" altLang="en-US" dirty="0" smtClean="0">
+                <a:latin typeface="BIZ UDPゴシック" panose="020B0400000000000000" pitchFamily="50" charset="-128"/>
+                <a:ea typeface="BIZ UDPゴシック" panose="020B0400000000000000" pitchFamily="50" charset="-128"/>
+              </a:rPr>
+              <a:t>の方を見る</a:t>
+            </a:r>
+            <a:r>
+              <a:rPr lang="en-US" altLang="ja-JP" dirty="0" smtClean="0">
+                <a:latin typeface="BIZ UDPゴシック" panose="020B0400000000000000" pitchFamily="50" charset="-128"/>
+                <a:ea typeface="BIZ UDPゴシック" panose="020B0400000000000000" pitchFamily="50" charset="-128"/>
+              </a:rPr>
+              <a:t>&gt;</a:t>
+            </a:r>
+          </a:p>
+          <a:p>
+            <a:r>
+              <a:rPr lang="en-US" altLang="ja-JP" dirty="0" smtClean="0">
+                <a:latin typeface="BIZ UDPゴシック" panose="020B0400000000000000" pitchFamily="50" charset="-128"/>
+                <a:ea typeface="BIZ UDPゴシック" panose="020B0400000000000000" pitchFamily="50" charset="-128"/>
+              </a:rPr>
+              <a:t>&lt;XX</a:t>
+            </a:r>
+            <a:r>
+              <a:rPr lang="ja-JP" altLang="en-US" dirty="0" smtClean="0">
+                <a:latin typeface="BIZ UDPゴシック" panose="020B0400000000000000" pitchFamily="50" charset="-128"/>
+                <a:ea typeface="BIZ UDPゴシック" panose="020B0400000000000000" pitchFamily="50" charset="-128"/>
+              </a:rPr>
+              <a:t>が話し終わったらロボットが前に向き直る</a:t>
+            </a:r>
+            <a:r>
+              <a:rPr lang="en-US" altLang="ja-JP" dirty="0" smtClean="0">
+                <a:latin typeface="BIZ UDPゴシック" panose="020B0400000000000000" pitchFamily="50" charset="-128"/>
+                <a:ea typeface="BIZ UDPゴシック" panose="020B0400000000000000" pitchFamily="50" charset="-128"/>
+              </a:rPr>
+              <a:t>&gt;</a:t>
+            </a:r>
+          </a:p>
+          <a:p>
+            <a:r>
+              <a:rPr lang="ja-JP" altLang="en-US" dirty="0" smtClean="0">
+                <a:latin typeface="BIZ UDPゴシック" panose="020B0400000000000000" pitchFamily="50" charset="-128"/>
+                <a:ea typeface="BIZ UDPゴシック" panose="020B0400000000000000" pitchFamily="50" charset="-128"/>
+              </a:rPr>
+              <a:t>ロボット</a:t>
+            </a:r>
+            <a:r>
+              <a:rPr lang="en-US" altLang="ja-JP" dirty="0" smtClean="0">
+                <a:latin typeface="BIZ UDPゴシック" panose="020B0400000000000000" pitchFamily="50" charset="-128"/>
+                <a:ea typeface="BIZ UDPゴシック" panose="020B0400000000000000" pitchFamily="50" charset="-128"/>
+              </a:rPr>
+              <a:t>B</a:t>
+            </a:r>
+            <a:r>
+              <a:rPr lang="ja-JP" altLang="en-US" dirty="0" smtClean="0">
+                <a:latin typeface="BIZ UDPゴシック" panose="020B0400000000000000" pitchFamily="50" charset="-128"/>
+                <a:ea typeface="BIZ UDPゴシック" panose="020B0400000000000000" pitchFamily="50" charset="-128"/>
+              </a:rPr>
+              <a:t>「まあ分かった気はする。でもロボット</a:t>
+            </a:r>
+            <a:r>
+              <a:rPr lang="en-US" altLang="ja-JP" dirty="0">
+                <a:latin typeface="BIZ UDPゴシック" panose="020B0400000000000000" pitchFamily="50" charset="-128"/>
+                <a:ea typeface="BIZ UDPゴシック" panose="020B0400000000000000" pitchFamily="50" charset="-128"/>
+              </a:rPr>
+              <a:t>A</a:t>
+            </a:r>
+            <a:r>
+              <a:rPr lang="ja-JP" altLang="en-US" dirty="0" err="1" smtClean="0">
+                <a:latin typeface="BIZ UDPゴシック" panose="020B0400000000000000" pitchFamily="50" charset="-128"/>
+                <a:ea typeface="BIZ UDPゴシック" panose="020B0400000000000000" pitchFamily="50" charset="-128"/>
+              </a:rPr>
+              <a:t>には</a:t>
+            </a:r>
+            <a:r>
+              <a:rPr lang="ja-JP" altLang="en-US" dirty="0" smtClean="0">
+                <a:latin typeface="BIZ UDPゴシック" panose="020B0400000000000000" pitchFamily="50" charset="-128"/>
+                <a:ea typeface="BIZ UDPゴシック" panose="020B0400000000000000" pitchFamily="50" charset="-128"/>
+              </a:rPr>
+              <a:t>反対だな」</a:t>
+            </a:r>
+            <a:endParaRPr lang="en-US" altLang="ja-JP" dirty="0" smtClean="0">
+              <a:latin typeface="BIZ UDPゴシック" panose="020B0400000000000000" pitchFamily="50" charset="-128"/>
+              <a:ea typeface="BIZ UDPゴシック" panose="020B0400000000000000" pitchFamily="50" charset="-128"/>
+            </a:endParaRPr>
+          </a:p>
+          <a:p>
+            <a:r>
+              <a:rPr lang="ja-JP" altLang="en-US" dirty="0" smtClean="0">
+                <a:latin typeface="BIZ UDPゴシック" panose="020B0400000000000000" pitchFamily="50" charset="-128"/>
+                <a:ea typeface="BIZ UDPゴシック" panose="020B0400000000000000" pitchFamily="50" charset="-128"/>
+              </a:rPr>
+              <a:t>ロボット</a:t>
+            </a:r>
+            <a:r>
+              <a:rPr lang="en-US" altLang="ja-JP" dirty="0" smtClean="0">
+                <a:latin typeface="BIZ UDPゴシック" panose="020B0400000000000000" pitchFamily="50" charset="-128"/>
+                <a:ea typeface="BIZ UDPゴシック" panose="020B0400000000000000" pitchFamily="50" charset="-128"/>
+              </a:rPr>
+              <a:t>C</a:t>
+            </a:r>
+            <a:r>
+              <a:rPr lang="ja-JP" altLang="en-US" dirty="0" smtClean="0">
+                <a:latin typeface="BIZ UDPゴシック" panose="020B0400000000000000" pitchFamily="50" charset="-128"/>
+                <a:ea typeface="BIZ UDPゴシック" panose="020B0400000000000000" pitchFamily="50" charset="-128"/>
+              </a:rPr>
+              <a:t>「いやいや、ロボット</a:t>
+            </a:r>
+            <a:r>
+              <a:rPr lang="en-US" altLang="ja-JP" dirty="0" smtClean="0">
+                <a:latin typeface="BIZ UDPゴシック" panose="020B0400000000000000" pitchFamily="50" charset="-128"/>
+                <a:ea typeface="BIZ UDPゴシック" panose="020B0400000000000000" pitchFamily="50" charset="-128"/>
+              </a:rPr>
+              <a:t>A</a:t>
+            </a:r>
+            <a:r>
+              <a:rPr lang="ja-JP" altLang="en-US" dirty="0" smtClean="0">
+                <a:latin typeface="BIZ UDPゴシック" panose="020B0400000000000000" pitchFamily="50" charset="-128"/>
+                <a:ea typeface="BIZ UDPゴシック" panose="020B0400000000000000" pitchFamily="50" charset="-128"/>
+              </a:rPr>
+              <a:t>の方が説得力のあることを言ってるよ。</a:t>
+            </a:r>
+            <a:r>
+              <a:rPr lang="en-US" altLang="ja-JP" dirty="0" smtClean="0">
+                <a:latin typeface="BIZ UDPゴシック" panose="020B0400000000000000" pitchFamily="50" charset="-128"/>
+                <a:ea typeface="BIZ UDPゴシック" panose="020B0400000000000000" pitchFamily="50" charset="-128"/>
+              </a:rPr>
+              <a:t>&lt;</a:t>
+            </a:r>
+            <a:r>
+              <a:rPr lang="ja-JP" altLang="en-US" dirty="0" smtClean="0">
+                <a:latin typeface="BIZ UDPゴシック" panose="020B0400000000000000" pitchFamily="50" charset="-128"/>
+                <a:ea typeface="BIZ UDPゴシック" panose="020B0400000000000000" pitchFamily="50" charset="-128"/>
+              </a:rPr>
+              <a:t>反論</a:t>
+            </a:r>
+            <a:r>
+              <a:rPr lang="en-US" altLang="ja-JP" dirty="0" smtClean="0">
+                <a:latin typeface="BIZ UDPゴシック" panose="020B0400000000000000" pitchFamily="50" charset="-128"/>
+                <a:ea typeface="BIZ UDPゴシック" panose="020B0400000000000000" pitchFamily="50" charset="-128"/>
+              </a:rPr>
+              <a:t>D&gt;</a:t>
+            </a:r>
+            <a:r>
+              <a:rPr lang="ja-JP" altLang="en-US" dirty="0" smtClean="0">
+                <a:latin typeface="BIZ UDPゴシック" panose="020B0400000000000000" pitchFamily="50" charset="-128"/>
+                <a:ea typeface="BIZ UDPゴシック" panose="020B0400000000000000" pitchFamily="50" charset="-128"/>
+              </a:rPr>
+              <a:t>」</a:t>
+            </a:r>
+            <a:endParaRPr lang="en-US" altLang="ja-JP" dirty="0" smtClean="0">
+              <a:latin typeface="BIZ UDPゴシック" panose="020B0400000000000000" pitchFamily="50" charset="-128"/>
+              <a:ea typeface="BIZ UDPゴシック" panose="020B0400000000000000" pitchFamily="50" charset="-128"/>
+            </a:endParaRPr>
+          </a:p>
+          <a:p>
+            <a:r>
+              <a:rPr lang="ja-JP" altLang="en-US" dirty="0" smtClean="0">
+                <a:latin typeface="BIZ UDPゴシック" panose="020B0400000000000000" pitchFamily="50" charset="-128"/>
+                <a:ea typeface="BIZ UDPゴシック" panose="020B0400000000000000" pitchFamily="50" charset="-128"/>
+              </a:rPr>
+              <a:t>ロボット</a:t>
+            </a:r>
+            <a:r>
+              <a:rPr lang="en-US" altLang="ja-JP" dirty="0" smtClean="0">
+                <a:latin typeface="BIZ UDPゴシック" panose="020B0400000000000000" pitchFamily="50" charset="-128"/>
+                <a:ea typeface="BIZ UDPゴシック" panose="020B0400000000000000" pitchFamily="50" charset="-128"/>
+              </a:rPr>
+              <a:t>D</a:t>
+            </a:r>
+            <a:r>
+              <a:rPr lang="ja-JP" altLang="en-US" dirty="0" smtClean="0">
+                <a:latin typeface="BIZ UDPゴシック" panose="020B0400000000000000" pitchFamily="50" charset="-128"/>
+                <a:ea typeface="BIZ UDPゴシック" panose="020B0400000000000000" pitchFamily="50" charset="-128"/>
+              </a:rPr>
+              <a:t>「</a:t>
+            </a:r>
+            <a:r>
+              <a:rPr lang="en-US" altLang="ja-JP" dirty="0" smtClean="0">
+                <a:latin typeface="BIZ UDPゴシック" panose="020B0400000000000000" pitchFamily="50" charset="-128"/>
+                <a:ea typeface="BIZ UDPゴシック" panose="020B0400000000000000" pitchFamily="50" charset="-128"/>
+              </a:rPr>
+              <a:t>&lt;</a:t>
+            </a:r>
+            <a:r>
+              <a:rPr lang="ja-JP" altLang="en-US" dirty="0" smtClean="0">
+                <a:latin typeface="BIZ UDPゴシック" panose="020B0400000000000000" pitchFamily="50" charset="-128"/>
+                <a:ea typeface="BIZ UDPゴシック" panose="020B0400000000000000" pitchFamily="50" charset="-128"/>
+              </a:rPr>
+              <a:t>再反論</a:t>
+            </a:r>
+            <a:r>
+              <a:rPr lang="en-US" altLang="ja-JP" dirty="0" smtClean="0">
+                <a:latin typeface="BIZ UDPゴシック" panose="020B0400000000000000" pitchFamily="50" charset="-128"/>
+                <a:ea typeface="BIZ UDPゴシック" panose="020B0400000000000000" pitchFamily="50" charset="-128"/>
+              </a:rPr>
+              <a:t>D&gt;</a:t>
+            </a:r>
+            <a:r>
+              <a:rPr lang="ja-JP" altLang="en-US" dirty="0" smtClean="0">
+                <a:latin typeface="BIZ UDPゴシック" panose="020B0400000000000000" pitchFamily="50" charset="-128"/>
+                <a:ea typeface="BIZ UDPゴシック" panose="020B0400000000000000" pitchFamily="50" charset="-128"/>
+              </a:rPr>
+              <a:t>」</a:t>
+            </a:r>
+            <a:endParaRPr lang="en-US" altLang="ja-JP" dirty="0" smtClean="0">
+              <a:latin typeface="BIZ UDPゴシック" panose="020B0400000000000000" pitchFamily="50" charset="-128"/>
+              <a:ea typeface="BIZ UDPゴシック" panose="020B0400000000000000" pitchFamily="50" charset="-128"/>
+            </a:endParaRPr>
+          </a:p>
+          <a:p>
+            <a:endParaRPr lang="en-US" altLang="ja-JP" dirty="0">
+              <a:latin typeface="BIZ UDPゴシック" panose="020B0400000000000000" pitchFamily="50" charset="-128"/>
+              <a:ea typeface="BIZ UDPゴシック" panose="020B0400000000000000" pitchFamily="50" charset="-128"/>
+            </a:endParaRPr>
+          </a:p>
+          <a:p>
+            <a:r>
+              <a:rPr lang="ja-JP" altLang="en-US" dirty="0" smtClean="0">
+                <a:latin typeface="BIZ UDPゴシック" panose="020B0400000000000000" pitchFamily="50" charset="-128"/>
+                <a:ea typeface="BIZ UDPゴシック" panose="020B0400000000000000" pitchFamily="50" charset="-128"/>
+              </a:rPr>
+              <a:t>ロボット</a:t>
+            </a:r>
+            <a:r>
+              <a:rPr lang="en-US" altLang="ja-JP" dirty="0" smtClean="0">
+                <a:latin typeface="BIZ UDPゴシック" panose="020B0400000000000000" pitchFamily="50" charset="-128"/>
+                <a:ea typeface="BIZ UDPゴシック" panose="020B0400000000000000" pitchFamily="50" charset="-128"/>
+              </a:rPr>
+              <a:t>C</a:t>
+            </a:r>
+            <a:r>
+              <a:rPr lang="ja-JP" altLang="en-US" dirty="0" smtClean="0">
+                <a:latin typeface="BIZ UDPゴシック" panose="020B0400000000000000" pitchFamily="50" charset="-128"/>
+                <a:ea typeface="BIZ UDPゴシック" panose="020B0400000000000000" pitchFamily="50" charset="-128"/>
+              </a:rPr>
+              <a:t>「このままぼくらで言い合っててもらちが明かないから、人間の意見を</a:t>
+            </a:r>
+            <a:endParaRPr lang="en-US" altLang="ja-JP" dirty="0" smtClean="0">
+              <a:latin typeface="BIZ UDPゴシック" panose="020B0400000000000000" pitchFamily="50" charset="-128"/>
+              <a:ea typeface="BIZ UDPゴシック" panose="020B0400000000000000" pitchFamily="50" charset="-128"/>
+            </a:endParaRPr>
+          </a:p>
+          <a:p>
+            <a:r>
+              <a:rPr lang="ja-JP" altLang="en-US" dirty="0" smtClean="0">
+                <a:latin typeface="BIZ UDPゴシック" panose="020B0400000000000000" pitchFamily="50" charset="-128"/>
+                <a:ea typeface="BIZ UDPゴシック" panose="020B0400000000000000" pitchFamily="50" charset="-128"/>
+              </a:rPr>
+              <a:t>　　　　　　 聞いてみよう</a:t>
+            </a:r>
+            <a:r>
+              <a:rPr lang="ja-JP" altLang="en-US" dirty="0">
+                <a:latin typeface="BIZ UDPゴシック" panose="020B0400000000000000" pitchFamily="50" charset="-128"/>
+                <a:ea typeface="BIZ UDPゴシック" panose="020B0400000000000000" pitchFamily="50" charset="-128"/>
+              </a:rPr>
+              <a:t>よ</a:t>
+            </a:r>
+            <a:r>
+              <a:rPr lang="ja-JP" altLang="en-US" dirty="0" smtClean="0">
+                <a:latin typeface="BIZ UDPゴシック" panose="020B0400000000000000" pitchFamily="50" charset="-128"/>
+                <a:ea typeface="BIZ UDPゴシック" panose="020B0400000000000000" pitchFamily="50" charset="-128"/>
+              </a:rPr>
+              <a:t>」</a:t>
+            </a:r>
+            <a:endParaRPr lang="en-US" altLang="ja-JP" dirty="0">
+              <a:latin typeface="BIZ UDPゴシック" panose="020B0400000000000000" pitchFamily="50" charset="-128"/>
+              <a:ea typeface="BIZ UDPゴシック" panose="020B0400000000000000" pitchFamily="50" charset="-128"/>
+            </a:endParaRPr>
+          </a:p>
+        </p:txBody>
+      </p:sp>
+      <p:sp>
+        <p:nvSpPr>
+          <p:cNvPr id="5" name="テキスト ボックス 4"/>
+          <p:cNvSpPr txBox="1"/>
+          <p:nvPr/>
+        </p:nvSpPr>
+        <p:spPr>
+          <a:xfrm>
+            <a:off x="921434" y="613953"/>
+            <a:ext cx="9020418" cy="369332"/>
+          </a:xfrm>
+          <a:prstGeom prst="rect">
+            <a:avLst/>
+          </a:prstGeom>
+          <a:noFill/>
+        </p:spPr>
+        <p:txBody>
+          <a:bodyPr wrap="none" rtlCol="0">
+            <a:spAutoFit/>
+          </a:bodyPr>
+          <a:lstStyle/>
+          <a:p>
+            <a:r>
+              <a:rPr lang="ja-JP" altLang="en-US" b="1" dirty="0" smtClean="0">
+                <a:latin typeface="BIZ UDPゴシック" panose="020B0400000000000000" pitchFamily="50" charset="-128"/>
+                <a:ea typeface="BIZ UDPゴシック" panose="020B0400000000000000" pitchFamily="50" charset="-128"/>
+              </a:rPr>
+              <a:t>ロボット</a:t>
+            </a:r>
+            <a:r>
+              <a:rPr lang="en-US" altLang="ja-JP" b="1" dirty="0" smtClean="0">
+                <a:latin typeface="BIZ UDPゴシック" panose="020B0400000000000000" pitchFamily="50" charset="-128"/>
+                <a:ea typeface="BIZ UDPゴシック" panose="020B0400000000000000" pitchFamily="50" charset="-128"/>
+              </a:rPr>
+              <a:t>A</a:t>
+            </a:r>
+            <a:r>
+              <a:rPr lang="ja-JP" altLang="en-US" b="1" dirty="0" err="1">
+                <a:latin typeface="BIZ UDPゴシック" panose="020B0400000000000000" pitchFamily="50" charset="-128"/>
+                <a:ea typeface="BIZ UDPゴシック" panose="020B0400000000000000" pitchFamily="50" charset="-128"/>
+              </a:rPr>
+              <a:t>・</a:t>
+            </a:r>
+            <a:r>
+              <a:rPr lang="en-US" altLang="ja-JP" b="1" dirty="0" smtClean="0">
+                <a:latin typeface="BIZ UDPゴシック" panose="020B0400000000000000" pitchFamily="50" charset="-128"/>
+                <a:ea typeface="BIZ UDPゴシック" panose="020B0400000000000000" pitchFamily="50" charset="-128"/>
+              </a:rPr>
+              <a:t>C</a:t>
+            </a:r>
+            <a:r>
+              <a:rPr lang="ja-JP" altLang="en-US" b="1" dirty="0" smtClean="0">
+                <a:latin typeface="BIZ UDPゴシック" panose="020B0400000000000000" pitchFamily="50" charset="-128"/>
+                <a:ea typeface="BIZ UDPゴシック" panose="020B0400000000000000" pitchFamily="50" charset="-128"/>
+              </a:rPr>
+              <a:t>とロボット</a:t>
+            </a:r>
+            <a:r>
+              <a:rPr lang="en-US" altLang="ja-JP" b="1" dirty="0" smtClean="0">
+                <a:latin typeface="BIZ UDPゴシック" panose="020B0400000000000000" pitchFamily="50" charset="-128"/>
+                <a:ea typeface="BIZ UDPゴシック" panose="020B0400000000000000" pitchFamily="50" charset="-128"/>
+              </a:rPr>
+              <a:t>B</a:t>
+            </a:r>
+            <a:r>
+              <a:rPr lang="ja-JP" altLang="en-US" b="1" dirty="0" smtClean="0">
+                <a:latin typeface="BIZ UDPゴシック" panose="020B0400000000000000" pitchFamily="50" charset="-128"/>
+                <a:ea typeface="BIZ UDPゴシック" panose="020B0400000000000000" pitchFamily="50" charset="-128"/>
+              </a:rPr>
+              <a:t>・</a:t>
+            </a:r>
+            <a:r>
+              <a:rPr lang="en-US" altLang="ja-JP" b="1" dirty="0" smtClean="0">
+                <a:latin typeface="BIZ UDPゴシック" panose="020B0400000000000000" pitchFamily="50" charset="-128"/>
+                <a:ea typeface="BIZ UDPゴシック" panose="020B0400000000000000" pitchFamily="50" charset="-128"/>
+              </a:rPr>
+              <a:t>D</a:t>
+            </a:r>
+            <a:r>
+              <a:rPr lang="ja-JP" altLang="en-US" b="1" dirty="0" smtClean="0">
+                <a:latin typeface="BIZ UDPゴシック" panose="020B0400000000000000" pitchFamily="50" charset="-128"/>
+                <a:ea typeface="BIZ UDPゴシック" panose="020B0400000000000000" pitchFamily="50" charset="-128"/>
+              </a:rPr>
+              <a:t>の</a:t>
+            </a:r>
+            <a:r>
+              <a:rPr lang="en-US" altLang="ja-JP" b="1" dirty="0" smtClean="0">
+                <a:latin typeface="BIZ UDPゴシック" panose="020B0400000000000000" pitchFamily="50" charset="-128"/>
+                <a:ea typeface="BIZ UDPゴシック" panose="020B0400000000000000" pitchFamily="50" charset="-128"/>
+              </a:rPr>
+              <a:t>2</a:t>
+            </a:r>
+            <a:r>
+              <a:rPr lang="ja-JP" altLang="en-US" b="1" dirty="0" smtClean="0">
+                <a:latin typeface="BIZ UDPゴシック" panose="020B0400000000000000" pitchFamily="50" charset="-128"/>
+                <a:ea typeface="BIZ UDPゴシック" panose="020B0400000000000000" pitchFamily="50" charset="-128"/>
+              </a:rPr>
+              <a:t>人ずつに分かれて意見が対立しているシナリオ</a:t>
+            </a:r>
+            <a:r>
+              <a:rPr lang="en-US" altLang="ja-JP" b="1" dirty="0" smtClean="0">
+                <a:latin typeface="BIZ UDPゴシック" panose="020B0400000000000000" pitchFamily="50" charset="-128"/>
+                <a:ea typeface="BIZ UDPゴシック" panose="020B0400000000000000" pitchFamily="50" charset="-128"/>
+              </a:rPr>
+              <a:t>(</a:t>
+            </a:r>
+            <a:r>
+              <a:rPr lang="ja-JP" altLang="en-US" b="1" dirty="0" smtClean="0">
+                <a:latin typeface="BIZ UDPゴシック" panose="020B0400000000000000" pitchFamily="50" charset="-128"/>
+                <a:ea typeface="BIZ UDPゴシック" panose="020B0400000000000000" pitchFamily="50" charset="-128"/>
+              </a:rPr>
+              <a:t>一部</a:t>
+            </a:r>
+            <a:r>
+              <a:rPr lang="en-US" altLang="ja-JP" b="1" dirty="0" smtClean="0">
+                <a:latin typeface="BIZ UDPゴシック" panose="020B0400000000000000" pitchFamily="50" charset="-128"/>
+                <a:ea typeface="BIZ UDPゴシック" panose="020B0400000000000000" pitchFamily="50" charset="-128"/>
+              </a:rPr>
+              <a:t>)</a:t>
+            </a:r>
+            <a:endParaRPr kumimoji="1" lang="ja-JP" altLang="en-US" b="1" dirty="0">
+              <a:latin typeface="BIZ UDPゴシック" panose="020B0400000000000000" pitchFamily="50" charset="-128"/>
+              <a:ea typeface="BIZ UDPゴシック" panose="020B0400000000000000" pitchFamily="50" charset="-128"/>
+            </a:endParaRPr>
+          </a:p>
+        </p:txBody>
+      </p:sp>
+      <p:cxnSp>
+        <p:nvCxnSpPr>
+          <p:cNvPr id="7" name="直線矢印コネクタ 6"/>
+          <p:cNvCxnSpPr/>
+          <p:nvPr/>
+        </p:nvCxnSpPr>
+        <p:spPr>
+          <a:xfrm flipH="1">
+            <a:off x="4346917" y="1793631"/>
+            <a:ext cx="2883877" cy="1026942"/>
+          </a:xfrm>
+          <a:prstGeom prst="straightConnector1">
+            <a:avLst/>
+          </a:prstGeom>
+          <a:ln w="38100">
+            <a:tailEnd type="triangle"/>
+          </a:ln>
+        </p:spPr>
+        <p:style>
+          <a:lnRef idx="1">
+            <a:schemeClr val="accent1"/>
+          </a:lnRef>
+          <a:fillRef idx="0">
+            <a:schemeClr val="accent1"/>
+          </a:fillRef>
+          <a:effectRef idx="0">
+            <a:schemeClr val="accent1"/>
+          </a:effectRef>
+          <a:fontRef idx="minor">
+            <a:schemeClr val="tx1"/>
+          </a:fontRef>
+        </p:style>
+      </p:cxnSp>
+      <p:sp>
+        <p:nvSpPr>
+          <p:cNvPr id="9" name="テキスト ボックス 8"/>
+          <p:cNvSpPr txBox="1"/>
+          <p:nvPr/>
+        </p:nvSpPr>
+        <p:spPr>
+          <a:xfrm>
+            <a:off x="7230794" y="1060319"/>
+            <a:ext cx="4206240" cy="830997"/>
+          </a:xfrm>
+          <a:prstGeom prst="rect">
+            <a:avLst/>
+          </a:prstGeom>
+          <a:noFill/>
+        </p:spPr>
+        <p:txBody>
+          <a:bodyPr wrap="square" rtlCol="0">
+            <a:spAutoFit/>
+          </a:bodyPr>
+          <a:lstStyle/>
+          <a:p>
+            <a:r>
+              <a:rPr lang="ja-JP" altLang="en-US" sz="1600" dirty="0" smtClean="0">
+                <a:solidFill>
+                  <a:srgbClr val="0070C0"/>
+                </a:solidFill>
+                <a:latin typeface="BIZ UDPゴシック" panose="020B0400000000000000" pitchFamily="50" charset="-128"/>
+                <a:ea typeface="BIZ UDPゴシック" panose="020B0400000000000000" pitchFamily="50" charset="-128"/>
+              </a:rPr>
+              <a:t>ロボット</a:t>
+            </a:r>
+            <a:r>
+              <a:rPr lang="en-US" altLang="ja-JP" sz="1600" dirty="0" smtClean="0">
+                <a:solidFill>
+                  <a:srgbClr val="0070C0"/>
+                </a:solidFill>
+                <a:latin typeface="BIZ UDPゴシック" panose="020B0400000000000000" pitchFamily="50" charset="-128"/>
+                <a:ea typeface="BIZ UDPゴシック" panose="020B0400000000000000" pitchFamily="50" charset="-128"/>
+              </a:rPr>
+              <a:t>A</a:t>
+            </a:r>
+            <a:r>
+              <a:rPr lang="ja-JP" altLang="en-US" sz="1600" dirty="0" smtClean="0">
+                <a:solidFill>
+                  <a:srgbClr val="0070C0"/>
+                </a:solidFill>
+                <a:latin typeface="BIZ UDPゴシック" panose="020B0400000000000000" pitchFamily="50" charset="-128"/>
+                <a:ea typeface="BIZ UDPゴシック" panose="020B0400000000000000" pitchFamily="50" charset="-128"/>
+              </a:rPr>
+              <a:t>の助言者が入力した「ロボット</a:t>
+            </a:r>
+            <a:r>
+              <a:rPr lang="en-US" altLang="ja-JP" sz="1600" dirty="0" smtClean="0">
+                <a:solidFill>
+                  <a:srgbClr val="0070C0"/>
+                </a:solidFill>
+                <a:latin typeface="BIZ UDPゴシック" panose="020B0400000000000000" pitchFamily="50" charset="-128"/>
+                <a:ea typeface="BIZ UDPゴシック" panose="020B0400000000000000" pitchFamily="50" charset="-128"/>
+              </a:rPr>
+              <a:t>A</a:t>
+            </a:r>
+            <a:r>
+              <a:rPr lang="ja-JP" altLang="en-US" sz="1600" dirty="0" smtClean="0">
+                <a:solidFill>
+                  <a:srgbClr val="0070C0"/>
+                </a:solidFill>
+                <a:latin typeface="BIZ UDPゴシック" panose="020B0400000000000000" pitchFamily="50" charset="-128"/>
+                <a:ea typeface="BIZ UDPゴシック" panose="020B0400000000000000" pitchFamily="50" charset="-128"/>
+              </a:rPr>
+              <a:t>の意見に対する想定反論」をロボット</a:t>
+            </a:r>
+            <a:r>
+              <a:rPr lang="en-US" altLang="ja-JP" sz="1600" dirty="0" smtClean="0">
+                <a:solidFill>
+                  <a:srgbClr val="0070C0"/>
+                </a:solidFill>
+                <a:latin typeface="BIZ UDPゴシック" panose="020B0400000000000000" pitchFamily="50" charset="-128"/>
+                <a:ea typeface="BIZ UDPゴシック" panose="020B0400000000000000" pitchFamily="50" charset="-128"/>
+              </a:rPr>
+              <a:t>A</a:t>
+            </a:r>
+            <a:r>
+              <a:rPr lang="ja-JP" altLang="en-US" sz="1600" dirty="0" smtClean="0">
+                <a:solidFill>
+                  <a:srgbClr val="0070C0"/>
+                </a:solidFill>
+                <a:latin typeface="BIZ UDPゴシック" panose="020B0400000000000000" pitchFamily="50" charset="-128"/>
+                <a:ea typeface="BIZ UDPゴシック" panose="020B0400000000000000" pitchFamily="50" charset="-128"/>
+              </a:rPr>
+              <a:t>と対立する側のロボットが発話する</a:t>
+            </a:r>
+            <a:endParaRPr kumimoji="1" lang="ja-JP" altLang="en-US" sz="1600" dirty="0">
+              <a:solidFill>
+                <a:srgbClr val="0070C0"/>
+              </a:solidFill>
+              <a:latin typeface="BIZ UDPゴシック" panose="020B0400000000000000" pitchFamily="50" charset="-128"/>
+              <a:ea typeface="BIZ UDPゴシック" panose="020B0400000000000000" pitchFamily="50" charset="-128"/>
+            </a:endParaRPr>
+          </a:p>
+        </p:txBody>
+      </p:sp>
+      <p:cxnSp>
+        <p:nvCxnSpPr>
+          <p:cNvPr id="10" name="直線矢印コネクタ 9"/>
+          <p:cNvCxnSpPr/>
+          <p:nvPr/>
+        </p:nvCxnSpPr>
+        <p:spPr>
+          <a:xfrm flipH="1">
+            <a:off x="4698610" y="2781770"/>
+            <a:ext cx="2532184" cy="270919"/>
+          </a:xfrm>
+          <a:prstGeom prst="straightConnector1">
+            <a:avLst/>
+          </a:prstGeom>
+          <a:ln w="38100">
+            <a:tailEnd type="triangle"/>
+          </a:ln>
+        </p:spPr>
+        <p:style>
+          <a:lnRef idx="1">
+            <a:schemeClr val="accent1"/>
+          </a:lnRef>
+          <a:fillRef idx="0">
+            <a:schemeClr val="accent1"/>
+          </a:fillRef>
+          <a:effectRef idx="0">
+            <a:schemeClr val="accent1"/>
+          </a:effectRef>
+          <a:fontRef idx="minor">
+            <a:schemeClr val="tx1"/>
+          </a:fontRef>
+        </p:style>
+      </p:cxnSp>
+      <p:sp>
+        <p:nvSpPr>
+          <p:cNvPr id="13" name="テキスト ボックス 12"/>
+          <p:cNvSpPr txBox="1"/>
+          <p:nvPr/>
+        </p:nvSpPr>
+        <p:spPr>
+          <a:xfrm>
+            <a:off x="7474634" y="2489482"/>
+            <a:ext cx="4206240" cy="830997"/>
+          </a:xfrm>
+          <a:prstGeom prst="rect">
+            <a:avLst/>
+          </a:prstGeom>
+          <a:noFill/>
+        </p:spPr>
+        <p:txBody>
+          <a:bodyPr wrap="square" rtlCol="0">
+            <a:spAutoFit/>
+          </a:bodyPr>
+          <a:lstStyle/>
+          <a:p>
+            <a:r>
+              <a:rPr lang="ja-JP" altLang="en-US" sz="1600" dirty="0" smtClean="0">
+                <a:solidFill>
+                  <a:srgbClr val="0070C0"/>
+                </a:solidFill>
+                <a:latin typeface="BIZ UDPゴシック" panose="020B0400000000000000" pitchFamily="50" charset="-128"/>
+                <a:ea typeface="BIZ UDPゴシック" panose="020B0400000000000000" pitchFamily="50" charset="-128"/>
+              </a:rPr>
+              <a:t>ロボット</a:t>
+            </a:r>
+            <a:r>
+              <a:rPr lang="en-US" altLang="ja-JP" sz="1600" dirty="0" smtClean="0">
+                <a:solidFill>
+                  <a:srgbClr val="0070C0"/>
+                </a:solidFill>
+                <a:latin typeface="BIZ UDPゴシック" panose="020B0400000000000000" pitchFamily="50" charset="-128"/>
+                <a:ea typeface="BIZ UDPゴシック" panose="020B0400000000000000" pitchFamily="50" charset="-128"/>
+              </a:rPr>
+              <a:t>A</a:t>
+            </a:r>
+            <a:r>
+              <a:rPr lang="ja-JP" altLang="en-US" sz="1600" dirty="0" smtClean="0">
+                <a:solidFill>
+                  <a:srgbClr val="0070C0"/>
+                </a:solidFill>
+                <a:latin typeface="BIZ UDPゴシック" panose="020B0400000000000000" pitchFamily="50" charset="-128"/>
+                <a:ea typeface="BIZ UDPゴシック" panose="020B0400000000000000" pitchFamily="50" charset="-128"/>
+              </a:rPr>
+              <a:t>は想定反論に対し、ロボット</a:t>
+            </a:r>
+            <a:r>
+              <a:rPr lang="en-US" altLang="ja-JP" sz="1600" dirty="0" smtClean="0">
+                <a:solidFill>
+                  <a:srgbClr val="0070C0"/>
+                </a:solidFill>
+                <a:latin typeface="BIZ UDPゴシック" panose="020B0400000000000000" pitchFamily="50" charset="-128"/>
+                <a:ea typeface="BIZ UDPゴシック" panose="020B0400000000000000" pitchFamily="50" charset="-128"/>
+              </a:rPr>
+              <a:t>A</a:t>
+            </a:r>
+            <a:r>
+              <a:rPr lang="ja-JP" altLang="en-US" sz="1600" dirty="0" smtClean="0">
+                <a:solidFill>
+                  <a:srgbClr val="0070C0"/>
+                </a:solidFill>
+                <a:latin typeface="BIZ UDPゴシック" panose="020B0400000000000000" pitchFamily="50" charset="-128"/>
+                <a:ea typeface="BIZ UDPゴシック" panose="020B0400000000000000" pitchFamily="50" charset="-128"/>
+              </a:rPr>
+              <a:t>の助言者が入力した「想定反論への再反論」で反論する</a:t>
+            </a:r>
+            <a:endParaRPr kumimoji="1" lang="ja-JP" altLang="en-US" sz="1600" dirty="0">
+              <a:solidFill>
+                <a:srgbClr val="0070C0"/>
+              </a:solidFill>
+              <a:latin typeface="BIZ UDPゴシック" panose="020B0400000000000000" pitchFamily="50" charset="-128"/>
+              <a:ea typeface="BIZ UDPゴシック" panose="020B0400000000000000" pitchFamily="50" charset="-128"/>
+            </a:endParaRPr>
+          </a:p>
+        </p:txBody>
+      </p:sp>
+      <p:cxnSp>
+        <p:nvCxnSpPr>
+          <p:cNvPr id="15" name="直線矢印コネクタ 14"/>
+          <p:cNvCxnSpPr/>
+          <p:nvPr/>
+        </p:nvCxnSpPr>
+        <p:spPr>
+          <a:xfrm flipH="1">
+            <a:off x="4522763" y="4241408"/>
+            <a:ext cx="2658794" cy="21101"/>
+          </a:xfrm>
+          <a:prstGeom prst="straightConnector1">
+            <a:avLst/>
+          </a:prstGeom>
+          <a:ln w="38100">
+            <a:tailEnd type="triangle"/>
+          </a:ln>
+        </p:spPr>
+        <p:style>
+          <a:lnRef idx="1">
+            <a:schemeClr val="accent1"/>
+          </a:lnRef>
+          <a:fillRef idx="0">
+            <a:schemeClr val="accent1"/>
+          </a:fillRef>
+          <a:effectRef idx="0">
+            <a:schemeClr val="accent1"/>
+          </a:effectRef>
+          <a:fontRef idx="minor">
+            <a:schemeClr val="tx1"/>
+          </a:fontRef>
+        </p:style>
+      </p:cxnSp>
+      <p:sp>
+        <p:nvSpPr>
+          <p:cNvPr id="17" name="テキスト ボックス 16"/>
+          <p:cNvSpPr txBox="1"/>
+          <p:nvPr/>
+        </p:nvSpPr>
+        <p:spPr>
+          <a:xfrm>
+            <a:off x="7251896" y="4036088"/>
+            <a:ext cx="4206240" cy="584775"/>
+          </a:xfrm>
+          <a:prstGeom prst="rect">
+            <a:avLst/>
+          </a:prstGeom>
+          <a:noFill/>
+        </p:spPr>
+        <p:txBody>
+          <a:bodyPr wrap="square" rtlCol="0">
+            <a:spAutoFit/>
+          </a:bodyPr>
+          <a:lstStyle/>
+          <a:p>
+            <a:r>
+              <a:rPr lang="ja-JP" altLang="en-US" sz="1600" dirty="0" smtClean="0">
+                <a:solidFill>
+                  <a:srgbClr val="0070C0"/>
+                </a:solidFill>
+                <a:latin typeface="BIZ UDPゴシック" panose="020B0400000000000000" pitchFamily="50" charset="-128"/>
+                <a:ea typeface="BIZ UDPゴシック" panose="020B0400000000000000" pitchFamily="50" charset="-128"/>
+              </a:rPr>
+              <a:t>ロボット</a:t>
+            </a:r>
+            <a:r>
+              <a:rPr lang="en-US" altLang="ja-JP" sz="1600" dirty="0" smtClean="0">
+                <a:solidFill>
+                  <a:srgbClr val="0070C0"/>
+                </a:solidFill>
+                <a:latin typeface="BIZ UDPゴシック" panose="020B0400000000000000" pitchFamily="50" charset="-128"/>
+                <a:ea typeface="BIZ UDPゴシック" panose="020B0400000000000000" pitchFamily="50" charset="-128"/>
+              </a:rPr>
+              <a:t>A</a:t>
+            </a:r>
+            <a:r>
+              <a:rPr lang="ja-JP" altLang="en-US" sz="1600" dirty="0" smtClean="0">
+                <a:solidFill>
+                  <a:srgbClr val="0070C0"/>
+                </a:solidFill>
+                <a:latin typeface="BIZ UDPゴシック" panose="020B0400000000000000" pitchFamily="50" charset="-128"/>
+                <a:ea typeface="BIZ UDPゴシック" panose="020B0400000000000000" pitchFamily="50" charset="-128"/>
+              </a:rPr>
+              <a:t>の助言者が第三者役として</a:t>
+            </a:r>
+            <a:endParaRPr lang="en-US" altLang="ja-JP" sz="1600" dirty="0" smtClean="0">
+              <a:solidFill>
+                <a:srgbClr val="0070C0"/>
+              </a:solidFill>
+              <a:latin typeface="BIZ UDPゴシック" panose="020B0400000000000000" pitchFamily="50" charset="-128"/>
+              <a:ea typeface="BIZ UDPゴシック" panose="020B0400000000000000" pitchFamily="50" charset="-128"/>
+            </a:endParaRPr>
+          </a:p>
+          <a:p>
+            <a:r>
+              <a:rPr lang="ja-JP" altLang="en-US" sz="1600" dirty="0" smtClean="0">
+                <a:solidFill>
+                  <a:srgbClr val="0070C0"/>
+                </a:solidFill>
+                <a:latin typeface="BIZ UDPゴシック" panose="020B0400000000000000" pitchFamily="50" charset="-128"/>
+                <a:ea typeface="BIZ UDPゴシック" panose="020B0400000000000000" pitchFamily="50" charset="-128"/>
+              </a:rPr>
+              <a:t>議論に巻き込まれる</a:t>
+            </a:r>
+            <a:endParaRPr kumimoji="1" lang="ja-JP" altLang="en-US" sz="1600" dirty="0">
+              <a:solidFill>
+                <a:srgbClr val="0070C0"/>
+              </a:solidFill>
+              <a:latin typeface="BIZ UDPゴシック" panose="020B0400000000000000" pitchFamily="50" charset="-128"/>
+              <a:ea typeface="BIZ UDPゴシック" panose="020B0400000000000000" pitchFamily="50" charset="-128"/>
+            </a:endParaRPr>
+          </a:p>
+        </p:txBody>
+      </p:sp>
+      <p:sp>
+        <p:nvSpPr>
+          <p:cNvPr id="18" name="テキスト ボックス 17"/>
+          <p:cNvSpPr txBox="1"/>
+          <p:nvPr/>
+        </p:nvSpPr>
+        <p:spPr>
+          <a:xfrm>
+            <a:off x="10007862" y="4620863"/>
+            <a:ext cx="1834156" cy="461665"/>
+          </a:xfrm>
+          <a:prstGeom prst="rect">
+            <a:avLst/>
+          </a:prstGeom>
+          <a:noFill/>
+        </p:spPr>
+        <p:txBody>
+          <a:bodyPr wrap="none" rtlCol="0">
+            <a:spAutoFit/>
+          </a:bodyPr>
+          <a:lstStyle/>
+          <a:p>
+            <a:r>
+              <a:rPr lang="ja-JP" altLang="en-US" sz="1200" b="1" dirty="0" smtClean="0">
+                <a:solidFill>
+                  <a:srgbClr val="FFC000"/>
+                </a:solidFill>
+                <a:latin typeface="BIZ UDPゴシック" panose="020B0400000000000000" pitchFamily="50" charset="-128"/>
+                <a:ea typeface="BIZ UDPゴシック" panose="020B0400000000000000" pitchFamily="50" charset="-128"/>
+              </a:rPr>
+              <a:t>参加者</a:t>
+            </a:r>
+            <a:r>
+              <a:rPr lang="en-US" altLang="ja-JP" sz="1200" b="1" dirty="0" smtClean="0">
+                <a:solidFill>
+                  <a:srgbClr val="FFC000"/>
+                </a:solidFill>
+                <a:latin typeface="BIZ UDPゴシック" panose="020B0400000000000000" pitchFamily="50" charset="-128"/>
+                <a:ea typeface="BIZ UDPゴシック" panose="020B0400000000000000" pitchFamily="50" charset="-128"/>
+              </a:rPr>
+              <a:t>4</a:t>
+            </a:r>
+            <a:r>
+              <a:rPr lang="ja-JP" altLang="en-US" sz="1200" b="1" dirty="0" smtClean="0">
+                <a:solidFill>
+                  <a:srgbClr val="FFC000"/>
+                </a:solidFill>
+                <a:latin typeface="BIZ UDPゴシック" panose="020B0400000000000000" pitchFamily="50" charset="-128"/>
+                <a:ea typeface="BIZ UDPゴシック" panose="020B0400000000000000" pitchFamily="50" charset="-128"/>
+              </a:rPr>
+              <a:t>人分全員が</a:t>
+            </a:r>
+            <a:endParaRPr lang="en-US" altLang="ja-JP" sz="1200" b="1" dirty="0" smtClean="0">
+              <a:solidFill>
+                <a:srgbClr val="FFC000"/>
+              </a:solidFill>
+              <a:latin typeface="BIZ UDPゴシック" panose="020B0400000000000000" pitchFamily="50" charset="-128"/>
+              <a:ea typeface="BIZ UDPゴシック" panose="020B0400000000000000" pitchFamily="50" charset="-128"/>
+            </a:endParaRPr>
+          </a:p>
+          <a:p>
+            <a:r>
+              <a:rPr lang="ja-JP" altLang="en-US" sz="1200" b="1" dirty="0" smtClean="0">
+                <a:solidFill>
+                  <a:srgbClr val="FFC000"/>
+                </a:solidFill>
+                <a:latin typeface="BIZ UDPゴシック" panose="020B0400000000000000" pitchFamily="50" charset="-128"/>
+                <a:ea typeface="BIZ UDPゴシック" panose="020B0400000000000000" pitchFamily="50" charset="-128"/>
+              </a:rPr>
+              <a:t>入力した分だけ繰り返す</a:t>
+            </a:r>
+            <a:endParaRPr kumimoji="1" lang="ja-JP" altLang="en-US" sz="1200" b="1" dirty="0">
+              <a:solidFill>
+                <a:srgbClr val="FFC000"/>
+              </a:solidFill>
+              <a:latin typeface="BIZ UDPゴシック" panose="020B0400000000000000" pitchFamily="50" charset="-128"/>
+              <a:ea typeface="BIZ UDPゴシック" panose="020B0400000000000000" pitchFamily="50" charset="-128"/>
+            </a:endParaRPr>
+          </a:p>
+        </p:txBody>
+      </p:sp>
+      <p:sp>
+        <p:nvSpPr>
+          <p:cNvPr id="19" name="右大かっこ 18"/>
+          <p:cNvSpPr/>
+          <p:nvPr/>
+        </p:nvSpPr>
+        <p:spPr>
+          <a:xfrm>
+            <a:off x="11458136" y="3067430"/>
+            <a:ext cx="466578" cy="2327535"/>
+          </a:xfrm>
+          <a:prstGeom prst="rightBracket">
+            <a:avLst/>
+          </a:prstGeom>
+          <a:ln w="57150">
+            <a:solidFill>
+              <a:srgbClr val="FFC000"/>
+            </a:solidFill>
+          </a:ln>
+        </p:spPr>
+        <p:style>
+          <a:lnRef idx="1">
+            <a:schemeClr val="accent1"/>
+          </a:lnRef>
+          <a:fillRef idx="0">
+            <a:schemeClr val="accent1"/>
+          </a:fillRef>
+          <a:effectRef idx="0">
+            <a:schemeClr val="accent1"/>
+          </a:effectRef>
+          <a:fontRef idx="minor">
+            <a:schemeClr val="tx1"/>
+          </a:fontRef>
+        </p:style>
+        <p:txBody>
+          <a:bodyPr rtlCol="0" anchor="ctr"/>
+          <a:lstStyle/>
+          <a:p>
+            <a:pPr algn="ctr"/>
+            <a:endParaRPr kumimoji="1" lang="ja-JP" altLang="en-US"/>
+          </a:p>
+        </p:txBody>
+      </p:sp>
+      <p:cxnSp>
+        <p:nvCxnSpPr>
+          <p:cNvPr id="20" name="直線矢印コネクタ 19"/>
+          <p:cNvCxnSpPr/>
+          <p:nvPr/>
+        </p:nvCxnSpPr>
+        <p:spPr>
+          <a:xfrm flipH="1" flipV="1">
+            <a:off x="4072597" y="6084277"/>
+            <a:ext cx="2874498" cy="241698"/>
+          </a:xfrm>
+          <a:prstGeom prst="straightConnector1">
+            <a:avLst/>
+          </a:prstGeom>
+          <a:ln w="38100">
+            <a:tailEnd type="triangle"/>
+          </a:ln>
+        </p:spPr>
+        <p:style>
+          <a:lnRef idx="1">
+            <a:schemeClr val="accent1"/>
+          </a:lnRef>
+          <a:fillRef idx="0">
+            <a:schemeClr val="accent1"/>
+          </a:fillRef>
+          <a:effectRef idx="0">
+            <a:schemeClr val="accent1"/>
+          </a:effectRef>
+          <a:fontRef idx="minor">
+            <a:schemeClr val="tx1"/>
+          </a:fontRef>
+        </p:style>
+      </p:cxnSp>
+      <p:sp>
+        <p:nvSpPr>
+          <p:cNvPr id="21" name="テキスト ボックス 20"/>
+          <p:cNvSpPr txBox="1"/>
+          <p:nvPr/>
+        </p:nvSpPr>
+        <p:spPr>
+          <a:xfrm>
+            <a:off x="1111347" y="2468380"/>
+            <a:ext cx="492443" cy="276999"/>
+          </a:xfrm>
+          <a:prstGeom prst="rect">
+            <a:avLst/>
+          </a:prstGeom>
+          <a:noFill/>
+        </p:spPr>
+        <p:txBody>
+          <a:bodyPr wrap="none" rtlCol="0">
+            <a:spAutoFit/>
+          </a:bodyPr>
+          <a:lstStyle/>
+          <a:p>
+            <a:r>
+              <a:rPr lang="ja-JP" altLang="en-US" sz="1200" b="1" dirty="0">
+                <a:solidFill>
+                  <a:srgbClr val="FFC000"/>
+                </a:solidFill>
+                <a:latin typeface="BIZ UDPゴシック" panose="020B0400000000000000" pitchFamily="50" charset="-128"/>
+                <a:ea typeface="BIZ UDPゴシック" panose="020B0400000000000000" pitchFamily="50" charset="-128"/>
+              </a:rPr>
+              <a:t>中略</a:t>
+            </a:r>
+            <a:endParaRPr kumimoji="1" lang="ja-JP" altLang="en-US" sz="1200" b="1" dirty="0">
+              <a:solidFill>
+                <a:srgbClr val="FFC000"/>
+              </a:solidFill>
+              <a:latin typeface="BIZ UDPゴシック" panose="020B0400000000000000" pitchFamily="50" charset="-128"/>
+              <a:ea typeface="BIZ UDPゴシック" panose="020B0400000000000000" pitchFamily="50" charset="-128"/>
+            </a:endParaRPr>
+          </a:p>
+        </p:txBody>
+      </p:sp>
+      <p:sp>
+        <p:nvSpPr>
+          <p:cNvPr id="22" name="テキスト ボックス 21"/>
+          <p:cNvSpPr txBox="1"/>
+          <p:nvPr/>
+        </p:nvSpPr>
+        <p:spPr>
+          <a:xfrm>
+            <a:off x="1094933" y="5462461"/>
+            <a:ext cx="492443" cy="276999"/>
+          </a:xfrm>
+          <a:prstGeom prst="rect">
+            <a:avLst/>
+          </a:prstGeom>
+          <a:noFill/>
+        </p:spPr>
+        <p:txBody>
+          <a:bodyPr wrap="none" rtlCol="0">
+            <a:spAutoFit/>
+          </a:bodyPr>
+          <a:lstStyle/>
+          <a:p>
+            <a:r>
+              <a:rPr lang="ja-JP" altLang="en-US" sz="1200" b="1" dirty="0">
+                <a:solidFill>
+                  <a:srgbClr val="FFC000"/>
+                </a:solidFill>
+                <a:latin typeface="BIZ UDPゴシック" panose="020B0400000000000000" pitchFamily="50" charset="-128"/>
+                <a:ea typeface="BIZ UDPゴシック" panose="020B0400000000000000" pitchFamily="50" charset="-128"/>
+              </a:rPr>
+              <a:t>中略</a:t>
+            </a:r>
+            <a:endParaRPr kumimoji="1" lang="ja-JP" altLang="en-US" sz="1200" b="1" dirty="0">
+              <a:solidFill>
+                <a:srgbClr val="FFC000"/>
+              </a:solidFill>
+              <a:latin typeface="BIZ UDPゴシック" panose="020B0400000000000000" pitchFamily="50" charset="-128"/>
+              <a:ea typeface="BIZ UDPゴシック" panose="020B0400000000000000" pitchFamily="50" charset="-128"/>
+            </a:endParaRPr>
+          </a:p>
+        </p:txBody>
+      </p:sp>
+      <p:sp>
+        <p:nvSpPr>
+          <p:cNvPr id="24" name="テキスト ボックス 23"/>
+          <p:cNvSpPr txBox="1"/>
+          <p:nvPr/>
+        </p:nvSpPr>
+        <p:spPr>
+          <a:xfrm>
+            <a:off x="7017435" y="6084277"/>
+            <a:ext cx="4206240" cy="584775"/>
+          </a:xfrm>
+          <a:prstGeom prst="rect">
+            <a:avLst/>
+          </a:prstGeom>
+          <a:noFill/>
+        </p:spPr>
+        <p:txBody>
+          <a:bodyPr wrap="square" rtlCol="0">
+            <a:spAutoFit/>
+          </a:bodyPr>
+          <a:lstStyle/>
+          <a:p>
+            <a:r>
+              <a:rPr lang="ja-JP" altLang="en-US" sz="1600" dirty="0" smtClean="0">
+                <a:solidFill>
+                  <a:srgbClr val="0070C0"/>
+                </a:solidFill>
+                <a:latin typeface="BIZ UDPゴシック" panose="020B0400000000000000" pitchFamily="50" charset="-128"/>
+                <a:ea typeface="BIZ UDPゴシック" panose="020B0400000000000000" pitchFamily="50" charset="-128"/>
+              </a:rPr>
+              <a:t>人間全員がまとめ役として</a:t>
+            </a:r>
+            <a:endParaRPr lang="en-US" altLang="ja-JP" sz="1600" dirty="0" smtClean="0">
+              <a:solidFill>
+                <a:srgbClr val="0070C0"/>
+              </a:solidFill>
+              <a:latin typeface="BIZ UDPゴシック" panose="020B0400000000000000" pitchFamily="50" charset="-128"/>
+              <a:ea typeface="BIZ UDPゴシック" panose="020B0400000000000000" pitchFamily="50" charset="-128"/>
+            </a:endParaRPr>
+          </a:p>
+          <a:p>
+            <a:r>
+              <a:rPr lang="ja-JP" altLang="en-US" sz="1600" dirty="0" smtClean="0">
+                <a:solidFill>
+                  <a:srgbClr val="0070C0"/>
+                </a:solidFill>
+                <a:latin typeface="BIZ UDPゴシック" panose="020B0400000000000000" pitchFamily="50" charset="-128"/>
+                <a:ea typeface="BIZ UDPゴシック" panose="020B0400000000000000" pitchFamily="50" charset="-128"/>
+              </a:rPr>
+              <a:t>議論に巻き込まれる</a:t>
+            </a:r>
+            <a:endParaRPr kumimoji="1" lang="ja-JP" altLang="en-US" sz="1600" dirty="0">
+              <a:solidFill>
+                <a:srgbClr val="0070C0"/>
+              </a:solidFill>
+              <a:latin typeface="BIZ UDPゴシック" panose="020B0400000000000000" pitchFamily="50" charset="-128"/>
+              <a:ea typeface="BIZ UDPゴシック" panose="020B0400000000000000" pitchFamily="50" charset="-128"/>
+            </a:endParaRPr>
+          </a:p>
+        </p:txBody>
+      </p:sp>
+    </p:spTree>
+    <p:extLst>
+      <p:ext uri="{BB962C8B-B14F-4D97-AF65-F5344CB8AC3E}">
+        <p14:creationId xmlns:p14="http://schemas.microsoft.com/office/powerpoint/2010/main" val="1854363943"/>
+      </p:ext>
+    </p:extLst>
+  </p:cSld>
+  <p:clrMapOvr>
+    <a:masterClrMapping/>
+  </p:clrMapOvr>
+</p:sld>
+</file>
+
+<file path=ppt/slides/slide14.xml><?xml version="1.0" encoding="utf-8"?>
+<p:sld xmlns:a="http://schemas.openxmlformats.org/drawingml/2006/main" xmlns:r="http://schemas.openxmlformats.org/officeDocument/2006/relationships" xmlns:p="http://schemas.openxmlformats.org/presentationml/2006/main">
+  <p:cSld>
+    <p:spTree>
+      <p:nvGrpSpPr>
+        <p:cNvPr id="1" name=""/>
+        <p:cNvGrpSpPr/>
+        <p:nvPr/>
+      </p:nvGrpSpPr>
+      <p:grpSpPr>
+        <a:xfrm>
+          <a:off x="0" y="0"/>
+          <a:ext cx="0" cy="0"/>
+          <a:chOff x="0" y="0"/>
+          <a:chExt cx="0" cy="0"/>
+        </a:xfrm>
+      </p:grpSpPr>
+      <p:sp>
+        <p:nvSpPr>
+          <p:cNvPr id="2" name="タイトル 1"/>
+          <p:cNvSpPr>
+            <a:spLocks noGrp="1"/>
+          </p:cNvSpPr>
+          <p:nvPr>
+            <p:ph type="title"/>
+          </p:nvPr>
+        </p:nvSpPr>
+        <p:spPr/>
+        <p:txBody>
+          <a:bodyPr/>
+          <a:lstStyle/>
+          <a:p>
+            <a:endParaRPr kumimoji="1" lang="ja-JP" altLang="en-US"/>
+          </a:p>
+        </p:txBody>
+      </p:sp>
+      <mc:AlternateContent xmlns:mc="http://schemas.openxmlformats.org/markup-compatibility/2006">
+        <mc:Choice xmlns:cx="http://schemas.microsoft.com/office/drawing/2014/chartex" Requires="cx">
+          <p:graphicFrame>
+            <p:nvGraphicFramePr>
+              <p:cNvPr id="4" name="グラフ 3"/>
+              <p:cNvGraphicFramePr/>
+              <p:nvPr>
+                <p:extLst>
+                  <p:ext uri="{D42A27DB-BD31-4B8C-83A1-F6EECF244321}">
+                    <p14:modId xmlns:p14="http://schemas.microsoft.com/office/powerpoint/2010/main" val="989697493"/>
+                  </p:ext>
+                </p:extLst>
+              </p:nvPr>
+            </p:nvGraphicFramePr>
+            <p:xfrm>
+              <a:off x="3810000" y="2057400"/>
+              <a:ext cx="4572000" cy="2743200"/>
+            </p:xfrm>
+            <a:graphic>
+              <a:graphicData uri="http://schemas.microsoft.com/office/drawing/2014/chartex">
+                <c:chart xmlns:c="http://schemas.openxmlformats.org/drawingml/2006/chart" xmlns:r="http://schemas.openxmlformats.org/officeDocument/2006/relationships" r:id="rId2"/>
+              </a:graphicData>
+            </a:graphic>
+          </p:graphicFrame>
+        </mc:Choice>
+        <mc:Fallback>
+          <p:pic>
+            <p:nvPicPr>
+              <p:cNvPr id="4" name="グラフ 3"/>
+              <p:cNvPicPr>
+                <a:picLocks noGrp="1" noRot="1" noChangeAspect="1" noMove="1" noResize="1" noEditPoints="1" noAdjustHandles="1" noChangeArrowheads="1" noChangeShapeType="1"/>
+              </p:cNvPicPr>
+              <p:nvPr/>
+            </p:nvPicPr>
+            <p:blipFill>
+              <a:blip r:embed="rId3"/>
+              <a:stretch>
+                <a:fillRect/>
+              </a:stretch>
+            </p:blipFill>
+            <p:spPr>
+              <a:xfrm>
+                <a:off x="3810000" y="2057400"/>
+                <a:ext cx="4572000" cy="2743200"/>
+              </a:xfrm>
+              <a:prstGeom prst="rect">
+                <a:avLst/>
+              </a:prstGeom>
+            </p:spPr>
+          </p:pic>
+        </mc:Fallback>
+      </mc:AlternateContent>
+      <p:sp>
+        <p:nvSpPr>
+          <p:cNvPr id="5" name="テキスト ボックス 4"/>
+          <p:cNvSpPr txBox="1"/>
+          <p:nvPr/>
+        </p:nvSpPr>
+        <p:spPr>
+          <a:xfrm>
+            <a:off x="4360244" y="2464067"/>
+            <a:ext cx="338554" cy="276999"/>
+          </a:xfrm>
+          <a:prstGeom prst="rect">
+            <a:avLst/>
+          </a:prstGeom>
+          <a:noFill/>
+        </p:spPr>
+        <p:txBody>
+          <a:bodyPr wrap="none" rtlCol="0">
+            <a:spAutoFit/>
+          </a:bodyPr>
+          <a:lstStyle/>
+          <a:p>
+            <a:r>
+              <a:rPr kumimoji="1" lang="ja-JP" altLang="en-US" sz="1200" dirty="0" smtClean="0"/>
+              <a:t>人</a:t>
+            </a:r>
+            <a:endParaRPr kumimoji="1" lang="ja-JP" altLang="en-US" dirty="0"/>
+          </a:p>
+        </p:txBody>
+      </p:sp>
+      <p:pic>
+        <p:nvPicPr>
+          <p:cNvPr id="7" name="図 6"/>
+          <p:cNvPicPr>
+            <a:picLocks noChangeAspect="1"/>
+          </p:cNvPicPr>
+          <p:nvPr/>
+        </p:nvPicPr>
+        <p:blipFill>
+          <a:blip r:embed="rId4"/>
+          <a:stretch>
+            <a:fillRect/>
+          </a:stretch>
+        </p:blipFill>
+        <p:spPr>
+          <a:xfrm>
+            <a:off x="1656805" y="3531127"/>
+            <a:ext cx="4572396" cy="2749534"/>
+          </a:xfrm>
+          <a:prstGeom prst="rect">
+            <a:avLst/>
+          </a:prstGeom>
+        </p:spPr>
+      </p:pic>
+    </p:spTree>
+    <p:extLst>
+      <p:ext uri="{BB962C8B-B14F-4D97-AF65-F5344CB8AC3E}">
+        <p14:creationId xmlns:p14="http://schemas.microsoft.com/office/powerpoint/2010/main" val="3973807713"/>
+      </p:ext>
+    </p:extLst>
+  </p:cSld>
+  <p:clrMapOvr>
+    <a:masterClrMapping/>
+  </p:clrMapOvr>
+</p:sld>
+</file>
+
+<file path=ppt/slides/slide15.xml><?xml version="1.0" encoding="utf-8"?>
+<p:sld xmlns:a="http://schemas.openxmlformats.org/drawingml/2006/main" xmlns:r="http://schemas.openxmlformats.org/officeDocument/2006/relationships" xmlns:p="http://schemas.openxmlformats.org/presentationml/2006/main">
+  <p:cSld>
+    <p:spTree>
+      <p:nvGrpSpPr>
+        <p:cNvPr id="1" name=""/>
+        <p:cNvGrpSpPr/>
+        <p:nvPr/>
+      </p:nvGrpSpPr>
+      <p:grpSpPr>
+        <a:xfrm>
+          <a:off x="0" y="0"/>
+          <a:ext cx="0" cy="0"/>
+          <a:chOff x="0" y="0"/>
+          <a:chExt cx="0" cy="0"/>
+        </a:xfrm>
+      </p:grpSpPr>
+      <p:sp>
+        <p:nvSpPr>
+          <p:cNvPr id="4" name="正方形/長方形 3"/>
+          <p:cNvSpPr/>
+          <p:nvPr/>
+        </p:nvSpPr>
+        <p:spPr>
+          <a:xfrm>
+            <a:off x="1246908" y="446682"/>
+            <a:ext cx="7337367" cy="6186309"/>
+          </a:xfrm>
+          <a:prstGeom prst="rect">
+            <a:avLst/>
+          </a:prstGeom>
+        </p:spPr>
+        <p:txBody>
+          <a:bodyPr wrap="square">
+            <a:spAutoFit/>
+          </a:bodyPr>
+          <a:lstStyle/>
+          <a:p>
+            <a:r>
+              <a:rPr lang="ja-JP" altLang="en-US" sz="1100" dirty="0">
+                <a:latin typeface="游明朝" panose="02020400000000000000" pitchFamily="18" charset="-128"/>
+                <a:ea typeface="游明朝" panose="02020400000000000000" pitchFamily="18" charset="-128"/>
+              </a:rPr>
+              <a:t>「死に際は美しいものだ」の例のサンプル</a:t>
+            </a:r>
+          </a:p>
+          <a:p>
+            <a:r>
+              <a:rPr lang="ja-JP" altLang="en-US" sz="1100" dirty="0">
+                <a:latin typeface="游明朝" panose="02020400000000000000" pitchFamily="18" charset="-128"/>
+                <a:ea typeface="游明朝" panose="02020400000000000000" pitchFamily="18" charset="-128"/>
+              </a:rPr>
+              <a:t>	桜の花は、散る間際がいちばんきれいだ</a:t>
+            </a:r>
+          </a:p>
+          <a:p>
+            <a:r>
+              <a:rPr lang="ja-JP" altLang="en-US" sz="1100" dirty="0">
+                <a:latin typeface="游明朝" panose="02020400000000000000" pitchFamily="18" charset="-128"/>
+                <a:ea typeface="游明朝" panose="02020400000000000000" pitchFamily="18" charset="-128"/>
+              </a:rPr>
+              <a:t>	漫画とかでキャラクターが死ぬシーンは、読む人を惹きつける</a:t>
+            </a:r>
+          </a:p>
+          <a:p>
+            <a:r>
+              <a:rPr lang="ja-JP" altLang="en-US" sz="1100" dirty="0">
+                <a:latin typeface="游明朝" panose="02020400000000000000" pitchFamily="18" charset="-128"/>
+                <a:ea typeface="游明朝" panose="02020400000000000000" pitchFamily="18" charset="-128"/>
+              </a:rPr>
+              <a:t>	お葬式の時の装飾は、正直美しい</a:t>
+            </a:r>
+          </a:p>
+          <a:p>
+            <a:r>
+              <a:rPr lang="ja-JP" altLang="en-US" sz="1100" dirty="0">
+                <a:latin typeface="游明朝" panose="02020400000000000000" pitchFamily="18" charset="-128"/>
+                <a:ea typeface="游明朝" panose="02020400000000000000" pitchFamily="18" charset="-128"/>
+              </a:rPr>
+              <a:t>「死に際は美しいものだ」の根拠のサンプル</a:t>
+            </a:r>
+          </a:p>
+          <a:p>
+            <a:r>
+              <a:rPr lang="ja-JP" altLang="en-US" sz="1100" dirty="0">
+                <a:latin typeface="游明朝" panose="02020400000000000000" pitchFamily="18" charset="-128"/>
+                <a:ea typeface="游明朝" panose="02020400000000000000" pitchFamily="18" charset="-128"/>
+              </a:rPr>
+              <a:t>	物事に終わりが見えると、それが最も輝いていた時のことを思い出してしまう</a:t>
+            </a:r>
+          </a:p>
+          <a:p>
+            <a:r>
+              <a:rPr lang="ja-JP" altLang="en-US" sz="1100" dirty="0">
+                <a:latin typeface="游明朝" panose="02020400000000000000" pitchFamily="18" charset="-128"/>
+                <a:ea typeface="游明朝" panose="02020400000000000000" pitchFamily="18" charset="-128"/>
+              </a:rPr>
+              <a:t>	死ぬ間際に全力を出している感じが、人の感動を誘う</a:t>
+            </a:r>
+          </a:p>
+          <a:p>
+            <a:r>
+              <a:rPr lang="ja-JP" altLang="en-US" sz="1100" dirty="0">
+                <a:latin typeface="游明朝" panose="02020400000000000000" pitchFamily="18" charset="-128"/>
+                <a:ea typeface="游明朝" panose="02020400000000000000" pitchFamily="18" charset="-128"/>
+              </a:rPr>
+              <a:t>	別れを惜しむ気持ちが、人の感受性を</a:t>
+            </a:r>
+            <a:r>
+              <a:rPr lang="ja-JP" altLang="en-US" sz="1100" dirty="0" smtClean="0">
+                <a:latin typeface="游明朝" panose="02020400000000000000" pitchFamily="18" charset="-128"/>
+                <a:ea typeface="游明朝" panose="02020400000000000000" pitchFamily="18" charset="-128"/>
+              </a:rPr>
+              <a:t>高める</a:t>
+            </a:r>
+            <a:endParaRPr lang="en-US" altLang="ja-JP" sz="1100" dirty="0" smtClean="0">
+              <a:latin typeface="游明朝" panose="02020400000000000000" pitchFamily="18" charset="-128"/>
+              <a:ea typeface="游明朝" panose="02020400000000000000" pitchFamily="18" charset="-128"/>
+            </a:endParaRPr>
+          </a:p>
+          <a:p>
+            <a:endParaRPr lang="ja-JP" altLang="en-US" sz="1100" dirty="0">
+              <a:latin typeface="游明朝" panose="02020400000000000000" pitchFamily="18" charset="-128"/>
+              <a:ea typeface="游明朝" panose="02020400000000000000" pitchFamily="18" charset="-128"/>
+            </a:endParaRPr>
+          </a:p>
+          <a:p>
+            <a:r>
+              <a:rPr lang="ja-JP" altLang="en-US" sz="1100" dirty="0">
+                <a:latin typeface="游明朝" panose="02020400000000000000" pitchFamily="18" charset="-128"/>
+                <a:ea typeface="游明朝" panose="02020400000000000000" pitchFamily="18" charset="-128"/>
+              </a:rPr>
+              <a:t>「死に際は醜いものだ」の例のサンプル</a:t>
+            </a:r>
+          </a:p>
+          <a:p>
+            <a:r>
+              <a:rPr lang="ja-JP" altLang="en-US" sz="1100" dirty="0">
+                <a:latin typeface="游明朝" panose="02020400000000000000" pitchFamily="18" charset="-128"/>
+                <a:ea typeface="游明朝" panose="02020400000000000000" pitchFamily="18" charset="-128"/>
+              </a:rPr>
+              <a:t>	死ぬ間際の人は、自分では何もできない醜い状態だ</a:t>
+            </a:r>
+          </a:p>
+          <a:p>
+            <a:r>
+              <a:rPr lang="ja-JP" altLang="en-US" sz="1100" dirty="0">
+                <a:latin typeface="游明朝" panose="02020400000000000000" pitchFamily="18" charset="-128"/>
+                <a:ea typeface="游明朝" panose="02020400000000000000" pitchFamily="18" charset="-128"/>
+              </a:rPr>
+              <a:t>	倒産間際に、土下座をして資金を集める社長は、醜い</a:t>
+            </a:r>
+          </a:p>
+          <a:p>
+            <a:r>
+              <a:rPr lang="ja-JP" altLang="en-US" sz="1100" dirty="0">
+                <a:latin typeface="游明朝" panose="02020400000000000000" pitchFamily="18" charset="-128"/>
+                <a:ea typeface="游明朝" panose="02020400000000000000" pitchFamily="18" charset="-128"/>
+              </a:rPr>
+              <a:t>	死にかけの動物にたかる虫は醜さの極みだ</a:t>
+            </a:r>
+          </a:p>
+          <a:p>
+            <a:r>
+              <a:rPr lang="ja-JP" altLang="en-US" sz="1100" dirty="0">
+                <a:latin typeface="游明朝" panose="02020400000000000000" pitchFamily="18" charset="-128"/>
+                <a:ea typeface="游明朝" panose="02020400000000000000" pitchFamily="18" charset="-128"/>
+              </a:rPr>
+              <a:t>「死に際は醜いものだ」の根拠のサンプル</a:t>
+            </a:r>
+          </a:p>
+          <a:p>
+            <a:r>
+              <a:rPr lang="ja-JP" altLang="en-US" sz="1100" dirty="0">
+                <a:latin typeface="游明朝" panose="02020400000000000000" pitchFamily="18" charset="-128"/>
+                <a:ea typeface="游明朝" panose="02020400000000000000" pitchFamily="18" charset="-128"/>
+              </a:rPr>
+              <a:t>	死が醜いから、人はそれを恐れるんだ</a:t>
+            </a:r>
+          </a:p>
+          <a:p>
+            <a:r>
+              <a:rPr lang="ja-JP" altLang="en-US" sz="1100" dirty="0">
+                <a:latin typeface="游明朝" panose="02020400000000000000" pitchFamily="18" charset="-128"/>
+                <a:ea typeface="游明朝" panose="02020400000000000000" pitchFamily="18" charset="-128"/>
+              </a:rPr>
+              <a:t>	自分自身の変化を恐れる様子は、醜いのだ</a:t>
+            </a:r>
+          </a:p>
+          <a:p>
+            <a:r>
+              <a:rPr lang="ja-JP" altLang="en-US" sz="1100" dirty="0">
+                <a:latin typeface="游明朝" panose="02020400000000000000" pitchFamily="18" charset="-128"/>
+                <a:ea typeface="游明朝" panose="02020400000000000000" pitchFamily="18" charset="-128"/>
+              </a:rPr>
+              <a:t>	徐々に何もできなくなっていく様子は</a:t>
+            </a:r>
+            <a:r>
+              <a:rPr lang="ja-JP" altLang="en-US" sz="1100" dirty="0" smtClean="0">
+                <a:latin typeface="游明朝" panose="02020400000000000000" pitchFamily="18" charset="-128"/>
+                <a:ea typeface="游明朝" panose="02020400000000000000" pitchFamily="18" charset="-128"/>
+              </a:rPr>
+              <a:t>醜い</a:t>
+            </a:r>
+            <a:endParaRPr lang="en-US" altLang="ja-JP" sz="1100" dirty="0" smtClean="0">
+              <a:latin typeface="游明朝" panose="02020400000000000000" pitchFamily="18" charset="-128"/>
+              <a:ea typeface="游明朝" panose="02020400000000000000" pitchFamily="18" charset="-128"/>
+            </a:endParaRPr>
+          </a:p>
+          <a:p>
+            <a:endParaRPr lang="en-US" altLang="ja-JP" sz="1100" dirty="0">
+              <a:latin typeface="游明朝" panose="02020400000000000000" pitchFamily="18" charset="-128"/>
+              <a:ea typeface="游明朝" panose="02020400000000000000" pitchFamily="18" charset="-128"/>
+            </a:endParaRPr>
+          </a:p>
+          <a:p>
+            <a:r>
+              <a:rPr lang="ja-JP" altLang="en-US" sz="1100" dirty="0">
+                <a:latin typeface="游明朝" panose="02020400000000000000" pitchFamily="18" charset="-128"/>
+                <a:ea typeface="游明朝" panose="02020400000000000000" pitchFamily="18" charset="-128"/>
+              </a:rPr>
+              <a:t>「共感によって人は馬鹿になる」の例のサンプル</a:t>
+            </a:r>
+          </a:p>
+          <a:p>
+            <a:r>
+              <a:rPr lang="ja-JP" altLang="en-US" sz="1100" dirty="0">
+                <a:latin typeface="游明朝" panose="02020400000000000000" pitchFamily="18" charset="-128"/>
+                <a:ea typeface="游明朝" panose="02020400000000000000" pitchFamily="18" charset="-128"/>
+              </a:rPr>
+              <a:t>	考えなくても「わかる」と言うだけで会話が成立してしまうときがある</a:t>
+            </a:r>
+          </a:p>
+          <a:p>
+            <a:r>
+              <a:rPr lang="ja-JP" altLang="en-US" sz="1100" dirty="0">
+                <a:latin typeface="游明朝" panose="02020400000000000000" pitchFamily="18" charset="-128"/>
+                <a:ea typeface="游明朝" panose="02020400000000000000" pitchFamily="18" charset="-128"/>
+              </a:rPr>
+              <a:t>	</a:t>
+            </a:r>
+            <a:r>
+              <a:rPr lang="en-US" altLang="ja-JP" sz="1100" dirty="0">
+                <a:latin typeface="游明朝" panose="02020400000000000000" pitchFamily="18" charset="-128"/>
+                <a:ea typeface="游明朝" panose="02020400000000000000" pitchFamily="18" charset="-128"/>
+              </a:rPr>
+              <a:t>SNS</a:t>
+            </a:r>
+            <a:r>
+              <a:rPr lang="ja-JP" altLang="en-US" sz="1100" dirty="0">
+                <a:latin typeface="游明朝" panose="02020400000000000000" pitchFamily="18" charset="-128"/>
+                <a:ea typeface="游明朝" panose="02020400000000000000" pitchFamily="18" charset="-128"/>
+              </a:rPr>
+              <a:t>で「いいね」ばかりしていると、思考力が</a:t>
+            </a:r>
+            <a:r>
+              <a:rPr lang="ja-JP" altLang="en-US" sz="1100" dirty="0" smtClean="0">
+                <a:latin typeface="游明朝" panose="02020400000000000000" pitchFamily="18" charset="-128"/>
+                <a:ea typeface="游明朝" panose="02020400000000000000" pitchFamily="18" charset="-128"/>
+              </a:rPr>
+              <a:t>奪われる</a:t>
+            </a:r>
+          </a:p>
+          <a:p>
+            <a:r>
+              <a:rPr lang="ja-JP" altLang="en-US" sz="1100" dirty="0" smtClean="0">
+                <a:latin typeface="游明朝" panose="02020400000000000000" pitchFamily="18" charset="-128"/>
+                <a:ea typeface="游明朝" panose="02020400000000000000" pitchFamily="18" charset="-128"/>
+              </a:rPr>
+              <a:t>	悪口に共感しあうと、同じような意見が増幅されて手が付けられなくなる</a:t>
+            </a:r>
+          </a:p>
+          <a:p>
+            <a:r>
+              <a:rPr lang="ja-JP" altLang="en-US" sz="1100" dirty="0" smtClean="0">
+                <a:latin typeface="游明朝" panose="02020400000000000000" pitchFamily="18" charset="-128"/>
+                <a:ea typeface="游明朝" panose="02020400000000000000" pitchFamily="18" charset="-128"/>
+              </a:rPr>
+              <a:t>「</a:t>
+            </a:r>
+            <a:r>
+              <a:rPr lang="ja-JP" altLang="en-US" sz="1100" dirty="0">
+                <a:latin typeface="游明朝" panose="02020400000000000000" pitchFamily="18" charset="-128"/>
+                <a:ea typeface="游明朝" panose="02020400000000000000" pitchFamily="18" charset="-128"/>
+              </a:rPr>
+              <a:t>共感によって人は馬鹿になる」の根拠のサンプル</a:t>
+            </a:r>
+          </a:p>
+          <a:p>
+            <a:r>
+              <a:rPr lang="ja-JP" altLang="en-US" sz="1100" dirty="0">
+                <a:latin typeface="游明朝" panose="02020400000000000000" pitchFamily="18" charset="-128"/>
+                <a:ea typeface="游明朝" panose="02020400000000000000" pitchFamily="18" charset="-128"/>
+              </a:rPr>
+              <a:t>	共感が増えると批判的な意見が言えなくなるから、思考力が落ちる</a:t>
+            </a:r>
+          </a:p>
+          <a:p>
+            <a:r>
+              <a:rPr lang="ja-JP" altLang="en-US" sz="1100" dirty="0">
+                <a:latin typeface="游明朝" panose="02020400000000000000" pitchFamily="18" charset="-128"/>
+                <a:ea typeface="游明朝" panose="02020400000000000000" pitchFamily="18" charset="-128"/>
+              </a:rPr>
+              <a:t>	共感をされるために行動していると、事実を重視しなくなってしまう</a:t>
+            </a:r>
+          </a:p>
+          <a:p>
+            <a:r>
+              <a:rPr lang="ja-JP" altLang="en-US" sz="1100" dirty="0">
+                <a:latin typeface="游明朝" panose="02020400000000000000" pitchFamily="18" charset="-128"/>
+                <a:ea typeface="游明朝" panose="02020400000000000000" pitchFamily="18" charset="-128"/>
+              </a:rPr>
+              <a:t>	自分が受け入れられるものにしか共感できないから、視野を狭めてしまう</a:t>
+            </a:r>
+          </a:p>
+          <a:p>
+            <a:endParaRPr lang="ja-JP" altLang="en-US" sz="1100" dirty="0">
+              <a:latin typeface="游明朝" panose="02020400000000000000" pitchFamily="18" charset="-128"/>
+              <a:ea typeface="游明朝" panose="02020400000000000000" pitchFamily="18" charset="-128"/>
+            </a:endParaRPr>
+          </a:p>
+          <a:p>
+            <a:r>
+              <a:rPr lang="ja-JP" altLang="en-US" sz="1100" dirty="0">
+                <a:latin typeface="游明朝" panose="02020400000000000000" pitchFamily="18" charset="-128"/>
+                <a:ea typeface="游明朝" panose="02020400000000000000" pitchFamily="18" charset="-128"/>
+              </a:rPr>
+              <a:t>「共感は人を成長させる」の例のサンプル</a:t>
+            </a:r>
+          </a:p>
+          <a:p>
+            <a:r>
+              <a:rPr lang="ja-JP" altLang="en-US" sz="1100" dirty="0">
+                <a:latin typeface="游明朝" panose="02020400000000000000" pitchFamily="18" charset="-128"/>
+                <a:ea typeface="游明朝" panose="02020400000000000000" pitchFamily="18" charset="-128"/>
+              </a:rPr>
+              <a:t>	子供は共感されることで、自信を持った自己決定ができるようになる</a:t>
+            </a:r>
+          </a:p>
+          <a:p>
+            <a:r>
+              <a:rPr lang="ja-JP" altLang="en-US" sz="1100" dirty="0">
+                <a:latin typeface="游明朝" panose="02020400000000000000" pitchFamily="18" charset="-128"/>
+                <a:ea typeface="游明朝" panose="02020400000000000000" pitchFamily="18" charset="-128"/>
+              </a:rPr>
+              <a:t>	優秀なリーダーは、部下に共感することでやる気を引き出している</a:t>
+            </a:r>
+          </a:p>
+          <a:p>
+            <a:r>
+              <a:rPr lang="ja-JP" altLang="en-US" sz="1100" dirty="0">
+                <a:latin typeface="游明朝" panose="02020400000000000000" pitchFamily="18" charset="-128"/>
+                <a:ea typeface="游明朝" panose="02020400000000000000" pitchFamily="18" charset="-128"/>
+              </a:rPr>
+              <a:t>	共感されることで自己開示しやすくなり、自分についての理解が深まる</a:t>
+            </a:r>
+          </a:p>
+          <a:p>
+            <a:r>
+              <a:rPr lang="ja-JP" altLang="en-US" sz="1100" dirty="0">
+                <a:latin typeface="游明朝" panose="02020400000000000000" pitchFamily="18" charset="-128"/>
+                <a:ea typeface="游明朝" panose="02020400000000000000" pitchFamily="18" charset="-128"/>
+              </a:rPr>
+              <a:t>「共感は人を成長させる」の根拠のサンプル</a:t>
+            </a:r>
+          </a:p>
+          <a:p>
+            <a:r>
+              <a:rPr lang="ja-JP" altLang="en-US" sz="1100" dirty="0">
+                <a:latin typeface="游明朝" panose="02020400000000000000" pitchFamily="18" charset="-128"/>
+                <a:ea typeface="游明朝" panose="02020400000000000000" pitchFamily="18" charset="-128"/>
+              </a:rPr>
+              <a:t>	共感によって色々な価値観が理解できるようになるから、それが成長につながる</a:t>
+            </a:r>
+          </a:p>
+          <a:p>
+            <a:r>
+              <a:rPr lang="ja-JP" altLang="en-US" sz="1100" dirty="0">
+                <a:latin typeface="游明朝" panose="02020400000000000000" pitchFamily="18" charset="-128"/>
+                <a:ea typeface="游明朝" panose="02020400000000000000" pitchFamily="18" charset="-128"/>
+              </a:rPr>
+              <a:t>	人から共感されることで、自己受容がしやすくなり、結果的に前向きになれる</a:t>
+            </a:r>
+          </a:p>
+          <a:p>
+            <a:r>
+              <a:rPr lang="ja-JP" altLang="en-US" sz="1100" dirty="0">
+                <a:latin typeface="游明朝" panose="02020400000000000000" pitchFamily="18" charset="-128"/>
+                <a:ea typeface="游明朝" panose="02020400000000000000" pitchFamily="18" charset="-128"/>
+              </a:rPr>
+              <a:t>	信頼できる他者と共感によって繋がることで、より大きな課題に取り組めるように</a:t>
+            </a:r>
+            <a:r>
+              <a:rPr lang="ja-JP" altLang="en-US" sz="1100" dirty="0" smtClean="0">
+                <a:latin typeface="游明朝" panose="02020400000000000000" pitchFamily="18" charset="-128"/>
+                <a:ea typeface="游明朝" panose="02020400000000000000" pitchFamily="18" charset="-128"/>
+              </a:rPr>
+              <a:t>なる</a:t>
+            </a:r>
+            <a:endParaRPr lang="ja-JP" altLang="en-US" sz="1100" dirty="0">
+              <a:latin typeface="游明朝" panose="02020400000000000000" pitchFamily="18" charset="-128"/>
+              <a:ea typeface="游明朝" panose="02020400000000000000" pitchFamily="18" charset="-128"/>
+            </a:endParaRPr>
+          </a:p>
+        </p:txBody>
+      </p:sp>
+    </p:spTree>
+    <p:extLst>
+      <p:ext uri="{BB962C8B-B14F-4D97-AF65-F5344CB8AC3E}">
+        <p14:creationId xmlns:p14="http://schemas.microsoft.com/office/powerpoint/2010/main" val="3013290156"/>
+      </p:ext>
+    </p:extLst>
+  </p:cSld>
+  <p:clrMapOvr>
+    <a:masterClrMapping/>
+  </p:clrMapOvr>
+</p:sld>
+</file>
+
+<file path=ppt/slides/slide16.xml><?xml version="1.0" encoding="utf-8"?>
+<p:sld xmlns:a="http://schemas.openxmlformats.org/drawingml/2006/main" xmlns:r="http://schemas.openxmlformats.org/officeDocument/2006/relationships" xmlns:p="http://schemas.openxmlformats.org/presentationml/2006/main">
+  <p:cSld>
+    <p:spTree>
+      <p:nvGrpSpPr>
+        <p:cNvPr id="1" name=""/>
+        <p:cNvGrpSpPr/>
+        <p:nvPr/>
+      </p:nvGrpSpPr>
+      <p:grpSpPr>
+        <a:xfrm>
+          <a:off x="0" y="0"/>
+          <a:ext cx="0" cy="0"/>
+          <a:chOff x="0" y="0"/>
+          <a:chExt cx="0" cy="0"/>
+        </a:xfrm>
+      </p:grpSpPr>
+      <p:pic>
+        <p:nvPicPr>
+          <p:cNvPr id="4" name="図 3"/>
+          <p:cNvPicPr>
+            <a:picLocks noChangeAspect="1"/>
+          </p:cNvPicPr>
+          <p:nvPr/>
+        </p:nvPicPr>
+        <p:blipFill>
+          <a:blip r:embed="rId2"/>
+          <a:stretch>
+            <a:fillRect/>
+          </a:stretch>
+        </p:blipFill>
+        <p:spPr>
+          <a:xfrm>
+            <a:off x="3873532" y="2500349"/>
+            <a:ext cx="4572396" cy="2749534"/>
+          </a:xfrm>
+          <a:prstGeom prst="rect">
+            <a:avLst/>
+          </a:prstGeom>
+        </p:spPr>
+      </p:pic>
+      <p:sp>
+        <p:nvSpPr>
+          <p:cNvPr id="5" name="テキスト ボックス 4"/>
+          <p:cNvSpPr txBox="1"/>
+          <p:nvPr/>
+        </p:nvSpPr>
+        <p:spPr>
+          <a:xfrm>
+            <a:off x="7536873" y="5119078"/>
+            <a:ext cx="1172116" cy="430887"/>
+          </a:xfrm>
+          <a:prstGeom prst="rect">
+            <a:avLst/>
+          </a:prstGeom>
+          <a:noFill/>
+        </p:spPr>
+        <p:txBody>
+          <a:bodyPr wrap="none" rtlCol="0">
+            <a:spAutoFit/>
+          </a:bodyPr>
+          <a:lstStyle/>
+          <a:p>
+            <a:pPr algn="ctr"/>
+            <a:r>
+              <a:rPr lang="ja-JP" altLang="en-US" sz="1100" dirty="0"/>
+              <a:t>とてもそう思う</a:t>
+            </a:r>
+            <a:endParaRPr lang="en-US" altLang="ja-JP" sz="1100" dirty="0"/>
+          </a:p>
+          <a:p>
+            <a:pPr algn="ctr"/>
+            <a:r>
+              <a:rPr lang="en-US" altLang="ja-JP" sz="1100" dirty="0"/>
+              <a:t>(7)</a:t>
+            </a:r>
+            <a:endParaRPr lang="ja-JP" altLang="en-US" sz="1100" dirty="0"/>
+          </a:p>
+        </p:txBody>
+      </p:sp>
+      <p:sp>
+        <p:nvSpPr>
+          <p:cNvPr id="6" name="テキスト ボックス 5"/>
+          <p:cNvSpPr txBox="1"/>
+          <p:nvPr/>
+        </p:nvSpPr>
+        <p:spPr>
+          <a:xfrm>
+            <a:off x="3876498" y="5119077"/>
+            <a:ext cx="1313180" cy="430887"/>
+          </a:xfrm>
+          <a:prstGeom prst="rect">
+            <a:avLst/>
+          </a:prstGeom>
+          <a:noFill/>
+        </p:spPr>
+        <p:txBody>
+          <a:bodyPr wrap="none" rtlCol="0">
+            <a:spAutoFit/>
+          </a:bodyPr>
+          <a:lstStyle/>
+          <a:p>
+            <a:pPr algn="ctr"/>
+            <a:r>
+              <a:rPr lang="ja-JP" altLang="en-US" sz="1100" dirty="0" smtClean="0"/>
+              <a:t>全くそう思わない</a:t>
+            </a:r>
+            <a:endParaRPr lang="en-US" altLang="ja-JP" sz="1100" dirty="0" smtClean="0"/>
+          </a:p>
+          <a:p>
+            <a:pPr algn="ctr"/>
+            <a:r>
+              <a:rPr lang="en-US" altLang="ja-JP" sz="1100" dirty="0" smtClean="0"/>
+              <a:t>(1)</a:t>
+            </a:r>
+            <a:endParaRPr lang="ja-JP" altLang="en-US" sz="1100" dirty="0"/>
+          </a:p>
+        </p:txBody>
+      </p:sp>
+      <p:sp>
+        <p:nvSpPr>
+          <p:cNvPr id="7" name="テキスト ボックス 6"/>
+          <p:cNvSpPr txBox="1"/>
+          <p:nvPr/>
+        </p:nvSpPr>
+        <p:spPr>
+          <a:xfrm>
+            <a:off x="4209121" y="2682240"/>
+            <a:ext cx="647934" cy="261610"/>
+          </a:xfrm>
+          <a:prstGeom prst="rect">
+            <a:avLst/>
+          </a:prstGeom>
+          <a:noFill/>
+        </p:spPr>
+        <p:txBody>
+          <a:bodyPr wrap="none" rtlCol="0">
+            <a:spAutoFit/>
+          </a:bodyPr>
+          <a:lstStyle/>
+          <a:p>
+            <a:r>
+              <a:rPr kumimoji="1" lang="ja-JP" altLang="en-US" sz="1100" dirty="0" smtClean="0"/>
+              <a:t>単位</a:t>
+            </a:r>
+            <a:r>
+              <a:rPr kumimoji="1" lang="en-US" altLang="ja-JP" sz="1100" dirty="0" smtClean="0"/>
+              <a:t>:</a:t>
+            </a:r>
+            <a:r>
+              <a:rPr kumimoji="1" lang="ja-JP" altLang="en-US" sz="1100" dirty="0" smtClean="0"/>
+              <a:t>人</a:t>
+            </a:r>
+            <a:endParaRPr kumimoji="1" lang="ja-JP" altLang="en-US" sz="1100" dirty="0"/>
+          </a:p>
+        </p:txBody>
+      </p:sp>
+      <p:sp>
+        <p:nvSpPr>
+          <p:cNvPr id="8" name="テキスト ボックス 7"/>
+          <p:cNvSpPr txBox="1"/>
+          <p:nvPr/>
+        </p:nvSpPr>
+        <p:spPr>
+          <a:xfrm>
+            <a:off x="4533088" y="2228269"/>
+            <a:ext cx="3485249" cy="307777"/>
+          </a:xfrm>
+          <a:prstGeom prst="rect">
+            <a:avLst/>
+          </a:prstGeom>
+          <a:noFill/>
+        </p:spPr>
+        <p:txBody>
+          <a:bodyPr wrap="none" rtlCol="0">
+            <a:spAutoFit/>
+          </a:bodyPr>
+          <a:lstStyle/>
+          <a:p>
+            <a:r>
+              <a:rPr lang="en-US" altLang="ja-JP" sz="1400" dirty="0" smtClean="0"/>
+              <a:t>Q31. </a:t>
+            </a:r>
+            <a:r>
+              <a:rPr lang="ja-JP" altLang="en-US" sz="1400" dirty="0" smtClean="0"/>
+              <a:t>システム</a:t>
+            </a:r>
+            <a:r>
+              <a:rPr lang="ja-JP" altLang="en-US" sz="1400" dirty="0"/>
+              <a:t>をまた使ってみたいですか</a:t>
+            </a:r>
+            <a:endParaRPr kumimoji="1" lang="ja-JP" altLang="en-US" dirty="0"/>
+          </a:p>
+        </p:txBody>
+      </p:sp>
+    </p:spTree>
+    <p:extLst>
+      <p:ext uri="{BB962C8B-B14F-4D97-AF65-F5344CB8AC3E}">
+        <p14:creationId xmlns:p14="http://schemas.microsoft.com/office/powerpoint/2010/main" val="509810036"/>
+      </p:ext>
+    </p:extLst>
+  </p:cSld>
+  <p:clrMapOvr>
+    <a:masterClrMapping/>
+  </p:clrMapOvr>
+</p:sld>
+</file>
+
+<file path=ppt/slides/slide17.xml><?xml version="1.0" encoding="utf-8"?>
+<p:sld xmlns:a="http://schemas.openxmlformats.org/drawingml/2006/main" xmlns:r="http://schemas.openxmlformats.org/officeDocument/2006/relationships" xmlns:p="http://schemas.openxmlformats.org/presentationml/2006/main">
+  <p:cSld>
+    <p:spTree>
+      <p:nvGrpSpPr>
+        <p:cNvPr id="1" name=""/>
+        <p:cNvGrpSpPr/>
+        <p:nvPr/>
+      </p:nvGrpSpPr>
+      <p:grpSpPr>
+        <a:xfrm>
+          <a:off x="0" y="0"/>
+          <a:ext cx="0" cy="0"/>
+          <a:chOff x="0" y="0"/>
+          <a:chExt cx="0" cy="0"/>
+        </a:xfrm>
+      </p:grpSpPr>
+      <p:pic>
+        <p:nvPicPr>
+          <p:cNvPr id="5" name="図 4"/>
+          <p:cNvPicPr>
+            <a:picLocks noChangeAspect="1"/>
+          </p:cNvPicPr>
+          <p:nvPr/>
+        </p:nvPicPr>
+        <p:blipFill>
+          <a:blip r:embed="rId2" cstate="print">
+            <a:extLst>
+              <a:ext uri="{28A0092B-C50C-407E-A947-70E740481C1C}">
+                <a14:useLocalDpi xmlns:a14="http://schemas.microsoft.com/office/drawing/2010/main" val="0"/>
+              </a:ext>
+            </a:extLst>
+          </a:blip>
+          <a:stretch>
+            <a:fillRect/>
+          </a:stretch>
+        </p:blipFill>
+        <p:spPr>
+          <a:xfrm>
+            <a:off x="3479569" y="2056014"/>
+            <a:ext cx="5276504" cy="3517669"/>
+          </a:xfrm>
+          <a:prstGeom prst="rect">
+            <a:avLst/>
+          </a:prstGeom>
+        </p:spPr>
+      </p:pic>
+      <p:sp>
+        <p:nvSpPr>
+          <p:cNvPr id="6" name="テキスト ボックス 5"/>
+          <p:cNvSpPr txBox="1"/>
+          <p:nvPr/>
+        </p:nvSpPr>
+        <p:spPr>
+          <a:xfrm>
+            <a:off x="4849090" y="2964873"/>
+            <a:ext cx="2739853" cy="338554"/>
+          </a:xfrm>
+          <a:prstGeom prst="rect">
+            <a:avLst/>
+          </a:prstGeom>
+          <a:solidFill>
+            <a:schemeClr val="bg1">
+              <a:alpha val="40000"/>
+            </a:schemeClr>
+          </a:solidFill>
+        </p:spPr>
+        <p:txBody>
+          <a:bodyPr wrap="none" rtlCol="0">
+            <a:spAutoFit/>
+          </a:bodyPr>
+          <a:lstStyle/>
+          <a:p>
+            <a:r>
+              <a:rPr kumimoji="1" lang="ja-JP" altLang="en-US" sz="1600" dirty="0" smtClean="0">
+                <a:solidFill>
+                  <a:srgbClr val="FF0000"/>
+                </a:solidFill>
+                <a:latin typeface="BIZ UDPゴシック" panose="020B0400000000000000" pitchFamily="50" charset="-128"/>
+                <a:ea typeface="BIZ UDPゴシック" panose="020B0400000000000000" pitchFamily="50" charset="-128"/>
+              </a:rPr>
+              <a:t>ロボットの発話が表示される</a:t>
+            </a:r>
+            <a:endParaRPr kumimoji="1" lang="ja-JP" altLang="en-US" dirty="0">
+              <a:solidFill>
+                <a:srgbClr val="FF0000"/>
+              </a:solidFill>
+              <a:latin typeface="BIZ UDPゴシック" panose="020B0400000000000000" pitchFamily="50" charset="-128"/>
+              <a:ea typeface="BIZ UDPゴシック" panose="020B0400000000000000" pitchFamily="50" charset="-128"/>
+            </a:endParaRPr>
+          </a:p>
+        </p:txBody>
+      </p:sp>
+      <p:sp>
+        <p:nvSpPr>
+          <p:cNvPr id="7" name="テキスト ボックス 6"/>
+          <p:cNvSpPr txBox="1"/>
+          <p:nvPr/>
+        </p:nvSpPr>
+        <p:spPr>
+          <a:xfrm>
+            <a:off x="6461759" y="4646814"/>
+            <a:ext cx="1494320" cy="276999"/>
+          </a:xfrm>
+          <a:prstGeom prst="rect">
+            <a:avLst/>
+          </a:prstGeom>
+          <a:solidFill>
+            <a:schemeClr val="bg1">
+              <a:alpha val="40000"/>
+            </a:schemeClr>
+          </a:solidFill>
+        </p:spPr>
+        <p:txBody>
+          <a:bodyPr wrap="none" rtlCol="0">
+            <a:spAutoFit/>
+          </a:bodyPr>
+          <a:lstStyle/>
+          <a:p>
+            <a:r>
+              <a:rPr lang="ja-JP" altLang="en-US" sz="1200" dirty="0">
+                <a:solidFill>
+                  <a:srgbClr val="FF0000"/>
+                </a:solidFill>
+                <a:latin typeface="BIZ UDPゴシック" panose="020B0400000000000000" pitchFamily="50" charset="-128"/>
+                <a:ea typeface="BIZ UDPゴシック" panose="020B0400000000000000" pitchFamily="50" charset="-128"/>
+              </a:rPr>
+              <a:t>意見</a:t>
+            </a:r>
+            <a:r>
+              <a:rPr kumimoji="1" lang="ja-JP" altLang="en-US" sz="1200" dirty="0" smtClean="0">
+                <a:solidFill>
+                  <a:srgbClr val="FF0000"/>
+                </a:solidFill>
+                <a:latin typeface="BIZ UDPゴシック" panose="020B0400000000000000" pitchFamily="50" charset="-128"/>
+                <a:ea typeface="BIZ UDPゴシック" panose="020B0400000000000000" pitchFamily="50" charset="-128"/>
+              </a:rPr>
+              <a:t>入力フィールド</a:t>
+            </a:r>
+            <a:endParaRPr kumimoji="1" lang="ja-JP" altLang="en-US" sz="1400" dirty="0">
+              <a:solidFill>
+                <a:srgbClr val="FF0000"/>
+              </a:solidFill>
+              <a:latin typeface="BIZ UDPゴシック" panose="020B0400000000000000" pitchFamily="50" charset="-128"/>
+              <a:ea typeface="BIZ UDPゴシック" panose="020B0400000000000000" pitchFamily="50" charset="-128"/>
+            </a:endParaRPr>
+          </a:p>
+        </p:txBody>
+      </p:sp>
+      <p:sp>
+        <p:nvSpPr>
+          <p:cNvPr id="8" name="テキスト ボックス 7"/>
+          <p:cNvSpPr txBox="1"/>
+          <p:nvPr/>
+        </p:nvSpPr>
+        <p:spPr>
+          <a:xfrm>
+            <a:off x="3211482" y="5312073"/>
+            <a:ext cx="2103461" cy="523220"/>
+          </a:xfrm>
+          <a:prstGeom prst="rect">
+            <a:avLst/>
+          </a:prstGeom>
+          <a:solidFill>
+            <a:schemeClr val="bg1">
+              <a:alpha val="60000"/>
+            </a:schemeClr>
+          </a:solidFill>
+        </p:spPr>
+        <p:txBody>
+          <a:bodyPr wrap="none" rtlCol="0">
+            <a:spAutoFit/>
+          </a:bodyPr>
+          <a:lstStyle/>
+          <a:p>
+            <a:r>
+              <a:rPr kumimoji="1" lang="ja-JP" altLang="en-US" sz="1400" dirty="0" smtClean="0">
+                <a:solidFill>
+                  <a:srgbClr val="FF0000"/>
+                </a:solidFill>
+                <a:latin typeface="BIZ UDPゴシック" panose="020B0400000000000000" pitchFamily="50" charset="-128"/>
+                <a:ea typeface="BIZ UDPゴシック" panose="020B0400000000000000" pitchFamily="50" charset="-128"/>
+              </a:rPr>
+              <a:t>意見サンプルが</a:t>
+            </a:r>
+            <a:endParaRPr kumimoji="1" lang="en-US" altLang="ja-JP" sz="1400" dirty="0" smtClean="0">
+              <a:solidFill>
+                <a:srgbClr val="FF0000"/>
+              </a:solidFill>
+              <a:latin typeface="BIZ UDPゴシック" panose="020B0400000000000000" pitchFamily="50" charset="-128"/>
+              <a:ea typeface="BIZ UDPゴシック" panose="020B0400000000000000" pitchFamily="50" charset="-128"/>
+            </a:endParaRPr>
+          </a:p>
+          <a:p>
+            <a:r>
+              <a:rPr kumimoji="1" lang="ja-JP" altLang="en-US" sz="1400" dirty="0" smtClean="0">
+                <a:solidFill>
+                  <a:srgbClr val="FF0000"/>
+                </a:solidFill>
+                <a:latin typeface="BIZ UDPゴシック" panose="020B0400000000000000" pitchFamily="50" charset="-128"/>
+                <a:ea typeface="BIZ UDPゴシック" panose="020B0400000000000000" pitchFamily="50" charset="-128"/>
+              </a:rPr>
+              <a:t>選択肢として表示される</a:t>
+            </a:r>
+            <a:endParaRPr kumimoji="1" lang="ja-JP" altLang="en-US" sz="1400" dirty="0">
+              <a:solidFill>
+                <a:srgbClr val="FF0000"/>
+              </a:solidFill>
+              <a:latin typeface="BIZ UDPゴシック" panose="020B0400000000000000" pitchFamily="50" charset="-128"/>
+              <a:ea typeface="BIZ UDPゴシック" panose="020B0400000000000000" pitchFamily="50" charset="-128"/>
+            </a:endParaRPr>
+          </a:p>
+        </p:txBody>
+      </p:sp>
+    </p:spTree>
+    <p:extLst>
+      <p:ext uri="{BB962C8B-B14F-4D97-AF65-F5344CB8AC3E}">
+        <p14:creationId xmlns:p14="http://schemas.microsoft.com/office/powerpoint/2010/main" val="1367454071"/>
       </p:ext>
     </p:extLst>
   </p:cSld>
@@ -17908,6 +23651,384 @@
           <p:nvPr/>
         </p:nvPicPr>
         <p:blipFill>
+          <a:blip r:embed="rId2" cstate="print">
+            <a:extLst>
+              <a:ext uri="{28A0092B-C50C-407E-A947-70E740481C1C}">
+                <a14:useLocalDpi xmlns:a14="http://schemas.microsoft.com/office/drawing/2010/main" val="0"/>
+              </a:ext>
+            </a:extLst>
+          </a:blip>
+          <a:stretch>
+            <a:fillRect/>
+          </a:stretch>
+        </p:blipFill>
+        <p:spPr>
+          <a:xfrm>
+            <a:off x="2792384" y="911166"/>
+            <a:ext cx="7665028" cy="5110019"/>
+          </a:xfrm>
+          <a:prstGeom prst="rect">
+            <a:avLst/>
+          </a:prstGeom>
+        </p:spPr>
+      </p:pic>
+      <p:sp>
+        <p:nvSpPr>
+          <p:cNvPr id="5" name="テキスト ボックス 4"/>
+          <p:cNvSpPr txBox="1"/>
+          <p:nvPr/>
+        </p:nvSpPr>
+        <p:spPr>
+          <a:xfrm>
+            <a:off x="1524000" y="1235826"/>
+            <a:ext cx="877163" cy="369332"/>
+          </a:xfrm>
+          <a:prstGeom prst="rect">
+            <a:avLst/>
+          </a:prstGeom>
+          <a:noFill/>
+        </p:spPr>
+        <p:txBody>
+          <a:bodyPr wrap="none" rtlCol="0">
+            <a:spAutoFit/>
+          </a:bodyPr>
+          <a:lstStyle/>
+          <a:p>
+            <a:r>
+              <a:rPr lang="ja-JP" altLang="en-US" dirty="0" smtClean="0">
+                <a:solidFill>
+                  <a:srgbClr val="FF0000"/>
+                </a:solidFill>
+                <a:latin typeface="BIZ UDPゴシック" panose="020B0400000000000000" pitchFamily="50" charset="-128"/>
+                <a:ea typeface="BIZ UDPゴシック" panose="020B0400000000000000" pitchFamily="50" charset="-128"/>
+              </a:rPr>
+              <a:t>接続語</a:t>
+            </a:r>
+            <a:endParaRPr lang="en-US" altLang="ja-JP" dirty="0" smtClean="0">
+              <a:solidFill>
+                <a:srgbClr val="FF0000"/>
+              </a:solidFill>
+              <a:latin typeface="BIZ UDPゴシック" panose="020B0400000000000000" pitchFamily="50" charset="-128"/>
+              <a:ea typeface="BIZ UDPゴシック" panose="020B0400000000000000" pitchFamily="50" charset="-128"/>
+            </a:endParaRPr>
+          </a:p>
+        </p:txBody>
+      </p:sp>
+      <p:sp>
+        <p:nvSpPr>
+          <p:cNvPr id="6" name="テキスト ボックス 5"/>
+          <p:cNvSpPr txBox="1"/>
+          <p:nvPr/>
+        </p:nvSpPr>
+        <p:spPr>
+          <a:xfrm>
+            <a:off x="576349" y="2169623"/>
+            <a:ext cx="2216035" cy="646331"/>
+          </a:xfrm>
+          <a:prstGeom prst="rect">
+            <a:avLst/>
+          </a:prstGeom>
+          <a:noFill/>
+        </p:spPr>
+        <p:txBody>
+          <a:bodyPr wrap="square" rtlCol="0">
+            <a:spAutoFit/>
+          </a:bodyPr>
+          <a:lstStyle/>
+          <a:p>
+            <a:r>
+              <a:rPr lang="ja-JP" altLang="en-US" dirty="0">
+                <a:solidFill>
+                  <a:srgbClr val="FF0000"/>
+                </a:solidFill>
+                <a:latin typeface="BIZ UDPゴシック" panose="020B0400000000000000" pitchFamily="50" charset="-128"/>
+                <a:ea typeface="BIZ UDPゴシック" panose="020B0400000000000000" pitchFamily="50" charset="-128"/>
+              </a:rPr>
+              <a:t>意見</a:t>
+            </a:r>
+            <a:r>
+              <a:rPr lang="ja-JP" altLang="en-US" dirty="0" smtClean="0">
+                <a:solidFill>
+                  <a:srgbClr val="FF0000"/>
+                </a:solidFill>
+                <a:latin typeface="BIZ UDPゴシック" panose="020B0400000000000000" pitchFamily="50" charset="-128"/>
+                <a:ea typeface="BIZ UDPゴシック" panose="020B0400000000000000" pitchFamily="50" charset="-128"/>
+              </a:rPr>
+              <a:t>データベースから抽出された発話</a:t>
+            </a:r>
+            <a:endParaRPr lang="en-US" altLang="ja-JP" dirty="0" smtClean="0">
+              <a:solidFill>
+                <a:srgbClr val="FF0000"/>
+              </a:solidFill>
+              <a:latin typeface="BIZ UDPゴシック" panose="020B0400000000000000" pitchFamily="50" charset="-128"/>
+              <a:ea typeface="BIZ UDPゴシック" panose="020B0400000000000000" pitchFamily="50" charset="-128"/>
+            </a:endParaRPr>
+          </a:p>
+        </p:txBody>
+      </p:sp>
+      <p:sp>
+        <p:nvSpPr>
+          <p:cNvPr id="7" name="テキスト ボックス 6"/>
+          <p:cNvSpPr txBox="1"/>
+          <p:nvPr/>
+        </p:nvSpPr>
+        <p:spPr>
+          <a:xfrm>
+            <a:off x="576348" y="3492235"/>
+            <a:ext cx="2216035" cy="646331"/>
+          </a:xfrm>
+          <a:prstGeom prst="rect">
+            <a:avLst/>
+          </a:prstGeom>
+          <a:noFill/>
+        </p:spPr>
+        <p:txBody>
+          <a:bodyPr wrap="square" rtlCol="0">
+            <a:spAutoFit/>
+          </a:bodyPr>
+          <a:lstStyle/>
+          <a:p>
+            <a:r>
+              <a:rPr lang="ja-JP" altLang="en-US" dirty="0" smtClean="0">
+                <a:solidFill>
+                  <a:srgbClr val="FF0000"/>
+                </a:solidFill>
+                <a:latin typeface="BIZ UDPゴシック" panose="020B0400000000000000" pitchFamily="50" charset="-128"/>
+                <a:ea typeface="BIZ UDPゴシック" panose="020B0400000000000000" pitchFamily="50" charset="-128"/>
+              </a:rPr>
+              <a:t>肯定</a:t>
+            </a:r>
+            <a:r>
+              <a:rPr lang="en-US" altLang="ja-JP" dirty="0" smtClean="0">
+                <a:solidFill>
+                  <a:srgbClr val="FF0000"/>
+                </a:solidFill>
+                <a:latin typeface="BIZ UDPゴシック" panose="020B0400000000000000" pitchFamily="50" charset="-128"/>
+                <a:ea typeface="BIZ UDPゴシック" panose="020B0400000000000000" pitchFamily="50" charset="-128"/>
+              </a:rPr>
+              <a:t>or</a:t>
+            </a:r>
+            <a:r>
+              <a:rPr lang="ja-JP" altLang="en-US" dirty="0" smtClean="0">
+                <a:solidFill>
+                  <a:srgbClr val="FF0000"/>
+                </a:solidFill>
+                <a:latin typeface="BIZ UDPゴシック" panose="020B0400000000000000" pitchFamily="50" charset="-128"/>
+                <a:ea typeface="BIZ UDPゴシック" panose="020B0400000000000000" pitchFamily="50" charset="-128"/>
+              </a:rPr>
+              <a:t>共感を表す</a:t>
+            </a:r>
+            <a:endParaRPr lang="en-US" altLang="ja-JP" dirty="0" smtClean="0">
+              <a:solidFill>
+                <a:srgbClr val="FF0000"/>
+              </a:solidFill>
+              <a:latin typeface="BIZ UDPゴシック" panose="020B0400000000000000" pitchFamily="50" charset="-128"/>
+              <a:ea typeface="BIZ UDPゴシック" panose="020B0400000000000000" pitchFamily="50" charset="-128"/>
+            </a:endParaRPr>
+          </a:p>
+          <a:p>
+            <a:r>
+              <a:rPr lang="ja-JP" altLang="en-US" dirty="0" smtClean="0">
+                <a:solidFill>
+                  <a:srgbClr val="FF0000"/>
+                </a:solidFill>
+                <a:latin typeface="BIZ UDPゴシック" panose="020B0400000000000000" pitchFamily="50" charset="-128"/>
+                <a:ea typeface="BIZ UDPゴシック" panose="020B0400000000000000" pitchFamily="50" charset="-128"/>
+              </a:rPr>
+              <a:t>あいづち</a:t>
+            </a:r>
+            <a:endParaRPr lang="en-US" altLang="ja-JP" dirty="0" smtClean="0">
+              <a:solidFill>
+                <a:srgbClr val="FF0000"/>
+              </a:solidFill>
+              <a:latin typeface="BIZ UDPゴシック" panose="020B0400000000000000" pitchFamily="50" charset="-128"/>
+              <a:ea typeface="BIZ UDPゴシック" panose="020B0400000000000000" pitchFamily="50" charset="-128"/>
+            </a:endParaRPr>
+          </a:p>
+        </p:txBody>
+      </p:sp>
+      <p:sp>
+        <p:nvSpPr>
+          <p:cNvPr id="8" name="テキスト ボックス 7"/>
+          <p:cNvSpPr txBox="1"/>
+          <p:nvPr/>
+        </p:nvSpPr>
+        <p:spPr>
+          <a:xfrm>
+            <a:off x="576348" y="4703031"/>
+            <a:ext cx="2216035" cy="646331"/>
+          </a:xfrm>
+          <a:prstGeom prst="rect">
+            <a:avLst/>
+          </a:prstGeom>
+          <a:noFill/>
+        </p:spPr>
+        <p:txBody>
+          <a:bodyPr wrap="square" rtlCol="0">
+            <a:spAutoFit/>
+          </a:bodyPr>
+          <a:lstStyle/>
+          <a:p>
+            <a:r>
+              <a:rPr lang="ja-JP" altLang="en-US" dirty="0" smtClean="0">
+                <a:solidFill>
+                  <a:srgbClr val="FF0000"/>
+                </a:solidFill>
+                <a:latin typeface="BIZ UDPゴシック" panose="020B0400000000000000" pitchFamily="50" charset="-128"/>
+                <a:ea typeface="BIZ UDPゴシック" panose="020B0400000000000000" pitchFamily="50" charset="-128"/>
+              </a:rPr>
+              <a:t>否定</a:t>
+            </a:r>
+            <a:r>
+              <a:rPr lang="en-US" altLang="ja-JP" dirty="0" smtClean="0">
+                <a:solidFill>
+                  <a:srgbClr val="FF0000"/>
+                </a:solidFill>
+                <a:latin typeface="BIZ UDPゴシック" panose="020B0400000000000000" pitchFamily="50" charset="-128"/>
+                <a:ea typeface="BIZ UDPゴシック" panose="020B0400000000000000" pitchFamily="50" charset="-128"/>
+              </a:rPr>
+              <a:t>or</a:t>
+            </a:r>
+            <a:r>
+              <a:rPr lang="ja-JP" altLang="en-US" dirty="0" smtClean="0">
+                <a:solidFill>
+                  <a:srgbClr val="FF0000"/>
+                </a:solidFill>
+                <a:latin typeface="BIZ UDPゴシック" panose="020B0400000000000000" pitchFamily="50" charset="-128"/>
+                <a:ea typeface="BIZ UDPゴシック" panose="020B0400000000000000" pitchFamily="50" charset="-128"/>
+              </a:rPr>
+              <a:t>反論を表す</a:t>
+            </a:r>
+            <a:endParaRPr lang="en-US" altLang="ja-JP" dirty="0" smtClean="0">
+              <a:solidFill>
+                <a:srgbClr val="FF0000"/>
+              </a:solidFill>
+              <a:latin typeface="BIZ UDPゴシック" panose="020B0400000000000000" pitchFamily="50" charset="-128"/>
+              <a:ea typeface="BIZ UDPゴシック" panose="020B0400000000000000" pitchFamily="50" charset="-128"/>
+            </a:endParaRPr>
+          </a:p>
+          <a:p>
+            <a:r>
+              <a:rPr lang="ja-JP" altLang="en-US" dirty="0" smtClean="0">
+                <a:solidFill>
+                  <a:srgbClr val="FF0000"/>
+                </a:solidFill>
+                <a:latin typeface="BIZ UDPゴシック" panose="020B0400000000000000" pitchFamily="50" charset="-128"/>
+                <a:ea typeface="BIZ UDPゴシック" panose="020B0400000000000000" pitchFamily="50" charset="-128"/>
+              </a:rPr>
+              <a:t>あいづち</a:t>
+            </a:r>
+            <a:endParaRPr lang="en-US" altLang="ja-JP" dirty="0" smtClean="0">
+              <a:solidFill>
+                <a:srgbClr val="FF0000"/>
+              </a:solidFill>
+              <a:latin typeface="BIZ UDPゴシック" panose="020B0400000000000000" pitchFamily="50" charset="-128"/>
+              <a:ea typeface="BIZ UDPゴシック" panose="020B0400000000000000" pitchFamily="50" charset="-128"/>
+            </a:endParaRPr>
+          </a:p>
+        </p:txBody>
+      </p:sp>
+      <p:sp>
+        <p:nvSpPr>
+          <p:cNvPr id="9" name="テキスト ボックス 8"/>
+          <p:cNvSpPr txBox="1"/>
+          <p:nvPr/>
+        </p:nvSpPr>
+        <p:spPr>
+          <a:xfrm>
+            <a:off x="8997142" y="423950"/>
+            <a:ext cx="2212465" cy="369332"/>
+          </a:xfrm>
+          <a:prstGeom prst="rect">
+            <a:avLst/>
+          </a:prstGeom>
+          <a:noFill/>
+        </p:spPr>
+        <p:txBody>
+          <a:bodyPr wrap="none" rtlCol="0">
+            <a:spAutoFit/>
+          </a:bodyPr>
+          <a:lstStyle/>
+          <a:p>
+            <a:r>
+              <a:rPr lang="ja-JP" altLang="en-US" dirty="0" smtClean="0">
+                <a:solidFill>
+                  <a:srgbClr val="FF0000"/>
+                </a:solidFill>
+                <a:latin typeface="BIZ UDPゴシック" panose="020B0400000000000000" pitchFamily="50" charset="-128"/>
+                <a:ea typeface="BIZ UDPゴシック" panose="020B0400000000000000" pitchFamily="50" charset="-128"/>
+              </a:rPr>
+              <a:t>「他の選択肢</a:t>
+            </a:r>
+            <a:r>
+              <a:rPr lang="ja-JP" altLang="en-US" dirty="0">
+                <a:solidFill>
+                  <a:srgbClr val="FF0000"/>
+                </a:solidFill>
+                <a:latin typeface="BIZ UDPゴシック" panose="020B0400000000000000" pitchFamily="50" charset="-128"/>
+                <a:ea typeface="BIZ UDPゴシック" panose="020B0400000000000000" pitchFamily="50" charset="-128"/>
+              </a:rPr>
+              <a:t>」</a:t>
+            </a:r>
+            <a:r>
+              <a:rPr lang="ja-JP" altLang="en-US" dirty="0" smtClean="0">
+                <a:solidFill>
+                  <a:srgbClr val="FF0000"/>
+                </a:solidFill>
+                <a:latin typeface="BIZ UDPゴシック" panose="020B0400000000000000" pitchFamily="50" charset="-128"/>
+                <a:ea typeface="BIZ UDPゴシック" panose="020B0400000000000000" pitchFamily="50" charset="-128"/>
+              </a:rPr>
+              <a:t>ボタン</a:t>
+            </a:r>
+            <a:endParaRPr lang="en-US" altLang="ja-JP" dirty="0" smtClean="0">
+              <a:solidFill>
+                <a:srgbClr val="FF0000"/>
+              </a:solidFill>
+              <a:latin typeface="BIZ UDPゴシック" panose="020B0400000000000000" pitchFamily="50" charset="-128"/>
+              <a:ea typeface="BIZ UDPゴシック" panose="020B0400000000000000" pitchFamily="50" charset="-128"/>
+            </a:endParaRPr>
+          </a:p>
+        </p:txBody>
+      </p:sp>
+    </p:spTree>
+    <p:extLst>
+      <p:ext uri="{BB962C8B-B14F-4D97-AF65-F5344CB8AC3E}">
+        <p14:creationId xmlns:p14="http://schemas.microsoft.com/office/powerpoint/2010/main" val="2248635987"/>
+      </p:ext>
+    </p:extLst>
+  </p:cSld>
+  <p:clrMapOvr>
+    <a:masterClrMapping/>
+  </p:clrMapOvr>
+</p:sld>
+</file>
+
+<file path=ppt/slides/slide8.xml><?xml version="1.0" encoding="utf-8"?>
+<p:sld xmlns:a="http://schemas.openxmlformats.org/drawingml/2006/main" xmlns:r="http://schemas.openxmlformats.org/officeDocument/2006/relationships" xmlns:p="http://schemas.openxmlformats.org/presentationml/2006/main">
+  <p:cSld>
+    <p:spTree>
+      <p:nvGrpSpPr>
+        <p:cNvPr id="1" name=""/>
+        <p:cNvGrpSpPr/>
+        <p:nvPr/>
+      </p:nvGrpSpPr>
+      <p:grpSpPr>
+        <a:xfrm>
+          <a:off x="0" y="0"/>
+          <a:ext cx="0" cy="0"/>
+          <a:chOff x="0" y="0"/>
+          <a:chExt cx="0" cy="0"/>
+        </a:xfrm>
+      </p:grpSpPr>
+      <p:pic>
+        <p:nvPicPr>
+          <p:cNvPr id="4" name="図 3"/>
+          <p:cNvPicPr>
+            <a:picLocks noChangeAspect="1"/>
+          </p:cNvPicPr>
+          <p:nvPr/>
+        </p:nvPicPr>
+        <p:blipFill>
           <a:blip r:embed="rId2"/>
           <a:stretch>
             <a:fillRect/>
@@ -18010,7 +24131,7 @@
           <p:nvPr>
             <p:extLst>
               <p:ext uri="{D42A27DB-BD31-4B8C-83A1-F6EECF244321}">
-                <p14:modId xmlns:p14="http://schemas.microsoft.com/office/powerpoint/2010/main" val="2848781348"/>
+                <p14:modId xmlns:p14="http://schemas.microsoft.com/office/powerpoint/2010/main" val="22790747"/>
               </p:ext>
             </p:extLst>
           </p:nvPr>
@@ -18038,7 +24159,7 @@
 </p:sld>
 </file>
 
-<file path=ppt/slides/slide8.xml><?xml version="1.0" encoding="utf-8"?>
+<file path=ppt/slides/slide9.xml><?xml version="1.0" encoding="utf-8"?>
 <p:sld xmlns:a="http://schemas.openxmlformats.org/drawingml/2006/main" xmlns:r="http://schemas.openxmlformats.org/officeDocument/2006/relationships" xmlns:p="http://schemas.openxmlformats.org/presentationml/2006/main">
   <p:cSld>
     <p:spTree>
@@ -18064,7 +24185,7 @@
           <p:nvPr>
             <p:extLst>
               <p:ext uri="{D42A27DB-BD31-4B8C-83A1-F6EECF244321}">
-                <p14:modId xmlns:p14="http://schemas.microsoft.com/office/powerpoint/2010/main" val="157801332"/>
+                <p14:modId xmlns:p14="http://schemas.microsoft.com/office/powerpoint/2010/main" val="2821172712"/>
               </p:ext>
             </p:extLst>
           </p:nvPr>
@@ -18088,7 +24209,7 @@
           <p:nvPr>
             <p:extLst>
               <p:ext uri="{D42A27DB-BD31-4B8C-83A1-F6EECF244321}">
-                <p14:modId xmlns:p14="http://schemas.microsoft.com/office/powerpoint/2010/main" val="2402402571"/>
+                <p14:modId xmlns:p14="http://schemas.microsoft.com/office/powerpoint/2010/main" val="2742111158"/>
               </p:ext>
             </p:extLst>
           </p:nvPr>
@@ -18112,7 +24233,7 @@
           <p:nvPr>
             <p:extLst>
               <p:ext uri="{D42A27DB-BD31-4B8C-83A1-F6EECF244321}">
-                <p14:modId xmlns:p14="http://schemas.microsoft.com/office/powerpoint/2010/main" val="1466832709"/>
+                <p14:modId xmlns:p14="http://schemas.microsoft.com/office/powerpoint/2010/main" val="541224863"/>
               </p:ext>
             </p:extLst>
           </p:nvPr>
